--- a/Apresentação.pptx
+++ b/Apresentação.pptx
@@ -122,6 +122,1074 @@
     </p:ext>
   </p:extLst>
 </p:presentation>
+</file>
+
+<file path=ppt/charts/chart1.xml><?xml version="1.0" encoding="utf-8"?>
+<c:chartSpace xmlns:c="http://schemas.openxmlformats.org/drawingml/2006/chart" xmlns:a="http://schemas.openxmlformats.org/drawingml/2006/main" xmlns:r="http://schemas.openxmlformats.org/officeDocument/2006/relationships">
+  <c:date1904 val="0"/>
+  <c:lang val="en-US"/>
+  <c:roundedCorners val="0"/>
+  <mc:AlternateContent xmlns:mc="http://schemas.openxmlformats.org/markup-compatibility/2006">
+    <mc:Choice xmlns:c14="http://schemas.microsoft.com/office/drawing/2007/8/2/chart" Requires="c14">
+      <c14:style val="102"/>
+    </mc:Choice>
+    <mc:Fallback>
+      <c:style val="2"/>
+    </mc:Fallback>
+  </mc:AlternateContent>
+  <c:chart>
+    <c:autoTitleDeleted val="1"/>
+    <c:plotArea>
+      <c:layout/>
+      <c:lineChart>
+        <c:grouping val="standard"/>
+        <c:varyColors val="0"/>
+        <c:ser>
+          <c:idx val="0"/>
+          <c:order val="0"/>
+          <c:tx>
+            <c:strRef>
+              <c:f>Sheet1!$D$4</c:f>
+              <c:strCache>
+                <c:ptCount val="1"/>
+                <c:pt idx="0">
+                  <c:v>OpenMP</c:v>
+                </c:pt>
+              </c:strCache>
+            </c:strRef>
+          </c:tx>
+          <c:spPr>
+            <a:ln w="28575" cap="rnd">
+              <a:solidFill>
+                <a:schemeClr val="accent2"/>
+              </a:solidFill>
+              <a:round/>
+            </a:ln>
+            <a:effectLst/>
+          </c:spPr>
+          <c:marker>
+            <c:symbol val="none"/>
+          </c:marker>
+          <c:cat>
+            <c:numRef>
+              <c:f>Sheet1!$C$5:$C$12</c:f>
+              <c:numCache>
+                <c:formatCode>General</c:formatCode>
+                <c:ptCount val="8"/>
+                <c:pt idx="0">
+                  <c:v>1</c:v>
+                </c:pt>
+                <c:pt idx="1">
+                  <c:v>2</c:v>
+                </c:pt>
+                <c:pt idx="2">
+                  <c:v>4</c:v>
+                </c:pt>
+                <c:pt idx="3">
+                  <c:v>8</c:v>
+                </c:pt>
+                <c:pt idx="4">
+                  <c:v>16</c:v>
+                </c:pt>
+                <c:pt idx="5">
+                  <c:v>20</c:v>
+                </c:pt>
+                <c:pt idx="6">
+                  <c:v>28</c:v>
+                </c:pt>
+                <c:pt idx="7">
+                  <c:v>32</c:v>
+                </c:pt>
+              </c:numCache>
+            </c:numRef>
+          </c:cat>
+          <c:val>
+            <c:numRef>
+              <c:f>Sheet1!$D$5:$D$12</c:f>
+              <c:numCache>
+                <c:formatCode>General</c:formatCode>
+                <c:ptCount val="8"/>
+                <c:pt idx="0">
+                  <c:v>3.8403839999999998</c:v>
+                </c:pt>
+                <c:pt idx="1">
+                  <c:v>2.0195449999999999</c:v>
+                </c:pt>
+                <c:pt idx="2">
+                  <c:v>1.1726589999999999</c:v>
+                </c:pt>
+                <c:pt idx="3">
+                  <c:v>0.98020099999999999</c:v>
+                </c:pt>
+                <c:pt idx="4">
+                  <c:v>0.96654700000000005</c:v>
+                </c:pt>
+                <c:pt idx="5">
+                  <c:v>0.92763600000000002</c:v>
+                </c:pt>
+                <c:pt idx="6">
+                  <c:v>1.0604979999999999</c:v>
+                </c:pt>
+                <c:pt idx="7">
+                  <c:v>1.1492640000000001</c:v>
+                </c:pt>
+              </c:numCache>
+            </c:numRef>
+          </c:val>
+          <c:smooth val="0"/>
+        </c:ser>
+        <c:ser>
+          <c:idx val="1"/>
+          <c:order val="1"/>
+          <c:tx>
+            <c:strRef>
+              <c:f>Sheet1!$E$4</c:f>
+              <c:strCache>
+                <c:ptCount val="1"/>
+                <c:pt idx="0">
+                  <c:v>OpenMPI</c:v>
+                </c:pt>
+              </c:strCache>
+            </c:strRef>
+          </c:tx>
+          <c:spPr>
+            <a:ln w="28575" cap="rnd">
+              <a:solidFill>
+                <a:schemeClr val="accent4"/>
+              </a:solidFill>
+              <a:round/>
+            </a:ln>
+            <a:effectLst/>
+          </c:spPr>
+          <c:marker>
+            <c:symbol val="none"/>
+          </c:marker>
+          <c:cat>
+            <c:numRef>
+              <c:f>Sheet1!$C$5:$C$12</c:f>
+              <c:numCache>
+                <c:formatCode>General</c:formatCode>
+                <c:ptCount val="8"/>
+                <c:pt idx="0">
+                  <c:v>1</c:v>
+                </c:pt>
+                <c:pt idx="1">
+                  <c:v>2</c:v>
+                </c:pt>
+                <c:pt idx="2">
+                  <c:v>4</c:v>
+                </c:pt>
+                <c:pt idx="3">
+                  <c:v>8</c:v>
+                </c:pt>
+                <c:pt idx="4">
+                  <c:v>16</c:v>
+                </c:pt>
+                <c:pt idx="5">
+                  <c:v>20</c:v>
+                </c:pt>
+                <c:pt idx="6">
+                  <c:v>28</c:v>
+                </c:pt>
+                <c:pt idx="7">
+                  <c:v>32</c:v>
+                </c:pt>
+              </c:numCache>
+            </c:numRef>
+          </c:cat>
+          <c:val>
+            <c:numRef>
+              <c:f>Sheet1!$E$5:$E$12</c:f>
+              <c:numCache>
+                <c:formatCode>General</c:formatCode>
+                <c:ptCount val="8"/>
+                <c:pt idx="0">
+                  <c:v>3.002888</c:v>
+                </c:pt>
+                <c:pt idx="1">
+                  <c:v>1.466702</c:v>
+                </c:pt>
+                <c:pt idx="2">
+                  <c:v>0.71601599999999999</c:v>
+                </c:pt>
+                <c:pt idx="3">
+                  <c:v>0.39228400000000002</c:v>
+                </c:pt>
+                <c:pt idx="4">
+                  <c:v>0.241592</c:v>
+                </c:pt>
+                <c:pt idx="5">
+                  <c:v>0.199936</c:v>
+                </c:pt>
+                <c:pt idx="6">
+                  <c:v>0.26292599999999999</c:v>
+                </c:pt>
+                <c:pt idx="7">
+                  <c:v>0.26620100000000002</c:v>
+                </c:pt>
+              </c:numCache>
+            </c:numRef>
+          </c:val>
+          <c:smooth val="0"/>
+        </c:ser>
+        <c:dLbls>
+          <c:showLegendKey val="0"/>
+          <c:showVal val="0"/>
+          <c:showCatName val="0"/>
+          <c:showSerName val="0"/>
+          <c:showPercent val="0"/>
+          <c:showBubbleSize val="0"/>
+        </c:dLbls>
+        <c:smooth val="0"/>
+        <c:axId val="2129221632"/>
+        <c:axId val="2129227616"/>
+      </c:lineChart>
+      <c:catAx>
+        <c:axId val="2129221632"/>
+        <c:scaling>
+          <c:orientation val="minMax"/>
+        </c:scaling>
+        <c:delete val="0"/>
+        <c:axPos val="b"/>
+        <c:title>
+          <c:tx>
+            <c:rich>
+              <a:bodyPr rot="0" spcFirstLastPara="1" vertOverflow="ellipsis" vert="horz" wrap="square" anchor="ctr" anchorCtr="1"/>
+              <a:lstStyle/>
+              <a:p>
+                <a:pPr>
+                  <a:defRPr sz="1000" b="0" i="0" u="none" strike="noStrike" kern="1200" baseline="0">
+                    <a:solidFill>
+                      <a:schemeClr val="tx1">
+                        <a:lumMod val="65000"/>
+                        <a:lumOff val="35000"/>
+                      </a:schemeClr>
+                    </a:solidFill>
+                    <a:latin typeface="+mn-lt"/>
+                    <a:ea typeface="+mn-ea"/>
+                    <a:cs typeface="+mn-cs"/>
+                  </a:defRPr>
+                </a:pPr>
+                <a:r>
+                  <a:rPr lang="en-US"/>
+                  <a:t>Threads</a:t>
+                </a:r>
+                <a:r>
+                  <a:rPr lang="en-US" baseline="0"/>
+                  <a:t> / Processos</a:t>
+                </a:r>
+              </a:p>
+            </c:rich>
+          </c:tx>
+          <c:layout/>
+          <c:overlay val="0"/>
+          <c:spPr>
+            <a:noFill/>
+            <a:ln>
+              <a:noFill/>
+            </a:ln>
+            <a:effectLst/>
+          </c:spPr>
+          <c:txPr>
+            <a:bodyPr rot="0" spcFirstLastPara="1" vertOverflow="ellipsis" vert="horz" wrap="square" anchor="ctr" anchorCtr="1"/>
+            <a:lstStyle/>
+            <a:p>
+              <a:pPr>
+                <a:defRPr sz="1000" b="0" i="0" u="none" strike="noStrike" kern="1200" baseline="0">
+                  <a:solidFill>
+                    <a:schemeClr val="tx1">
+                      <a:lumMod val="65000"/>
+                      <a:lumOff val="35000"/>
+                    </a:schemeClr>
+                  </a:solidFill>
+                  <a:latin typeface="+mn-lt"/>
+                  <a:ea typeface="+mn-ea"/>
+                  <a:cs typeface="+mn-cs"/>
+                </a:defRPr>
+              </a:pPr>
+              <a:endParaRPr lang="en-US"/>
+            </a:p>
+          </c:txPr>
+        </c:title>
+        <c:numFmt formatCode="General" sourceLinked="1"/>
+        <c:majorTickMark val="none"/>
+        <c:minorTickMark val="none"/>
+        <c:tickLblPos val="nextTo"/>
+        <c:spPr>
+          <a:noFill/>
+          <a:ln w="9525" cap="flat" cmpd="sng" algn="ctr">
+            <a:solidFill>
+              <a:schemeClr val="tx1">
+                <a:lumMod val="15000"/>
+                <a:lumOff val="85000"/>
+              </a:schemeClr>
+            </a:solidFill>
+            <a:round/>
+          </a:ln>
+          <a:effectLst/>
+        </c:spPr>
+        <c:txPr>
+          <a:bodyPr rot="-60000000" spcFirstLastPara="1" vertOverflow="ellipsis" vert="horz" wrap="square" anchor="ctr" anchorCtr="1"/>
+          <a:lstStyle/>
+          <a:p>
+            <a:pPr>
+              <a:defRPr sz="900" b="0" i="0" u="none" strike="noStrike" kern="1200" baseline="0">
+                <a:solidFill>
+                  <a:schemeClr val="tx1">
+                    <a:lumMod val="65000"/>
+                    <a:lumOff val="35000"/>
+                  </a:schemeClr>
+                </a:solidFill>
+                <a:latin typeface="+mn-lt"/>
+                <a:ea typeface="+mn-ea"/>
+                <a:cs typeface="+mn-cs"/>
+              </a:defRPr>
+            </a:pPr>
+            <a:endParaRPr lang="en-US"/>
+          </a:p>
+        </c:txPr>
+        <c:crossAx val="2129227616"/>
+        <c:crosses val="autoZero"/>
+        <c:auto val="1"/>
+        <c:lblAlgn val="ctr"/>
+        <c:lblOffset val="100"/>
+        <c:noMultiLvlLbl val="0"/>
+      </c:catAx>
+      <c:valAx>
+        <c:axId val="2129227616"/>
+        <c:scaling>
+          <c:orientation val="minMax"/>
+        </c:scaling>
+        <c:delete val="0"/>
+        <c:axPos val="l"/>
+        <c:majorGridlines>
+          <c:spPr>
+            <a:ln w="9525" cap="flat" cmpd="sng" algn="ctr">
+              <a:solidFill>
+                <a:schemeClr val="tx1">
+                  <a:lumMod val="15000"/>
+                  <a:lumOff val="85000"/>
+                </a:schemeClr>
+              </a:solidFill>
+              <a:round/>
+            </a:ln>
+            <a:effectLst/>
+          </c:spPr>
+        </c:majorGridlines>
+        <c:title>
+          <c:tx>
+            <c:rich>
+              <a:bodyPr rot="-5400000" spcFirstLastPara="1" vertOverflow="ellipsis" vert="horz" wrap="square" anchor="ctr" anchorCtr="1"/>
+              <a:lstStyle/>
+              <a:p>
+                <a:pPr>
+                  <a:defRPr sz="1000" b="0" i="0" u="none" strike="noStrike" kern="1200" baseline="0">
+                    <a:solidFill>
+                      <a:schemeClr val="tx1">
+                        <a:lumMod val="65000"/>
+                        <a:lumOff val="35000"/>
+                      </a:schemeClr>
+                    </a:solidFill>
+                    <a:latin typeface="+mn-lt"/>
+                    <a:ea typeface="+mn-ea"/>
+                    <a:cs typeface="+mn-cs"/>
+                  </a:defRPr>
+                </a:pPr>
+                <a:r>
+                  <a:rPr lang="en-US"/>
+                  <a:t>Tempo</a:t>
+                </a:r>
+                <a:r>
+                  <a:rPr lang="en-US" baseline="0"/>
+                  <a:t> (s)</a:t>
+                </a:r>
+                <a:endParaRPr lang="en-US"/>
+              </a:p>
+            </c:rich>
+          </c:tx>
+          <c:layout/>
+          <c:overlay val="0"/>
+          <c:spPr>
+            <a:noFill/>
+            <a:ln>
+              <a:noFill/>
+            </a:ln>
+            <a:effectLst/>
+          </c:spPr>
+          <c:txPr>
+            <a:bodyPr rot="-5400000" spcFirstLastPara="1" vertOverflow="ellipsis" vert="horz" wrap="square" anchor="ctr" anchorCtr="1"/>
+            <a:lstStyle/>
+            <a:p>
+              <a:pPr>
+                <a:defRPr sz="1000" b="0" i="0" u="none" strike="noStrike" kern="1200" baseline="0">
+                  <a:solidFill>
+                    <a:schemeClr val="tx1">
+                      <a:lumMod val="65000"/>
+                      <a:lumOff val="35000"/>
+                    </a:schemeClr>
+                  </a:solidFill>
+                  <a:latin typeface="+mn-lt"/>
+                  <a:ea typeface="+mn-ea"/>
+                  <a:cs typeface="+mn-cs"/>
+                </a:defRPr>
+              </a:pPr>
+              <a:endParaRPr lang="en-US"/>
+            </a:p>
+          </c:txPr>
+        </c:title>
+        <c:numFmt formatCode="General" sourceLinked="1"/>
+        <c:majorTickMark val="none"/>
+        <c:minorTickMark val="none"/>
+        <c:tickLblPos val="nextTo"/>
+        <c:spPr>
+          <a:noFill/>
+          <a:ln>
+            <a:noFill/>
+          </a:ln>
+          <a:effectLst/>
+        </c:spPr>
+        <c:txPr>
+          <a:bodyPr rot="-60000000" spcFirstLastPara="1" vertOverflow="ellipsis" vert="horz" wrap="square" anchor="ctr" anchorCtr="1"/>
+          <a:lstStyle/>
+          <a:p>
+            <a:pPr>
+              <a:defRPr sz="900" b="0" i="0" u="none" strike="noStrike" kern="1200" baseline="0">
+                <a:solidFill>
+                  <a:schemeClr val="tx1">
+                    <a:lumMod val="65000"/>
+                    <a:lumOff val="35000"/>
+                  </a:schemeClr>
+                </a:solidFill>
+                <a:latin typeface="+mn-lt"/>
+                <a:ea typeface="+mn-ea"/>
+                <a:cs typeface="+mn-cs"/>
+              </a:defRPr>
+            </a:pPr>
+            <a:endParaRPr lang="en-US"/>
+          </a:p>
+        </c:txPr>
+        <c:crossAx val="2129221632"/>
+        <c:crosses val="autoZero"/>
+        <c:crossBetween val="between"/>
+      </c:valAx>
+      <c:spPr>
+        <a:noFill/>
+        <a:ln>
+          <a:noFill/>
+        </a:ln>
+        <a:effectLst/>
+      </c:spPr>
+    </c:plotArea>
+    <c:legend>
+      <c:legendPos val="b"/>
+      <c:layout/>
+      <c:overlay val="0"/>
+      <c:spPr>
+        <a:noFill/>
+        <a:ln>
+          <a:noFill/>
+        </a:ln>
+        <a:effectLst/>
+      </c:spPr>
+      <c:txPr>
+        <a:bodyPr rot="0" spcFirstLastPara="1" vertOverflow="ellipsis" vert="horz" wrap="square" anchor="ctr" anchorCtr="1"/>
+        <a:lstStyle/>
+        <a:p>
+          <a:pPr>
+            <a:defRPr sz="900" b="0" i="0" u="none" strike="noStrike" kern="1200" baseline="0">
+              <a:solidFill>
+                <a:schemeClr val="tx1">
+                  <a:lumMod val="65000"/>
+                  <a:lumOff val="35000"/>
+                </a:schemeClr>
+              </a:solidFill>
+              <a:latin typeface="+mn-lt"/>
+              <a:ea typeface="+mn-ea"/>
+              <a:cs typeface="+mn-cs"/>
+            </a:defRPr>
+          </a:pPr>
+          <a:endParaRPr lang="en-US"/>
+        </a:p>
+      </c:txPr>
+    </c:legend>
+    <c:plotVisOnly val="1"/>
+    <c:dispBlanksAs val="gap"/>
+    <c:showDLblsOverMax val="0"/>
+  </c:chart>
+  <c:spPr>
+    <a:noFill/>
+    <a:ln>
+      <a:noFill/>
+    </a:ln>
+    <a:effectLst/>
+  </c:spPr>
+  <c:txPr>
+    <a:bodyPr/>
+    <a:lstStyle/>
+    <a:p>
+      <a:pPr>
+        <a:defRPr/>
+      </a:pPr>
+      <a:endParaRPr lang="en-US"/>
+    </a:p>
+  </c:txPr>
+  <c:externalData r:id="rId3">
+    <c:autoUpdate val="0"/>
+  </c:externalData>
+</c:chartSpace>
+</file>
+
+<file path=ppt/charts/colors1.xml><?xml version="1.0" encoding="utf-8"?>
+<cs:colorStyle xmlns:cs="http://schemas.microsoft.com/office/drawing/2012/chartStyle" xmlns:a="http://schemas.openxmlformats.org/drawingml/2006/main" meth="cycle" id="12">
+  <a:schemeClr val="accent2"/>
+  <a:schemeClr val="accent4"/>
+  <a:schemeClr val="accent6"/>
+  <cs:variation/>
+  <cs:variation>
+    <a:lumMod val="60000"/>
+  </cs:variation>
+  <cs:variation>
+    <a:lumMod val="80000"/>
+    <a:lumOff val="20000"/>
+  </cs:variation>
+  <cs:variation>
+    <a:lumMod val="80000"/>
+  </cs:variation>
+  <cs:variation>
+    <a:lumMod val="60000"/>
+    <a:lumOff val="40000"/>
+  </cs:variation>
+  <cs:variation>
+    <a:lumMod val="50000"/>
+  </cs:variation>
+  <cs:variation>
+    <a:lumMod val="70000"/>
+    <a:lumOff val="30000"/>
+  </cs:variation>
+  <cs:variation>
+    <a:lumMod val="70000"/>
+  </cs:variation>
+  <cs:variation>
+    <a:lumMod val="50000"/>
+    <a:lumOff val="50000"/>
+  </cs:variation>
+</cs:colorStyle>
+</file>
+
+<file path=ppt/charts/style1.xml><?xml version="1.0" encoding="utf-8"?>
+<cs:chartStyle xmlns:cs="http://schemas.microsoft.com/office/drawing/2012/chartStyle" xmlns:a="http://schemas.openxmlformats.org/drawingml/2006/main" id="227">
+  <cs:axisTitle>
+    <cs:lnRef idx="0"/>
+    <cs:fillRef idx="0"/>
+    <cs:effectRef idx="0"/>
+    <cs:fontRef idx="minor">
+      <a:schemeClr val="tx1">
+        <a:lumMod val="65000"/>
+        <a:lumOff val="35000"/>
+      </a:schemeClr>
+    </cs:fontRef>
+    <cs:defRPr sz="1000" kern="1200"/>
+  </cs:axisTitle>
+  <cs:categoryAxis>
+    <cs:lnRef idx="0"/>
+    <cs:fillRef idx="0"/>
+    <cs:effectRef idx="0"/>
+    <cs:fontRef idx="minor">
+      <a:schemeClr val="tx1">
+        <a:lumMod val="65000"/>
+        <a:lumOff val="35000"/>
+      </a:schemeClr>
+    </cs:fontRef>
+    <cs:spPr>
+      <a:ln w="9525" cap="flat" cmpd="sng" algn="ctr">
+        <a:solidFill>
+          <a:schemeClr val="tx1">
+            <a:lumMod val="15000"/>
+            <a:lumOff val="85000"/>
+          </a:schemeClr>
+        </a:solidFill>
+        <a:round/>
+      </a:ln>
+    </cs:spPr>
+    <cs:defRPr sz="900" kern="1200"/>
+  </cs:categoryAxis>
+  <cs:chartArea mods="allowNoFillOverride allowNoLineOverride">
+    <cs:lnRef idx="0"/>
+    <cs:fillRef idx="0"/>
+    <cs:effectRef idx="0"/>
+    <cs:fontRef idx="minor">
+      <a:schemeClr val="tx1"/>
+    </cs:fontRef>
+    <cs:spPr>
+      <a:solidFill>
+        <a:schemeClr val="bg1"/>
+      </a:solidFill>
+      <a:ln w="9525" cap="flat" cmpd="sng" algn="ctr">
+        <a:solidFill>
+          <a:schemeClr val="tx1">
+            <a:lumMod val="15000"/>
+            <a:lumOff val="85000"/>
+          </a:schemeClr>
+        </a:solidFill>
+        <a:round/>
+      </a:ln>
+    </cs:spPr>
+    <cs:defRPr sz="1000" kern="1200"/>
+  </cs:chartArea>
+  <cs:dataLabel>
+    <cs:lnRef idx="0"/>
+    <cs:fillRef idx="0"/>
+    <cs:effectRef idx="0"/>
+    <cs:fontRef idx="minor">
+      <a:schemeClr val="tx1">
+        <a:lumMod val="75000"/>
+        <a:lumOff val="25000"/>
+      </a:schemeClr>
+    </cs:fontRef>
+    <cs:defRPr sz="900" kern="1200"/>
+  </cs:dataLabel>
+  <cs:dataLabelCallout>
+    <cs:lnRef idx="0"/>
+    <cs:fillRef idx="0"/>
+    <cs:effectRef idx="0"/>
+    <cs:fontRef idx="minor">
+      <a:schemeClr val="dk1">
+        <a:lumMod val="65000"/>
+        <a:lumOff val="35000"/>
+      </a:schemeClr>
+    </cs:fontRef>
+    <cs:spPr>
+      <a:solidFill>
+        <a:schemeClr val="lt1"/>
+      </a:solidFill>
+      <a:ln>
+        <a:solidFill>
+          <a:schemeClr val="dk1">
+            <a:lumMod val="25000"/>
+            <a:lumOff val="75000"/>
+          </a:schemeClr>
+        </a:solidFill>
+      </a:ln>
+    </cs:spPr>
+    <cs:defRPr sz="900" kern="1200"/>
+    <cs:bodyPr rot="0" spcFirstLastPara="1" vertOverflow="clip" horzOverflow="clip" vert="horz" wrap="square" lIns="36576" tIns="18288" rIns="36576" bIns="18288" anchor="ctr" anchorCtr="1">
+      <a:spAutoFit/>
+    </cs:bodyPr>
+  </cs:dataLabelCallout>
+  <cs:dataPoint>
+    <cs:lnRef idx="0"/>
+    <cs:fillRef idx="1">
+      <cs:styleClr val="auto"/>
+    </cs:fillRef>
+    <cs:effectRef idx="0"/>
+    <cs:fontRef idx="minor">
+      <a:schemeClr val="tx1"/>
+    </cs:fontRef>
+    <cs:spPr>
+      <a:solidFill>
+        <a:schemeClr val="phClr"/>
+      </a:solidFill>
+    </cs:spPr>
+  </cs:dataPoint>
+  <cs:dataPoint3D>
+    <cs:lnRef idx="0"/>
+    <cs:fillRef idx="1">
+      <cs:styleClr val="auto"/>
+    </cs:fillRef>
+    <cs:effectRef idx="0"/>
+    <cs:fontRef idx="minor">
+      <a:schemeClr val="tx1"/>
+    </cs:fontRef>
+    <cs:spPr>
+      <a:solidFill>
+        <a:schemeClr val="phClr"/>
+      </a:solidFill>
+    </cs:spPr>
+  </cs:dataPoint3D>
+  <cs:dataPointLine>
+    <cs:lnRef idx="0">
+      <cs:styleClr val="auto"/>
+    </cs:lnRef>
+    <cs:fillRef idx="1"/>
+    <cs:effectRef idx="0"/>
+    <cs:fontRef idx="minor">
+      <a:schemeClr val="tx1"/>
+    </cs:fontRef>
+    <cs:spPr>
+      <a:ln w="28575" cap="rnd">
+        <a:solidFill>
+          <a:schemeClr val="phClr"/>
+        </a:solidFill>
+        <a:round/>
+      </a:ln>
+    </cs:spPr>
+  </cs:dataPointLine>
+  <cs:dataPointMarker>
+    <cs:lnRef idx="0">
+      <cs:styleClr val="auto"/>
+    </cs:lnRef>
+    <cs:fillRef idx="1">
+      <cs:styleClr val="auto"/>
+    </cs:fillRef>
+    <cs:effectRef idx="0"/>
+    <cs:fontRef idx="minor">
+      <a:schemeClr val="tx1"/>
+    </cs:fontRef>
+    <cs:spPr>
+      <a:solidFill>
+        <a:schemeClr val="phClr"/>
+      </a:solidFill>
+      <a:ln w="9525">
+        <a:solidFill>
+          <a:schemeClr val="phClr"/>
+        </a:solidFill>
+      </a:ln>
+    </cs:spPr>
+  </cs:dataPointMarker>
+  <cs:dataPointMarkerLayout symbol="circle" size="5"/>
+  <cs:dataPointWireframe>
+    <cs:lnRef idx="0">
+      <cs:styleClr val="auto"/>
+    </cs:lnRef>
+    <cs:fillRef idx="1"/>
+    <cs:effectRef idx="0"/>
+    <cs:fontRef idx="minor">
+      <a:schemeClr val="tx1"/>
+    </cs:fontRef>
+    <cs:spPr>
+      <a:ln w="9525" cap="rnd">
+        <a:solidFill>
+          <a:schemeClr val="phClr"/>
+        </a:solidFill>
+        <a:round/>
+      </a:ln>
+    </cs:spPr>
+  </cs:dataPointWireframe>
+  <cs:dataTable>
+    <cs:lnRef idx="0"/>
+    <cs:fillRef idx="0"/>
+    <cs:effectRef idx="0"/>
+    <cs:fontRef idx="minor">
+      <a:schemeClr val="tx1">
+        <a:lumMod val="65000"/>
+        <a:lumOff val="35000"/>
+      </a:schemeClr>
+    </cs:fontRef>
+    <cs:spPr>
+      <a:noFill/>
+      <a:ln w="9525" cap="flat" cmpd="sng" algn="ctr">
+        <a:solidFill>
+          <a:schemeClr val="tx1">
+            <a:lumMod val="15000"/>
+            <a:lumOff val="85000"/>
+          </a:schemeClr>
+        </a:solidFill>
+        <a:round/>
+      </a:ln>
+    </cs:spPr>
+    <cs:defRPr sz="900" kern="1200"/>
+  </cs:dataTable>
+  <cs:downBar>
+    <cs:lnRef idx="0"/>
+    <cs:fillRef idx="0"/>
+    <cs:effectRef idx="0"/>
+    <cs:fontRef idx="minor">
+      <a:schemeClr val="dk1"/>
+    </cs:fontRef>
+    <cs:spPr>
+      <a:solidFill>
+        <a:schemeClr val="dk1">
+          <a:lumMod val="65000"/>
+          <a:lumOff val="35000"/>
+        </a:schemeClr>
+      </a:solidFill>
+      <a:ln w="9525">
+        <a:solidFill>
+          <a:schemeClr val="tx1">
+            <a:lumMod val="65000"/>
+            <a:lumOff val="35000"/>
+          </a:schemeClr>
+        </a:solidFill>
+      </a:ln>
+    </cs:spPr>
+  </cs:downBar>
+  <cs:dropLine>
+    <cs:lnRef idx="0"/>
+    <cs:fillRef idx="0"/>
+    <cs:effectRef idx="0"/>
+    <cs:fontRef idx="minor">
+      <a:schemeClr val="tx1"/>
+    </cs:fontRef>
+    <cs:spPr>
+      <a:ln w="9525" cap="flat" cmpd="sng" algn="ctr">
+        <a:solidFill>
+          <a:schemeClr val="tx1">
+            <a:lumMod val="35000"/>
+            <a:lumOff val="65000"/>
+          </a:schemeClr>
+        </a:solidFill>
+        <a:round/>
+      </a:ln>
+    </cs:spPr>
+  </cs:dropLine>
+  <cs:errorBar>
+    <cs:lnRef idx="0"/>
+    <cs:fillRef idx="0"/>
+    <cs:effectRef idx="0"/>
+    <cs:fontRef idx="minor">
+      <a:schemeClr val="tx1"/>
+    </cs:fontRef>
+    <cs:spPr>
+      <a:ln w="9525" cap="flat" cmpd="sng" algn="ctr">
+        <a:solidFill>
+          <a:schemeClr val="tx1">
+            <a:lumMod val="65000"/>
+            <a:lumOff val="35000"/>
+          </a:schemeClr>
+        </a:solidFill>
+        <a:round/>
+      </a:ln>
+    </cs:spPr>
+  </cs:errorBar>
+  <cs:floor>
+    <cs:lnRef idx="0"/>
+    <cs:fillRef idx="0"/>
+    <cs:effectRef idx="0"/>
+    <cs:fontRef idx="minor">
+      <a:schemeClr val="tx1"/>
+    </cs:fontRef>
+    <cs:spPr>
+      <a:noFill/>
+      <a:ln>
+        <a:noFill/>
+      </a:ln>
+    </cs:spPr>
+  </cs:floor>
+  <cs:gridlineMajor>
+    <cs:lnRef idx="0"/>
+    <cs:fillRef idx="0"/>
+    <cs:effectRef idx="0"/>
+    <cs:fontRef idx="minor">
+      <a:schemeClr val="tx1"/>
+    </cs:fontRef>
+    <cs:spPr>
+      <a:ln w="9525" cap="flat" cmpd="sng" algn="ctr">
+        <a:solidFill>
+          <a:schemeClr val="tx1">
+            <a:lumMod val="15000"/>
+            <a:lumOff val="85000"/>
+          </a:schemeClr>
+        </a:solidFill>
+        <a:round/>
+      </a:ln>
+    </cs:spPr>
+  </cs:gridlineMajor>
+  <cs:gridlineMinor>
+    <cs:lnRef idx="0"/>
+    <cs:fillRef idx="0"/>
+    <cs:effectRef idx="0"/>
+    <cs:fontRef idx="minor">
+      <a:schemeClr val="tx1"/>
+    </cs:fontRef>
+    <cs:spPr>
+      <a:ln w="9525" cap="flat" cmpd="sng" algn="ctr">
+        <a:solidFill>
+          <a:schemeClr val="tx1">
+            <a:lumMod val="5000"/>
+            <a:lumOff val="95000"/>
+          </a:schemeClr>
+        </a:solidFill>
+        <a:round/>
+      </a:ln>
+    </cs:spPr>
+  </cs:gridlineMinor>
+  <cs:hiLoLine>
+    <cs:lnRef idx="0"/>
+    <cs:fillRef idx="0"/>
+    <cs:effectRef idx="0"/>
+    <cs:fontRef idx="minor">
+      <a:schemeClr val="tx1"/>
+    </cs:fontRef>
+    <cs:spPr>
+      <a:ln w="9525" cap="flat" cmpd="sng" algn="ctr">
+        <a:solidFill>
+          <a:schemeClr val="tx1">
+            <a:lumMod val="75000"/>
+            <a:lumOff val="25000"/>
+          </a:schemeClr>
+        </a:solidFill>
+        <a:round/>
+      </a:ln>
+    </cs:spPr>
+  </cs:hiLoLine>
+  <cs:leaderLine>
+    <cs:lnRef idx="0"/>
+    <cs:fillRef idx="0"/>
+    <cs:effectRef idx="0"/>
+    <cs:fontRef idx="minor">
+      <a:schemeClr val="tx1"/>
+    </cs:fontRef>
+    <cs:spPr>
+      <a:ln w="9525" cap="flat" cmpd="sng" algn="ctr">
+        <a:solidFill>
+          <a:schemeClr val="tx1">
+            <a:lumMod val="35000"/>
+            <a:lumOff val="65000"/>
+          </a:schemeClr>
+        </a:solidFill>
+        <a:round/>
+      </a:ln>
+    </cs:spPr>
+  </cs:leaderLine>
+  <cs:legend>
+    <cs:lnRef idx="0"/>
+    <cs:fillRef idx="0"/>
+    <cs:effectRef idx="0"/>
+    <cs:fontRef idx="minor">
+      <a:schemeClr val="tx1">
+        <a:lumMod val="65000"/>
+        <a:lumOff val="35000"/>
+      </a:schemeClr>
+    </cs:fontRef>
+    <cs:defRPr sz="900" kern="1200"/>
+  </cs:legend>
+  <cs:plotArea mods="allowNoFillOverride allowNoLineOverride">
+    <cs:lnRef idx="0"/>
+    <cs:fillRef idx="0"/>
+    <cs:effectRef idx="0"/>
+    <cs:fontRef idx="minor">
+      <a:schemeClr val="tx1"/>
+    </cs:fontRef>
+  </cs:plotArea>
+  <cs:plotArea3D mods="allowNoFillOverride allowNoLineOverride">
+    <cs:lnRef idx="0"/>
+    <cs:fillRef idx="0"/>
+    <cs:effectRef idx="0"/>
+    <cs:fontRef idx="minor">
+      <a:schemeClr val="tx1"/>
+    </cs:fontRef>
+  </cs:plotArea3D>
+  <cs:seriesAxis>
+    <cs:lnRef idx="0"/>
+    <cs:fillRef idx="0"/>
+    <cs:effectRef idx="0"/>
+    <cs:fontRef idx="minor">
+      <a:schemeClr val="tx1">
+        <a:lumMod val="65000"/>
+        <a:lumOff val="35000"/>
+      </a:schemeClr>
+    </cs:fontRef>
+    <cs:defRPr sz="900" kern="1200"/>
+  </cs:seriesAxis>
+  <cs:seriesLine>
+    <cs:lnRef idx="0"/>
+    <cs:fillRef idx="0"/>
+    <cs:effectRef idx="0"/>
+    <cs:fontRef idx="minor">
+      <a:schemeClr val="tx1"/>
+    </cs:fontRef>
+    <cs:spPr>
+      <a:ln w="9525" cap="flat" cmpd="sng" algn="ctr">
+        <a:solidFill>
+          <a:schemeClr val="tx1">
+            <a:lumMod val="35000"/>
+            <a:lumOff val="65000"/>
+          </a:schemeClr>
+        </a:solidFill>
+        <a:round/>
+      </a:ln>
+    </cs:spPr>
+  </cs:seriesLine>
+  <cs:title>
+    <cs:lnRef idx="0"/>
+    <cs:fillRef idx="0"/>
+    <cs:effectRef idx="0"/>
+    <cs:fontRef idx="minor">
+      <a:schemeClr val="tx1">
+        <a:lumMod val="65000"/>
+        <a:lumOff val="35000"/>
+      </a:schemeClr>
+    </cs:fontRef>
+    <cs:defRPr sz="1400" b="0" kern="1200" spc="0" baseline="0"/>
+  </cs:title>
+  <cs:trendline>
+    <cs:lnRef idx="0">
+      <cs:styleClr val="auto"/>
+    </cs:lnRef>
+    <cs:fillRef idx="0"/>
+    <cs:effectRef idx="0"/>
+    <cs:fontRef idx="minor">
+      <a:schemeClr val="tx1"/>
+    </cs:fontRef>
+    <cs:spPr>
+      <a:ln w="19050" cap="rnd">
+        <a:solidFill>
+          <a:schemeClr val="phClr"/>
+        </a:solidFill>
+        <a:prstDash val="sysDot"/>
+      </a:ln>
+    </cs:spPr>
+  </cs:trendline>
+  <cs:trendlineLabel>
+    <cs:lnRef idx="0"/>
+    <cs:fillRef idx="0"/>
+    <cs:effectRef idx="0"/>
+    <cs:fontRef idx="minor">
+      <a:schemeClr val="tx1">
+        <a:lumMod val="65000"/>
+        <a:lumOff val="35000"/>
+      </a:schemeClr>
+    </cs:fontRef>
+    <cs:defRPr sz="900" kern="1200"/>
+  </cs:trendlineLabel>
+  <cs:upBar>
+    <cs:lnRef idx="0"/>
+    <cs:fillRef idx="0"/>
+    <cs:effectRef idx="0"/>
+    <cs:fontRef idx="minor">
+      <a:schemeClr val="dk1"/>
+    </cs:fontRef>
+    <cs:spPr>
+      <a:solidFill>
+        <a:schemeClr val="lt1"/>
+      </a:solidFill>
+      <a:ln w="9525">
+        <a:solidFill>
+          <a:schemeClr val="tx1">
+            <a:lumMod val="15000"/>
+            <a:lumOff val="85000"/>
+          </a:schemeClr>
+        </a:solidFill>
+      </a:ln>
+    </cs:spPr>
+  </cs:upBar>
+  <cs:valueAxis>
+    <cs:lnRef idx="0"/>
+    <cs:fillRef idx="0"/>
+    <cs:effectRef idx="0"/>
+    <cs:fontRef idx="minor">
+      <a:schemeClr val="tx1">
+        <a:lumMod val="65000"/>
+        <a:lumOff val="35000"/>
+      </a:schemeClr>
+    </cs:fontRef>
+    <cs:defRPr sz="900" kern="1200"/>
+  </cs:valueAxis>
+  <cs:wall>
+    <cs:lnRef idx="0"/>
+    <cs:fillRef idx="0"/>
+    <cs:effectRef idx="0"/>
+    <cs:fontRef idx="minor">
+      <a:schemeClr val="tx1"/>
+    </cs:fontRef>
+    <cs:spPr>
+      <a:noFill/>
+      <a:ln>
+        <a:noFill/>
+      </a:ln>
+    </cs:spPr>
+  </cs:wall>
+</cs:chartStyle>
 </file>
 
 <file path=ppt/notesMasters/notesMaster1.xml><?xml version="1.0" encoding="utf-8"?>
@@ -1239,6 +2307,90 @@
     <p:extLst>
       <p:ext uri="{BB962C8B-B14F-4D97-AF65-F5344CB8AC3E}">
         <p14:creationId xmlns:p14="http://schemas.microsoft.com/office/powerpoint/2010/main" val="112323497"/>
+      </p:ext>
+    </p:extLst>
+  </p:cSld>
+  <p:clrMapOvr>
+    <a:masterClrMapping/>
+  </p:clrMapOvr>
+</p:notes>
+</file>
+
+<file path=ppt/notesSlides/notesSlide9.xml><?xml version="1.0" encoding="utf-8"?>
+<p:notes xmlns:a="http://schemas.openxmlformats.org/drawingml/2006/main" xmlns:r="http://schemas.openxmlformats.org/officeDocument/2006/relationships" xmlns:p="http://schemas.openxmlformats.org/presentationml/2006/main">
+  <p:cSld>
+    <p:spTree>
+      <p:nvGrpSpPr>
+        <p:cNvPr id="1" name=""/>
+        <p:cNvGrpSpPr/>
+        <p:nvPr/>
+      </p:nvGrpSpPr>
+      <p:grpSpPr>
+        <a:xfrm>
+          <a:off x="0" y="0"/>
+          <a:ext cx="0" cy="0"/>
+          <a:chOff x="0" y="0"/>
+          <a:chExt cx="0" cy="0"/>
+        </a:xfrm>
+      </p:grpSpPr>
+      <p:sp>
+        <p:nvSpPr>
+          <p:cNvPr id="2" name="Slide Image Placeholder 1"/>
+          <p:cNvSpPr>
+            <a:spLocks noGrp="1" noRot="1" noChangeAspect="1"/>
+          </p:cNvSpPr>
+          <p:nvPr>
+            <p:ph type="sldImg"/>
+          </p:nvPr>
+        </p:nvSpPr>
+        <p:spPr/>
+      </p:sp>
+      <p:sp>
+        <p:nvSpPr>
+          <p:cNvPr id="3" name="Notes Placeholder 2"/>
+          <p:cNvSpPr>
+            <a:spLocks noGrp="1"/>
+          </p:cNvSpPr>
+          <p:nvPr>
+            <p:ph type="body" idx="1"/>
+          </p:nvPr>
+        </p:nvSpPr>
+        <p:spPr/>
+        <p:txBody>
+          <a:bodyPr/>
+          <a:lstStyle/>
+          <a:p>
+            <a:endParaRPr lang="pt-PT" dirty="0"/>
+          </a:p>
+        </p:txBody>
+      </p:sp>
+      <p:sp>
+        <p:nvSpPr>
+          <p:cNvPr id="4" name="Slide Number Placeholder 3"/>
+          <p:cNvSpPr>
+            <a:spLocks noGrp="1"/>
+          </p:cNvSpPr>
+          <p:nvPr>
+            <p:ph type="sldNum" sz="quarter" idx="10"/>
+          </p:nvPr>
+        </p:nvSpPr>
+        <p:spPr/>
+        <p:txBody>
+          <a:bodyPr/>
+          <a:lstStyle/>
+          <a:p>
+            <a:fld id="{7FD8F7CD-146B-4E0C-BFF5-21C4EECB8646}" type="slidenum">
+              <a:rPr lang="en-US" smtClean="0"/>
+              <a:t>10</a:t>
+            </a:fld>
+            <a:endParaRPr lang="en-US"/>
+          </a:p>
+        </p:txBody>
+      </p:sp>
+    </p:spTree>
+    <p:extLst>
+      <p:ext uri="{BB962C8B-B14F-4D97-AF65-F5344CB8AC3E}">
+        <p14:creationId xmlns:p14="http://schemas.microsoft.com/office/powerpoint/2010/main" val="938518366"/>
       </p:ext>
     </p:extLst>
   </p:cSld>
@@ -7468,29 +8620,6 @@
       </p:sp>
       <p:sp>
         <p:nvSpPr>
-          <p:cNvPr id="3" name="Content Placeholder 2"/>
-          <p:cNvSpPr>
-            <a:spLocks noGrp="1"/>
-          </p:cNvSpPr>
-          <p:nvPr>
-            <p:ph sz="half" idx="1"/>
-          </p:nvPr>
-        </p:nvSpPr>
-        <p:spPr/>
-        <p:txBody>
-          <a:bodyPr/>
-          <a:lstStyle/>
-          <a:p>
-            <a:r>
-              <a:rPr lang="pt-PT" dirty="0" smtClean="0"/>
-              <a:t>DE NOVOOOOO</a:t>
-            </a:r>
-            <a:endParaRPr lang="pt-PT" dirty="0"/>
-          </a:p>
-        </p:txBody>
-      </p:sp>
-      <p:sp>
-        <p:nvSpPr>
           <p:cNvPr id="6" name="Content Placeholder 5"/>
           <p:cNvSpPr>
             <a:spLocks noGrp="1"/>
@@ -7499,19 +8628,68 @@
             <p:ph sz="half" idx="2"/>
           </p:nvPr>
         </p:nvSpPr>
-        <p:spPr/>
+        <p:spPr>
+          <a:xfrm>
+            <a:off x="6960549" y="3237269"/>
+            <a:ext cx="3936049" cy="1708357"/>
+          </a:xfrm>
+        </p:spPr>
         <p:txBody>
           <a:bodyPr/>
           <a:lstStyle/>
           <a:p>
             <a:r>
-              <a:rPr lang="pt-PT" smtClean="0"/>
-              <a:t>DE NOVOO</a:t>
-            </a:r>
-            <a:endParaRPr lang="pt-PT"/>
+              <a:rPr lang="pt-PT" dirty="0" smtClean="0"/>
+              <a:t>Compilado com –O3</a:t>
+            </a:r>
+          </a:p>
+          <a:p>
+            <a:r>
+              <a:rPr lang="pt-PT" dirty="0" smtClean="0"/>
+              <a:t>Nodo 662 do </a:t>
+            </a:r>
+            <a:r>
+              <a:rPr lang="pt-PT" i="1" dirty="0"/>
+              <a:t>S</a:t>
+            </a:r>
+            <a:r>
+              <a:rPr lang="pt-PT" i="1" dirty="0" smtClean="0"/>
+              <a:t>earch</a:t>
+            </a:r>
+          </a:p>
+          <a:p>
+            <a:r>
+              <a:rPr lang="pt-PT" dirty="0" smtClean="0"/>
+              <a:t>Array com 152 MBytes</a:t>
+            </a:r>
+            <a:endParaRPr lang="pt-PT" dirty="0"/>
           </a:p>
         </p:txBody>
       </p:sp>
+      <p:graphicFrame>
+        <p:nvGraphicFramePr>
+          <p:cNvPr id="7" name="Chart 6"/>
+          <p:cNvGraphicFramePr>
+            <a:graphicFrameLocks/>
+          </p:cNvGraphicFramePr>
+          <p:nvPr>
+            <p:extLst>
+              <p:ext uri="{D42A27DB-BD31-4B8C-83A1-F6EECF244321}">
+                <p14:modId xmlns:p14="http://schemas.microsoft.com/office/powerpoint/2010/main" val="1263866491"/>
+              </p:ext>
+            </p:extLst>
+          </p:nvPr>
+        </p:nvGraphicFramePr>
+        <p:xfrm>
+          <a:off x="993059" y="2617837"/>
+          <a:ext cx="5024284" cy="3389671"/>
+        </p:xfrm>
+        <a:graphic>
+          <a:graphicData uri="http://schemas.openxmlformats.org/drawingml/2006/chart">
+            <c:chart xmlns:c="http://schemas.openxmlformats.org/drawingml/2006/chart" xmlns:r="http://schemas.openxmlformats.org/officeDocument/2006/relationships" r:id="rId3"/>
+          </a:graphicData>
+        </a:graphic>
+      </p:graphicFrame>
     </p:spTree>
     <p:extLst>
       <p:ext uri="{BB962C8B-B14F-4D97-AF65-F5344CB8AC3E}">

--- a/Apresentação.pptx
+++ b/Apresentação.pptx
@@ -5,7 +5,7 @@
     <p:sldMasterId id="2147483660" r:id="rId1"/>
   </p:sldMasterIdLst>
   <p:notesMasterIdLst>
-    <p:notesMasterId r:id="rId12"/>
+    <p:notesMasterId r:id="rId13"/>
   </p:notesMasterIdLst>
   <p:sldIdLst>
     <p:sldId id="256" r:id="rId2"/>
@@ -18,6 +18,7 @@
     <p:sldId id="263" r:id="rId9"/>
     <p:sldId id="264" r:id="rId10"/>
     <p:sldId id="266" r:id="rId11"/>
+    <p:sldId id="267" r:id="rId12"/>
   </p:sldIdLst>
   <p:sldSz cx="12192000" cy="6858000"/>
   <p:notesSz cx="6858000" cy="9144000"/>
@@ -341,11 +342,11 @@
           <c:showBubbleSize val="0"/>
         </c:dLbls>
         <c:smooth val="0"/>
-        <c:axId val="2129221632"/>
-        <c:axId val="2129227616"/>
+        <c:axId val="-160217040"/>
+        <c:axId val="-160216496"/>
       </c:lineChart>
       <c:catAx>
-        <c:axId val="2129221632"/>
+        <c:axId val="-160217040"/>
         <c:scaling>
           <c:orientation val="minMax"/>
         </c:scaling>
@@ -448,7 +449,7 @@
             <a:endParaRPr lang="en-US"/>
           </a:p>
         </c:txPr>
-        <c:crossAx val="2129227616"/>
+        <c:crossAx val="-160216496"/>
         <c:crosses val="autoZero"/>
         <c:auto val="1"/>
         <c:lblAlgn val="ctr"/>
@@ -456,7 +457,7 @@
         <c:noMultiLvlLbl val="0"/>
       </c:catAx>
       <c:valAx>
-        <c:axId val="2129227616"/>
+        <c:axId val="-160216496"/>
         <c:scaling>
           <c:orientation val="minMax"/>
         </c:scaling>
@@ -568,7 +569,7 @@
             <a:endParaRPr lang="en-US"/>
           </a:p>
         </c:txPr>
-        <c:crossAx val="2129221632"/>
+        <c:crossAx val="-160217040"/>
         <c:crosses val="autoZero"/>
         <c:crossBetween val="between"/>
       </c:valAx>
@@ -1626,6 +1627,90 @@
 </p:notes>
 </file>
 
+<file path=ppt/notesSlides/notesSlide10.xml><?xml version="1.0" encoding="utf-8"?>
+<p:notes xmlns:a="http://schemas.openxmlformats.org/drawingml/2006/main" xmlns:r="http://schemas.openxmlformats.org/officeDocument/2006/relationships" xmlns:p="http://schemas.openxmlformats.org/presentationml/2006/main">
+  <p:cSld>
+    <p:spTree>
+      <p:nvGrpSpPr>
+        <p:cNvPr id="1" name=""/>
+        <p:cNvGrpSpPr/>
+        <p:nvPr/>
+      </p:nvGrpSpPr>
+      <p:grpSpPr>
+        <a:xfrm>
+          <a:off x="0" y="0"/>
+          <a:ext cx="0" cy="0"/>
+          <a:chOff x="0" y="0"/>
+          <a:chExt cx="0" cy="0"/>
+        </a:xfrm>
+      </p:grpSpPr>
+      <p:sp>
+        <p:nvSpPr>
+          <p:cNvPr id="2" name="Slide Image Placeholder 1"/>
+          <p:cNvSpPr>
+            <a:spLocks noGrp="1" noRot="1" noChangeAspect="1"/>
+          </p:cNvSpPr>
+          <p:nvPr>
+            <p:ph type="sldImg"/>
+          </p:nvPr>
+        </p:nvSpPr>
+        <p:spPr/>
+      </p:sp>
+      <p:sp>
+        <p:nvSpPr>
+          <p:cNvPr id="3" name="Notes Placeholder 2"/>
+          <p:cNvSpPr>
+            <a:spLocks noGrp="1"/>
+          </p:cNvSpPr>
+          <p:nvPr>
+            <p:ph type="body" idx="1"/>
+          </p:nvPr>
+        </p:nvSpPr>
+        <p:spPr/>
+        <p:txBody>
+          <a:bodyPr/>
+          <a:lstStyle/>
+          <a:p>
+            <a:endParaRPr lang="pt-PT" dirty="0"/>
+          </a:p>
+        </p:txBody>
+      </p:sp>
+      <p:sp>
+        <p:nvSpPr>
+          <p:cNvPr id="4" name="Slide Number Placeholder 3"/>
+          <p:cNvSpPr>
+            <a:spLocks noGrp="1"/>
+          </p:cNvSpPr>
+          <p:nvPr>
+            <p:ph type="sldNum" sz="quarter" idx="10"/>
+          </p:nvPr>
+        </p:nvSpPr>
+        <p:spPr/>
+        <p:txBody>
+          <a:bodyPr/>
+          <a:lstStyle/>
+          <a:p>
+            <a:fld id="{7FD8F7CD-146B-4E0C-BFF5-21C4EECB8646}" type="slidenum">
+              <a:rPr lang="en-US" smtClean="0"/>
+              <a:t>11</a:t>
+            </a:fld>
+            <a:endParaRPr lang="en-US"/>
+          </a:p>
+        </p:txBody>
+      </p:sp>
+    </p:spTree>
+    <p:extLst>
+      <p:ext uri="{BB962C8B-B14F-4D97-AF65-F5344CB8AC3E}">
+        <p14:creationId xmlns:p14="http://schemas.microsoft.com/office/powerpoint/2010/main" val="3980110392"/>
+      </p:ext>
+    </p:extLst>
+  </p:cSld>
+  <p:clrMapOvr>
+    <a:masterClrMapping/>
+  </p:clrMapOvr>
+</p:notes>
+</file>
+
 <file path=ppt/notesSlides/notesSlide2.xml><?xml version="1.0" encoding="utf-8"?>
 <p:notes xmlns:a="http://schemas.openxmlformats.org/drawingml/2006/main" xmlns:r="http://schemas.openxmlformats.org/officeDocument/2006/relationships" xmlns:p="http://schemas.openxmlformats.org/presentationml/2006/main">
   <p:cSld>
@@ -1804,6 +1889,59 @@
           <a:bodyPr/>
           <a:lstStyle/>
           <a:p>
+            <a:r>
+              <a:rPr lang="pt-PT" noProof="0" dirty="0" smtClean="0"/>
+              <a:t>quadrados são iterações (1,</a:t>
+            </a:r>
+            <a:r>
+              <a:rPr lang="pt-PT" baseline="0" noProof="0" dirty="0" smtClean="0"/>
+              <a:t> 2 e 3)</a:t>
+            </a:r>
+          </a:p>
+          <a:p>
+            <a:endParaRPr lang="pt-PT" baseline="0" noProof="0" dirty="0" smtClean="0"/>
+          </a:p>
+          <a:p>
+            <a:r>
+              <a:rPr lang="pt-PT" baseline="0" noProof="0" dirty="0" smtClean="0"/>
+              <a:t>array inicial</a:t>
+            </a:r>
+          </a:p>
+          <a:p>
+            <a:r>
+              <a:rPr lang="pt-PT" baseline="0" noProof="0" dirty="0" smtClean="0"/>
+              <a:t>1º troca</a:t>
+            </a:r>
+          </a:p>
+          <a:p>
+            <a:r>
+              <a:rPr lang="pt-PT" baseline="0" noProof="0" dirty="0" smtClean="0"/>
+              <a:t>finalização da 1ª iteração</a:t>
+            </a:r>
+          </a:p>
+          <a:p>
+            <a:endParaRPr lang="pt-PT" baseline="0" noProof="0" dirty="0" smtClean="0"/>
+          </a:p>
+          <a:p>
+            <a:r>
+              <a:rPr lang="pt-PT" baseline="0" noProof="0" dirty="0" smtClean="0"/>
+              <a:t>troca da segunda iteração</a:t>
+            </a:r>
+          </a:p>
+          <a:p>
+            <a:r>
+              <a:rPr lang="pt-PT" baseline="0" noProof="0" dirty="0" smtClean="0"/>
+              <a:t>finalização da 2ª iteração</a:t>
+            </a:r>
+          </a:p>
+          <a:p>
+            <a:endParaRPr lang="pt-PT" baseline="0" noProof="0" dirty="0" smtClean="0"/>
+          </a:p>
+          <a:p>
+            <a:r>
+              <a:rPr lang="pt-PT" baseline="0" noProof="0" dirty="0" smtClean="0"/>
+              <a:t>3ª iteração, e ultima.</a:t>
+            </a:r>
             <a:endParaRPr lang="pt-PT" noProof="0" dirty="0"/>
           </a:p>
         </p:txBody>
@@ -2360,7 +2498,23 @@
           <a:bodyPr/>
           <a:lstStyle/>
           <a:p>
-            <a:endParaRPr lang="pt-PT" dirty="0"/>
+            <a:r>
+              <a:rPr lang="pt-PT" dirty="0" smtClean="0"/>
+              <a:t>Referir que o</a:t>
+            </a:r>
+            <a:r>
+              <a:rPr lang="pt-PT" baseline="0" dirty="0" smtClean="0"/>
+              <a:t> OpenMP tem mais overhead com uma thread (visto que nesta versão ele divide as threads na mesma, mas só a master é que as corre todas). Este overhead é inexistente na versão em MPI</a:t>
+            </a:r>
+          </a:p>
+          <a:p>
+            <a:endParaRPr lang="pt-PT" baseline="0" dirty="0" smtClean="0"/>
+          </a:p>
+          <a:p>
+            <a:r>
+              <a:rPr lang="pt-PT" baseline="0" dirty="0" smtClean="0"/>
+              <a:t>Referir também que fizemos vários testes para vários níveis de cache, não pusemos aqui porque não valia a pena.</a:t>
+            </a:r>
           </a:p>
         </p:txBody>
       </p:sp>
@@ -8710,6 +8864,441 @@
 </p:sld>
 </file>
 
+<file path=ppt/slides/slide11.xml><?xml version="1.0" encoding="utf-8"?>
+<p:sld xmlns:a="http://schemas.openxmlformats.org/drawingml/2006/main" xmlns:r="http://schemas.openxmlformats.org/officeDocument/2006/relationships" xmlns:p="http://schemas.openxmlformats.org/presentationml/2006/main">
+  <p:cSld>
+    <p:spTree>
+      <p:nvGrpSpPr>
+        <p:cNvPr id="1" name=""/>
+        <p:cNvGrpSpPr/>
+        <p:nvPr/>
+      </p:nvGrpSpPr>
+      <p:grpSpPr>
+        <a:xfrm>
+          <a:off x="0" y="0"/>
+          <a:ext cx="0" cy="0"/>
+          <a:chOff x="0" y="0"/>
+          <a:chExt cx="0" cy="0"/>
+        </a:xfrm>
+      </p:grpSpPr>
+      <p:sp>
+        <p:nvSpPr>
+          <p:cNvPr id="2" name="Title 1"/>
+          <p:cNvSpPr>
+            <a:spLocks noGrp="1"/>
+          </p:cNvSpPr>
+          <p:nvPr>
+            <p:ph type="ctrTitle"/>
+          </p:nvPr>
+        </p:nvSpPr>
+        <p:spPr/>
+        <p:txBody>
+          <a:bodyPr anchor="ctr"/>
+          <a:lstStyle/>
+          <a:p>
+            <a:r>
+              <a:rPr lang="en-US" dirty="0" smtClean="0"/>
+              <a:t>Quicksort</a:t>
+            </a:r>
+            <a:endParaRPr lang="en-US" dirty="0"/>
+          </a:p>
+        </p:txBody>
+      </p:sp>
+      <p:sp>
+        <p:nvSpPr>
+          <p:cNvPr id="3" name="Subtitle 2"/>
+          <p:cNvSpPr>
+            <a:spLocks noGrp="1"/>
+          </p:cNvSpPr>
+          <p:nvPr>
+            <p:ph type="subTitle" idx="1"/>
+          </p:nvPr>
+        </p:nvSpPr>
+        <p:spPr>
+          <a:xfrm>
+            <a:off x="2692398" y="3657596"/>
+            <a:ext cx="6815669" cy="1619797"/>
+          </a:xfrm>
+        </p:spPr>
+        <p:txBody>
+          <a:bodyPr>
+            <a:normAutofit fontScale="92500" lnSpcReduction="10000"/>
+          </a:bodyPr>
+          <a:lstStyle/>
+          <a:p>
+            <a:r>
+              <a:rPr lang="pt-PT" dirty="0" smtClean="0"/>
+              <a:t>Computação Paralela Distribuída</a:t>
+            </a:r>
+          </a:p>
+          <a:p>
+            <a:r>
+              <a:rPr lang="pt-PT" dirty="0" smtClean="0"/>
+              <a:t>Paradigmas da </a:t>
+            </a:r>
+            <a:r>
+              <a:rPr lang="pt-PT" dirty="0"/>
+              <a:t>C</a:t>
+            </a:r>
+            <a:r>
+              <a:rPr lang="pt-PT" dirty="0" smtClean="0"/>
+              <a:t>omputação Paralela</a:t>
+            </a:r>
+          </a:p>
+          <a:p>
+            <a:endParaRPr lang="pt-PT" dirty="0" smtClean="0"/>
+          </a:p>
+          <a:p>
+            <a:r>
+              <a:rPr lang="pt-PT" b="1" dirty="0" smtClean="0"/>
+              <a:t>Universidade do Minho</a:t>
+            </a:r>
+            <a:endParaRPr lang="pt-PT" dirty="0" smtClean="0"/>
+          </a:p>
+          <a:p>
+            <a:endParaRPr lang="pt-PT" dirty="0"/>
+          </a:p>
+        </p:txBody>
+      </p:sp>
+      <p:sp>
+        <p:nvSpPr>
+          <p:cNvPr id="4" name="Subtitle 2"/>
+          <p:cNvSpPr txBox="1">
+            <a:spLocks/>
+          </p:cNvSpPr>
+          <p:nvPr/>
+        </p:nvSpPr>
+        <p:spPr>
+          <a:xfrm>
+            <a:off x="1" y="6008413"/>
+            <a:ext cx="12192000" cy="685797"/>
+          </a:xfrm>
+          <a:prstGeom prst="rect">
+            <a:avLst/>
+          </a:prstGeom>
+        </p:spPr>
+        <p:txBody>
+          <a:bodyPr vert="horz" lIns="91440" tIns="45720" rIns="91440" bIns="45720" rtlCol="0" anchor="t">
+            <a:normAutofit fontScale="85000" lnSpcReduction="20000"/>
+          </a:bodyPr>
+          <a:lstStyle>
+            <a:lvl1pPr marL="0" indent="0" algn="ctr" defTabSz="457200" rtl="0" eaLnBrk="1" latinLnBrk="0" hangingPunct="1">
+              <a:spcBef>
+                <a:spcPct val="20000"/>
+              </a:spcBef>
+              <a:spcAft>
+                <a:spcPts val="600"/>
+              </a:spcAft>
+              <a:buClr>
+                <a:schemeClr val="accent1"/>
+              </a:buClr>
+              <a:buSzPct val="115000"/>
+              <a:buFont typeface="Arial"/>
+              <a:buNone/>
+              <a:defRPr sz="2100" kern="1200" cap="none">
+                <a:solidFill>
+                  <a:schemeClr val="tx1"/>
+                </a:solidFill>
+                <a:effectLst/>
+                <a:latin typeface="+mn-lt"/>
+                <a:ea typeface="+mn-ea"/>
+                <a:cs typeface="+mn-cs"/>
+              </a:defRPr>
+            </a:lvl1pPr>
+            <a:lvl2pPr marL="457200" indent="0" algn="ctr" defTabSz="457200" rtl="0" eaLnBrk="1" latinLnBrk="0" hangingPunct="1">
+              <a:spcBef>
+                <a:spcPct val="20000"/>
+              </a:spcBef>
+              <a:spcAft>
+                <a:spcPts val="600"/>
+              </a:spcAft>
+              <a:buClr>
+                <a:schemeClr val="accent1"/>
+              </a:buClr>
+              <a:buSzPct val="115000"/>
+              <a:buFont typeface="Arial"/>
+              <a:buNone/>
+              <a:defRPr sz="2000" kern="1200" cap="none">
+                <a:solidFill>
+                  <a:schemeClr val="tx1">
+                    <a:tint val="75000"/>
+                  </a:schemeClr>
+                </a:solidFill>
+                <a:effectLst/>
+                <a:latin typeface="+mn-lt"/>
+                <a:ea typeface="+mn-ea"/>
+                <a:cs typeface="+mn-cs"/>
+              </a:defRPr>
+            </a:lvl2pPr>
+            <a:lvl3pPr marL="914400" indent="0" algn="ctr" defTabSz="457200" rtl="0" eaLnBrk="1" latinLnBrk="0" hangingPunct="1">
+              <a:spcBef>
+                <a:spcPct val="20000"/>
+              </a:spcBef>
+              <a:spcAft>
+                <a:spcPts val="600"/>
+              </a:spcAft>
+              <a:buClr>
+                <a:schemeClr val="accent1"/>
+              </a:buClr>
+              <a:buSzPct val="115000"/>
+              <a:buFont typeface="Arial"/>
+              <a:buNone/>
+              <a:defRPr sz="1800" kern="1200" cap="none">
+                <a:solidFill>
+                  <a:schemeClr val="tx1">
+                    <a:tint val="75000"/>
+                  </a:schemeClr>
+                </a:solidFill>
+                <a:effectLst/>
+                <a:latin typeface="+mn-lt"/>
+                <a:ea typeface="+mn-ea"/>
+                <a:cs typeface="+mn-cs"/>
+              </a:defRPr>
+            </a:lvl3pPr>
+            <a:lvl4pPr marL="1371600" indent="0" algn="ctr" defTabSz="457200" rtl="0" eaLnBrk="1" latinLnBrk="0" hangingPunct="1">
+              <a:spcBef>
+                <a:spcPct val="20000"/>
+              </a:spcBef>
+              <a:spcAft>
+                <a:spcPts val="600"/>
+              </a:spcAft>
+              <a:buClr>
+                <a:schemeClr val="accent1"/>
+              </a:buClr>
+              <a:buSzPct val="115000"/>
+              <a:buFont typeface="Arial"/>
+              <a:buNone/>
+              <a:defRPr sz="1600" kern="1200" cap="none">
+                <a:solidFill>
+                  <a:schemeClr val="tx1">
+                    <a:tint val="75000"/>
+                  </a:schemeClr>
+                </a:solidFill>
+                <a:effectLst/>
+                <a:latin typeface="+mn-lt"/>
+                <a:ea typeface="+mn-ea"/>
+                <a:cs typeface="+mn-cs"/>
+              </a:defRPr>
+            </a:lvl4pPr>
+            <a:lvl5pPr marL="1828800" indent="0" algn="ctr" defTabSz="457200" rtl="0" eaLnBrk="1" latinLnBrk="0" hangingPunct="1">
+              <a:spcBef>
+                <a:spcPct val="20000"/>
+              </a:spcBef>
+              <a:spcAft>
+                <a:spcPts val="600"/>
+              </a:spcAft>
+              <a:buClr>
+                <a:schemeClr val="accent1"/>
+              </a:buClr>
+              <a:buSzPct val="115000"/>
+              <a:buFont typeface="Arial"/>
+              <a:buNone/>
+              <a:defRPr sz="1400" kern="1200" cap="none">
+                <a:solidFill>
+                  <a:schemeClr val="tx1">
+                    <a:tint val="75000"/>
+                  </a:schemeClr>
+                </a:solidFill>
+                <a:effectLst/>
+                <a:latin typeface="+mn-lt"/>
+                <a:ea typeface="+mn-ea"/>
+                <a:cs typeface="+mn-cs"/>
+              </a:defRPr>
+            </a:lvl5pPr>
+            <a:lvl6pPr marL="2286000" indent="0" algn="ctr" defTabSz="457200" rtl="0" eaLnBrk="1" latinLnBrk="0" hangingPunct="1">
+              <a:spcBef>
+                <a:spcPct val="20000"/>
+              </a:spcBef>
+              <a:spcAft>
+                <a:spcPts val="600"/>
+              </a:spcAft>
+              <a:buClr>
+                <a:schemeClr val="accent1"/>
+              </a:buClr>
+              <a:buSzPct val="115000"/>
+              <a:buFont typeface="Arial"/>
+              <a:buNone/>
+              <a:defRPr sz="1400" kern="1200" cap="none">
+                <a:solidFill>
+                  <a:schemeClr val="tx1">
+                    <a:tint val="75000"/>
+                  </a:schemeClr>
+                </a:solidFill>
+                <a:effectLst/>
+                <a:latin typeface="+mn-lt"/>
+                <a:ea typeface="+mn-ea"/>
+                <a:cs typeface="+mn-cs"/>
+              </a:defRPr>
+            </a:lvl6pPr>
+            <a:lvl7pPr marL="2743200" indent="0" algn="ctr" defTabSz="457200" rtl="0" eaLnBrk="1" latinLnBrk="0" hangingPunct="1">
+              <a:spcBef>
+                <a:spcPct val="20000"/>
+              </a:spcBef>
+              <a:spcAft>
+                <a:spcPts val="600"/>
+              </a:spcAft>
+              <a:buClr>
+                <a:schemeClr val="accent1"/>
+              </a:buClr>
+              <a:buSzPct val="115000"/>
+              <a:buFont typeface="Arial"/>
+              <a:buNone/>
+              <a:defRPr sz="1400" kern="1200" cap="none">
+                <a:solidFill>
+                  <a:schemeClr val="tx1">
+                    <a:tint val="75000"/>
+                  </a:schemeClr>
+                </a:solidFill>
+                <a:effectLst/>
+                <a:latin typeface="+mn-lt"/>
+                <a:ea typeface="+mn-ea"/>
+                <a:cs typeface="+mn-cs"/>
+              </a:defRPr>
+            </a:lvl7pPr>
+            <a:lvl8pPr marL="3200400" indent="0" algn="ctr" defTabSz="457200" rtl="0" eaLnBrk="1" latinLnBrk="0" hangingPunct="1">
+              <a:spcBef>
+                <a:spcPct val="20000"/>
+              </a:spcBef>
+              <a:spcAft>
+                <a:spcPts val="600"/>
+              </a:spcAft>
+              <a:buClr>
+                <a:schemeClr val="accent1"/>
+              </a:buClr>
+              <a:buSzPct val="115000"/>
+              <a:buFont typeface="Arial"/>
+              <a:buNone/>
+              <a:defRPr sz="1400" kern="1200" cap="none">
+                <a:solidFill>
+                  <a:schemeClr val="tx1">
+                    <a:tint val="75000"/>
+                  </a:schemeClr>
+                </a:solidFill>
+                <a:effectLst/>
+                <a:latin typeface="+mn-lt"/>
+                <a:ea typeface="+mn-ea"/>
+                <a:cs typeface="+mn-cs"/>
+              </a:defRPr>
+            </a:lvl8pPr>
+            <a:lvl9pPr marL="3657600" indent="0" algn="ctr" defTabSz="457200" rtl="0" eaLnBrk="1" latinLnBrk="0" hangingPunct="1">
+              <a:spcBef>
+                <a:spcPct val="20000"/>
+              </a:spcBef>
+              <a:spcAft>
+                <a:spcPts val="600"/>
+              </a:spcAft>
+              <a:buClr>
+                <a:schemeClr val="accent1"/>
+              </a:buClr>
+              <a:buSzPct val="115000"/>
+              <a:buFont typeface="Arial"/>
+              <a:buNone/>
+              <a:defRPr sz="1400" kern="1200" cap="none">
+                <a:solidFill>
+                  <a:schemeClr val="tx1">
+                    <a:tint val="75000"/>
+                  </a:schemeClr>
+                </a:solidFill>
+                <a:effectLst/>
+                <a:latin typeface="+mn-lt"/>
+                <a:ea typeface="+mn-ea"/>
+                <a:cs typeface="+mn-cs"/>
+              </a:defRPr>
+            </a:lvl9pPr>
+          </a:lstStyle>
+          <a:p>
+            <a:r>
+              <a:rPr lang="en-US" dirty="0" smtClean="0"/>
+              <a:t>Carlos Antunes	                                                                                         67711</a:t>
+            </a:r>
+            <a:endParaRPr lang="en-US" dirty="0"/>
+          </a:p>
+          <a:p>
+            <a:r>
+              <a:rPr lang="pt-PT" dirty="0" smtClean="0"/>
+              <a:t>Nuno</a:t>
+            </a:r>
+            <a:r>
+              <a:rPr lang="en-US" dirty="0" smtClean="0"/>
+              <a:t> Oliveira                	                                                                         67649</a:t>
+            </a:r>
+            <a:endParaRPr lang="en-US" dirty="0"/>
+          </a:p>
+        </p:txBody>
+      </p:sp>
+      <p:pic>
+        <p:nvPicPr>
+          <p:cNvPr id="1026" name="Picture 2" descr="http://www4.di.uminho.pt/~jmf/IMAGES/um_eeng.gif"/>
+          <p:cNvPicPr>
+            <a:picLocks noChangeAspect="1" noChangeArrowheads="1"/>
+          </p:cNvPicPr>
+          <p:nvPr/>
+        </p:nvPicPr>
+        <p:blipFill>
+          <a:blip r:embed="rId3">
+            <a:extLst>
+              <a:ext uri="{28A0092B-C50C-407E-A947-70E740481C1C}">
+                <a14:useLocalDpi xmlns:a14="http://schemas.microsoft.com/office/drawing/2010/main" val="0"/>
+              </a:ext>
+            </a:extLst>
+          </a:blip>
+          <a:srcRect/>
+          <a:stretch>
+            <a:fillRect/>
+          </a:stretch>
+        </p:blipFill>
+        <p:spPr bwMode="auto">
+          <a:xfrm>
+            <a:off x="1" y="0"/>
+            <a:ext cx="2000250" cy="1000125"/>
+          </a:xfrm>
+          <a:prstGeom prst="rect">
+            <a:avLst/>
+          </a:prstGeom>
+          <a:noFill/>
+          <a:extLst>
+            <a:ext uri="{909E8E84-426E-40DD-AFC4-6F175D3DCCD1}">
+              <a14:hiddenFill xmlns:a14="http://schemas.microsoft.com/office/drawing/2010/main">
+                <a:solidFill>
+                  <a:srgbClr val="FFFFFF"/>
+                </a:solidFill>
+              </a14:hiddenFill>
+            </a:ext>
+          </a:extLst>
+        </p:spPr>
+      </p:pic>
+    </p:spTree>
+    <p:extLst>
+      <p:ext uri="{BB962C8B-B14F-4D97-AF65-F5344CB8AC3E}">
+        <p14:creationId xmlns:p14="http://schemas.microsoft.com/office/powerpoint/2010/main" val="1707142909"/>
+      </p:ext>
+    </p:extLst>
+  </p:cSld>
+  <p:clrMapOvr>
+    <a:masterClrMapping/>
+  </p:clrMapOvr>
+  <mc:AlternateContent xmlns:mc="http://schemas.openxmlformats.org/markup-compatibility/2006" xmlns:p14="http://schemas.microsoft.com/office/powerpoint/2010/main">
+    <mc:Choice Requires="p14">
+      <p:transition spd="med" p14:dur="700">
+        <p:fade/>
+      </p:transition>
+    </mc:Choice>
+    <mc:Fallback xmlns="">
+      <p:transition spd="med">
+        <p:fade/>
+      </p:transition>
+    </mc:Fallback>
+  </mc:AlternateContent>
+  <p:timing>
+    <p:tnLst>
+      <p:par>
+        <p:cTn id="1" dur="indefinite" restart="never" nodeType="tmRoot"/>
+      </p:par>
+    </p:tnLst>
+  </p:timing>
+</p:sld>
+</file>
+
 <file path=ppt/slides/slide2.xml><?xml version="1.0" encoding="utf-8"?>
 <p:sld xmlns:a="http://schemas.openxmlformats.org/drawingml/2006/main" xmlns:r="http://schemas.openxmlformats.org/officeDocument/2006/relationships" xmlns:p="http://schemas.openxmlformats.org/presentationml/2006/main">
   <p:cSld>
@@ -8825,6 +9414,153 @@
       </p:grpSpPr>
       <p:sp>
         <p:nvSpPr>
+          <p:cNvPr id="6" name="Rectangle 5"/>
+          <p:cNvSpPr/>
+          <p:nvPr/>
+        </p:nvSpPr>
+        <p:spPr>
+          <a:xfrm>
+            <a:off x="4898920" y="4297883"/>
+            <a:ext cx="1787015" cy="431433"/>
+          </a:xfrm>
+          <a:prstGeom prst="rect">
+            <a:avLst/>
+          </a:prstGeom>
+          <a:solidFill>
+            <a:schemeClr val="tx2">
+              <a:lumMod val="10000"/>
+              <a:lumOff val="90000"/>
+            </a:schemeClr>
+          </a:solidFill>
+          <a:ln>
+            <a:noFill/>
+          </a:ln>
+        </p:spPr>
+        <p:style>
+          <a:lnRef idx="2">
+            <a:schemeClr val="accent1">
+              <a:shade val="50000"/>
+            </a:schemeClr>
+          </a:lnRef>
+          <a:fillRef idx="1">
+            <a:schemeClr val="accent1"/>
+          </a:fillRef>
+          <a:effectRef idx="0">
+            <a:schemeClr val="accent1"/>
+          </a:effectRef>
+          <a:fontRef idx="minor">
+            <a:schemeClr val="lt1"/>
+          </a:fontRef>
+        </p:style>
+        <p:txBody>
+          <a:bodyPr rtlCol="0" anchor="ctr"/>
+          <a:lstStyle/>
+          <a:p>
+            <a:pPr algn="ctr"/>
+            <a:endParaRPr lang="pt-PT"/>
+          </a:p>
+        </p:txBody>
+      </p:sp>
+      <p:sp>
+        <p:nvSpPr>
+          <p:cNvPr id="5" name="Rectangle 4"/>
+          <p:cNvSpPr/>
+          <p:nvPr/>
+        </p:nvSpPr>
+        <p:spPr>
+          <a:xfrm>
+            <a:off x="4898920" y="2831690"/>
+            <a:ext cx="1787015" cy="1346172"/>
+          </a:xfrm>
+          <a:prstGeom prst="rect">
+            <a:avLst/>
+          </a:prstGeom>
+          <a:solidFill>
+            <a:schemeClr val="accent2">
+              <a:lumMod val="20000"/>
+              <a:lumOff val="80000"/>
+            </a:schemeClr>
+          </a:solidFill>
+          <a:ln>
+            <a:noFill/>
+          </a:ln>
+        </p:spPr>
+        <p:style>
+          <a:lnRef idx="2">
+            <a:schemeClr val="accent1">
+              <a:shade val="50000"/>
+            </a:schemeClr>
+          </a:lnRef>
+          <a:fillRef idx="1">
+            <a:schemeClr val="accent1"/>
+          </a:fillRef>
+          <a:effectRef idx="0">
+            <a:schemeClr val="accent1"/>
+          </a:effectRef>
+          <a:fontRef idx="minor">
+            <a:schemeClr val="lt1"/>
+          </a:fontRef>
+        </p:style>
+        <p:txBody>
+          <a:bodyPr rtlCol="0" anchor="ctr"/>
+          <a:lstStyle/>
+          <a:p>
+            <a:pPr algn="ctr"/>
+            <a:endParaRPr lang="pt-PT"/>
+          </a:p>
+        </p:txBody>
+      </p:sp>
+      <p:sp>
+        <p:nvSpPr>
+          <p:cNvPr id="4" name="Rectangle 3"/>
+          <p:cNvSpPr/>
+          <p:nvPr/>
+        </p:nvSpPr>
+        <p:spPr>
+          <a:xfrm>
+            <a:off x="4898920" y="1297858"/>
+            <a:ext cx="1787015" cy="1337187"/>
+          </a:xfrm>
+          <a:prstGeom prst="rect">
+            <a:avLst/>
+          </a:prstGeom>
+          <a:solidFill>
+            <a:schemeClr val="accent1">
+              <a:lumMod val="20000"/>
+              <a:lumOff val="80000"/>
+            </a:schemeClr>
+          </a:solidFill>
+          <a:ln>
+            <a:noFill/>
+          </a:ln>
+        </p:spPr>
+        <p:style>
+          <a:lnRef idx="2">
+            <a:schemeClr val="accent1">
+              <a:shade val="50000"/>
+            </a:schemeClr>
+          </a:lnRef>
+          <a:fillRef idx="1">
+            <a:schemeClr val="accent1"/>
+          </a:fillRef>
+          <a:effectRef idx="0">
+            <a:schemeClr val="accent1"/>
+          </a:effectRef>
+          <a:fontRef idx="minor">
+            <a:schemeClr val="lt1"/>
+          </a:fontRef>
+        </p:style>
+        <p:txBody>
+          <a:bodyPr rtlCol="0" anchor="ctr"/>
+          <a:lstStyle/>
+          <a:p>
+            <a:pPr algn="ctr"/>
+            <a:endParaRPr lang="pt-PT"/>
+          </a:p>
+        </p:txBody>
+      </p:sp>
+      <p:sp>
+        <p:nvSpPr>
           <p:cNvPr id="2" name="Content Placeholder 2"/>
           <p:cNvSpPr txBox="1">
             <a:spLocks/>
@@ -8834,7 +9570,7 @@
         <p:spPr>
           <a:xfrm>
             <a:off x="4898920" y="1199536"/>
-            <a:ext cx="2008240" cy="3431458"/>
+            <a:ext cx="2008240" cy="3598606"/>
           </a:xfrm>
           <a:prstGeom prst="rect">
             <a:avLst/>
@@ -9180,27 +9916,53 @@
               <a:t>[ </a:t>
             </a:r>
             <a:r>
-              <a:rPr lang="en-US" u="sng" dirty="0" smtClean="0"/>
+              <a:rPr lang="en-US" u="sng" dirty="0" smtClean="0">
+                <a:solidFill>
+                  <a:schemeClr val="bg1">
+                    <a:lumMod val="50000"/>
+                  </a:schemeClr>
+                </a:solidFill>
+              </a:rPr>
               <a:t>1</a:t>
             </a:r>
             <a:r>
+              <a:rPr lang="en-US" dirty="0" smtClean="0">
+                <a:solidFill>
+                  <a:schemeClr val="bg1">
+                    <a:lumMod val="50000"/>
+                  </a:schemeClr>
+                </a:solidFill>
+              </a:rPr>
+              <a:t>, </a:t>
+            </a:r>
+            <a:r>
+              <a:rPr lang="en-US" u="sng" dirty="0" smtClean="0">
+                <a:solidFill>
+                  <a:schemeClr val="bg1">
+                    <a:lumMod val="50000"/>
+                  </a:schemeClr>
+                </a:solidFill>
+              </a:rPr>
+              <a:t>2</a:t>
+            </a:r>
+            <a:r>
+              <a:rPr lang="en-US" dirty="0" smtClean="0">
+                <a:solidFill>
+                  <a:schemeClr val="bg1">
+                    <a:lumMod val="50000"/>
+                  </a:schemeClr>
+                </a:solidFill>
+              </a:rPr>
+              <a:t>,</a:t>
+            </a:r>
+            <a:r>
               <a:rPr lang="en-US" dirty="0" smtClean="0"/>
-              <a:t>, </a:t>
-            </a:r>
-            <a:r>
-              <a:rPr lang="en-US" u="sng" dirty="0" smtClean="0"/>
-              <a:t>2</a:t>
-            </a:r>
-            <a:r>
-              <a:rPr lang="en-US" dirty="0" smtClean="0"/>
-              <a:t>, </a:t>
+              <a:t> </a:t>
             </a:r>
             <a:r>
               <a:rPr lang="en-US" dirty="0" smtClean="0">
                 <a:solidFill>
-                  <a:schemeClr val="bg2">
-                    <a:lumMod val="50000"/>
-                  </a:schemeClr>
+                  <a:schemeClr val="tx1"/>
                 </a:solidFill>
               </a:rPr>
               <a:t>4</a:t>
@@ -9208,29 +9970,15 @@
             <a:r>
               <a:rPr lang="en-US" dirty="0">
                 <a:solidFill>
-                  <a:schemeClr val="bg2">
-                    <a:lumMod val="50000"/>
-                  </a:schemeClr>
+                  <a:schemeClr val="tx1"/>
                 </a:solidFill>
               </a:rPr>
               <a:t>, </a:t>
             </a:r>
             <a:r>
-              <a:rPr lang="en-US" dirty="0" smtClean="0">
-                <a:solidFill>
-                  <a:schemeClr val="bg2">
-                    <a:lumMod val="50000"/>
-                  </a:schemeClr>
-                </a:solidFill>
-              </a:rPr>
-              <a:t>3, </a:t>
-            </a:r>
-            <a:r>
               <a:rPr lang="en-US" dirty="0">
                 <a:solidFill>
-                  <a:schemeClr val="bg2">
-                    <a:lumMod val="50000"/>
-                  </a:schemeClr>
+                  <a:schemeClr val="tx1"/>
                 </a:solidFill>
               </a:rPr>
               <a:t>5</a:t>
@@ -9238,9 +9986,23 @@
             <a:r>
               <a:rPr lang="en-US" dirty="0" smtClean="0">
                 <a:solidFill>
-                  <a:schemeClr val="bg2">
-                    <a:lumMod val="50000"/>
-                  </a:schemeClr>
+                  <a:schemeClr val="tx1"/>
+                </a:solidFill>
+              </a:rPr>
+              <a:t>, </a:t>
+            </a:r>
+            <a:r>
+              <a:rPr lang="en-US" dirty="0">
+                <a:solidFill>
+                  <a:schemeClr val="tx1"/>
+                </a:solidFill>
+              </a:rPr>
+              <a:t>3</a:t>
+            </a:r>
+            <a:r>
+              <a:rPr lang="en-US" dirty="0" smtClean="0">
+                <a:solidFill>
+                  <a:schemeClr val="tx1"/>
                 </a:solidFill>
               </a:rPr>
               <a:t> </a:t>
@@ -9256,44 +10018,130 @@
             </a:pPr>
             <a:r>
               <a:rPr lang="en-US" dirty="0"/>
-              <a:t>[ 1, </a:t>
+              <a:t>[ </a:t>
+            </a:r>
+            <a:r>
+              <a:rPr lang="en-US" dirty="0">
+                <a:solidFill>
+                  <a:schemeClr val="bg1">
+                    <a:lumMod val="50000"/>
+                  </a:schemeClr>
+                </a:solidFill>
+              </a:rPr>
+              <a:t>1, </a:t>
+            </a:r>
+            <a:r>
+              <a:rPr lang="en-US" dirty="0" smtClean="0">
+                <a:solidFill>
+                  <a:schemeClr val="bg1">
+                    <a:lumMod val="50000"/>
+                  </a:schemeClr>
+                </a:solidFill>
+              </a:rPr>
+              <a:t>2,</a:t>
             </a:r>
             <a:r>
               <a:rPr lang="en-US" dirty="0" smtClean="0"/>
-              <a:t>2, </a:t>
+              <a:t> </a:t>
             </a:r>
             <a:r>
               <a:rPr lang="en-US" dirty="0">
                 <a:solidFill>
-                  <a:schemeClr val="bg2">
-                    <a:lumMod val="50000"/>
-                  </a:schemeClr>
+                  <a:schemeClr val="tx1"/>
                 </a:solidFill>
               </a:rPr>
-              <a:t>4, 3</a:t>
-            </a:r>
-            <a:r>
-              <a:rPr lang="en-US" dirty="0"/>
+              <a:t>4, </a:t>
+            </a:r>
+            <a:r>
+              <a:rPr lang="en-US" u="sng" dirty="0">
+                <a:solidFill>
+                  <a:schemeClr val="tx1"/>
+                </a:solidFill>
+              </a:rPr>
+              <a:t>3</a:t>
+            </a:r>
+            <a:r>
+              <a:rPr lang="en-US" dirty="0">
+                <a:solidFill>
+                  <a:schemeClr val="tx1"/>
+                </a:solidFill>
+              </a:rPr>
               <a:t>, </a:t>
             </a:r>
             <a:r>
-              <a:rPr lang="en-US" dirty="0">
-                <a:solidFill>
-                  <a:schemeClr val="accent6">
-                    <a:lumMod val="75000"/>
-                  </a:schemeClr>
+              <a:rPr lang="en-US" u="sng" dirty="0">
+                <a:solidFill>
+                  <a:schemeClr val="tx1"/>
                 </a:solidFill>
               </a:rPr>
               <a:t>5</a:t>
             </a:r>
             <a:r>
+              <a:rPr lang="en-US" dirty="0">
+                <a:solidFill>
+                  <a:schemeClr val="tx1"/>
+                </a:solidFill>
+              </a:rPr>
+              <a:t> </a:t>
+            </a:r>
+            <a:r>
+              <a:rPr lang="en-US" dirty="0" smtClean="0"/>
+              <a:t>]</a:t>
+            </a:r>
+          </a:p>
+          <a:p>
+            <a:pPr marL="0" indent="0">
+              <a:buNone/>
+            </a:pPr>
+            <a:r>
+              <a:rPr lang="en-US" dirty="0"/>
+              <a:t>[ </a:t>
+            </a:r>
+            <a:r>
+              <a:rPr lang="en-US" dirty="0">
+                <a:solidFill>
+                  <a:schemeClr val="bg1">
+                    <a:lumMod val="50000"/>
+                  </a:schemeClr>
+                </a:solidFill>
+              </a:rPr>
+              <a:t>1, 2,</a:t>
+            </a:r>
+            <a:r>
               <a:rPr lang="en-US" dirty="0"/>
               <a:t> </a:t>
             </a:r>
             <a:r>
+              <a:rPr lang="en-US" dirty="0">
+                <a:solidFill>
+                  <a:schemeClr val="tx1"/>
+                </a:solidFill>
+              </a:rPr>
+              <a:t>4, 3, </a:t>
+            </a:r>
+            <a:r>
+              <a:rPr lang="en-US" dirty="0">
+                <a:solidFill>
+                  <a:schemeClr val="bg1">
+                    <a:lumMod val="50000"/>
+                  </a:schemeClr>
+                </a:solidFill>
+              </a:rPr>
+              <a:t>5</a:t>
+            </a:r>
+            <a:r>
+              <a:rPr lang="en-US" dirty="0">
+                <a:solidFill>
+                  <a:schemeClr val="tx1"/>
+                </a:solidFill>
+              </a:rPr>
+              <a:t> </a:t>
+            </a:r>
+            <a:r>
               <a:rPr lang="en-US" dirty="0" smtClean="0"/>
               <a:t>]</a:t>
             </a:r>
+            <a:endParaRPr lang="en-US" dirty="0" smtClean="0"/>
           </a:p>
           <a:p>
             <a:pPr marL="0" indent="0">
@@ -9301,12 +10149,22 @@
             </a:pPr>
             <a:r>
               <a:rPr lang="en-US" dirty="0"/>
-              <a:t>[ 1, 2, </a:t>
+              <a:t>[ </a:t>
+            </a:r>
+            <a:r>
+              <a:rPr lang="en-US" dirty="0">
+                <a:solidFill>
+                  <a:schemeClr val="bg1">
+                    <a:lumMod val="50000"/>
+                  </a:schemeClr>
+                </a:solidFill>
+              </a:rPr>
+              <a:t>1, 2, </a:t>
             </a:r>
             <a:r>
               <a:rPr lang="en-US" u="sng" dirty="0" smtClean="0">
                 <a:solidFill>
-                  <a:schemeClr val="bg2">
+                  <a:schemeClr val="bg1">
                     <a:lumMod val="50000"/>
                   </a:schemeClr>
                 </a:solidFill>
@@ -9316,7 +10174,7 @@
             <a:r>
               <a:rPr lang="en-US" dirty="0" smtClean="0">
                 <a:solidFill>
-                  <a:schemeClr val="bg2">
+                  <a:schemeClr val="bg1">
                     <a:lumMod val="50000"/>
                   </a:schemeClr>
                 </a:solidFill>
@@ -9326,7 +10184,7 @@
             <a:r>
               <a:rPr lang="en-US" u="sng" dirty="0" smtClean="0">
                 <a:solidFill>
-                  <a:schemeClr val="bg2">
+                  <a:schemeClr val="bg1">
                     <a:lumMod val="50000"/>
                   </a:schemeClr>
                 </a:solidFill>
@@ -9334,22 +10192,36 @@
               <a:t>4</a:t>
             </a:r>
             <a:r>
-              <a:rPr lang="en-US" dirty="0" smtClean="0"/>
+              <a:rPr lang="en-US" dirty="0" smtClean="0">
+                <a:solidFill>
+                  <a:schemeClr val="bg1">
+                    <a:lumMod val="50000"/>
+                  </a:schemeClr>
+                </a:solidFill>
+              </a:rPr>
               <a:t>, </a:t>
             </a:r>
             <a:r>
               <a:rPr lang="en-US" dirty="0">
                 <a:solidFill>
-                  <a:schemeClr val="accent6">
-                    <a:lumMod val="75000"/>
-                  </a:schemeClr>
+                  <a:schemeClr val="tx1"/>
                 </a:solidFill>
               </a:rPr>
               <a:t>5</a:t>
             </a:r>
             <a:r>
+              <a:rPr lang="en-US" dirty="0">
+                <a:solidFill>
+                  <a:schemeClr val="bg1">
+                    <a:lumMod val="50000"/>
+                  </a:schemeClr>
+                </a:solidFill>
+              </a:rPr>
+              <a:t> </a:t>
+            </a:r>
+            <a:r>
               <a:rPr lang="en-US" dirty="0"/>
-              <a:t> ]</a:t>
+              <a:t>]</a:t>
             </a:r>
           </a:p>
           <a:p>
@@ -9656,12 +10528,12 @@
               <a:buNone/>
             </a:pPr>
             <a:r>
-              <a:rPr lang="pt-PT" u="sng" dirty="0" smtClean="0"/>
-              <a:t>Sublinhados</a:t>
-            </a:r>
-            <a:r>
               <a:rPr lang="pt-PT" dirty="0" smtClean="0"/>
-              <a:t> – Elementos Trocados</a:t>
+              <a:t>Sublinhado </a:t>
+            </a:r>
+            <a:r>
+              <a:rPr lang="pt-PT" dirty="0" smtClean="0"/>
+              <a:t>– Elementos Trocados</a:t>
             </a:r>
           </a:p>
         </p:txBody>
@@ -9927,7 +10799,7 @@
                             </p:stCondLst>
                             <p:childTnLst>
                               <p:par>
-                                <p:cTn id="23" presetID="10" presetClass="entr" presetSubtype="0" fill="hold" nodeType="clickEffect">
+                                <p:cTn id="23" presetID="10" presetClass="entr" presetSubtype="0" fill="hold" grpId="0" nodeType="clickEffect">
                                   <p:stCondLst>
                                     <p:cond delay="0"/>
                                   </p:stCondLst>
@@ -9940,11 +10812,7 @@
                                           </p:stCondLst>
                                         </p:cTn>
                                         <p:tgtEl>
-                                          <p:spTgt spid="2">
-                                            <p:txEl>
-                                              <p:pRg st="3" end="3"/>
-                                            </p:txEl>
-                                          </p:spTgt>
+                                          <p:spTgt spid="4"/>
                                         </p:tgtEl>
                                         <p:attrNameLst>
                                           <p:attrName>style.visibility</p:attrName>
@@ -9958,11 +10826,7 @@
                                       <p:cBhvr>
                                         <p:cTn id="25" dur="500"/>
                                         <p:tgtEl>
-                                          <p:spTgt spid="2">
-                                            <p:txEl>
-                                              <p:pRg st="3" end="3"/>
-                                            </p:txEl>
-                                          </p:spTgt>
+                                          <p:spTgt spid="4"/>
                                         </p:tgtEl>
                                       </p:cBhvr>
                                     </p:animEffect>
@@ -10003,7 +10867,7 @@
                                         <p:tgtEl>
                                           <p:spTgt spid="2">
                                             <p:txEl>
-                                              <p:pRg st="4" end="4"/>
+                                              <p:pRg st="3" end="3"/>
                                             </p:txEl>
                                           </p:spTgt>
                                         </p:tgtEl>
@@ -10021,7 +10885,7 @@
                                         <p:tgtEl>
                                           <p:spTgt spid="2">
                                             <p:txEl>
-                                              <p:pRg st="4" end="4"/>
+                                              <p:pRg st="3" end="3"/>
                                             </p:txEl>
                                           </p:spTgt>
                                         </p:tgtEl>
@@ -10064,7 +10928,7 @@
                                         <p:tgtEl>
                                           <p:spTgt spid="2">
                                             <p:txEl>
-                                              <p:pRg st="5" end="5"/>
+                                              <p:pRg st="4" end="4"/>
                                             </p:txEl>
                                           </p:spTgt>
                                         </p:tgtEl>
@@ -10082,9 +10946,237 @@
                                         <p:tgtEl>
                                           <p:spTgt spid="2">
                                             <p:txEl>
+                                              <p:pRg st="4" end="4"/>
+                                            </p:txEl>
+                                          </p:spTgt>
+                                        </p:tgtEl>
+                                      </p:cBhvr>
+                                    </p:animEffect>
+                                  </p:childTnLst>
+                                </p:cTn>
+                              </p:par>
+                            </p:childTnLst>
+                          </p:cTn>
+                        </p:par>
+                      </p:childTnLst>
+                    </p:cTn>
+                  </p:par>
+                  <p:par>
+                    <p:cTn id="36" fill="hold">
+                      <p:stCondLst>
+                        <p:cond delay="indefinite"/>
+                      </p:stCondLst>
+                      <p:childTnLst>
+                        <p:par>
+                          <p:cTn id="37" fill="hold">
+                            <p:stCondLst>
+                              <p:cond delay="0"/>
+                            </p:stCondLst>
+                            <p:childTnLst>
+                              <p:par>
+                                <p:cTn id="38" presetID="10" presetClass="entr" presetSubtype="0" fill="hold" nodeType="clickEffect">
+                                  <p:stCondLst>
+                                    <p:cond delay="0"/>
+                                  </p:stCondLst>
+                                  <p:childTnLst>
+                                    <p:set>
+                                      <p:cBhvr>
+                                        <p:cTn id="39" dur="1" fill="hold">
+                                          <p:stCondLst>
+                                            <p:cond delay="0"/>
+                                          </p:stCondLst>
+                                        </p:cTn>
+                                        <p:tgtEl>
+                                          <p:spTgt spid="2">
+                                            <p:txEl>
                                               <p:pRg st="5" end="5"/>
                                             </p:txEl>
                                           </p:spTgt>
+                                        </p:tgtEl>
+                                        <p:attrNameLst>
+                                          <p:attrName>style.visibility</p:attrName>
+                                        </p:attrNameLst>
+                                      </p:cBhvr>
+                                      <p:to>
+                                        <p:strVal val="visible"/>
+                                      </p:to>
+                                    </p:set>
+                                    <p:animEffect transition="in" filter="fade">
+                                      <p:cBhvr>
+                                        <p:cTn id="40" dur="500"/>
+                                        <p:tgtEl>
+                                          <p:spTgt spid="2">
+                                            <p:txEl>
+                                              <p:pRg st="5" end="5"/>
+                                            </p:txEl>
+                                          </p:spTgt>
+                                        </p:tgtEl>
+                                      </p:cBhvr>
+                                    </p:animEffect>
+                                  </p:childTnLst>
+                                </p:cTn>
+                              </p:par>
+                            </p:childTnLst>
+                          </p:cTn>
+                        </p:par>
+                      </p:childTnLst>
+                    </p:cTn>
+                  </p:par>
+                  <p:par>
+                    <p:cTn id="41" fill="hold">
+                      <p:stCondLst>
+                        <p:cond delay="indefinite"/>
+                      </p:stCondLst>
+                      <p:childTnLst>
+                        <p:par>
+                          <p:cTn id="42" fill="hold">
+                            <p:stCondLst>
+                              <p:cond delay="0"/>
+                            </p:stCondLst>
+                            <p:childTnLst>
+                              <p:par>
+                                <p:cTn id="43" presetID="10" presetClass="entr" presetSubtype="0" fill="hold" grpId="0" nodeType="clickEffect">
+                                  <p:stCondLst>
+                                    <p:cond delay="0"/>
+                                  </p:stCondLst>
+                                  <p:childTnLst>
+                                    <p:set>
+                                      <p:cBhvr>
+                                        <p:cTn id="44" dur="1" fill="hold">
+                                          <p:stCondLst>
+                                            <p:cond delay="0"/>
+                                          </p:stCondLst>
+                                        </p:cTn>
+                                        <p:tgtEl>
+                                          <p:spTgt spid="5"/>
+                                        </p:tgtEl>
+                                        <p:attrNameLst>
+                                          <p:attrName>style.visibility</p:attrName>
+                                        </p:attrNameLst>
+                                      </p:cBhvr>
+                                      <p:to>
+                                        <p:strVal val="visible"/>
+                                      </p:to>
+                                    </p:set>
+                                    <p:animEffect transition="in" filter="fade">
+                                      <p:cBhvr>
+                                        <p:cTn id="45" dur="500"/>
+                                        <p:tgtEl>
+                                          <p:spTgt spid="5"/>
+                                        </p:tgtEl>
+                                      </p:cBhvr>
+                                    </p:animEffect>
+                                  </p:childTnLst>
+                                </p:cTn>
+                              </p:par>
+                            </p:childTnLst>
+                          </p:cTn>
+                        </p:par>
+                      </p:childTnLst>
+                    </p:cTn>
+                  </p:par>
+                  <p:par>
+                    <p:cTn id="46" fill="hold">
+                      <p:stCondLst>
+                        <p:cond delay="indefinite"/>
+                      </p:stCondLst>
+                      <p:childTnLst>
+                        <p:par>
+                          <p:cTn id="47" fill="hold">
+                            <p:stCondLst>
+                              <p:cond delay="0"/>
+                            </p:stCondLst>
+                            <p:childTnLst>
+                              <p:par>
+                                <p:cTn id="48" presetID="10" presetClass="entr" presetSubtype="0" fill="hold" nodeType="clickEffect">
+                                  <p:stCondLst>
+                                    <p:cond delay="0"/>
+                                  </p:stCondLst>
+                                  <p:childTnLst>
+                                    <p:set>
+                                      <p:cBhvr>
+                                        <p:cTn id="49" dur="1" fill="hold">
+                                          <p:stCondLst>
+                                            <p:cond delay="0"/>
+                                          </p:stCondLst>
+                                        </p:cTn>
+                                        <p:tgtEl>
+                                          <p:spTgt spid="2">
+                                            <p:txEl>
+                                              <p:pRg st="6" end="6"/>
+                                            </p:txEl>
+                                          </p:spTgt>
+                                        </p:tgtEl>
+                                        <p:attrNameLst>
+                                          <p:attrName>style.visibility</p:attrName>
+                                        </p:attrNameLst>
+                                      </p:cBhvr>
+                                      <p:to>
+                                        <p:strVal val="visible"/>
+                                      </p:to>
+                                    </p:set>
+                                    <p:animEffect transition="in" filter="fade">
+                                      <p:cBhvr>
+                                        <p:cTn id="50" dur="500"/>
+                                        <p:tgtEl>
+                                          <p:spTgt spid="2">
+                                            <p:txEl>
+                                              <p:pRg st="6" end="6"/>
+                                            </p:txEl>
+                                          </p:spTgt>
+                                        </p:tgtEl>
+                                      </p:cBhvr>
+                                    </p:animEffect>
+                                  </p:childTnLst>
+                                </p:cTn>
+                              </p:par>
+                            </p:childTnLst>
+                          </p:cTn>
+                        </p:par>
+                      </p:childTnLst>
+                    </p:cTn>
+                  </p:par>
+                  <p:par>
+                    <p:cTn id="51" fill="hold">
+                      <p:stCondLst>
+                        <p:cond delay="indefinite"/>
+                      </p:stCondLst>
+                      <p:childTnLst>
+                        <p:par>
+                          <p:cTn id="52" fill="hold">
+                            <p:stCondLst>
+                              <p:cond delay="0"/>
+                            </p:stCondLst>
+                            <p:childTnLst>
+                              <p:par>
+                                <p:cTn id="53" presetID="10" presetClass="entr" presetSubtype="0" fill="hold" grpId="0" nodeType="clickEffect">
+                                  <p:stCondLst>
+                                    <p:cond delay="0"/>
+                                  </p:stCondLst>
+                                  <p:childTnLst>
+                                    <p:set>
+                                      <p:cBhvr>
+                                        <p:cTn id="54" dur="1" fill="hold">
+                                          <p:stCondLst>
+                                            <p:cond delay="0"/>
+                                          </p:stCondLst>
+                                        </p:cTn>
+                                        <p:tgtEl>
+                                          <p:spTgt spid="6"/>
+                                        </p:tgtEl>
+                                        <p:attrNameLst>
+                                          <p:attrName>style.visibility</p:attrName>
+                                        </p:attrNameLst>
+                                      </p:cBhvr>
+                                      <p:to>
+                                        <p:strVal val="visible"/>
+                                      </p:to>
+                                    </p:set>
+                                    <p:animEffect transition="in" filter="fade">
+                                      <p:cBhvr>
+                                        <p:cTn id="55" dur="500"/>
+                                        <p:tgtEl>
+                                          <p:spTgt spid="6"/>
                                         </p:tgtEl>
                                       </p:cBhvr>
                                     </p:animEffect>
@@ -10119,6 +11211,9 @@
       </p:par>
     </p:tnLst>
     <p:bldLst>
+      <p:bldP spid="6" grpId="0" animBg="1"/>
+      <p:bldP spid="5" grpId="0" animBg="1"/>
+      <p:bldP spid="4" grpId="0" animBg="1"/>
       <p:bldP spid="3" grpId="0"/>
     </p:bldLst>
   </p:timing>
@@ -10240,6 +11335,153 @@
       </p:grpSpPr>
       <p:sp>
         <p:nvSpPr>
+          <p:cNvPr id="4" name="Rectangle 3"/>
+          <p:cNvSpPr/>
+          <p:nvPr/>
+        </p:nvSpPr>
+        <p:spPr>
+          <a:xfrm>
+            <a:off x="4898919" y="3805084"/>
+            <a:ext cx="1787015" cy="442451"/>
+          </a:xfrm>
+          <a:prstGeom prst="rect">
+            <a:avLst/>
+          </a:prstGeom>
+          <a:solidFill>
+            <a:schemeClr val="tx2">
+              <a:lumMod val="10000"/>
+              <a:lumOff val="90000"/>
+            </a:schemeClr>
+          </a:solidFill>
+          <a:ln>
+            <a:noFill/>
+          </a:ln>
+        </p:spPr>
+        <p:style>
+          <a:lnRef idx="2">
+            <a:schemeClr val="accent1">
+              <a:shade val="50000"/>
+            </a:schemeClr>
+          </a:lnRef>
+          <a:fillRef idx="1">
+            <a:schemeClr val="accent1"/>
+          </a:fillRef>
+          <a:effectRef idx="0">
+            <a:schemeClr val="accent1"/>
+          </a:effectRef>
+          <a:fontRef idx="minor">
+            <a:schemeClr val="lt1"/>
+          </a:fontRef>
+        </p:style>
+        <p:txBody>
+          <a:bodyPr rtlCol="0" anchor="ctr"/>
+          <a:lstStyle/>
+          <a:p>
+            <a:pPr algn="ctr"/>
+            <a:endParaRPr lang="pt-PT"/>
+          </a:p>
+        </p:txBody>
+      </p:sp>
+      <p:sp>
+        <p:nvSpPr>
+          <p:cNvPr id="5" name="Rectangle 4"/>
+          <p:cNvSpPr/>
+          <p:nvPr/>
+        </p:nvSpPr>
+        <p:spPr>
+          <a:xfrm>
+            <a:off x="4898920" y="2831690"/>
+            <a:ext cx="1787015" cy="835742"/>
+          </a:xfrm>
+          <a:prstGeom prst="rect">
+            <a:avLst/>
+          </a:prstGeom>
+          <a:solidFill>
+            <a:schemeClr val="accent2">
+              <a:lumMod val="20000"/>
+              <a:lumOff val="80000"/>
+            </a:schemeClr>
+          </a:solidFill>
+          <a:ln>
+            <a:noFill/>
+          </a:ln>
+        </p:spPr>
+        <p:style>
+          <a:lnRef idx="2">
+            <a:schemeClr val="accent1">
+              <a:shade val="50000"/>
+            </a:schemeClr>
+          </a:lnRef>
+          <a:fillRef idx="1">
+            <a:schemeClr val="accent1"/>
+          </a:fillRef>
+          <a:effectRef idx="0">
+            <a:schemeClr val="accent1"/>
+          </a:effectRef>
+          <a:fontRef idx="minor">
+            <a:schemeClr val="lt1"/>
+          </a:fontRef>
+        </p:style>
+        <p:txBody>
+          <a:bodyPr rtlCol="0" anchor="ctr"/>
+          <a:lstStyle/>
+          <a:p>
+            <a:pPr algn="ctr"/>
+            <a:endParaRPr lang="pt-PT" dirty="0"/>
+          </a:p>
+        </p:txBody>
+      </p:sp>
+      <p:sp>
+        <p:nvSpPr>
+          <p:cNvPr id="6" name="Rectangle 5"/>
+          <p:cNvSpPr/>
+          <p:nvPr/>
+        </p:nvSpPr>
+        <p:spPr>
+          <a:xfrm>
+            <a:off x="4898920" y="1297858"/>
+            <a:ext cx="1787015" cy="1337187"/>
+          </a:xfrm>
+          <a:prstGeom prst="rect">
+            <a:avLst/>
+          </a:prstGeom>
+          <a:solidFill>
+            <a:schemeClr val="accent1">
+              <a:lumMod val="20000"/>
+              <a:lumOff val="80000"/>
+            </a:schemeClr>
+          </a:solidFill>
+          <a:ln>
+            <a:noFill/>
+          </a:ln>
+        </p:spPr>
+        <p:style>
+          <a:lnRef idx="2">
+            <a:schemeClr val="accent1">
+              <a:shade val="50000"/>
+            </a:schemeClr>
+          </a:lnRef>
+          <a:fillRef idx="1">
+            <a:schemeClr val="accent1"/>
+          </a:fillRef>
+          <a:effectRef idx="0">
+            <a:schemeClr val="accent1"/>
+          </a:effectRef>
+          <a:fontRef idx="minor">
+            <a:schemeClr val="lt1"/>
+          </a:fontRef>
+        </p:style>
+        <p:txBody>
+          <a:bodyPr rtlCol="0" anchor="ctr"/>
+          <a:lstStyle/>
+          <a:p>
+            <a:pPr algn="ctr"/>
+            <a:endParaRPr lang="pt-PT"/>
+          </a:p>
+        </p:txBody>
+      </p:sp>
+      <p:sp>
+        <p:nvSpPr>
           <p:cNvPr id="2" name="Content Placeholder 2"/>
           <p:cNvSpPr txBox="1">
             <a:spLocks/>
@@ -10249,7 +11491,7 @@
         <p:spPr>
           <a:xfrm>
             <a:off x="4898920" y="1199536"/>
-            <a:ext cx="2008240" cy="3431458"/>
+            <a:ext cx="2008240" cy="3293806"/>
           </a:xfrm>
           <a:prstGeom prst="rect">
             <a:avLst/>
@@ -10499,7 +11741,19 @@
             </a:pPr>
             <a:r>
               <a:rPr lang="en-US" dirty="0" smtClean="0"/>
-              <a:t>[ 4, 1, 2, 5, 3 ]</a:t>
+              <a:t>[ </a:t>
+            </a:r>
+            <a:r>
+              <a:rPr lang="en-US" dirty="0" smtClean="0">
+                <a:solidFill>
+                  <a:srgbClr val="BC35D7"/>
+                </a:solidFill>
+              </a:rPr>
+              <a:t>4, 1, 2, 5, 3 </a:t>
+            </a:r>
+            <a:r>
+              <a:rPr lang="en-US" dirty="0" smtClean="0"/>
+              <a:t>]</a:t>
             </a:r>
           </a:p>
           <a:p>
@@ -10511,6 +11765,136 @@
               <a:t>[ </a:t>
             </a:r>
             <a:r>
+              <a:rPr lang="en-US" u="sng" dirty="0" smtClean="0">
+                <a:solidFill>
+                  <a:srgbClr val="BC35D7"/>
+                </a:solidFill>
+              </a:rPr>
+              <a:t>2</a:t>
+            </a:r>
+            <a:r>
+              <a:rPr lang="en-US" dirty="0" smtClean="0">
+                <a:solidFill>
+                  <a:srgbClr val="BC35D7"/>
+                </a:solidFill>
+              </a:rPr>
+              <a:t>, </a:t>
+            </a:r>
+            <a:r>
+              <a:rPr lang="en-US" dirty="0">
+                <a:solidFill>
+                  <a:srgbClr val="BC35D7"/>
+                </a:solidFill>
+              </a:rPr>
+              <a:t>1, </a:t>
+            </a:r>
+            <a:r>
+              <a:rPr lang="en-US" u="sng" dirty="0" smtClean="0">
+                <a:solidFill>
+                  <a:srgbClr val="BC35D7"/>
+                </a:solidFill>
+              </a:rPr>
+              <a:t>4</a:t>
+            </a:r>
+            <a:r>
+              <a:rPr lang="en-US" dirty="0" smtClean="0">
+                <a:solidFill>
+                  <a:srgbClr val="BC35D7"/>
+                </a:solidFill>
+              </a:rPr>
+              <a:t>, </a:t>
+            </a:r>
+            <a:r>
+              <a:rPr lang="en-US" dirty="0">
+                <a:solidFill>
+                  <a:srgbClr val="BC35D7"/>
+                </a:solidFill>
+              </a:rPr>
+              <a:t>5, </a:t>
+            </a:r>
+            <a:r>
+              <a:rPr lang="en-US" dirty="0" smtClean="0">
+                <a:solidFill>
+                  <a:srgbClr val="BC35D7"/>
+                </a:solidFill>
+              </a:rPr>
+              <a:t>3 </a:t>
+            </a:r>
+            <a:r>
+              <a:rPr lang="en-US" dirty="0" smtClean="0"/>
+              <a:t>]</a:t>
+            </a:r>
+          </a:p>
+          <a:p>
+            <a:pPr marL="0" indent="0">
+              <a:buNone/>
+            </a:pPr>
+            <a:r>
+              <a:rPr lang="en-US" dirty="0"/>
+              <a:t>[ </a:t>
+            </a:r>
+            <a:r>
+              <a:rPr lang="en-US" dirty="0">
+                <a:solidFill>
+                  <a:srgbClr val="BC35D7"/>
+                </a:solidFill>
+              </a:rPr>
+              <a:t>2, </a:t>
+            </a:r>
+            <a:r>
+              <a:rPr lang="en-US" dirty="0" smtClean="0">
+                <a:solidFill>
+                  <a:srgbClr val="BC35D7"/>
+                </a:solidFill>
+              </a:rPr>
+              <a:t>1, </a:t>
+            </a:r>
+            <a:r>
+              <a:rPr lang="en-US" dirty="0" smtClean="0">
+                <a:solidFill>
+                  <a:srgbClr val="FF0000"/>
+                </a:solidFill>
+              </a:rPr>
+              <a:t>4</a:t>
+            </a:r>
+            <a:r>
+              <a:rPr lang="en-US" dirty="0">
+                <a:solidFill>
+                  <a:srgbClr val="FF0000"/>
+                </a:solidFill>
+              </a:rPr>
+              <a:t>, 5, </a:t>
+            </a:r>
+            <a:r>
+              <a:rPr lang="en-US" dirty="0" smtClean="0">
+                <a:solidFill>
+                  <a:srgbClr val="FF0000"/>
+                </a:solidFill>
+              </a:rPr>
+              <a:t>3 </a:t>
+            </a:r>
+            <a:r>
+              <a:rPr lang="en-US" dirty="0" smtClean="0"/>
+              <a:t>]</a:t>
+            </a:r>
+          </a:p>
+          <a:p>
+            <a:pPr marL="0" indent="0">
+              <a:buNone/>
+            </a:pPr>
+            <a:r>
+              <a:rPr lang="en-US" dirty="0"/>
+              <a:t>[ </a:t>
+            </a:r>
+            <a:r>
+              <a:rPr lang="en-US" u="sng" dirty="0" smtClean="0"/>
+              <a:t>1</a:t>
+            </a:r>
+            <a:r>
+              <a:rPr lang="en-US" dirty="0" smtClean="0"/>
+              <a:t>, </a:t>
+            </a:r>
+            <a:r>
               <a:rPr lang="en-US" u="sng" dirty="0" smtClean="0"/>
               <a:t>2</a:t>
             </a:r>
@@ -10519,224 +11903,139 @@
               <a:t>, </a:t>
             </a:r>
             <a:r>
+              <a:rPr lang="en-US" dirty="0">
+                <a:solidFill>
+                  <a:srgbClr val="FF0000"/>
+                </a:solidFill>
+              </a:rPr>
+              <a:t>4, </a:t>
+            </a:r>
+            <a:r>
+              <a:rPr lang="en-US" u="sng" dirty="0">
+                <a:solidFill>
+                  <a:srgbClr val="FF0000"/>
+                </a:solidFill>
+              </a:rPr>
+              <a:t>3</a:t>
+            </a:r>
+            <a:r>
+              <a:rPr lang="en-US" dirty="0">
+                <a:solidFill>
+                  <a:srgbClr val="FF0000"/>
+                </a:solidFill>
+              </a:rPr>
+              <a:t>, </a:t>
+            </a:r>
+            <a:r>
+              <a:rPr lang="en-US" u="sng" dirty="0">
+                <a:solidFill>
+                  <a:srgbClr val="FF0000"/>
+                </a:solidFill>
+              </a:rPr>
+              <a:t>5</a:t>
+            </a:r>
+            <a:r>
+              <a:rPr lang="en-US" dirty="0">
+                <a:solidFill>
+                  <a:srgbClr val="FF0000"/>
+                </a:solidFill>
+              </a:rPr>
+              <a:t> </a:t>
+            </a:r>
+            <a:r>
+              <a:rPr lang="en-US" dirty="0" smtClean="0"/>
+              <a:t>]</a:t>
+            </a:r>
+          </a:p>
+          <a:p>
+            <a:pPr marL="0" indent="0">
+              <a:buNone/>
+            </a:pPr>
+            <a:r>
               <a:rPr lang="en-US" dirty="0"/>
-              <a:t>1, </a:t>
-            </a:r>
-            <a:r>
-              <a:rPr lang="en-US" u="sng" dirty="0" smtClean="0"/>
-              <a:t>4</a:t>
+              <a:t>[ 1, 2, </a:t>
+            </a:r>
+            <a:r>
+              <a:rPr lang="en-US" dirty="0">
+                <a:solidFill>
+                  <a:srgbClr val="FF0000"/>
+                </a:solidFill>
+              </a:rPr>
+              <a:t>4, 3</a:t>
+            </a:r>
+            <a:r>
+              <a:rPr lang="en-US" dirty="0"/>
+              <a:t>, </a:t>
+            </a:r>
+            <a:r>
+              <a:rPr lang="en-US" dirty="0">
+                <a:solidFill>
+                  <a:srgbClr val="0070C0"/>
+                </a:solidFill>
+              </a:rPr>
+              <a:t>5</a:t>
+            </a:r>
+            <a:r>
+              <a:rPr lang="en-US" dirty="0"/>
+              <a:t> </a:t>
             </a:r>
             <a:r>
               <a:rPr lang="en-US" dirty="0" smtClean="0"/>
+              <a:t>]</a:t>
+            </a:r>
+            <a:endParaRPr lang="en-US" dirty="0" smtClean="0"/>
+          </a:p>
+          <a:p>
+            <a:pPr marL="0" indent="0">
+              <a:buNone/>
+            </a:pPr>
+            <a:r>
+              <a:rPr lang="en-US" dirty="0"/>
+              <a:t>[ 1, 2, </a:t>
+            </a:r>
+            <a:r>
+              <a:rPr lang="en-US" u="sng" dirty="0" smtClean="0">
+                <a:solidFill>
+                  <a:schemeClr val="tx1"/>
+                </a:solidFill>
+              </a:rPr>
+              <a:t>3</a:t>
+            </a:r>
+            <a:r>
+              <a:rPr lang="en-US" dirty="0" smtClean="0">
+                <a:solidFill>
+                  <a:schemeClr val="tx1"/>
+                </a:solidFill>
+              </a:rPr>
               <a:t>, </a:t>
             </a:r>
             <a:r>
-              <a:rPr lang="en-US" dirty="0"/>
-              <a:t>5, </a:t>
-            </a:r>
-            <a:r>
-              <a:rPr lang="en-US" dirty="0" smtClean="0"/>
-              <a:t>3 ]</a:t>
-            </a:r>
-          </a:p>
-          <a:p>
-            <a:pPr marL="0" indent="0">
-              <a:buNone/>
-            </a:pPr>
-            <a:r>
-              <a:rPr lang="en-US" dirty="0"/>
-              <a:t>[ 2, </a:t>
-            </a:r>
-            <a:r>
-              <a:rPr lang="en-US" dirty="0" smtClean="0"/>
-              <a:t>1, </a:t>
-            </a:r>
-            <a:r>
-              <a:rPr lang="en-US" dirty="0" smtClean="0">
-                <a:solidFill>
-                  <a:srgbClr val="FF0000"/>
+              <a:rPr lang="en-US" u="sng" dirty="0" smtClean="0">
+                <a:solidFill>
+                  <a:schemeClr val="tx1"/>
                 </a:solidFill>
               </a:rPr>
               <a:t>4</a:t>
             </a:r>
             <a:r>
-              <a:rPr lang="en-US" dirty="0">
-                <a:solidFill>
-                  <a:srgbClr val="FF0000"/>
-                </a:solidFill>
-              </a:rPr>
-              <a:t>, 5, </a:t>
-            </a:r>
-            <a:r>
               <a:rPr lang="en-US" dirty="0" smtClean="0">
                 <a:solidFill>
-                  <a:srgbClr val="FF0000"/>
-                </a:solidFill>
-              </a:rPr>
-              <a:t>3 </a:t>
-            </a:r>
-            <a:r>
-              <a:rPr lang="en-US" dirty="0" smtClean="0"/>
-              <a:t>]</a:t>
-            </a:r>
-          </a:p>
-          <a:p>
-            <a:pPr marL="0" indent="0">
-              <a:buNone/>
-            </a:pPr>
-            <a:r>
-              <a:rPr lang="en-US" dirty="0"/>
-              <a:t>[ </a:t>
-            </a:r>
-            <a:r>
-              <a:rPr lang="en-US" u="sng" dirty="0" smtClean="0"/>
-              <a:t>1</a:t>
-            </a:r>
-            <a:r>
-              <a:rPr lang="en-US" dirty="0" smtClean="0"/>
-              <a:t>, </a:t>
-            </a:r>
-            <a:r>
-              <a:rPr lang="en-US" u="sng" dirty="0" smtClean="0"/>
-              <a:t>2</a:t>
-            </a:r>
-            <a:r>
-              <a:rPr lang="en-US" dirty="0" smtClean="0"/>
-              <a:t>, </a:t>
-            </a:r>
-            <a:r>
-              <a:rPr lang="en-US" dirty="0" smtClean="0">
-                <a:solidFill>
-                  <a:srgbClr val="FF0000"/>
-                </a:solidFill>
-              </a:rPr>
-              <a:t>4</a:t>
-            </a:r>
-            <a:r>
-              <a:rPr lang="en-US" dirty="0">
-                <a:solidFill>
-                  <a:srgbClr val="FF0000"/>
+                  <a:schemeClr val="tx1"/>
                 </a:solidFill>
               </a:rPr>
               <a:t>, </a:t>
             </a:r>
             <a:r>
-              <a:rPr lang="en-US" dirty="0" smtClean="0">
-                <a:solidFill>
-                  <a:srgbClr val="FF0000"/>
+              <a:rPr lang="en-US" dirty="0">
+                <a:solidFill>
+                  <a:schemeClr val="tx1"/>
                 </a:solidFill>
               </a:rPr>
-              <a:t>3, </a:t>
-            </a:r>
-            <a:r>
-              <a:rPr lang="en-US" dirty="0">
-                <a:solidFill>
-                  <a:srgbClr val="FF0000"/>
-                </a:solidFill>
-              </a:rPr>
-              <a:t>5</a:t>
-            </a:r>
-            <a:r>
-              <a:rPr lang="en-US" dirty="0" smtClean="0">
-                <a:solidFill>
-                  <a:srgbClr val="FF0000"/>
-                </a:solidFill>
-              </a:rPr>
-              <a:t> </a:t>
-            </a:r>
-            <a:r>
-              <a:rPr lang="en-US" dirty="0" smtClean="0"/>
+              <a:t>5 </a:t>
+            </a:r>
+            <a:r>
+              <a:rPr lang="en-US" dirty="0"/>
               <a:t>]</a:t>
-            </a:r>
-          </a:p>
-          <a:p>
-            <a:pPr marL="0" indent="0">
-              <a:buNone/>
-            </a:pPr>
-            <a:r>
-              <a:rPr lang="en-US" dirty="0"/>
-              <a:t>[ 1, </a:t>
-            </a:r>
-            <a:r>
-              <a:rPr lang="en-US" dirty="0" smtClean="0"/>
-              <a:t>2, </a:t>
-            </a:r>
-            <a:r>
-              <a:rPr lang="en-US" dirty="0">
-                <a:solidFill>
-                  <a:srgbClr val="FF0000"/>
-                </a:solidFill>
-              </a:rPr>
-              <a:t>4, 3</a:t>
-            </a:r>
-            <a:r>
-              <a:rPr lang="en-US" dirty="0"/>
-              <a:t>, </a:t>
-            </a:r>
-            <a:r>
-              <a:rPr lang="en-US" dirty="0">
-                <a:solidFill>
-                  <a:srgbClr val="0070C0"/>
-                </a:solidFill>
-              </a:rPr>
-              <a:t>5</a:t>
-            </a:r>
-            <a:r>
-              <a:rPr lang="en-US" dirty="0"/>
-              <a:t> </a:t>
-            </a:r>
-            <a:r>
-              <a:rPr lang="en-US" dirty="0" smtClean="0"/>
-              <a:t>]</a:t>
-            </a:r>
-          </a:p>
-          <a:p>
-            <a:pPr marL="0" indent="0">
-              <a:buNone/>
-            </a:pPr>
-            <a:r>
-              <a:rPr lang="en-US" dirty="0"/>
-              <a:t>[ 1, 2, </a:t>
-            </a:r>
-            <a:r>
-              <a:rPr lang="en-US" u="sng" dirty="0" smtClean="0">
-                <a:solidFill>
-                  <a:srgbClr val="FF0000"/>
-                </a:solidFill>
-              </a:rPr>
-              <a:t>3</a:t>
-            </a:r>
-            <a:r>
-              <a:rPr lang="en-US" dirty="0" smtClean="0">
-                <a:solidFill>
-                  <a:srgbClr val="FF0000"/>
-                </a:solidFill>
-              </a:rPr>
-              <a:t>, </a:t>
-            </a:r>
-            <a:r>
-              <a:rPr lang="en-US" u="sng" dirty="0" smtClean="0">
-                <a:solidFill>
-                  <a:srgbClr val="FF0000"/>
-                </a:solidFill>
-              </a:rPr>
-              <a:t>4</a:t>
-            </a:r>
-            <a:r>
-              <a:rPr lang="en-US" dirty="0" smtClean="0"/>
-              <a:t>, </a:t>
-            </a:r>
-            <a:r>
-              <a:rPr lang="en-US" dirty="0">
-                <a:solidFill>
-                  <a:srgbClr val="0070C0"/>
-                </a:solidFill>
-              </a:rPr>
-              <a:t>5</a:t>
-            </a:r>
-            <a:r>
-              <a:rPr lang="en-US" dirty="0"/>
-              <a:t> ]</a:t>
             </a:r>
           </a:p>
           <a:p>
@@ -11044,7 +12343,11 @@
             </a:pPr>
             <a:r>
               <a:rPr lang="pt-PT" dirty="0" smtClean="0"/>
-              <a:t>Sublinhados – Elementos Trocados</a:t>
+              <a:t>Sublinhado </a:t>
+            </a:r>
+            <a:r>
+              <a:rPr lang="pt-PT" dirty="0" smtClean="0"/>
+              <a:t>– Elementos Trocados</a:t>
             </a:r>
           </a:p>
           <a:p>
@@ -11328,7 +12631,7 @@
                             </p:stCondLst>
                             <p:childTnLst>
                               <p:par>
-                                <p:cTn id="23" presetID="10" presetClass="entr" presetSubtype="0" fill="hold" nodeType="clickEffect">
+                                <p:cTn id="23" presetID="10" presetClass="entr" presetSubtype="0" fill="hold" grpId="0" nodeType="clickEffect">
                                   <p:stCondLst>
                                     <p:cond delay="0"/>
                                   </p:stCondLst>
@@ -11341,11 +12644,7 @@
                                           </p:stCondLst>
                                         </p:cTn>
                                         <p:tgtEl>
-                                          <p:spTgt spid="2">
-                                            <p:txEl>
-                                              <p:pRg st="3" end="3"/>
-                                            </p:txEl>
-                                          </p:spTgt>
+                                          <p:spTgt spid="6"/>
                                         </p:tgtEl>
                                         <p:attrNameLst>
                                           <p:attrName>style.visibility</p:attrName>
@@ -11359,11 +12658,7 @@
                                       <p:cBhvr>
                                         <p:cTn id="25" dur="500"/>
                                         <p:tgtEl>
-                                          <p:spTgt spid="2">
-                                            <p:txEl>
-                                              <p:pRg st="3" end="3"/>
-                                            </p:txEl>
-                                          </p:spTgt>
+                                          <p:spTgt spid="6"/>
                                         </p:tgtEl>
                                       </p:cBhvr>
                                     </p:animEffect>
@@ -11404,7 +12699,7 @@
                                         <p:tgtEl>
                                           <p:spTgt spid="2">
                                             <p:txEl>
-                                              <p:pRg st="4" end="4"/>
+                                              <p:pRg st="3" end="3"/>
                                             </p:txEl>
                                           </p:spTgt>
                                         </p:tgtEl>
@@ -11422,7 +12717,7 @@
                                         <p:tgtEl>
                                           <p:spTgt spid="2">
                                             <p:txEl>
-                                              <p:pRg st="4" end="4"/>
+                                              <p:pRg st="3" end="3"/>
                                             </p:txEl>
                                           </p:spTgt>
                                         </p:tgtEl>
@@ -11465,7 +12760,7 @@
                                         <p:tgtEl>
                                           <p:spTgt spid="2">
                                             <p:txEl>
-                                              <p:pRg st="5" end="5"/>
+                                              <p:pRg st="4" end="4"/>
                                             </p:txEl>
                                           </p:spTgt>
                                         </p:tgtEl>
@@ -11483,9 +12778,176 @@
                                         <p:tgtEl>
                                           <p:spTgt spid="2">
                                             <p:txEl>
+                                              <p:pRg st="4" end="4"/>
+                                            </p:txEl>
+                                          </p:spTgt>
+                                        </p:tgtEl>
+                                      </p:cBhvr>
+                                    </p:animEffect>
+                                  </p:childTnLst>
+                                </p:cTn>
+                              </p:par>
+                            </p:childTnLst>
+                          </p:cTn>
+                        </p:par>
+                      </p:childTnLst>
+                    </p:cTn>
+                  </p:par>
+                  <p:par>
+                    <p:cTn id="36" fill="hold">
+                      <p:stCondLst>
+                        <p:cond delay="indefinite"/>
+                      </p:stCondLst>
+                      <p:childTnLst>
+                        <p:par>
+                          <p:cTn id="37" fill="hold">
+                            <p:stCondLst>
+                              <p:cond delay="0"/>
+                            </p:stCondLst>
+                            <p:childTnLst>
+                              <p:par>
+                                <p:cTn id="38" presetID="10" presetClass="entr" presetSubtype="0" fill="hold" grpId="0" nodeType="clickEffect">
+                                  <p:stCondLst>
+                                    <p:cond delay="0"/>
+                                  </p:stCondLst>
+                                  <p:childTnLst>
+                                    <p:set>
+                                      <p:cBhvr>
+                                        <p:cTn id="39" dur="1" fill="hold">
+                                          <p:stCondLst>
+                                            <p:cond delay="0"/>
+                                          </p:stCondLst>
+                                        </p:cTn>
+                                        <p:tgtEl>
+                                          <p:spTgt spid="5"/>
+                                        </p:tgtEl>
+                                        <p:attrNameLst>
+                                          <p:attrName>style.visibility</p:attrName>
+                                        </p:attrNameLst>
+                                      </p:cBhvr>
+                                      <p:to>
+                                        <p:strVal val="visible"/>
+                                      </p:to>
+                                    </p:set>
+                                    <p:animEffect transition="in" filter="fade">
+                                      <p:cBhvr>
+                                        <p:cTn id="40" dur="500"/>
+                                        <p:tgtEl>
+                                          <p:spTgt spid="5"/>
+                                        </p:tgtEl>
+                                      </p:cBhvr>
+                                    </p:animEffect>
+                                  </p:childTnLst>
+                                </p:cTn>
+                              </p:par>
+                            </p:childTnLst>
+                          </p:cTn>
+                        </p:par>
+                      </p:childTnLst>
+                    </p:cTn>
+                  </p:par>
+                  <p:par>
+                    <p:cTn id="41" fill="hold">
+                      <p:stCondLst>
+                        <p:cond delay="indefinite"/>
+                      </p:stCondLst>
+                      <p:childTnLst>
+                        <p:par>
+                          <p:cTn id="42" fill="hold">
+                            <p:stCondLst>
+                              <p:cond delay="0"/>
+                            </p:stCondLst>
+                            <p:childTnLst>
+                              <p:par>
+                                <p:cTn id="43" presetID="10" presetClass="entr" presetSubtype="0" fill="hold" nodeType="clickEffect">
+                                  <p:stCondLst>
+                                    <p:cond delay="0"/>
+                                  </p:stCondLst>
+                                  <p:childTnLst>
+                                    <p:set>
+                                      <p:cBhvr>
+                                        <p:cTn id="44" dur="1" fill="hold">
+                                          <p:stCondLst>
+                                            <p:cond delay="0"/>
+                                          </p:stCondLst>
+                                        </p:cTn>
+                                        <p:tgtEl>
+                                          <p:spTgt spid="2">
+                                            <p:txEl>
                                               <p:pRg st="5" end="5"/>
                                             </p:txEl>
                                           </p:spTgt>
+                                        </p:tgtEl>
+                                        <p:attrNameLst>
+                                          <p:attrName>style.visibility</p:attrName>
+                                        </p:attrNameLst>
+                                      </p:cBhvr>
+                                      <p:to>
+                                        <p:strVal val="visible"/>
+                                      </p:to>
+                                    </p:set>
+                                    <p:animEffect transition="in" filter="fade">
+                                      <p:cBhvr>
+                                        <p:cTn id="45" dur="500"/>
+                                        <p:tgtEl>
+                                          <p:spTgt spid="2">
+                                            <p:txEl>
+                                              <p:pRg st="5" end="5"/>
+                                            </p:txEl>
+                                          </p:spTgt>
+                                        </p:tgtEl>
+                                      </p:cBhvr>
+                                    </p:animEffect>
+                                  </p:childTnLst>
+                                </p:cTn>
+                              </p:par>
+                            </p:childTnLst>
+                          </p:cTn>
+                        </p:par>
+                      </p:childTnLst>
+                    </p:cTn>
+                  </p:par>
+                  <p:par>
+                    <p:cTn id="46" fill="hold">
+                      <p:stCondLst>
+                        <p:cond delay="indefinite"/>
+                      </p:stCondLst>
+                      <p:childTnLst>
+                        <p:par>
+                          <p:cTn id="47" fill="hold">
+                            <p:stCondLst>
+                              <p:cond delay="0"/>
+                            </p:stCondLst>
+                            <p:childTnLst>
+                              <p:par>
+                                <p:cTn id="48" presetID="10" presetClass="entr" presetSubtype="0" fill="hold" grpId="0" nodeType="clickEffect">
+                                  <p:stCondLst>
+                                    <p:cond delay="0"/>
+                                  </p:stCondLst>
+                                  <p:childTnLst>
+                                    <p:set>
+                                      <p:cBhvr>
+                                        <p:cTn id="49" dur="1" fill="hold">
+                                          <p:stCondLst>
+                                            <p:cond delay="0"/>
+                                          </p:stCondLst>
+                                        </p:cTn>
+                                        <p:tgtEl>
+                                          <p:spTgt spid="4"/>
+                                        </p:tgtEl>
+                                        <p:attrNameLst>
+                                          <p:attrName>style.visibility</p:attrName>
+                                        </p:attrNameLst>
+                                      </p:cBhvr>
+                                      <p:to>
+                                        <p:strVal val="visible"/>
+                                      </p:to>
+                                    </p:set>
+                                    <p:animEffect transition="in" filter="fade">
+                                      <p:cBhvr>
+                                        <p:cTn id="50" dur="500"/>
+                                        <p:tgtEl>
+                                          <p:spTgt spid="4"/>
                                         </p:tgtEl>
                                       </p:cBhvr>
                                     </p:animEffect>
@@ -11520,6 +12982,9 @@
       </p:par>
     </p:tnLst>
     <p:bldLst>
+      <p:bldP spid="4" grpId="0" animBg="1"/>
+      <p:bldP spid="5" grpId="0" animBg="1"/>
+      <p:bldP spid="6" grpId="0" animBg="1"/>
       <p:bldP spid="3" grpId="0"/>
     </p:bldLst>
   </p:timing>

--- a/Apresentação.pptx
+++ b/Apresentação.pptx
@@ -2,7 +2,7 @@
 <file path=ppt/presentation.xml><?xml version="1.0" encoding="utf-8"?>
 <p:presentation xmlns:a="http://schemas.openxmlformats.org/drawingml/2006/main" xmlns:r="http://schemas.openxmlformats.org/officeDocument/2006/relationships" xmlns:p="http://schemas.openxmlformats.org/presentationml/2006/main" saveSubsetFonts="1">
   <p:sldMasterIdLst>
-    <p:sldMasterId id="2147483660" r:id="rId1"/>
+    <p:sldMasterId id="2147483678" r:id="rId1"/>
   </p:sldMasterIdLst>
   <p:notesMasterIdLst>
     <p:notesMasterId r:id="rId13"/>
@@ -20,7 +20,7 @@
     <p:sldId id="266" r:id="rId11"/>
     <p:sldId id="267" r:id="rId12"/>
   </p:sldIdLst>
-  <p:sldSz cx="12192000" cy="6858000"/>
+  <p:sldSz cx="9144000" cy="6858000" type="screen4x3"/>
   <p:notesSz cx="6858000" cy="9144000"/>
   <p:defaultTextStyle>
     <a:defPPr>
@@ -162,7 +162,7 @@
           <c:spPr>
             <a:ln w="28575" cap="rnd">
               <a:solidFill>
-                <a:schemeClr val="accent2"/>
+                <a:schemeClr val="accent1"/>
               </a:solidFill>
               <a:round/>
             </a:ln>
@@ -256,7 +256,7 @@
           <c:spPr>
             <a:ln w="28575" cap="rnd">
               <a:solidFill>
-                <a:schemeClr val="accent4"/>
+                <a:schemeClr val="accent3"/>
               </a:solidFill>
               <a:round/>
             </a:ln>
@@ -333,6 +333,100 @@
           </c:val>
           <c:smooth val="0"/>
         </c:ser>
+        <c:ser>
+          <c:idx val="2"/>
+          <c:order val="2"/>
+          <c:tx>
+            <c:strRef>
+              <c:f>Sheet1!$F$4</c:f>
+              <c:strCache>
+                <c:ptCount val="1"/>
+                <c:pt idx="0">
+                  <c:v>Híbrido</c:v>
+                </c:pt>
+              </c:strCache>
+            </c:strRef>
+          </c:tx>
+          <c:spPr>
+            <a:ln w="28575" cap="rnd">
+              <a:solidFill>
+                <a:schemeClr val="accent5"/>
+              </a:solidFill>
+              <a:round/>
+            </a:ln>
+            <a:effectLst/>
+          </c:spPr>
+          <c:marker>
+            <c:symbol val="none"/>
+          </c:marker>
+          <c:cat>
+            <c:numRef>
+              <c:f>Sheet1!$C$5:$C$12</c:f>
+              <c:numCache>
+                <c:formatCode>General</c:formatCode>
+                <c:ptCount val="8"/>
+                <c:pt idx="0">
+                  <c:v>1</c:v>
+                </c:pt>
+                <c:pt idx="1">
+                  <c:v>2</c:v>
+                </c:pt>
+                <c:pt idx="2">
+                  <c:v>4</c:v>
+                </c:pt>
+                <c:pt idx="3">
+                  <c:v>8</c:v>
+                </c:pt>
+                <c:pt idx="4">
+                  <c:v>16</c:v>
+                </c:pt>
+                <c:pt idx="5">
+                  <c:v>20</c:v>
+                </c:pt>
+                <c:pt idx="6">
+                  <c:v>28</c:v>
+                </c:pt>
+                <c:pt idx="7">
+                  <c:v>32</c:v>
+                </c:pt>
+              </c:numCache>
+            </c:numRef>
+          </c:cat>
+          <c:val>
+            <c:numRef>
+              <c:f>Sheet1!$F$5:$F$12</c:f>
+              <c:numCache>
+                <c:formatCode>General</c:formatCode>
+                <c:ptCount val="8"/>
+                <c:pt idx="0">
+                  <c:v>2.1856270000000002</c:v>
+                </c:pt>
+                <c:pt idx="1">
+                  <c:v>1.3297140000000001</c:v>
+                </c:pt>
+                <c:pt idx="2">
+                  <c:v>1.0306420000000001</c:v>
+                </c:pt>
+                <c:pt idx="3">
+                  <c:v>1.133659</c:v>
+                </c:pt>
+                <c:pt idx="4">
+                  <c:v>1.7087159999999999</c:v>
+                </c:pt>
+                <c:pt idx="5">
+                  <c:v>2.0032179999999999</c:v>
+                </c:pt>
+                <c:pt idx="6">
+                  <c:v>2.081118</c:v>
+                </c:pt>
+                <c:pt idx="7">
+                  <c:v>1.975781</c:v>
+                </c:pt>
+              </c:numCache>
+            </c:numRef>
+          </c:val>
+          <c:smooth val="0"/>
+        </c:ser>
         <c:dLbls>
           <c:showLegendKey val="0"/>
           <c:showVal val="0"/>
@@ -342,11 +436,11 @@
           <c:showBubbleSize val="0"/>
         </c:dLbls>
         <c:smooth val="0"/>
-        <c:axId val="-160217040"/>
-        <c:axId val="-160216496"/>
+        <c:axId val="2077034688"/>
+        <c:axId val="2077035232"/>
       </c:lineChart>
       <c:catAx>
-        <c:axId val="-160217040"/>
+        <c:axId val="2077034688"/>
         <c:scaling>
           <c:orientation val="minMax"/>
         </c:scaling>
@@ -449,7 +543,7 @@
             <a:endParaRPr lang="en-US"/>
           </a:p>
         </c:txPr>
-        <c:crossAx val="-160216496"/>
+        <c:crossAx val="2077035232"/>
         <c:crosses val="autoZero"/>
         <c:auto val="1"/>
         <c:lblAlgn val="ctr"/>
@@ -457,7 +551,7 @@
         <c:noMultiLvlLbl val="0"/>
       </c:catAx>
       <c:valAx>
-        <c:axId val="-160216496"/>
+        <c:axId val="2077035232"/>
         <c:scaling>
           <c:orientation val="minMax"/>
         </c:scaling>
@@ -569,7 +663,7 @@
             <a:endParaRPr lang="en-US"/>
           </a:p>
         </c:txPr>
-        <c:crossAx val="-160217040"/>
+        <c:crossAx val="2077034688"/>
         <c:crosses val="autoZero"/>
         <c:crossBetween val="between"/>
       </c:valAx>
@@ -641,10 +735,10 @@
 </file>
 
 <file path=ppt/charts/colors1.xml><?xml version="1.0" encoding="utf-8"?>
-<cs:colorStyle xmlns:cs="http://schemas.microsoft.com/office/drawing/2012/chartStyle" xmlns:a="http://schemas.openxmlformats.org/drawingml/2006/main" meth="cycle" id="12">
-  <a:schemeClr val="accent2"/>
-  <a:schemeClr val="accent4"/>
-  <a:schemeClr val="accent6"/>
+<cs:colorStyle xmlns:cs="http://schemas.microsoft.com/office/drawing/2012/chartStyle" xmlns:a="http://schemas.openxmlformats.org/drawingml/2006/main" meth="cycle" id="11">
+  <a:schemeClr val="accent1"/>
+  <a:schemeClr val="accent3"/>
+  <a:schemeClr val="accent5"/>
   <cs:variation/>
   <cs:variation>
     <a:lumMod val="60000"/>
@@ -1293,8 +1387,8 @@
         </p:nvSpPr>
         <p:spPr>
           <a:xfrm>
-            <a:off x="685800" y="1143000"/>
-            <a:ext cx="5486400" cy="3086100"/>
+            <a:off x="1371600" y="1143000"/>
+            <a:ext cx="4114800" cy="3086100"/>
           </a:xfrm>
           <a:prstGeom prst="rect">
             <a:avLst/>
@@ -1570,7 +1664,12 @@
             <p:ph type="sldImg"/>
           </p:nvPr>
         </p:nvSpPr>
-        <p:spPr/>
+        <p:spPr>
+          <a:xfrm>
+            <a:off x="1371600" y="1143000"/>
+            <a:ext cx="4114800" cy="3086100"/>
+          </a:xfrm>
+        </p:spPr>
       </p:sp>
       <p:sp>
         <p:nvSpPr>
@@ -1654,7 +1753,12 @@
             <p:ph type="sldImg"/>
           </p:nvPr>
         </p:nvSpPr>
-        <p:spPr/>
+        <p:spPr>
+          <a:xfrm>
+            <a:off x="1371600" y="1143000"/>
+            <a:ext cx="4114800" cy="3086100"/>
+          </a:xfrm>
+        </p:spPr>
       </p:sp>
       <p:sp>
         <p:nvSpPr>
@@ -1738,7 +1842,12 @@
             <p:ph type="sldImg"/>
           </p:nvPr>
         </p:nvSpPr>
-        <p:spPr/>
+        <p:spPr>
+          <a:xfrm>
+            <a:off x="1371600" y="1143000"/>
+            <a:ext cx="4114800" cy="3086100"/>
+          </a:xfrm>
+        </p:spPr>
       </p:sp>
       <p:sp>
         <p:nvSpPr>
@@ -1872,7 +1981,12 @@
             <p:ph type="sldImg"/>
           </p:nvPr>
         </p:nvSpPr>
-        <p:spPr/>
+        <p:spPr>
+          <a:xfrm>
+            <a:off x="1371600" y="1143000"/>
+            <a:ext cx="4114800" cy="3086100"/>
+          </a:xfrm>
+        </p:spPr>
       </p:sp>
       <p:sp>
         <p:nvSpPr>
@@ -2009,7 +2123,12 @@
             <p:ph type="sldImg"/>
           </p:nvPr>
         </p:nvSpPr>
-        <p:spPr/>
+        <p:spPr>
+          <a:xfrm>
+            <a:off x="1371600" y="1143000"/>
+            <a:ext cx="4114800" cy="3086100"/>
+          </a:xfrm>
+        </p:spPr>
       </p:sp>
       <p:sp>
         <p:nvSpPr>
@@ -2107,7 +2226,12 @@
             <p:ph type="sldImg"/>
           </p:nvPr>
         </p:nvSpPr>
-        <p:spPr/>
+        <p:spPr>
+          <a:xfrm>
+            <a:off x="1371600" y="1143000"/>
+            <a:ext cx="4114800" cy="3086100"/>
+          </a:xfrm>
+        </p:spPr>
       </p:sp>
       <p:sp>
         <p:nvSpPr>
@@ -2191,7 +2315,12 @@
             <p:ph type="sldImg"/>
           </p:nvPr>
         </p:nvSpPr>
-        <p:spPr/>
+        <p:spPr>
+          <a:xfrm>
+            <a:off x="1371600" y="1143000"/>
+            <a:ext cx="4114800" cy="3086100"/>
+          </a:xfrm>
+        </p:spPr>
       </p:sp>
       <p:sp>
         <p:nvSpPr>
@@ -2309,7 +2438,12 @@
             <p:ph type="sldImg"/>
           </p:nvPr>
         </p:nvSpPr>
-        <p:spPr/>
+        <p:spPr>
+          <a:xfrm>
+            <a:off x="1371600" y="1143000"/>
+            <a:ext cx="4114800" cy="3086100"/>
+          </a:xfrm>
+        </p:spPr>
       </p:sp>
       <p:sp>
         <p:nvSpPr>
@@ -2397,7 +2531,12 @@
             <p:ph type="sldImg"/>
           </p:nvPr>
         </p:nvSpPr>
-        <p:spPr/>
+        <p:spPr>
+          <a:xfrm>
+            <a:off x="1371600" y="1143000"/>
+            <a:ext cx="4114800" cy="3086100"/>
+          </a:xfrm>
+        </p:spPr>
       </p:sp>
       <p:sp>
         <p:nvSpPr>
@@ -2481,7 +2620,12 @@
             <p:ph type="sldImg"/>
           </p:nvPr>
         </p:nvSpPr>
-        <p:spPr/>
+        <p:spPr>
+          <a:xfrm>
+            <a:off x="1371600" y="1143000"/>
+            <a:ext cx="4114800" cy="3086100"/>
+          </a:xfrm>
+        </p:spPr>
       </p:sp>
       <p:sp>
         <p:nvSpPr>
@@ -2573,21 +2717,21 @@
       </p:grpSpPr>
       <p:grpSp>
         <p:nvGrpSpPr>
-          <p:cNvPr id="7" name="Group 6"/>
+          <p:cNvPr id="18" name="Group 17"/>
           <p:cNvGrpSpPr/>
           <p:nvPr/>
         </p:nvGrpSpPr>
         <p:grpSpPr>
           <a:xfrm>
-            <a:off x="-16934" y="0"/>
-            <a:ext cx="12231160" cy="6856214"/>
-            <a:chOff x="-16934" y="0"/>
-            <a:chExt cx="12231160" cy="6856214"/>
+            <a:off x="0" y="0"/>
+            <a:ext cx="9144677" cy="6858000"/>
+            <a:chOff x="0" y="0"/>
+            <a:chExt cx="9144677" cy="6858000"/>
           </a:xfrm>
         </p:grpSpPr>
         <p:pic>
           <p:nvPicPr>
-            <p:cNvPr id="16" name="Picture 15" descr="HD-PanelTitleR1.png"/>
+            <p:cNvPr id="8" name="Picture 7" descr="SD-PanelTitle-R1.png"/>
             <p:cNvPicPr>
               <a:picLocks noChangeAspect="1"/>
             </p:cNvPicPr>
@@ -2608,7 +2752,7 @@
           <p:spPr>
             <a:xfrm>
               <a:off x="0" y="0"/>
-              <a:ext cx="12188825" cy="6856214"/>
+              <a:ext cx="9144000" cy="6858000"/>
             </a:xfrm>
             <a:prstGeom prst="rect">
               <a:avLst/>
@@ -2617,20 +2761,20 @@
         </p:pic>
         <p:sp>
           <p:nvSpPr>
-            <p:cNvPr id="26" name="Rectangle 25"/>
+            <p:cNvPr id="11" name="Rectangle 10"/>
             <p:cNvSpPr/>
             <p:nvPr/>
           </p:nvSpPr>
           <p:spPr>
             <a:xfrm>
-              <a:off x="2328332" y="1540931"/>
-              <a:ext cx="7543802" cy="3835401"/>
+              <a:off x="1515532" y="1520422"/>
+              <a:ext cx="6112935" cy="3818468"/>
             </a:xfrm>
             <a:prstGeom prst="rect">
               <a:avLst/>
             </a:prstGeom>
             <a:noFill/>
-            <a:ln w="15875">
+            <a:ln w="15875" cap="flat">
               <a:miter lim="800000"/>
             </a:ln>
           </p:spPr>
@@ -2651,7 +2795,7 @@
         </p:sp>
         <p:pic>
           <p:nvPicPr>
-            <p:cNvPr id="17" name="Picture 16" descr="HDRibbonTitle-UniformTrim.png"/>
+            <p:cNvPr id="12" name="Picture 11" descr="HDRibbonTitle-UniformTrim.png"/>
             <p:cNvPicPr>
               <a:picLocks noChangeAspect="1"/>
             </p:cNvPicPr>
@@ -2665,13 +2809,13 @@
                 </a:ext>
               </a:extLst>
             </a:blip>
-            <a:srcRect/>
+            <a:srcRect l="-2" r="47959"/>
             <a:stretch/>
           </p:blipFill>
           <p:spPr>
             <a:xfrm>
-              <a:off x="-16934" y="3147609"/>
-              <a:ext cx="2478024" cy="612648"/>
+              <a:off x="0" y="3128434"/>
+              <a:ext cx="1664208" cy="612648"/>
             </a:xfrm>
             <a:prstGeom prst="rect">
               <a:avLst/>
@@ -2680,7 +2824,7 @@
         </p:pic>
         <p:pic>
           <p:nvPicPr>
-            <p:cNvPr id="20" name="Picture 19" descr="HDRibbonTitle-UniformTrim.png"/>
+            <p:cNvPr id="13" name="Picture 12" descr="HDRibbonTitle-UniformTrim.png"/>
             <p:cNvPicPr>
               <a:picLocks noChangeAspect="1"/>
             </p:cNvPicPr>
@@ -2694,13 +2838,13 @@
                 </a:ext>
               </a:extLst>
             </a:blip>
-            <a:srcRect/>
+            <a:srcRect l="-2" r="47959"/>
             <a:stretch/>
           </p:blipFill>
           <p:spPr>
             <a:xfrm>
-              <a:off x="9736202" y="3147609"/>
-              <a:ext cx="2478024" cy="612648"/>
+              <a:off x="7480469" y="3128434"/>
+              <a:ext cx="1664208" cy="612648"/>
             </a:xfrm>
             <a:prstGeom prst="rect">
               <a:avLst/>
@@ -2720,8 +2864,8 @@
         </p:nvSpPr>
         <p:spPr>
           <a:xfrm>
-            <a:off x="2692398" y="1871131"/>
-            <a:ext cx="6815669" cy="1515533"/>
+            <a:off x="1921934" y="1811863"/>
+            <a:ext cx="5308866" cy="1515533"/>
           </a:xfrm>
         </p:spPr>
         <p:txBody>
@@ -2730,7 +2874,7 @@
           </a:bodyPr>
           <a:lstStyle>
             <a:lvl1pPr algn="ctr">
-              <a:defRPr sz="5400">
+              <a:defRPr sz="4800">
                 <a:effectLst/>
               </a:defRPr>
             </a:lvl1pPr>
@@ -2756,8 +2900,8 @@
         </p:nvSpPr>
         <p:spPr>
           <a:xfrm>
-            <a:off x="2692398" y="3657597"/>
-            <a:ext cx="6815669" cy="1320802"/>
+            <a:off x="1921934" y="3598327"/>
+            <a:ext cx="5308866" cy="1377651"/>
           </a:xfrm>
         </p:spPr>
         <p:txBody>
@@ -2767,7 +2911,7 @@
           <a:lstStyle>
             <a:lvl1pPr marL="0" indent="0" algn="ctr">
               <a:buNone/>
-              <a:defRPr sz="2100">
+              <a:defRPr sz="2000">
                 <a:solidFill>
                   <a:schemeClr val="tx1"/>
                 </a:solidFill>
@@ -2875,8 +3019,8 @@
         </p:nvSpPr>
         <p:spPr>
           <a:xfrm>
-            <a:off x="7983232" y="5037663"/>
-            <a:ext cx="897467" cy="279400"/>
+            <a:off x="6065417" y="5054602"/>
+            <a:ext cx="673276" cy="279400"/>
           </a:xfrm>
         </p:spPr>
         <p:txBody>
@@ -2903,8 +3047,8 @@
         </p:nvSpPr>
         <p:spPr>
           <a:xfrm>
-            <a:off x="2692397" y="5037663"/>
-            <a:ext cx="5214635" cy="279400"/>
+            <a:off x="1921934" y="5054602"/>
+            <a:ext cx="4064860" cy="279400"/>
           </a:xfrm>
         </p:spPr>
         <p:txBody>
@@ -2927,8 +3071,8 @@
         </p:nvSpPr>
         <p:spPr>
           <a:xfrm>
-            <a:off x="8956900" y="5037663"/>
-            <a:ext cx="551167" cy="279400"/>
+            <a:off x="6817317" y="5054602"/>
+            <a:ext cx="413483" cy="279400"/>
           </a:xfrm>
         </p:spPr>
         <p:txBody>
@@ -2951,12 +3095,13 @@
         </p:nvCxnSpPr>
         <p:spPr>
           <a:xfrm>
-            <a:off x="2692399" y="3522131"/>
-            <a:ext cx="6815668" cy="0"/>
+            <a:off x="2019825" y="3471329"/>
+            <a:ext cx="5113083" cy="0"/>
           </a:xfrm>
           <a:prstGeom prst="line">
             <a:avLst/>
           </a:prstGeom>
+          <a:ln w="15875"/>
         </p:spPr>
         <p:style>
           <a:lnRef idx="2">
@@ -2976,7 +3121,7 @@
     </p:spTree>
     <p:extLst>
       <p:ext uri="{BB962C8B-B14F-4D97-AF65-F5344CB8AC3E}">
-        <p14:creationId xmlns:p14="http://schemas.microsoft.com/office/powerpoint/2010/main" val="1602785172"/>
+        <p14:creationId xmlns:p14="http://schemas.microsoft.com/office/powerpoint/2010/main" val="1915709577"/>
       </p:ext>
     </p:extLst>
   </p:cSld>
@@ -3015,8 +3160,8 @@
         </p:nvSpPr>
         <p:spPr>
           <a:xfrm>
-            <a:off x="1295401" y="4815415"/>
-            <a:ext cx="9609666" cy="566738"/>
+            <a:off x="1176866" y="4815415"/>
+            <a:ext cx="6798734" cy="566738"/>
           </a:xfrm>
         </p:spPr>
         <p:txBody>
@@ -3049,8 +3194,8 @@
         </p:nvSpPr>
         <p:spPr>
           <a:xfrm>
-            <a:off x="1041427" y="1041399"/>
-            <a:ext cx="10105972" cy="3335869"/>
+            <a:off x="1026260" y="1032933"/>
+            <a:ext cx="7091482" cy="3361269"/>
           </a:xfrm>
           <a:prstGeom prst="roundRect">
             <a:avLst>
@@ -3064,7 +3209,6 @@
                 <a:lumOff val="50000"/>
               </a:schemeClr>
             </a:solidFill>
-            <a:miter lim="800000"/>
           </a:ln>
           <a:effectLst>
             <a:innerShdw blurRad="57150" dist="38100" dir="14460000">
@@ -3137,18 +3281,18 @@
         </p:nvSpPr>
         <p:spPr>
           <a:xfrm>
-            <a:off x="1295401" y="5382153"/>
-            <a:ext cx="9609666" cy="493712"/>
+            <a:off x="1176866" y="5382153"/>
+            <a:ext cx="6798734" cy="493712"/>
           </a:xfrm>
         </p:spPr>
         <p:txBody>
-          <a:bodyPr>
+          <a:bodyPr anchor="t">
             <a:normAutofit/>
           </a:bodyPr>
           <a:lstStyle>
             <a:lvl1pPr marL="0" indent="0" algn="ctr">
               <a:buNone/>
-              <a:defRPr sz="1400"/>
+              <a:defRPr sz="1600"/>
             </a:lvl1pPr>
             <a:lvl2pPr marL="457200" indent="0">
               <a:buNone/>
@@ -3260,7 +3404,7 @@
     </p:spTree>
     <p:extLst>
       <p:ext uri="{BB962C8B-B14F-4D97-AF65-F5344CB8AC3E}">
-        <p14:creationId xmlns:p14="http://schemas.microsoft.com/office/powerpoint/2010/main" val="3173813290"/>
+        <p14:creationId xmlns:p14="http://schemas.microsoft.com/office/powerpoint/2010/main" val="1115197202"/>
       </p:ext>
     </p:extLst>
   </p:cSld>
@@ -3299,8 +3443,8 @@
         </p:nvSpPr>
         <p:spPr>
           <a:xfrm>
-            <a:off x="1303868" y="982132"/>
-            <a:ext cx="9592732" cy="2954868"/>
+            <a:off x="1176866" y="906873"/>
+            <a:ext cx="6798734" cy="3097860"/>
           </a:xfrm>
         </p:spPr>
         <p:txBody>
@@ -3333,8 +3477,8 @@
         </p:nvSpPr>
         <p:spPr>
           <a:xfrm>
-            <a:off x="1303868" y="4343399"/>
-            <a:ext cx="9592732" cy="1532467"/>
+            <a:off x="1176865" y="4275666"/>
+            <a:ext cx="6798736" cy="1600202"/>
           </a:xfrm>
         </p:spPr>
         <p:txBody>
@@ -3513,8 +3657,8 @@
         </p:nvCxnSpPr>
         <p:spPr>
           <a:xfrm>
-            <a:off x="1396169" y="4140199"/>
-            <a:ext cx="9407298" cy="0"/>
+            <a:off x="1278465" y="4140199"/>
+            <a:ext cx="6606425" cy="0"/>
           </a:xfrm>
           <a:prstGeom prst="line">
             <a:avLst/>
@@ -3539,7 +3683,7 @@
     </p:spTree>
     <p:extLst>
       <p:ext uri="{BB962C8B-B14F-4D97-AF65-F5344CB8AC3E}">
-        <p14:creationId xmlns:p14="http://schemas.microsoft.com/office/powerpoint/2010/main" val="3086486047"/>
+        <p14:creationId xmlns:p14="http://schemas.microsoft.com/office/powerpoint/2010/main" val="3381862857"/>
       </p:ext>
     </p:extLst>
   </p:cSld>
@@ -3578,8 +3722,8 @@
         </p:nvSpPr>
         <p:spPr>
           <a:xfrm>
-            <a:off x="1446213" y="982132"/>
-            <a:ext cx="9296398" cy="2370668"/>
+            <a:off x="1334333" y="982132"/>
+            <a:ext cx="6400250" cy="2370668"/>
           </a:xfrm>
         </p:spPr>
         <p:txBody>
@@ -3616,8 +3760,8 @@
         </p:nvSpPr>
         <p:spPr>
           <a:xfrm>
-            <a:off x="1674812" y="3352800"/>
-            <a:ext cx="8839202" cy="584200"/>
+            <a:off x="1600200" y="3352799"/>
+            <a:ext cx="5892798" cy="651933"/>
           </a:xfrm>
         </p:spPr>
         <p:txBody>
@@ -3628,7 +3772,7 @@
             <a:lvl1pPr marL="0" indent="0" algn="r">
               <a:buFontTx/>
               <a:buNone/>
-              <a:defRPr sz="2000"/>
+              <a:defRPr sz="1800"/>
             </a:lvl1pPr>
             <a:lvl2pPr marL="457200" indent="0">
               <a:buFontTx/>
@@ -3672,8 +3816,8 @@
         </p:nvSpPr>
         <p:spPr>
           <a:xfrm>
-            <a:off x="1295401" y="4343399"/>
-            <a:ext cx="9609666" cy="1532467"/>
+            <a:off x="1176863" y="4343400"/>
+            <a:ext cx="6798738" cy="1532467"/>
           </a:xfrm>
         </p:spPr>
         <p:txBody>
@@ -3852,8 +3996,8 @@
         </p:nvSpPr>
         <p:spPr>
           <a:xfrm>
-            <a:off x="862013" y="879961"/>
-            <a:ext cx="609600" cy="584776"/>
+            <a:off x="849969" y="905362"/>
+            <a:ext cx="457319" cy="584776"/>
           </a:xfrm>
           <a:prstGeom prst="rect">
             <a:avLst/>
@@ -3867,7 +4011,7 @@
           <a:p>
             <a:pPr lvl="0"/>
             <a:r>
-              <a:rPr lang="en-US" sz="8000" dirty="0">
+              <a:rPr lang="en-US" sz="7200" dirty="0">
                 <a:solidFill>
                   <a:schemeClr val="tx1"/>
                 </a:solidFill>
@@ -3886,8 +4030,8 @@
         </p:nvSpPr>
         <p:spPr>
           <a:xfrm>
-            <a:off x="10600267" y="2827870"/>
-            <a:ext cx="609600" cy="584776"/>
+            <a:off x="7633503" y="2827870"/>
+            <a:ext cx="457319" cy="584776"/>
           </a:xfrm>
           <a:prstGeom prst="rect">
             <a:avLst/>
@@ -3901,7 +4045,7 @@
           <a:p>
             <a:pPr lvl="0" algn="r"/>
             <a:r>
-              <a:rPr lang="en-US" sz="8000" dirty="0">
+              <a:rPr lang="en-US" sz="7200" dirty="0">
                 <a:solidFill>
                   <a:schemeClr val="tx1"/>
                 </a:solidFill>
@@ -3920,8 +4064,8 @@
         </p:nvCxnSpPr>
         <p:spPr>
           <a:xfrm>
-            <a:off x="1396169" y="4140199"/>
-            <a:ext cx="9407298" cy="0"/>
+            <a:off x="1278466" y="4140199"/>
+            <a:ext cx="6595534" cy="0"/>
           </a:xfrm>
           <a:prstGeom prst="line">
             <a:avLst/>
@@ -3946,7 +4090,7 @@
     </p:spTree>
     <p:extLst>
       <p:ext uri="{BB962C8B-B14F-4D97-AF65-F5344CB8AC3E}">
-        <p14:creationId xmlns:p14="http://schemas.microsoft.com/office/powerpoint/2010/main" val="1976224469"/>
+        <p14:creationId xmlns:p14="http://schemas.microsoft.com/office/powerpoint/2010/main" val="3990110786"/>
       </p:ext>
     </p:extLst>
   </p:cSld>
@@ -3985,8 +4129,8 @@
         </p:nvSpPr>
         <p:spPr>
           <a:xfrm>
-            <a:off x="1295402" y="3308581"/>
-            <a:ext cx="9609668" cy="1468800"/>
+            <a:off x="1176869" y="3308581"/>
+            <a:ext cx="6798728" cy="1468800"/>
           </a:xfrm>
         </p:spPr>
         <p:txBody>
@@ -4019,8 +4163,8 @@
         </p:nvSpPr>
         <p:spPr>
           <a:xfrm>
-            <a:off x="1295401" y="4777381"/>
-            <a:ext cx="9609668" cy="860400"/>
+            <a:off x="1176868" y="4777381"/>
+            <a:ext cx="6798730" cy="860400"/>
           </a:xfrm>
         </p:spPr>
         <p:txBody>
@@ -4030,7 +4174,7 @@
           <a:lstStyle>
             <a:lvl1pPr marL="0" indent="0" algn="l">
               <a:buNone/>
-              <a:defRPr sz="2000">
+              <a:defRPr sz="1800">
                 <a:solidFill>
                   <a:schemeClr val="tx1"/>
                 </a:solidFill>
@@ -4194,7 +4338,7 @@
     </p:spTree>
     <p:extLst>
       <p:ext uri="{BB962C8B-B14F-4D97-AF65-F5344CB8AC3E}">
-        <p14:creationId xmlns:p14="http://schemas.microsoft.com/office/powerpoint/2010/main" val="1355315982"/>
+        <p14:creationId xmlns:p14="http://schemas.microsoft.com/office/powerpoint/2010/main" val="3490911504"/>
       </p:ext>
     </p:extLst>
   </p:cSld>
@@ -4233,8 +4377,8 @@
         </p:nvSpPr>
         <p:spPr>
           <a:xfrm>
-            <a:off x="1446213" y="982132"/>
-            <a:ext cx="9296398" cy="2243668"/>
+            <a:off x="1409416" y="982132"/>
+            <a:ext cx="6325168" cy="2243668"/>
           </a:xfrm>
         </p:spPr>
         <p:txBody>
@@ -4261,7 +4405,7 @@
       </p:sp>
       <p:sp>
         <p:nvSpPr>
-          <p:cNvPr id="23" name="Text Placeholder 2"/>
+          <p:cNvPr id="18" name="Text Placeholder 2"/>
           <p:cNvSpPr>
             <a:spLocks noGrp="1"/>
           </p:cNvSpPr>
@@ -4271,8 +4415,8 @@
         </p:nvSpPr>
         <p:spPr>
           <a:xfrm>
-            <a:off x="1295401" y="3639312"/>
-            <a:ext cx="9609668" cy="886968"/>
+            <a:off x="1176868" y="3639312"/>
+            <a:ext cx="6798730" cy="886968"/>
           </a:xfrm>
         </p:spPr>
         <p:txBody>
@@ -4285,7 +4429,7 @@
                 <a:spcPts val="0"/>
               </a:spcBef>
               <a:buNone/>
-              <a:defRPr sz="2400">
+              <a:defRPr sz="2000">
                 <a:solidFill>
                   <a:schemeClr val="tx1"/>
                 </a:solidFill>
@@ -4393,8 +4537,8 @@
         </p:nvSpPr>
         <p:spPr>
           <a:xfrm>
-            <a:off x="1295401" y="4529667"/>
-            <a:ext cx="9609668" cy="1346200"/>
+            <a:off x="1176865" y="4529667"/>
+            <a:ext cx="6798736" cy="1346200"/>
           </a:xfrm>
         </p:spPr>
         <p:txBody>
@@ -4404,7 +4548,7 @@
           <a:lstStyle>
             <a:lvl1pPr marL="0" indent="0" algn="l">
               <a:buNone/>
-              <a:defRPr sz="1800">
+              <a:defRPr sz="1600">
                 <a:solidFill>
                   <a:schemeClr val="tx1"/>
                 </a:solidFill>
@@ -4412,7 +4556,7 @@
             </a:lvl1pPr>
             <a:lvl2pPr marL="457200" indent="0">
               <a:buNone/>
-              <a:defRPr sz="1800">
+              <a:defRPr sz="1600">
                 <a:solidFill>
                   <a:schemeClr val="tx1">
                     <a:tint val="75000"/>
@@ -4573,8 +4717,8 @@
         </p:nvSpPr>
         <p:spPr>
           <a:xfrm>
-            <a:off x="862013" y="879961"/>
-            <a:ext cx="609600" cy="584776"/>
+            <a:off x="878060" y="896895"/>
+            <a:ext cx="457319" cy="584776"/>
           </a:xfrm>
           <a:prstGeom prst="rect">
             <a:avLst/>
@@ -4607,8 +4751,8 @@
         </p:nvSpPr>
         <p:spPr>
           <a:xfrm>
-            <a:off x="10600267" y="2599261"/>
-            <a:ext cx="609600" cy="584776"/>
+            <a:off x="7649796" y="2607728"/>
+            <a:ext cx="457319" cy="584776"/>
           </a:xfrm>
           <a:prstGeom prst="rect">
             <a:avLst/>
@@ -4641,8 +4785,8 @@
         </p:nvCxnSpPr>
         <p:spPr>
           <a:xfrm>
-            <a:off x="1396169" y="3429000"/>
-            <a:ext cx="9407298" cy="0"/>
+            <a:off x="1278466" y="3429000"/>
+            <a:ext cx="6595534" cy="0"/>
           </a:xfrm>
           <a:prstGeom prst="line">
             <a:avLst/>
@@ -4667,7 +4811,7 @@
     </p:spTree>
     <p:extLst>
       <p:ext uri="{BB962C8B-B14F-4D97-AF65-F5344CB8AC3E}">
-        <p14:creationId xmlns:p14="http://schemas.microsoft.com/office/powerpoint/2010/main" val="519791409"/>
+        <p14:creationId xmlns:p14="http://schemas.microsoft.com/office/powerpoint/2010/main" val="1209214866"/>
       </p:ext>
     </p:extLst>
   </p:cSld>
@@ -4706,8 +4850,8 @@
         </p:nvSpPr>
         <p:spPr>
           <a:xfrm>
-            <a:off x="1295401" y="982132"/>
-            <a:ext cx="9609666" cy="2243668"/>
+            <a:off x="1176865" y="982131"/>
+            <a:ext cx="6798734" cy="2294467"/>
           </a:xfrm>
         </p:spPr>
         <p:txBody>
@@ -4716,7 +4860,7 @@
           </a:bodyPr>
           <a:lstStyle>
             <a:lvl1pPr>
-              <a:defRPr lang="en-US" b="0" dirty="0"/>
+              <a:defRPr lang="en-US" sz="3200" b="0" dirty="0"/>
             </a:lvl1pPr>
           </a:lstStyle>
           <a:p>
@@ -4731,7 +4875,7 @@
       </p:sp>
       <p:sp>
         <p:nvSpPr>
-          <p:cNvPr id="20" name="Text Placeholder 2"/>
+          <p:cNvPr id="14" name="Text Placeholder 2"/>
           <p:cNvSpPr>
             <a:spLocks noGrp="1"/>
           </p:cNvSpPr>
@@ -4741,8 +4885,8 @@
         </p:nvSpPr>
         <p:spPr>
           <a:xfrm>
-            <a:off x="1295401" y="3630168"/>
-            <a:ext cx="9609668" cy="841248"/>
+            <a:off x="1176868" y="3566160"/>
+            <a:ext cx="6798730" cy="905256"/>
           </a:xfrm>
         </p:spPr>
         <p:txBody>
@@ -4755,7 +4899,7 @@
                 <a:spcPts val="0"/>
               </a:spcBef>
               <a:buNone/>
-              <a:defRPr sz="2800">
+              <a:defRPr sz="2000">
                 <a:solidFill>
                   <a:schemeClr val="tx1"/>
                 </a:solidFill>
@@ -4863,8 +5007,8 @@
         </p:nvSpPr>
         <p:spPr>
           <a:xfrm>
-            <a:off x="1295400" y="4470399"/>
-            <a:ext cx="9609670" cy="1405467"/>
+            <a:off x="1176866" y="4470400"/>
+            <a:ext cx="6798734" cy="1405467"/>
           </a:xfrm>
         </p:spPr>
         <p:txBody>
@@ -4874,7 +5018,7 @@
           <a:lstStyle>
             <a:lvl1pPr marL="0" indent="0" algn="l">
               <a:buNone/>
-              <a:defRPr sz="1800">
+              <a:defRPr sz="1600">
                 <a:solidFill>
                   <a:schemeClr val="tx1"/>
                 </a:solidFill>
@@ -4882,7 +5026,7 @@
             </a:lvl1pPr>
             <a:lvl2pPr marL="457200" indent="0">
               <a:buNone/>
-              <a:defRPr sz="1800">
+              <a:defRPr sz="1600">
                 <a:solidFill>
                   <a:schemeClr val="tx1">
                     <a:tint val="75000"/>
@@ -5043,8 +5187,8 @@
         </p:nvCxnSpPr>
         <p:spPr>
           <a:xfrm>
-            <a:off x="1396169" y="3429000"/>
-            <a:ext cx="9407298" cy="0"/>
+            <a:off x="1278469" y="3429000"/>
+            <a:ext cx="6606421" cy="0"/>
           </a:xfrm>
           <a:prstGeom prst="line">
             <a:avLst/>
@@ -5069,7 +5213,7 @@
     </p:spTree>
     <p:extLst>
       <p:ext uri="{BB962C8B-B14F-4D97-AF65-F5344CB8AC3E}">
-        <p14:creationId xmlns:p14="http://schemas.microsoft.com/office/powerpoint/2010/main" val="3759212925"/>
+        <p14:creationId xmlns:p14="http://schemas.microsoft.com/office/powerpoint/2010/main" val="1541728813"/>
       </p:ext>
     </p:extLst>
   </p:cSld>
@@ -5133,7 +5277,12 @@
             <p:ph type="body" orient="vert" idx="1"/>
           </p:nvPr>
         </p:nvSpPr>
-        <p:spPr/>
+        <p:spPr>
+          <a:xfrm>
+            <a:off x="1176865" y="2490135"/>
+            <a:ext cx="6798736" cy="3385733"/>
+          </a:xfrm>
+        </p:spPr>
         <p:txBody>
           <a:bodyPr vert="eaVert" anchor="t"/>
           <a:lstStyle/>
@@ -5248,8 +5397,8 @@
         </p:nvCxnSpPr>
         <p:spPr>
           <a:xfrm>
-            <a:off x="1396169" y="2421466"/>
-            <a:ext cx="9407298" cy="0"/>
+            <a:off x="1278466" y="2354670"/>
+            <a:ext cx="6606424" cy="0"/>
           </a:xfrm>
           <a:prstGeom prst="line">
             <a:avLst/>
@@ -5274,7 +5423,7 @@
     </p:spTree>
     <p:extLst>
       <p:ext uri="{BB962C8B-B14F-4D97-AF65-F5344CB8AC3E}">
-        <p14:creationId xmlns:p14="http://schemas.microsoft.com/office/powerpoint/2010/main" val="105865288"/>
+        <p14:creationId xmlns:p14="http://schemas.microsoft.com/office/powerpoint/2010/main" val="1348257856"/>
       </p:ext>
     </p:extLst>
   </p:cSld>
@@ -5313,8 +5462,8 @@
         </p:nvSpPr>
         <p:spPr>
           <a:xfrm>
-            <a:off x="8999356" y="982131"/>
-            <a:ext cx="1890895" cy="4893735"/>
+            <a:off x="6356667" y="906873"/>
+            <a:ext cx="1618930" cy="4968995"/>
           </a:xfrm>
         </p:spPr>
         <p:txBody>
@@ -5341,8 +5490,8 @@
         </p:nvSpPr>
         <p:spPr>
           <a:xfrm>
-            <a:off x="1295398" y="982132"/>
-            <a:ext cx="7433025" cy="4893734"/>
+            <a:off x="1176867" y="906873"/>
+            <a:ext cx="4915509" cy="4968993"/>
           </a:xfrm>
         </p:spPr>
         <p:txBody>
@@ -5459,8 +5608,8 @@
         </p:nvCxnSpPr>
         <p:spPr>
           <a:xfrm>
-            <a:off x="8863890" y="990600"/>
-            <a:ext cx="0" cy="4876800"/>
+            <a:off x="6245512" y="906873"/>
+            <a:ext cx="0" cy="4968993"/>
           </a:xfrm>
           <a:prstGeom prst="line">
             <a:avLst/>
@@ -5485,7 +5634,7 @@
     </p:spTree>
     <p:extLst>
       <p:ext uri="{BB962C8B-B14F-4D97-AF65-F5344CB8AC3E}">
-        <p14:creationId xmlns:p14="http://schemas.microsoft.com/office/powerpoint/2010/main" val="4107331647"/>
+        <p14:creationId xmlns:p14="http://schemas.microsoft.com/office/powerpoint/2010/main" val="4219309929"/>
       </p:ext>
     </p:extLst>
   </p:cSld>
@@ -5520,8 +5669,8 @@
         </p:nvCxnSpPr>
         <p:spPr>
           <a:xfrm>
-            <a:off x="1396169" y="2421466"/>
-            <a:ext cx="9407298" cy="0"/>
+            <a:off x="1278465" y="2356260"/>
+            <a:ext cx="6595534" cy="0"/>
           </a:xfrm>
           <a:prstGeom prst="line">
             <a:avLst/>
@@ -5686,7 +5835,7 @@
     </p:spTree>
     <p:extLst>
       <p:ext uri="{BB962C8B-B14F-4D97-AF65-F5344CB8AC3E}">
-        <p14:creationId xmlns:p14="http://schemas.microsoft.com/office/powerpoint/2010/main" val="192998285"/>
+        <p14:creationId xmlns:p14="http://schemas.microsoft.com/office/powerpoint/2010/main" val="128130557"/>
       </p:ext>
     </p:extLst>
   </p:cSld>
@@ -5725,8 +5874,8 @@
         </p:nvSpPr>
         <p:spPr>
           <a:xfrm>
-            <a:off x="2015069" y="1752606"/>
-            <a:ext cx="8158688" cy="1822514"/>
+            <a:off x="1278465" y="1641413"/>
+            <a:ext cx="6595534" cy="1822514"/>
           </a:xfrm>
         </p:spPr>
         <p:txBody>
@@ -5735,7 +5884,7 @@
           </a:bodyPr>
           <a:lstStyle>
             <a:lvl1pPr algn="ctr">
-              <a:defRPr sz="4400" b="0" cap="none"/>
+              <a:defRPr sz="4000" b="0" cap="none"/>
             </a:lvl1pPr>
           </a:lstStyle>
           <a:p>
@@ -5759,8 +5908,8 @@
         </p:nvSpPr>
         <p:spPr>
           <a:xfrm>
-            <a:off x="2015067" y="3846051"/>
-            <a:ext cx="8158690" cy="954547"/>
+            <a:off x="1278465" y="3734859"/>
+            <a:ext cx="6595534" cy="1090015"/>
           </a:xfrm>
         </p:spPr>
         <p:txBody>
@@ -5933,14 +6082,14 @@
       </p:sp>
       <p:cxnSp>
         <p:nvCxnSpPr>
-          <p:cNvPr id="16" name="Straight Connector 15"/>
+          <p:cNvPr id="31" name="Straight Connector 30"/>
           <p:cNvCxnSpPr/>
           <p:nvPr/>
         </p:nvCxnSpPr>
         <p:spPr>
           <a:xfrm>
-            <a:off x="2012723" y="3710585"/>
-            <a:ext cx="8163380" cy="0"/>
+            <a:off x="1278466" y="3599392"/>
+            <a:ext cx="6595533" cy="0"/>
           </a:xfrm>
           <a:prstGeom prst="line">
             <a:avLst/>
@@ -5965,7 +6114,7 @@
     </p:spTree>
     <p:extLst>
       <p:ext uri="{BB962C8B-B14F-4D97-AF65-F5344CB8AC3E}">
-        <p14:creationId xmlns:p14="http://schemas.microsoft.com/office/powerpoint/2010/main" val="3613919038"/>
+        <p14:creationId xmlns:p14="http://schemas.microsoft.com/office/powerpoint/2010/main" val="1810720205"/>
       </p:ext>
     </p:extLst>
   </p:cSld>
@@ -6000,8 +6149,8 @@
         </p:nvCxnSpPr>
         <p:spPr>
           <a:xfrm>
-            <a:off x="1396169" y="2421466"/>
-            <a:ext cx="9407298" cy="0"/>
+            <a:off x="1278465" y="2356260"/>
+            <a:ext cx="6595534" cy="0"/>
           </a:xfrm>
           <a:prstGeom prst="line">
             <a:avLst/>
@@ -6033,7 +6182,12 @@
             <p:ph type="title"/>
           </p:nvPr>
         </p:nvSpPr>
-        <p:spPr/>
+        <p:spPr>
+          <a:xfrm>
+            <a:off x="1176866" y="915337"/>
+            <a:ext cx="6798734" cy="1303867"/>
+          </a:xfrm>
+        </p:spPr>
         <p:txBody>
           <a:bodyPr/>
           <a:lstStyle/>
@@ -6058,8 +6212,8 @@
         </p:nvSpPr>
         <p:spPr>
           <a:xfrm>
-            <a:off x="1298448" y="2560320"/>
-            <a:ext cx="4718304" cy="3310128"/>
+            <a:off x="1176866" y="2487168"/>
+            <a:ext cx="3337560" cy="3447288"/>
           </a:xfrm>
         </p:spPr>
         <p:txBody>
@@ -6117,8 +6271,8 @@
         </p:nvSpPr>
         <p:spPr>
           <a:xfrm>
-            <a:off x="6181344" y="2560320"/>
-            <a:ext cx="4718304" cy="3310128"/>
+            <a:off x="4645152" y="2487168"/>
+            <a:ext cx="3337560" cy="3447288"/>
           </a:xfrm>
         </p:spPr>
         <p:txBody>
@@ -6232,7 +6386,7 @@
     </p:spTree>
     <p:extLst>
       <p:ext uri="{BB962C8B-B14F-4D97-AF65-F5344CB8AC3E}">
-        <p14:creationId xmlns:p14="http://schemas.microsoft.com/office/powerpoint/2010/main" val="3839236572"/>
+        <p14:creationId xmlns:p14="http://schemas.microsoft.com/office/powerpoint/2010/main" val="4281490616"/>
       </p:ext>
     </p:extLst>
   </p:cSld>
@@ -6298,8 +6452,8 @@
         </p:nvSpPr>
         <p:spPr>
           <a:xfrm>
-            <a:off x="1295400" y="2658533"/>
-            <a:ext cx="4718304" cy="576262"/>
+            <a:off x="1176868" y="2658533"/>
+            <a:ext cx="3337560" cy="576262"/>
           </a:xfrm>
         </p:spPr>
         <p:txBody>
@@ -6308,14 +6462,8 @@
           </a:bodyPr>
           <a:lstStyle>
             <a:lvl1pPr marL="0" indent="0">
-              <a:spcBef>
-                <a:spcPts val="672"/>
-              </a:spcBef>
-              <a:spcAft>
-                <a:spcPts val="600"/>
-              </a:spcAft>
-              <a:buNone/>
-              <a:defRPr sz="2800" b="0">
+              <a:buNone/>
+              <a:defRPr sz="2400" b="0">
                 <a:solidFill>
                   <a:schemeClr val="accent1"/>
                 </a:solidFill>
@@ -6375,12 +6523,12 @@
         </p:nvSpPr>
         <p:spPr>
           <a:xfrm>
-            <a:off x="1295400" y="3243262"/>
-            <a:ext cx="4718304" cy="2632605"/>
+            <a:off x="1176868" y="3243263"/>
+            <a:ext cx="3337560" cy="2706624"/>
           </a:xfrm>
         </p:spPr>
         <p:txBody>
-          <a:bodyPr anchor="t">
+          <a:bodyPr>
             <a:normAutofit/>
           </a:bodyPr>
           <a:lstStyle/>
@@ -6434,8 +6582,8 @@
         </p:nvSpPr>
         <p:spPr>
           <a:xfrm>
-            <a:off x="6180670" y="2658533"/>
-            <a:ext cx="4718304" cy="576262"/>
+            <a:off x="4641832" y="2658533"/>
+            <a:ext cx="3337560" cy="576262"/>
           </a:xfrm>
         </p:spPr>
         <p:txBody>
@@ -6444,14 +6592,8 @@
           </a:bodyPr>
           <a:lstStyle>
             <a:lvl1pPr marL="0" indent="0">
-              <a:spcBef>
-                <a:spcPts val="672"/>
-              </a:spcBef>
-              <a:spcAft>
-                <a:spcPts val="600"/>
-              </a:spcAft>
-              <a:buNone/>
-              <a:defRPr sz="2800" b="0">
+              <a:buNone/>
+              <a:defRPr sz="2400" b="0">
                 <a:solidFill>
                   <a:schemeClr val="accent1"/>
                 </a:solidFill>
@@ -6511,12 +6653,12 @@
         </p:nvSpPr>
         <p:spPr>
           <a:xfrm>
-            <a:off x="6180670" y="3243262"/>
-            <a:ext cx="4718304" cy="2632605"/>
+            <a:off x="4641832" y="3243263"/>
+            <a:ext cx="3337560" cy="2706624"/>
           </a:xfrm>
         </p:spPr>
         <p:txBody>
-          <a:bodyPr anchor="t">
+          <a:bodyPr>
             <a:normAutofit/>
           </a:bodyPr>
           <a:lstStyle/>
@@ -6625,14 +6767,14 @@
       </p:sp>
       <p:cxnSp>
         <p:nvCxnSpPr>
-          <p:cNvPr id="18" name="Straight Connector 17"/>
+          <p:cNvPr id="41" name="Straight Connector 40"/>
           <p:cNvCxnSpPr/>
           <p:nvPr/>
         </p:nvCxnSpPr>
         <p:spPr>
           <a:xfrm>
-            <a:off x="1396169" y="2421466"/>
-            <a:ext cx="9407298" cy="0"/>
+            <a:off x="1278466" y="2354670"/>
+            <a:ext cx="6595534" cy="0"/>
           </a:xfrm>
           <a:prstGeom prst="line">
             <a:avLst/>
@@ -6657,7 +6799,7 @@
     </p:spTree>
     <p:extLst>
       <p:ext uri="{BB962C8B-B14F-4D97-AF65-F5344CB8AC3E}">
-        <p14:creationId xmlns:p14="http://schemas.microsoft.com/office/powerpoint/2010/main" val="2181082589"/>
+        <p14:creationId xmlns:p14="http://schemas.microsoft.com/office/powerpoint/2010/main" val="2377539024"/>
       </p:ext>
     </p:extLst>
   </p:cSld>
@@ -6694,7 +6836,12 @@
             <p:ph type="title"/>
           </p:nvPr>
         </p:nvSpPr>
-        <p:spPr/>
+        <p:spPr>
+          <a:xfrm>
+            <a:off x="1176865" y="915337"/>
+            <a:ext cx="6798735" cy="1303867"/>
+          </a:xfrm>
+        </p:spPr>
         <p:txBody>
           <a:bodyPr/>
           <a:lstStyle/>
@@ -6780,8 +6927,8 @@
         </p:nvCxnSpPr>
         <p:spPr>
           <a:xfrm>
-            <a:off x="1396169" y="2421466"/>
-            <a:ext cx="9407298" cy="0"/>
+            <a:off x="1278466" y="2354670"/>
+            <a:ext cx="6595534" cy="0"/>
           </a:xfrm>
           <a:prstGeom prst="line">
             <a:avLst/>
@@ -6806,7 +6953,7 @@
     </p:spTree>
     <p:extLst>
       <p:ext uri="{BB962C8B-B14F-4D97-AF65-F5344CB8AC3E}">
-        <p14:creationId xmlns:p14="http://schemas.microsoft.com/office/powerpoint/2010/main" val="3654245712"/>
+        <p14:creationId xmlns:p14="http://schemas.microsoft.com/office/powerpoint/2010/main" val="1364097652"/>
       </p:ext>
     </p:extLst>
   </p:cSld>
@@ -6901,7 +7048,7 @@
     </p:spTree>
     <p:extLst>
       <p:ext uri="{BB962C8B-B14F-4D97-AF65-F5344CB8AC3E}">
-        <p14:creationId xmlns:p14="http://schemas.microsoft.com/office/powerpoint/2010/main" val="112996348"/>
+        <p14:creationId xmlns:p14="http://schemas.microsoft.com/office/powerpoint/2010/main" val="1574303631"/>
       </p:ext>
     </p:extLst>
   </p:cSld>
@@ -6940,8 +7087,8 @@
         </p:nvSpPr>
         <p:spPr>
           <a:xfrm>
-            <a:off x="1293811" y="1388534"/>
-            <a:ext cx="3718455" cy="1371600"/>
+            <a:off x="1176865" y="1388534"/>
+            <a:ext cx="2536798" cy="1371600"/>
           </a:xfrm>
         </p:spPr>
         <p:txBody>
@@ -6974,8 +7121,8 @@
         </p:nvSpPr>
         <p:spPr>
           <a:xfrm>
-            <a:off x="5418668" y="982131"/>
-            <a:ext cx="5469466" cy="4893735"/>
+            <a:off x="4120062" y="982132"/>
+            <a:ext cx="3855539" cy="4893735"/>
           </a:xfrm>
         </p:spPr>
         <p:txBody>
@@ -7033,8 +7180,8 @@
         </p:nvSpPr>
         <p:spPr>
           <a:xfrm>
-            <a:off x="1293811" y="3031065"/>
-            <a:ext cx="3718455" cy="2438404"/>
+            <a:off x="1176865" y="3031065"/>
+            <a:ext cx="2536798" cy="2438404"/>
           </a:xfrm>
         </p:spPr>
         <p:txBody>
@@ -7161,8 +7308,8 @@
         </p:nvCxnSpPr>
         <p:spPr>
           <a:xfrm>
-            <a:off x="1396169" y="2912533"/>
-            <a:ext cx="3514498" cy="0"/>
+            <a:off x="1278466" y="2912533"/>
+            <a:ext cx="2333594" cy="0"/>
           </a:xfrm>
           <a:prstGeom prst="line">
             <a:avLst/>
@@ -7187,7 +7334,7 @@
     </p:spTree>
     <p:extLst>
       <p:ext uri="{BB962C8B-B14F-4D97-AF65-F5344CB8AC3E}">
-        <p14:creationId xmlns:p14="http://schemas.microsoft.com/office/powerpoint/2010/main" val="1263720388"/>
+        <p14:creationId xmlns:p14="http://schemas.microsoft.com/office/powerpoint/2010/main" val="3585008451"/>
       </p:ext>
     </p:extLst>
   </p:cSld>
@@ -7226,8 +7373,8 @@
         </p:nvSpPr>
         <p:spPr>
           <a:xfrm>
-            <a:off x="1295399" y="1883832"/>
-            <a:ext cx="6241816" cy="1371600"/>
+            <a:off x="1176865" y="1883832"/>
+            <a:ext cx="3632202" cy="1371600"/>
           </a:xfrm>
         </p:spPr>
         <p:txBody>
@@ -7236,7 +7383,7 @@
           </a:bodyPr>
           <a:lstStyle>
             <a:lvl1pPr algn="ctr">
-              <a:defRPr sz="2800" b="0"/>
+              <a:defRPr sz="2400" b="0"/>
             </a:lvl1pPr>
           </a:lstStyle>
           <a:p>
@@ -7260,8 +7407,8 @@
         </p:nvSpPr>
         <p:spPr>
           <a:xfrm>
-            <a:off x="8094831" y="1041400"/>
-            <a:ext cx="3063347" cy="4775200"/>
+            <a:off x="5183069" y="1032933"/>
+            <a:ext cx="2929463" cy="4792136"/>
           </a:xfrm>
           <a:prstGeom prst="roundRect">
             <a:avLst>
@@ -7275,7 +7422,6 @@
                 <a:lumOff val="50000"/>
               </a:schemeClr>
             </a:solidFill>
-            <a:miter lim="800000"/>
           </a:ln>
           <a:effectLst>
             <a:innerShdw blurRad="57150" dist="38100" dir="14460000">
@@ -7348,8 +7494,8 @@
         </p:nvSpPr>
         <p:spPr>
           <a:xfrm>
-            <a:off x="1295399" y="3255432"/>
-            <a:ext cx="6241816" cy="1828800"/>
+            <a:off x="1176865" y="3255432"/>
+            <a:ext cx="3632201" cy="1828800"/>
           </a:xfrm>
         </p:spPr>
         <p:txBody>
@@ -7359,7 +7505,7 @@
           <a:lstStyle>
             <a:lvl1pPr marL="0" indent="0" algn="ctr">
               <a:buNone/>
-              <a:defRPr sz="1800"/>
+              <a:defRPr sz="1600"/>
             </a:lvl1pPr>
             <a:lvl2pPr marL="457200" indent="0">
               <a:buNone/>
@@ -7471,7 +7617,7 @@
     </p:spTree>
     <p:extLst>
       <p:ext uri="{BB962C8B-B14F-4D97-AF65-F5344CB8AC3E}">
-        <p14:creationId xmlns:p14="http://schemas.microsoft.com/office/powerpoint/2010/main" val="2024235204"/>
+        <p14:creationId xmlns:p14="http://schemas.microsoft.com/office/powerpoint/2010/main" val="945709711"/>
       </p:ext>
     </p:extLst>
   </p:cSld>
@@ -7511,15 +7657,15 @@
         </p:nvGrpSpPr>
         <p:grpSpPr>
           <a:xfrm>
-            <a:off x="-15736" y="0"/>
-            <a:ext cx="12229962" cy="6856214"/>
-            <a:chOff x="-15736" y="0"/>
-            <a:chExt cx="12229962" cy="6856214"/>
+            <a:off x="0" y="0"/>
+            <a:ext cx="9152467" cy="6858000"/>
+            <a:chOff x="0" y="0"/>
+            <a:chExt cx="9152467" cy="6858000"/>
           </a:xfrm>
         </p:grpSpPr>
         <p:pic>
           <p:nvPicPr>
-            <p:cNvPr id="8" name="Picture 7" descr="HD-PanelContent.png"/>
+            <p:cNvPr id="8" name="Picture 7" descr="SD-PanelContent.png"/>
             <p:cNvPicPr>
               <a:picLocks noChangeAspect="1"/>
             </p:cNvPicPr>
@@ -7540,7 +7686,7 @@
           <p:spPr>
             <a:xfrm>
               <a:off x="0" y="0"/>
-              <a:ext cx="12188825" cy="6856214"/>
+              <a:ext cx="9144000" cy="6858000"/>
             </a:xfrm>
             <a:prstGeom prst="rect">
               <a:avLst/>
@@ -7555,8 +7701,8 @@
           </p:nvSpPr>
           <p:spPr>
             <a:xfrm>
-              <a:off x="608012" y="609600"/>
-              <a:ext cx="10972800" cy="5638800"/>
+              <a:off x="553888" y="542807"/>
+              <a:ext cx="8039776" cy="5756392"/>
             </a:xfrm>
             <a:prstGeom prst="rect">
               <a:avLst/>
@@ -7597,13 +7743,13 @@
                 </a:ext>
               </a:extLst>
             </a:blip>
-            <a:srcRect/>
+            <a:srcRect l="1" r="14240"/>
             <a:stretch/>
           </p:blipFill>
           <p:spPr>
             <a:xfrm>
-              <a:off x="-15736" y="3153832"/>
-              <a:ext cx="777240" cy="606425"/>
+              <a:off x="0" y="3128434"/>
+              <a:ext cx="685800" cy="606425"/>
             </a:xfrm>
             <a:prstGeom prst="rect">
               <a:avLst/>
@@ -7626,13 +7772,13 @@
                 </a:ext>
               </a:extLst>
             </a:blip>
-            <a:srcRect/>
+            <a:srcRect l="1" r="14240"/>
             <a:stretch/>
           </p:blipFill>
           <p:spPr>
             <a:xfrm>
-              <a:off x="11436986" y="3153832"/>
-              <a:ext cx="777240" cy="606425"/>
+              <a:off x="8466667" y="3128434"/>
+              <a:ext cx="685800" cy="606425"/>
             </a:xfrm>
             <a:prstGeom prst="rect">
               <a:avLst/>
@@ -7652,8 +7798,8 @@
         </p:nvSpPr>
         <p:spPr>
           <a:xfrm>
-            <a:off x="1295402" y="982132"/>
-            <a:ext cx="9601196" cy="1303867"/>
+            <a:off x="1176866" y="915337"/>
+            <a:ext cx="6798734" cy="1303867"/>
           </a:xfrm>
           <a:prstGeom prst="rect">
             <a:avLst/>
@@ -7686,8 +7832,8 @@
         </p:nvSpPr>
         <p:spPr>
           <a:xfrm>
-            <a:off x="1295401" y="2556932"/>
-            <a:ext cx="9601196" cy="3318936"/>
+            <a:off x="1176865" y="2490135"/>
+            <a:ext cx="6798736" cy="3444997"/>
           </a:xfrm>
           <a:prstGeom prst="rect">
             <a:avLst/>
@@ -7748,8 +7894,8 @@
         </p:nvSpPr>
         <p:spPr>
           <a:xfrm>
-            <a:off x="8677501" y="5969000"/>
-            <a:ext cx="1600200" cy="279400"/>
+            <a:off x="6356670" y="5960533"/>
+            <a:ext cx="1148283" cy="279400"/>
           </a:xfrm>
           <a:prstGeom prst="rect">
             <a:avLst/>
@@ -7789,8 +7935,8 @@
         </p:nvSpPr>
         <p:spPr>
           <a:xfrm>
-            <a:off x="1295401" y="5969000"/>
-            <a:ext cx="7305900" cy="279400"/>
+            <a:off x="1176865" y="5960533"/>
+            <a:ext cx="5104667" cy="279400"/>
           </a:xfrm>
           <a:prstGeom prst="rect">
             <a:avLst/>
@@ -7826,8 +7972,8 @@
         </p:nvSpPr>
         <p:spPr>
           <a:xfrm>
-            <a:off x="10353901" y="5969000"/>
-            <a:ext cx="542697" cy="279400"/>
+            <a:off x="7580091" y="5960533"/>
+            <a:ext cx="395510" cy="279400"/>
           </a:xfrm>
           <a:prstGeom prst="rect">
             <a:avLst/>
@@ -7858,29 +8004,29 @@
     </p:spTree>
     <p:extLst>
       <p:ext uri="{BB962C8B-B14F-4D97-AF65-F5344CB8AC3E}">
-        <p14:creationId xmlns:p14="http://schemas.microsoft.com/office/powerpoint/2010/main" val="2646302628"/>
+        <p14:creationId xmlns:p14="http://schemas.microsoft.com/office/powerpoint/2010/main" val="2602238410"/>
       </p:ext>
     </p:extLst>
   </p:cSld>
   <p:clrMap bg1="lt1" tx1="dk1" bg2="lt2" tx2="dk2" accent1="accent1" accent2="accent2" accent3="accent3" accent4="accent4" accent5="accent5" accent6="accent6" hlink="hlink" folHlink="folHlink"/>
   <p:sldLayoutIdLst>
-    <p:sldLayoutId id="2147483661" r:id="rId1"/>
-    <p:sldLayoutId id="2147483662" r:id="rId2"/>
-    <p:sldLayoutId id="2147483663" r:id="rId3"/>
-    <p:sldLayoutId id="2147483664" r:id="rId4"/>
-    <p:sldLayoutId id="2147483665" r:id="rId5"/>
-    <p:sldLayoutId id="2147483666" r:id="rId6"/>
-    <p:sldLayoutId id="2147483667" r:id="rId7"/>
-    <p:sldLayoutId id="2147483668" r:id="rId8"/>
-    <p:sldLayoutId id="2147483669" r:id="rId9"/>
-    <p:sldLayoutId id="2147483670" r:id="rId10"/>
-    <p:sldLayoutId id="2147483671" r:id="rId11"/>
-    <p:sldLayoutId id="2147483672" r:id="rId12"/>
-    <p:sldLayoutId id="2147483673" r:id="rId13"/>
-    <p:sldLayoutId id="2147483674" r:id="rId14"/>
-    <p:sldLayoutId id="2147483675" r:id="rId15"/>
-    <p:sldLayoutId id="2147483676" r:id="rId16"/>
-    <p:sldLayoutId id="2147483677" r:id="rId17"/>
+    <p:sldLayoutId id="2147483679" r:id="rId1"/>
+    <p:sldLayoutId id="2147483680" r:id="rId2"/>
+    <p:sldLayoutId id="2147483681" r:id="rId3"/>
+    <p:sldLayoutId id="2147483682" r:id="rId4"/>
+    <p:sldLayoutId id="2147483683" r:id="rId5"/>
+    <p:sldLayoutId id="2147483684" r:id="rId6"/>
+    <p:sldLayoutId id="2147483685" r:id="rId7"/>
+    <p:sldLayoutId id="2147483686" r:id="rId8"/>
+    <p:sldLayoutId id="2147483687" r:id="rId9"/>
+    <p:sldLayoutId id="2147483688" r:id="rId10"/>
+    <p:sldLayoutId id="2147483689" r:id="rId11"/>
+    <p:sldLayoutId id="2147483690" r:id="rId12"/>
+    <p:sldLayoutId id="2147483691" r:id="rId13"/>
+    <p:sldLayoutId id="2147483692" r:id="rId14"/>
+    <p:sldLayoutId id="2147483693" r:id="rId15"/>
+    <p:sldLayoutId id="2147483694" r:id="rId16"/>
+    <p:sldLayoutId id="2147483695" r:id="rId17"/>
   </p:sldLayoutIdLst>
   <p:txStyles>
     <p:titleStyle>
@@ -7889,7 +8035,7 @@
           <a:spcPct val="0"/>
         </a:spcBef>
         <a:buNone/>
-        <a:defRPr sz="4400" kern="1200" cap="none">
+        <a:defRPr sz="4000" kern="1200" cap="none">
           <a:ln w="3175" cmpd="sng">
             <a:noFill/>
           </a:ln>
@@ -8349,7 +8495,7 @@
         </p:nvSpPr>
         <p:spPr>
           <a:xfrm>
-            <a:off x="2692398" y="3657596"/>
+            <a:off x="1168399" y="3657597"/>
             <a:ext cx="6815669" cy="1619797"/>
           </a:xfrm>
         </p:spPr>
@@ -8403,7 +8549,7 @@
         </p:nvSpPr>
         <p:spPr>
           <a:xfrm>
-            <a:off x="1" y="6008413"/>
+            <a:off x="-1523999" y="6008414"/>
             <a:ext cx="12192000" cy="685797"/>
           </a:xfrm>
           <a:prstGeom prst="rect">
@@ -8641,18 +8787,18 @@
           </a:lstStyle>
           <a:p>
             <a:r>
-              <a:rPr lang="en-US" dirty="0" smtClean="0"/>
+              <a:rPr lang="en-US" dirty="0"/>
               <a:t>Carlos Antunes	                                                                                         67711</a:t>
             </a:r>
             <a:endParaRPr lang="en-US" dirty="0"/>
           </a:p>
           <a:p>
             <a:r>
-              <a:rPr lang="pt-PT" dirty="0" smtClean="0"/>
+              <a:rPr lang="pt-PT" dirty="0"/>
               <a:t>Nuno</a:t>
             </a:r>
             <a:r>
-              <a:rPr lang="en-US" dirty="0" smtClean="0"/>
+              <a:rPr lang="en-US" dirty="0"/>
               <a:t> Oliveira                	                                                                         67649</a:t>
             </a:r>
             <a:endParaRPr lang="en-US" dirty="0"/>
@@ -8682,7 +8828,7 @@
         </p:blipFill>
         <p:spPr bwMode="auto">
           <a:xfrm>
-            <a:off x="1" y="0"/>
+            <a:off x="0" y="0"/>
             <a:ext cx="2000250" cy="1000125"/>
           </a:xfrm>
           <a:prstGeom prst="rect">
@@ -8779,17 +8925,19 @@
             <a:spLocks noGrp="1"/>
           </p:cNvSpPr>
           <p:nvPr>
-            <p:ph sz="half" idx="2"/>
+            <p:ph sz="half" idx="1"/>
           </p:nvPr>
         </p:nvSpPr>
         <p:spPr>
           <a:xfrm>
-            <a:off x="6960549" y="3237269"/>
-            <a:ext cx="3936049" cy="1708357"/>
+            <a:off x="5436551" y="2568677"/>
+            <a:ext cx="2950366" cy="3468329"/>
           </a:xfrm>
         </p:spPr>
         <p:txBody>
-          <a:bodyPr/>
+          <a:bodyPr>
+            <a:normAutofit fontScale="92500"/>
+          </a:bodyPr>
           <a:lstStyle/>
           <a:p>
             <a:r>
@@ -8814,7 +8962,17 @@
           <a:p>
             <a:r>
               <a:rPr lang="pt-PT" dirty="0" smtClean="0"/>
-              <a:t>Array com 152 MBytes</a:t>
+              <a:t>Array com 152 </a:t>
+            </a:r>
+            <a:r>
+              <a:rPr lang="pt-PT" dirty="0" smtClean="0"/>
+              <a:t>MBytes</a:t>
+            </a:r>
+          </a:p>
+          <a:p>
+            <a:r>
+              <a:rPr lang="pt-PT" dirty="0" smtClean="0"/>
+              <a:t>Versão hibrida tem 2 processos MPI e threads OpenMP variadas.</a:t>
             </a:r>
             <a:endParaRPr lang="pt-PT" dirty="0"/>
           </a:p>
@@ -8822,21 +8980,21 @@
       </p:sp>
       <p:graphicFrame>
         <p:nvGraphicFramePr>
-          <p:cNvPr id="7" name="Chart 6"/>
+          <p:cNvPr id="5" name="Chart 4"/>
           <p:cNvGraphicFramePr>
             <a:graphicFrameLocks/>
           </p:cNvGraphicFramePr>
           <p:nvPr>
             <p:extLst>
               <p:ext uri="{D42A27DB-BD31-4B8C-83A1-F6EECF244321}">
-                <p14:modId xmlns:p14="http://schemas.microsoft.com/office/powerpoint/2010/main" val="1263866491"/>
+                <p14:modId xmlns:p14="http://schemas.microsoft.com/office/powerpoint/2010/main" val="4006082698"/>
               </p:ext>
             </p:extLst>
           </p:nvPr>
         </p:nvGraphicFramePr>
         <p:xfrm>
-          <a:off x="993059" y="2617837"/>
-          <a:ext cx="5024284" cy="3389671"/>
+          <a:off x="727586" y="2568677"/>
+          <a:ext cx="4522149" cy="3468330"/>
         </p:xfrm>
         <a:graphic>
           <a:graphicData uri="http://schemas.openxmlformats.org/drawingml/2006/chart">
@@ -8916,7 +9074,7 @@
         </p:nvSpPr>
         <p:spPr>
           <a:xfrm>
-            <a:off x="2692398" y="3657596"/>
+            <a:off x="1168399" y="3657597"/>
             <a:ext cx="6815669" cy="1619797"/>
           </a:xfrm>
         </p:spPr>
@@ -8970,7 +9128,7 @@
         </p:nvSpPr>
         <p:spPr>
           <a:xfrm>
-            <a:off x="1" y="6008413"/>
+            <a:off x="-1523999" y="6008414"/>
             <a:ext cx="12192000" cy="685797"/>
           </a:xfrm>
           <a:prstGeom prst="rect">
@@ -9208,18 +9366,18 @@
           </a:lstStyle>
           <a:p>
             <a:r>
-              <a:rPr lang="en-US" dirty="0" smtClean="0"/>
+              <a:rPr lang="en-US" dirty="0"/>
               <a:t>Carlos Antunes	                                                                                         67711</a:t>
             </a:r>
             <a:endParaRPr lang="en-US" dirty="0"/>
           </a:p>
           <a:p>
             <a:r>
-              <a:rPr lang="pt-PT" dirty="0" smtClean="0"/>
+              <a:rPr lang="pt-PT" dirty="0"/>
               <a:t>Nuno</a:t>
             </a:r>
             <a:r>
-              <a:rPr lang="en-US" dirty="0" smtClean="0"/>
+              <a:rPr lang="en-US" dirty="0"/>
               <a:t> Oliveira                	                                                                         67649</a:t>
             </a:r>
             <a:endParaRPr lang="en-US" dirty="0"/>
@@ -9249,7 +9407,7 @@
         </p:blipFill>
         <p:spPr bwMode="auto">
           <a:xfrm>
-            <a:off x="1" y="0"/>
+            <a:off x="0" y="0"/>
             <a:ext cx="2000250" cy="1000125"/>
           </a:xfrm>
           <a:prstGeom prst="rect">
@@ -9355,8 +9513,8 @@
         </p:blipFill>
         <p:spPr>
           <a:xfrm>
-            <a:off x="863284" y="2104377"/>
-            <a:ext cx="10443813" cy="4109844"/>
+            <a:off x="894735" y="2104377"/>
+            <a:ext cx="7452852" cy="4109844"/>
           </a:xfrm>
           <a:prstGeom prst="rect">
             <a:avLst/>
@@ -9420,7 +9578,7 @@
         </p:nvSpPr>
         <p:spPr>
           <a:xfrm>
-            <a:off x="4898920" y="4297883"/>
+            <a:off x="3374921" y="4297884"/>
             <a:ext cx="1787015" cy="431433"/>
           </a:xfrm>
           <a:prstGeom prst="rect">
@@ -9469,7 +9627,7 @@
         </p:nvSpPr>
         <p:spPr>
           <a:xfrm>
-            <a:off x="4898920" y="2831690"/>
+            <a:off x="3374921" y="2831690"/>
             <a:ext cx="1787015" cy="1346172"/>
           </a:xfrm>
           <a:prstGeom prst="rect">
@@ -9518,7 +9676,7 @@
         </p:nvSpPr>
         <p:spPr>
           <a:xfrm>
-            <a:off x="4898920" y="1297858"/>
+            <a:off x="3374921" y="1297859"/>
             <a:ext cx="1787015" cy="1337187"/>
           </a:xfrm>
           <a:prstGeom prst="rect">
@@ -9569,7 +9727,7 @@
         </p:nvSpPr>
         <p:spPr>
           <a:xfrm>
-            <a:off x="4898920" y="1199536"/>
+            <a:off x="3374920" y="1199536"/>
             <a:ext cx="2008240" cy="3598606"/>
           </a:xfrm>
           <a:prstGeom prst="rect">
@@ -9819,7 +9977,7 @@
               <a:buNone/>
             </a:pPr>
             <a:r>
-              <a:rPr lang="en-US" dirty="0" smtClean="0"/>
+              <a:rPr lang="en-US" dirty="0"/>
               <a:t>[ 4, 1, 2, 5, 3 ]</a:t>
             </a:r>
           </a:p>
@@ -9832,11 +9990,11 @@
               <a:t>[ </a:t>
             </a:r>
             <a:r>
-              <a:rPr lang="en-US" u="sng" dirty="0" smtClean="0"/>
+              <a:rPr lang="en-US" u="sng" dirty="0"/>
               <a:t>2</a:t>
             </a:r>
             <a:r>
-              <a:rPr lang="en-US" dirty="0" smtClean="0"/>
+              <a:rPr lang="en-US" dirty="0"/>
               <a:t>, </a:t>
             </a:r>
             <a:r>
@@ -9844,11 +10002,11 @@
               <a:t>1, </a:t>
             </a:r>
             <a:r>
-              <a:rPr lang="en-US" u="sng" dirty="0" smtClean="0"/>
+              <a:rPr lang="en-US" u="sng" dirty="0"/>
               <a:t>4</a:t>
             </a:r>
             <a:r>
-              <a:rPr lang="en-US" dirty="0" smtClean="0"/>
+              <a:rPr lang="en-US" dirty="0"/>
               <a:t>, </a:t>
             </a:r>
             <a:r>
@@ -9856,7 +10014,7 @@
               <a:t>5, </a:t>
             </a:r>
             <a:r>
-              <a:rPr lang="en-US" dirty="0" smtClean="0"/>
+              <a:rPr lang="en-US" dirty="0"/>
               <a:t>3 ]</a:t>
             </a:r>
           </a:p>
@@ -9869,11 +10027,11 @@
               <a:t>[ 2, </a:t>
             </a:r>
             <a:r>
-              <a:rPr lang="en-US" dirty="0" smtClean="0"/>
+              <a:rPr lang="en-US" dirty="0"/>
               <a:t>1, </a:t>
             </a:r>
             <a:r>
-              <a:rPr lang="en-US" dirty="0" smtClean="0">
+              <a:rPr lang="en-US" dirty="0">
                 <a:solidFill>
                   <a:schemeClr val="bg2">
                     <a:lumMod val="50000"/>
@@ -9893,7 +10051,7 @@
               <a:t>, 5, </a:t>
             </a:r>
             <a:r>
-              <a:rPr lang="en-US" dirty="0" smtClean="0">
+              <a:rPr lang="en-US" dirty="0">
                 <a:solidFill>
                   <a:schemeClr val="bg2">
                     <a:lumMod val="50000"/>
@@ -9903,7 +10061,7 @@
               <a:t>3 </a:t>
             </a:r>
             <a:r>
-              <a:rPr lang="en-US" dirty="0" smtClean="0"/>
+              <a:rPr lang="en-US" dirty="0"/>
               <a:t>]</a:t>
             </a:r>
           </a:p>
@@ -9916,7 +10074,7 @@
               <a:t>[ </a:t>
             </a:r>
             <a:r>
-              <a:rPr lang="en-US" u="sng" dirty="0" smtClean="0">
+              <a:rPr lang="en-US" u="sng" dirty="0">
                 <a:solidFill>
                   <a:schemeClr val="bg1">
                     <a:lumMod val="50000"/>
@@ -9926,7 +10084,7 @@
               <a:t>1</a:t>
             </a:r>
             <a:r>
-              <a:rPr lang="en-US" dirty="0" smtClean="0">
+              <a:rPr lang="en-US" dirty="0">
                 <a:solidFill>
                   <a:schemeClr val="bg1">
                     <a:lumMod val="50000"/>
@@ -9936,7 +10094,7 @@
               <a:t>, </a:t>
             </a:r>
             <a:r>
-              <a:rPr lang="en-US" u="sng" dirty="0" smtClean="0">
+              <a:rPr lang="en-US" u="sng" dirty="0">
                 <a:solidFill>
                   <a:schemeClr val="bg1">
                     <a:lumMod val="50000"/>
@@ -9946,7 +10104,7 @@
               <a:t>2</a:t>
             </a:r>
             <a:r>
-              <a:rPr lang="en-US" dirty="0" smtClean="0">
+              <a:rPr lang="en-US" dirty="0">
                 <a:solidFill>
                   <a:schemeClr val="bg1">
                     <a:lumMod val="50000"/>
@@ -9956,11 +10114,11 @@
               <a:t>,</a:t>
             </a:r>
             <a:r>
-              <a:rPr lang="en-US" dirty="0" smtClean="0"/>
+              <a:rPr lang="en-US" dirty="0"/>
               <a:t> </a:t>
             </a:r>
             <a:r>
-              <a:rPr lang="en-US" dirty="0" smtClean="0">
+              <a:rPr lang="en-US" dirty="0">
                 <a:solidFill>
                   <a:schemeClr val="tx1"/>
                 </a:solidFill>
@@ -9973,10 +10131,95 @@
                   <a:schemeClr val="tx1"/>
                 </a:solidFill>
               </a:rPr>
+              <a:t>, 5</a:t>
+            </a:r>
+            <a:r>
+              <a:rPr lang="en-US" dirty="0">
+                <a:solidFill>
+                  <a:schemeClr val="tx1"/>
+                </a:solidFill>
+              </a:rPr>
               <a:t>, </a:t>
             </a:r>
             <a:r>
               <a:rPr lang="en-US" dirty="0">
+                <a:solidFill>
+                  <a:schemeClr val="tx1"/>
+                </a:solidFill>
+              </a:rPr>
+              <a:t>3</a:t>
+            </a:r>
+            <a:r>
+              <a:rPr lang="en-US" dirty="0">
+                <a:solidFill>
+                  <a:schemeClr val="tx1"/>
+                </a:solidFill>
+              </a:rPr>
+              <a:t> </a:t>
+            </a:r>
+            <a:r>
+              <a:rPr lang="en-US" dirty="0"/>
+              <a:t>]</a:t>
+            </a:r>
+          </a:p>
+          <a:p>
+            <a:pPr marL="0" indent="0">
+              <a:buNone/>
+            </a:pPr>
+            <a:r>
+              <a:rPr lang="en-US" dirty="0"/>
+              <a:t>[ </a:t>
+            </a:r>
+            <a:r>
+              <a:rPr lang="en-US" dirty="0">
+                <a:solidFill>
+                  <a:schemeClr val="bg1">
+                    <a:lumMod val="50000"/>
+                  </a:schemeClr>
+                </a:solidFill>
+              </a:rPr>
+              <a:t>1, </a:t>
+            </a:r>
+            <a:r>
+              <a:rPr lang="en-US" dirty="0">
+                <a:solidFill>
+                  <a:schemeClr val="bg1">
+                    <a:lumMod val="50000"/>
+                  </a:schemeClr>
+                </a:solidFill>
+              </a:rPr>
+              <a:t>2,</a:t>
+            </a:r>
+            <a:r>
+              <a:rPr lang="en-US" dirty="0"/>
+              <a:t> </a:t>
+            </a:r>
+            <a:r>
+              <a:rPr lang="en-US" dirty="0">
+                <a:solidFill>
+                  <a:schemeClr val="tx1"/>
+                </a:solidFill>
+              </a:rPr>
+              <a:t>4, </a:t>
+            </a:r>
+            <a:r>
+              <a:rPr lang="en-US" u="sng" dirty="0">
+                <a:solidFill>
+                  <a:schemeClr val="tx1"/>
+                </a:solidFill>
+              </a:rPr>
+              <a:t>3</a:t>
+            </a:r>
+            <a:r>
+              <a:rPr lang="en-US" dirty="0">
+                <a:solidFill>
+                  <a:schemeClr val="tx1"/>
+                </a:solidFill>
+              </a:rPr>
+              <a:t>, </a:t>
+            </a:r>
+            <a:r>
+              <a:rPr lang="en-US" u="sng" dirty="0">
                 <a:solidFill>
                   <a:schemeClr val="tx1"/>
                 </a:solidFill>
@@ -9984,242 +10227,148 @@
               <a:t>5</a:t>
             </a:r>
             <a:r>
-              <a:rPr lang="en-US" dirty="0" smtClean="0">
+              <a:rPr lang="en-US" dirty="0">
                 <a:solidFill>
                   <a:schemeClr val="tx1"/>
+                </a:solidFill>
+              </a:rPr>
+              <a:t> </a:t>
+            </a:r>
+            <a:r>
+              <a:rPr lang="en-US" dirty="0"/>
+              <a:t>]</a:t>
+            </a:r>
+          </a:p>
+          <a:p>
+            <a:pPr marL="0" indent="0">
+              <a:buNone/>
+            </a:pPr>
+            <a:r>
+              <a:rPr lang="en-US" dirty="0"/>
+              <a:t>[ </a:t>
+            </a:r>
+            <a:r>
+              <a:rPr lang="en-US" dirty="0">
+                <a:solidFill>
+                  <a:schemeClr val="bg1">
+                    <a:lumMod val="50000"/>
+                  </a:schemeClr>
+                </a:solidFill>
+              </a:rPr>
+              <a:t>1, 2,</a:t>
+            </a:r>
+            <a:r>
+              <a:rPr lang="en-US" dirty="0"/>
+              <a:t> </a:t>
+            </a:r>
+            <a:r>
+              <a:rPr lang="en-US" dirty="0">
+                <a:solidFill>
+                  <a:schemeClr val="tx1"/>
+                </a:solidFill>
+              </a:rPr>
+              <a:t>4, 3, </a:t>
+            </a:r>
+            <a:r>
+              <a:rPr lang="en-US" dirty="0">
+                <a:solidFill>
+                  <a:schemeClr val="bg1">
+                    <a:lumMod val="50000"/>
+                  </a:schemeClr>
+                </a:solidFill>
+              </a:rPr>
+              <a:t>5</a:t>
+            </a:r>
+            <a:r>
+              <a:rPr lang="en-US" dirty="0">
+                <a:solidFill>
+                  <a:schemeClr val="tx1"/>
+                </a:solidFill>
+              </a:rPr>
+              <a:t> </a:t>
+            </a:r>
+            <a:r>
+              <a:rPr lang="en-US" dirty="0"/>
+              <a:t>]</a:t>
+            </a:r>
+          </a:p>
+          <a:p>
+            <a:pPr marL="0" indent="0">
+              <a:buNone/>
+            </a:pPr>
+            <a:r>
+              <a:rPr lang="en-US" dirty="0"/>
+              <a:t>[ </a:t>
+            </a:r>
+            <a:r>
+              <a:rPr lang="en-US" dirty="0">
+                <a:solidFill>
+                  <a:schemeClr val="bg1">
+                    <a:lumMod val="50000"/>
+                  </a:schemeClr>
+                </a:solidFill>
+              </a:rPr>
+              <a:t>1, 2, </a:t>
+            </a:r>
+            <a:r>
+              <a:rPr lang="en-US" u="sng" dirty="0">
+                <a:solidFill>
+                  <a:schemeClr val="bg1">
+                    <a:lumMod val="50000"/>
+                  </a:schemeClr>
+                </a:solidFill>
+              </a:rPr>
+              <a:t>3</a:t>
+            </a:r>
+            <a:r>
+              <a:rPr lang="en-US" dirty="0">
+                <a:solidFill>
+                  <a:schemeClr val="bg1">
+                    <a:lumMod val="50000"/>
+                  </a:schemeClr>
                 </a:solidFill>
               </a:rPr>
               <a:t>, </a:t>
             </a:r>
             <a:r>
+              <a:rPr lang="en-US" u="sng" dirty="0">
+                <a:solidFill>
+                  <a:schemeClr val="bg1">
+                    <a:lumMod val="50000"/>
+                  </a:schemeClr>
+                </a:solidFill>
+              </a:rPr>
+              <a:t>4</a:t>
+            </a:r>
+            <a:r>
               <a:rPr lang="en-US" dirty="0">
                 <a:solidFill>
+                  <a:schemeClr val="bg1">
+                    <a:lumMod val="50000"/>
+                  </a:schemeClr>
+                </a:solidFill>
+              </a:rPr>
+              <a:t>, </a:t>
+            </a:r>
+            <a:r>
+              <a:rPr lang="en-US" dirty="0">
+                <a:solidFill>
                   <a:schemeClr val="tx1"/>
                 </a:solidFill>
               </a:rPr>
-              <a:t>3</a:t>
-            </a:r>
-            <a:r>
-              <a:rPr lang="en-US" dirty="0" smtClean="0">
-                <a:solidFill>
-                  <a:schemeClr val="tx1"/>
+              <a:t>5</a:t>
+            </a:r>
+            <a:r>
+              <a:rPr lang="en-US" dirty="0">
+                <a:solidFill>
+                  <a:schemeClr val="bg1">
+                    <a:lumMod val="50000"/>
+                  </a:schemeClr>
                 </a:solidFill>
               </a:rPr>
               <a:t> </a:t>
             </a:r>
             <a:r>
-              <a:rPr lang="en-US" dirty="0" smtClean="0"/>
-              <a:t>]</a:t>
-            </a:r>
-          </a:p>
-          <a:p>
-            <a:pPr marL="0" indent="0">
-              <a:buNone/>
-            </a:pPr>
-            <a:r>
-              <a:rPr lang="en-US" dirty="0"/>
-              <a:t>[ </a:t>
-            </a:r>
-            <a:r>
-              <a:rPr lang="en-US" dirty="0">
-                <a:solidFill>
-                  <a:schemeClr val="bg1">
-                    <a:lumMod val="50000"/>
-                  </a:schemeClr>
-                </a:solidFill>
-              </a:rPr>
-              <a:t>1, </a:t>
-            </a:r>
-            <a:r>
-              <a:rPr lang="en-US" dirty="0" smtClean="0">
-                <a:solidFill>
-                  <a:schemeClr val="bg1">
-                    <a:lumMod val="50000"/>
-                  </a:schemeClr>
-                </a:solidFill>
-              </a:rPr>
-              <a:t>2,</a:t>
-            </a:r>
-            <a:r>
-              <a:rPr lang="en-US" dirty="0" smtClean="0"/>
-              <a:t> </a:t>
-            </a:r>
-            <a:r>
-              <a:rPr lang="en-US" dirty="0">
-                <a:solidFill>
-                  <a:schemeClr val="tx1"/>
-                </a:solidFill>
-              </a:rPr>
-              <a:t>4, </a:t>
-            </a:r>
-            <a:r>
-              <a:rPr lang="en-US" u="sng" dirty="0">
-                <a:solidFill>
-                  <a:schemeClr val="tx1"/>
-                </a:solidFill>
-              </a:rPr>
-              <a:t>3</a:t>
-            </a:r>
-            <a:r>
-              <a:rPr lang="en-US" dirty="0">
-                <a:solidFill>
-                  <a:schemeClr val="tx1"/>
-                </a:solidFill>
-              </a:rPr>
-              <a:t>, </a:t>
-            </a:r>
-            <a:r>
-              <a:rPr lang="en-US" u="sng" dirty="0">
-                <a:solidFill>
-                  <a:schemeClr val="tx1"/>
-                </a:solidFill>
-              </a:rPr>
-              <a:t>5</a:t>
-            </a:r>
-            <a:r>
-              <a:rPr lang="en-US" dirty="0">
-                <a:solidFill>
-                  <a:schemeClr val="tx1"/>
-                </a:solidFill>
-              </a:rPr>
-              <a:t> </a:t>
-            </a:r>
-            <a:r>
-              <a:rPr lang="en-US" dirty="0" smtClean="0"/>
-              <a:t>]</a:t>
-            </a:r>
-          </a:p>
-          <a:p>
-            <a:pPr marL="0" indent="0">
-              <a:buNone/>
-            </a:pPr>
-            <a:r>
-              <a:rPr lang="en-US" dirty="0"/>
-              <a:t>[ </a:t>
-            </a:r>
-            <a:r>
-              <a:rPr lang="en-US" dirty="0">
-                <a:solidFill>
-                  <a:schemeClr val="bg1">
-                    <a:lumMod val="50000"/>
-                  </a:schemeClr>
-                </a:solidFill>
-              </a:rPr>
-              <a:t>1, 2,</a:t>
-            </a:r>
-            <a:r>
-              <a:rPr lang="en-US" dirty="0"/>
-              <a:t> </a:t>
-            </a:r>
-            <a:r>
-              <a:rPr lang="en-US" dirty="0">
-                <a:solidFill>
-                  <a:schemeClr val="tx1"/>
-                </a:solidFill>
-              </a:rPr>
-              <a:t>4, 3, </a:t>
-            </a:r>
-            <a:r>
-              <a:rPr lang="en-US" dirty="0">
-                <a:solidFill>
-                  <a:schemeClr val="bg1">
-                    <a:lumMod val="50000"/>
-                  </a:schemeClr>
-                </a:solidFill>
-              </a:rPr>
-              <a:t>5</a:t>
-            </a:r>
-            <a:r>
-              <a:rPr lang="en-US" dirty="0">
-                <a:solidFill>
-                  <a:schemeClr val="tx1"/>
-                </a:solidFill>
-              </a:rPr>
-              <a:t> </a:t>
-            </a:r>
-            <a:r>
-              <a:rPr lang="en-US" dirty="0" smtClean="0"/>
-              <a:t>]</a:t>
-            </a:r>
-            <a:endParaRPr lang="en-US" dirty="0" smtClean="0"/>
-          </a:p>
-          <a:p>
-            <a:pPr marL="0" indent="0">
-              <a:buNone/>
-            </a:pPr>
-            <a:r>
-              <a:rPr lang="en-US" dirty="0"/>
-              <a:t>[ </a:t>
-            </a:r>
-            <a:r>
-              <a:rPr lang="en-US" dirty="0">
-                <a:solidFill>
-                  <a:schemeClr val="bg1">
-                    <a:lumMod val="50000"/>
-                  </a:schemeClr>
-                </a:solidFill>
-              </a:rPr>
-              <a:t>1, 2, </a:t>
-            </a:r>
-            <a:r>
-              <a:rPr lang="en-US" u="sng" dirty="0" smtClean="0">
-                <a:solidFill>
-                  <a:schemeClr val="bg1">
-                    <a:lumMod val="50000"/>
-                  </a:schemeClr>
-                </a:solidFill>
-              </a:rPr>
-              <a:t>3</a:t>
-            </a:r>
-            <a:r>
-              <a:rPr lang="en-US" dirty="0" smtClean="0">
-                <a:solidFill>
-                  <a:schemeClr val="bg1">
-                    <a:lumMod val="50000"/>
-                  </a:schemeClr>
-                </a:solidFill>
-              </a:rPr>
-              <a:t>, </a:t>
-            </a:r>
-            <a:r>
-              <a:rPr lang="en-US" u="sng" dirty="0" smtClean="0">
-                <a:solidFill>
-                  <a:schemeClr val="bg1">
-                    <a:lumMod val="50000"/>
-                  </a:schemeClr>
-                </a:solidFill>
-              </a:rPr>
-              <a:t>4</a:t>
-            </a:r>
-            <a:r>
-              <a:rPr lang="en-US" dirty="0" smtClean="0">
-                <a:solidFill>
-                  <a:schemeClr val="bg1">
-                    <a:lumMod val="50000"/>
-                  </a:schemeClr>
-                </a:solidFill>
-              </a:rPr>
-              <a:t>, </a:t>
-            </a:r>
-            <a:r>
-              <a:rPr lang="en-US" dirty="0">
-                <a:solidFill>
-                  <a:schemeClr val="tx1"/>
-                </a:solidFill>
-              </a:rPr>
-              <a:t>5</a:t>
-            </a:r>
-            <a:r>
-              <a:rPr lang="en-US" dirty="0">
-                <a:solidFill>
-                  <a:schemeClr val="bg1">
-                    <a:lumMod val="50000"/>
-                  </a:schemeClr>
-                </a:solidFill>
-              </a:rPr>
-              <a:t> </a:t>
-            </a:r>
-            <a:r>
               <a:rPr lang="en-US" dirty="0"/>
               <a:t>]</a:t>
             </a:r>
@@ -10252,7 +10401,7 @@
             <a:pPr marL="0" indent="0">
               <a:buNone/>
             </a:pPr>
-            <a:endParaRPr lang="en-US" dirty="0" smtClean="0"/>
+            <a:endParaRPr lang="en-US" dirty="0"/>
           </a:p>
           <a:p>
             <a:pPr marL="0" indent="0">
@@ -10278,7 +10427,7 @@
         </p:nvSpPr>
         <p:spPr>
           <a:xfrm>
-            <a:off x="3690781" y="5338917"/>
+            <a:off x="2166782" y="5338917"/>
             <a:ext cx="4424517" cy="648928"/>
           </a:xfrm>
           <a:prstGeom prst="rect">
@@ -10528,12 +10677,8 @@
               <a:buNone/>
             </a:pPr>
             <a:r>
-              <a:rPr lang="pt-PT" dirty="0" smtClean="0"/>
-              <a:t>Sublinhado </a:t>
-            </a:r>
-            <a:r>
-              <a:rPr lang="pt-PT" dirty="0" smtClean="0"/>
-              <a:t>– Elementos Trocados</a:t>
+              <a:rPr lang="pt-PT" dirty="0"/>
+              <a:t>Sublinhado – Elementos Trocados</a:t>
             </a:r>
           </a:p>
         </p:txBody>
@@ -11276,8 +11421,8 @@
         </p:blipFill>
         <p:spPr>
           <a:xfrm>
-            <a:off x="1088924" y="2143706"/>
-            <a:ext cx="10198508" cy="4013312"/>
+            <a:off x="707924" y="2143706"/>
+            <a:ext cx="7708490" cy="4013312"/>
           </a:xfrm>
           <a:prstGeom prst="rect">
             <a:avLst/>
@@ -11341,7 +11486,7 @@
         </p:nvSpPr>
         <p:spPr>
           <a:xfrm>
-            <a:off x="4898919" y="3805084"/>
+            <a:off x="3374920" y="3805085"/>
             <a:ext cx="1787015" cy="442451"/>
           </a:xfrm>
           <a:prstGeom prst="rect">
@@ -11390,7 +11535,7 @@
         </p:nvSpPr>
         <p:spPr>
           <a:xfrm>
-            <a:off x="4898920" y="2831690"/>
+            <a:off x="3374921" y="2831690"/>
             <a:ext cx="1787015" cy="835742"/>
           </a:xfrm>
           <a:prstGeom prst="rect">
@@ -11439,7 +11584,7 @@
         </p:nvSpPr>
         <p:spPr>
           <a:xfrm>
-            <a:off x="4898920" y="1297858"/>
+            <a:off x="3374921" y="1297859"/>
             <a:ext cx="1787015" cy="1337187"/>
           </a:xfrm>
           <a:prstGeom prst="rect">
@@ -11490,7 +11635,7 @@
         </p:nvSpPr>
         <p:spPr>
           <a:xfrm>
-            <a:off x="4898920" y="1199536"/>
+            <a:off x="3374920" y="1199536"/>
             <a:ext cx="2008240" cy="3293806"/>
           </a:xfrm>
           <a:prstGeom prst="rect">
@@ -11740,11 +11885,11 @@
               <a:buNone/>
             </a:pPr>
             <a:r>
-              <a:rPr lang="en-US" dirty="0" smtClean="0"/>
+              <a:rPr lang="en-US" dirty="0"/>
               <a:t>[ </a:t>
             </a:r>
             <a:r>
-              <a:rPr lang="en-US" dirty="0" smtClean="0">
+              <a:rPr lang="en-US" dirty="0">
                 <a:solidFill>
                   <a:srgbClr val="BC35D7"/>
                 </a:solidFill>
@@ -11752,7 +11897,7 @@
               <a:t>4, 1, 2, 5, 3 </a:t>
             </a:r>
             <a:r>
-              <a:rPr lang="en-US" dirty="0" smtClean="0"/>
+              <a:rPr lang="en-US" dirty="0"/>
               <a:t>]</a:t>
             </a:r>
           </a:p>
@@ -11765,7 +11910,7 @@
               <a:t>[ </a:t>
             </a:r>
             <a:r>
-              <a:rPr lang="en-US" u="sng" dirty="0" smtClean="0">
+              <a:rPr lang="en-US" u="sng" dirty="0">
                 <a:solidFill>
                   <a:srgbClr val="BC35D7"/>
                 </a:solidFill>
@@ -11773,7 +11918,7 @@
               <a:t>2</a:t>
             </a:r>
             <a:r>
-              <a:rPr lang="en-US" dirty="0" smtClean="0">
+              <a:rPr lang="en-US" dirty="0">
                 <a:solidFill>
                   <a:srgbClr val="BC35D7"/>
                 </a:solidFill>
@@ -11789,7 +11934,7 @@
               <a:t>1, </a:t>
             </a:r>
             <a:r>
-              <a:rPr lang="en-US" u="sng" dirty="0" smtClean="0">
+              <a:rPr lang="en-US" u="sng" dirty="0">
                 <a:solidFill>
                   <a:srgbClr val="BC35D7"/>
                 </a:solidFill>
@@ -11797,7 +11942,7 @@
               <a:t>4</a:t>
             </a:r>
             <a:r>
-              <a:rPr lang="en-US" dirty="0" smtClean="0">
+              <a:rPr lang="en-US" dirty="0">
                 <a:solidFill>
                   <a:srgbClr val="BC35D7"/>
                 </a:solidFill>
@@ -11813,7 +11958,7 @@
               <a:t>5, </a:t>
             </a:r>
             <a:r>
-              <a:rPr lang="en-US" dirty="0" smtClean="0">
+              <a:rPr lang="en-US" dirty="0">
                 <a:solidFill>
                   <a:srgbClr val="BC35D7"/>
                 </a:solidFill>
@@ -11821,7 +11966,7 @@
               <a:t>3 </a:t>
             </a:r>
             <a:r>
-              <a:rPr lang="en-US" dirty="0" smtClean="0"/>
+              <a:rPr lang="en-US" dirty="0"/>
               <a:t>]</a:t>
             </a:r>
           </a:p>
@@ -11842,7 +11987,7 @@
               <a:t>2, </a:t>
             </a:r>
             <a:r>
-              <a:rPr lang="en-US" dirty="0" smtClean="0">
+              <a:rPr lang="en-US" dirty="0">
                 <a:solidFill>
                   <a:srgbClr val="BC35D7"/>
                 </a:solidFill>
@@ -11850,7 +11995,7 @@
               <a:t>1, </a:t>
             </a:r>
             <a:r>
-              <a:rPr lang="en-US" dirty="0" smtClean="0">
+              <a:rPr lang="en-US" dirty="0">
                 <a:solidFill>
                   <a:srgbClr val="FF0000"/>
                 </a:solidFill>
@@ -11866,7 +12011,7 @@
               <a:t>, 5, </a:t>
             </a:r>
             <a:r>
-              <a:rPr lang="en-US" dirty="0" smtClean="0">
+              <a:rPr lang="en-US" dirty="0">
                 <a:solidFill>
                   <a:srgbClr val="FF0000"/>
                 </a:solidFill>
@@ -11874,7 +12019,7 @@
               <a:t>3 </a:t>
             </a:r>
             <a:r>
-              <a:rPr lang="en-US" dirty="0" smtClean="0"/>
+              <a:rPr lang="en-US" dirty="0"/>
               <a:t>]</a:t>
             </a:r>
           </a:p>
@@ -11887,19 +12032,19 @@
               <a:t>[ </a:t>
             </a:r>
             <a:r>
-              <a:rPr lang="en-US" u="sng" dirty="0" smtClean="0"/>
+              <a:rPr lang="en-US" u="sng" dirty="0"/>
               <a:t>1</a:t>
             </a:r>
             <a:r>
-              <a:rPr lang="en-US" dirty="0" smtClean="0"/>
+              <a:rPr lang="en-US" dirty="0"/>
               <a:t>, </a:t>
             </a:r>
             <a:r>
-              <a:rPr lang="en-US" u="sng" dirty="0" smtClean="0"/>
+              <a:rPr lang="en-US" u="sng" dirty="0"/>
               <a:t>2</a:t>
             </a:r>
             <a:r>
-              <a:rPr lang="en-US" dirty="0" smtClean="0"/>
+              <a:rPr lang="en-US" dirty="0"/>
               <a:t>, </a:t>
             </a:r>
             <a:r>
@@ -11943,7 +12088,7 @@
               <a:t> </a:t>
             </a:r>
             <a:r>
-              <a:rPr lang="en-US" dirty="0" smtClean="0"/>
+              <a:rPr lang="en-US" dirty="0"/>
               <a:t>]</a:t>
             </a:r>
           </a:p>
@@ -11980,10 +12125,9 @@
               <a:t> </a:t>
             </a:r>
             <a:r>
-              <a:rPr lang="en-US" dirty="0" smtClean="0"/>
+              <a:rPr lang="en-US" dirty="0"/>
               <a:t>]</a:t>
             </a:r>
-            <a:endParaRPr lang="en-US" dirty="0" smtClean="0"/>
           </a:p>
           <a:p>
             <a:pPr marL="0" indent="0">
@@ -11994,7 +12138,7 @@
               <a:t>[ 1, 2, </a:t>
             </a:r>
             <a:r>
-              <a:rPr lang="en-US" u="sng" dirty="0" smtClean="0">
+              <a:rPr lang="en-US" u="sng" dirty="0">
                 <a:solidFill>
                   <a:schemeClr val="tx1"/>
                 </a:solidFill>
@@ -12002,7 +12146,7 @@
               <a:t>3</a:t>
             </a:r>
             <a:r>
-              <a:rPr lang="en-US" dirty="0" smtClean="0">
+              <a:rPr lang="en-US" dirty="0">
                 <a:solidFill>
                   <a:schemeClr val="tx1"/>
                 </a:solidFill>
@@ -12010,7 +12154,7 @@
               <a:t>, </a:t>
             </a:r>
             <a:r>
-              <a:rPr lang="en-US" u="sng" dirty="0" smtClean="0">
+              <a:rPr lang="en-US" u="sng" dirty="0">
                 <a:solidFill>
                   <a:schemeClr val="tx1"/>
                 </a:solidFill>
@@ -12018,7 +12162,7 @@
               <a:t>4</a:t>
             </a:r>
             <a:r>
-              <a:rPr lang="en-US" dirty="0" smtClean="0">
+              <a:rPr lang="en-US" dirty="0">
                 <a:solidFill>
                   <a:schemeClr val="tx1"/>
                 </a:solidFill>
@@ -12066,7 +12210,7 @@
             <a:pPr marL="0" indent="0">
               <a:buNone/>
             </a:pPr>
-            <a:endParaRPr lang="en-US" dirty="0" smtClean="0"/>
+            <a:endParaRPr lang="en-US" dirty="0"/>
           </a:p>
           <a:p>
             <a:pPr marL="0" indent="0">
@@ -12092,7 +12236,7 @@
         </p:nvSpPr>
         <p:spPr>
           <a:xfrm>
-            <a:off x="3690782" y="5034117"/>
+            <a:off x="2166783" y="5034117"/>
             <a:ext cx="4424517" cy="1120332"/>
           </a:xfrm>
           <a:prstGeom prst="rect">
@@ -12342,12 +12486,8 @@
               <a:buNone/>
             </a:pPr>
             <a:r>
-              <a:rPr lang="pt-PT" dirty="0" smtClean="0"/>
-              <a:t>Sublinhado </a:t>
-            </a:r>
-            <a:r>
-              <a:rPr lang="pt-PT" dirty="0" smtClean="0"/>
-              <a:t>– Elementos Trocados</a:t>
+              <a:rPr lang="pt-PT" dirty="0"/>
+              <a:t>Sublinhado – Elementos Trocados</a:t>
             </a:r>
           </a:p>
           <a:p>
@@ -12355,7 +12495,7 @@
               <a:buNone/>
             </a:pPr>
             <a:r>
-              <a:rPr lang="pt-PT" dirty="0" smtClean="0">
+              <a:rPr lang="pt-PT" dirty="0">
                 <a:solidFill>
                   <a:schemeClr val="tx1"/>
                 </a:solidFill>
@@ -12363,7 +12503,7 @@
               <a:t>Cores</a:t>
             </a:r>
             <a:r>
-              <a:rPr lang="pt-PT" dirty="0" smtClean="0"/>
+              <a:rPr lang="pt-PT" dirty="0"/>
               <a:t> – Threads</a:t>
             </a:r>
             <a:endParaRPr lang="pt-PT" dirty="0"/>
@@ -13047,7 +13187,7 @@
         </p:blipFill>
         <p:spPr>
           <a:xfrm>
-            <a:off x="2728451" y="2567405"/>
+            <a:off x="1204451" y="2567406"/>
             <a:ext cx="6735098" cy="3377221"/>
           </a:xfrm>
           <a:prstGeom prst="rect">
@@ -13114,7 +13254,7 @@
         </p:nvSpPr>
         <p:spPr>
           <a:xfrm>
-            <a:off x="1849643" y="914399"/>
+            <a:off x="325644" y="914399"/>
             <a:ext cx="1926533" cy="4897054"/>
           </a:xfrm>
           <a:prstGeom prst="rect">
@@ -13364,7 +13504,7 @@
               <a:buNone/>
             </a:pPr>
             <a:r>
-              <a:rPr lang="pt-PT" dirty="0" smtClean="0"/>
+              <a:rPr lang="pt-PT" dirty="0"/>
               <a:t>[ 9, 2, 5 ]</a:t>
             </a:r>
           </a:p>
@@ -13372,14 +13512,14 @@
             <a:pPr marL="0" indent="0" algn="ctr">
               <a:buNone/>
             </a:pPr>
-            <a:endParaRPr lang="pt-PT" dirty="0" smtClean="0"/>
+            <a:endParaRPr lang="pt-PT" dirty="0"/>
           </a:p>
           <a:p>
             <a:pPr marL="0" indent="0" algn="ctr">
               <a:buNone/>
             </a:pPr>
             <a:r>
-              <a:rPr lang="pt-PT" dirty="0" smtClean="0"/>
+              <a:rPr lang="pt-PT" dirty="0"/>
               <a:t>[ 2, 1, 3 ]</a:t>
             </a:r>
           </a:p>
@@ -13387,7 +13527,7 @@
             <a:pPr marL="0" indent="0" algn="ctr">
               <a:buNone/>
             </a:pPr>
-            <a:endParaRPr lang="pt-PT" dirty="0" smtClean="0"/>
+            <a:endParaRPr lang="pt-PT" dirty="0"/>
           </a:p>
           <a:p>
             <a:pPr marL="0" indent="0" algn="ctr">
@@ -13398,7 +13538,7 @@
               <a:t>[ 1, </a:t>
             </a:r>
             <a:r>
-              <a:rPr lang="pt-PT" dirty="0" smtClean="0"/>
+              <a:rPr lang="pt-PT" dirty="0"/>
               <a:t>2, </a:t>
             </a:r>
             <a:r>
@@ -13406,7 +13546,7 @@
               <a:t>3</a:t>
             </a:r>
             <a:r>
-              <a:rPr lang="pt-PT" dirty="0" smtClean="0"/>
+              <a:rPr lang="pt-PT" dirty="0"/>
               <a:t> ]</a:t>
             </a:r>
             <a:endParaRPr lang="pt-PT" dirty="0"/>
@@ -13423,7 +13563,7 @@
         </p:nvSpPr>
         <p:spPr>
           <a:xfrm>
-            <a:off x="5192021" y="914399"/>
+            <a:off x="3668021" y="914399"/>
             <a:ext cx="1818378" cy="4897054"/>
           </a:xfrm>
           <a:prstGeom prst="rect">
@@ -13673,7 +13813,7 @@
               <a:buNone/>
             </a:pPr>
             <a:r>
-              <a:rPr lang="pt-PT" dirty="0" smtClean="0">
+              <a:rPr lang="pt-PT" dirty="0">
                 <a:solidFill>
                   <a:srgbClr val="FF0000"/>
                 </a:solidFill>
@@ -13685,7 +13825,7 @@
             <a:pPr marL="0" indent="0" algn="ctr">
               <a:buNone/>
             </a:pPr>
-            <a:endParaRPr lang="pt-PT" dirty="0" smtClean="0">
+            <a:endParaRPr lang="pt-PT" dirty="0">
               <a:solidFill>
                 <a:srgbClr val="FF0000"/>
               </a:solidFill>
@@ -13704,7 +13844,7 @@
               <a:t>[ </a:t>
             </a:r>
             <a:r>
-              <a:rPr lang="pt-PT" dirty="0" smtClean="0">
+              <a:rPr lang="pt-PT" dirty="0">
                 <a:solidFill>
                   <a:srgbClr val="FF0000"/>
                 </a:solidFill>
@@ -13716,7 +13856,7 @@
             <a:pPr marL="0" indent="0" algn="ctr">
               <a:buNone/>
             </a:pPr>
-            <a:endParaRPr lang="pt-PT" dirty="0" smtClean="0">
+            <a:endParaRPr lang="pt-PT" dirty="0">
               <a:solidFill>
                 <a:srgbClr val="FF0000"/>
               </a:solidFill>
@@ -13735,7 +13875,7 @@
               <a:t>[ </a:t>
             </a:r>
             <a:r>
-              <a:rPr lang="pt-PT" dirty="0" smtClean="0">
+              <a:rPr lang="pt-PT" dirty="0">
                 <a:solidFill>
                   <a:srgbClr val="FF0000"/>
                 </a:solidFill>
@@ -13760,7 +13900,7 @@
         </p:nvSpPr>
         <p:spPr>
           <a:xfrm>
-            <a:off x="8426245" y="914399"/>
+            <a:off x="6902246" y="914399"/>
             <a:ext cx="1631565" cy="4897054"/>
           </a:xfrm>
           <a:prstGeom prst="rect">
@@ -14010,7 +14150,7 @@
               <a:buNone/>
             </a:pPr>
             <a:r>
-              <a:rPr lang="pt-PT" dirty="0" smtClean="0">
+              <a:rPr lang="pt-PT" dirty="0">
                 <a:solidFill>
                   <a:srgbClr val="0070C0"/>
                 </a:solidFill>
@@ -14022,7 +14162,7 @@
             <a:pPr marL="0" indent="0" algn="ctr">
               <a:buNone/>
             </a:pPr>
-            <a:endParaRPr lang="pt-PT" dirty="0" smtClean="0">
+            <a:endParaRPr lang="pt-PT" dirty="0">
               <a:solidFill>
                 <a:srgbClr val="0070C0"/>
               </a:solidFill>
@@ -14041,7 +14181,7 @@
               <a:t>[ </a:t>
             </a:r>
             <a:r>
-              <a:rPr lang="pt-PT" dirty="0" smtClean="0">
+              <a:rPr lang="pt-PT" dirty="0">
                 <a:solidFill>
                   <a:srgbClr val="0070C0"/>
                 </a:solidFill>
@@ -14053,7 +14193,7 @@
             <a:pPr marL="0" indent="0" algn="ctr">
               <a:buNone/>
             </a:pPr>
-            <a:endParaRPr lang="pt-PT" dirty="0" smtClean="0">
+            <a:endParaRPr lang="pt-PT" dirty="0">
               <a:solidFill>
                 <a:srgbClr val="0070C0"/>
               </a:solidFill>
@@ -14064,7 +14204,7 @@
               <a:buNone/>
             </a:pPr>
             <a:r>
-              <a:rPr lang="pt-PT" dirty="0" smtClean="0">
+              <a:rPr lang="pt-PT" dirty="0">
                 <a:solidFill>
                   <a:srgbClr val="0070C0"/>
                 </a:solidFill>
@@ -14080,7 +14220,7 @@
               <a:t>8</a:t>
             </a:r>
             <a:r>
-              <a:rPr lang="pt-PT" dirty="0" smtClean="0">
+              <a:rPr lang="pt-PT" dirty="0">
                 <a:solidFill>
                   <a:srgbClr val="0070C0"/>
                 </a:solidFill>
@@ -14098,7 +14238,7 @@
         </p:nvCxnSpPr>
         <p:spPr>
           <a:xfrm flipH="1">
-            <a:off x="2507226" y="2487561"/>
+            <a:off x="983227" y="2487561"/>
             <a:ext cx="305683" cy="737420"/>
           </a:xfrm>
           <a:prstGeom prst="straightConnector1">
@@ -14131,7 +14271,7 @@
         </p:nvCxnSpPr>
         <p:spPr>
           <a:xfrm>
-            <a:off x="3156155" y="2487561"/>
+            <a:off x="1632156" y="2487562"/>
             <a:ext cx="2644877" cy="698091"/>
           </a:xfrm>
           <a:prstGeom prst="straightConnector1">
@@ -14164,7 +14304,7 @@
         </p:nvCxnSpPr>
         <p:spPr>
           <a:xfrm>
-            <a:off x="2585884" y="2526890"/>
+            <a:off x="1061884" y="2526890"/>
             <a:ext cx="6567948" cy="658762"/>
           </a:xfrm>
           <a:prstGeom prst="straightConnector1">
@@ -14197,7 +14337,7 @@
         </p:nvCxnSpPr>
         <p:spPr>
           <a:xfrm flipH="1">
-            <a:off x="2812909" y="2487561"/>
+            <a:off x="1288910" y="2487562"/>
             <a:ext cx="2988123" cy="698091"/>
           </a:xfrm>
           <a:prstGeom prst="straightConnector1">
@@ -14230,7 +14370,7 @@
         </p:nvCxnSpPr>
         <p:spPr>
           <a:xfrm flipH="1">
-            <a:off x="3156155" y="2487561"/>
+            <a:off x="1632156" y="2487562"/>
             <a:ext cx="2945055" cy="698091"/>
           </a:xfrm>
           <a:prstGeom prst="straightConnector1">
@@ -14263,7 +14403,7 @@
         </p:nvCxnSpPr>
         <p:spPr>
           <a:xfrm>
-            <a:off x="6429118" y="2526890"/>
+            <a:off x="4905118" y="2526890"/>
             <a:ext cx="3157334" cy="599768"/>
           </a:xfrm>
           <a:prstGeom prst="straightConnector1">
@@ -14296,7 +14436,7 @@
         </p:nvCxnSpPr>
         <p:spPr>
           <a:xfrm flipH="1">
-            <a:off x="6139655" y="2526890"/>
+            <a:off x="4615656" y="2526890"/>
             <a:ext cx="2768371" cy="658762"/>
           </a:xfrm>
           <a:prstGeom prst="straightConnector1">
@@ -14329,7 +14469,7 @@
         </p:nvCxnSpPr>
         <p:spPr>
           <a:xfrm flipH="1">
-            <a:off x="6444456" y="2526890"/>
+            <a:off x="4920457" y="2526891"/>
             <a:ext cx="2797571" cy="698091"/>
           </a:xfrm>
           <a:prstGeom prst="straightConnector1">
@@ -14362,7 +14502,7 @@
         </p:nvCxnSpPr>
         <p:spPr>
           <a:xfrm flipH="1">
-            <a:off x="8937523" y="2526890"/>
+            <a:off x="7413524" y="2526890"/>
             <a:ext cx="559555" cy="658762"/>
           </a:xfrm>
           <a:prstGeom prst="straightConnector1">
@@ -15665,8 +15805,8 @@
         </p:blipFill>
         <p:spPr>
           <a:xfrm>
-            <a:off x="729806" y="1897626"/>
-            <a:ext cx="10459304" cy="4295268"/>
+            <a:off x="589935" y="2045110"/>
+            <a:ext cx="7973961" cy="4295268"/>
           </a:xfrm>
           <a:prstGeom prst="rect">
             <a:avLst/>
@@ -15718,8 +15858,8 @@
         </p:nvGrpSpPr>
         <p:grpSpPr>
           <a:xfrm>
-            <a:off x="1446519" y="3406877"/>
-            <a:ext cx="8484062" cy="1524000"/>
+            <a:off x="798881" y="3406877"/>
+            <a:ext cx="7607699" cy="1524000"/>
             <a:chOff x="1446519" y="3406877"/>
             <a:chExt cx="8484062" cy="1524000"/>
           </a:xfrm>
@@ -15811,7 +15951,7 @@
             <a:p>
               <a:pPr algn="ctr"/>
               <a:r>
-                <a:rPr lang="pt-PT" dirty="0" smtClean="0">
+                <a:rPr lang="pt-PT" dirty="0">
                   <a:solidFill>
                     <a:schemeClr val="tx1"/>
                   </a:solidFill>
@@ -15835,8 +15975,8 @@
         </p:nvGrpSpPr>
         <p:grpSpPr>
           <a:xfrm>
-            <a:off x="1427444" y="2079521"/>
-            <a:ext cx="8503137" cy="1524000"/>
+            <a:off x="798881" y="2079521"/>
+            <a:ext cx="7607700" cy="1524000"/>
             <a:chOff x="1427444" y="2079521"/>
             <a:chExt cx="8503137" cy="1524000"/>
           </a:xfrm>
@@ -15928,7 +16068,7 @@
             <a:p>
               <a:pPr algn="ctr"/>
               <a:r>
-                <a:rPr lang="pt-PT" dirty="0" smtClean="0">
+                <a:rPr lang="pt-PT" dirty="0">
                   <a:solidFill>
                     <a:schemeClr val="tx1"/>
                   </a:solidFill>
@@ -15954,7 +16094,7 @@
         </p:nvSpPr>
         <p:spPr>
           <a:xfrm>
-            <a:off x="1849643" y="914399"/>
+            <a:off x="1952502" y="914399"/>
             <a:ext cx="1926533" cy="4897054"/>
           </a:xfrm>
           <a:prstGeom prst="rect">
@@ -16204,7 +16344,7 @@
               <a:buNone/>
             </a:pPr>
             <a:r>
-              <a:rPr lang="pt-PT" dirty="0" smtClean="0"/>
+              <a:rPr lang="pt-PT" dirty="0"/>
               <a:t>[ 9, 2, 5 ]</a:t>
             </a:r>
           </a:p>
@@ -16212,14 +16352,14 @@
             <a:pPr marL="0" indent="0" algn="ctr">
               <a:buNone/>
             </a:pPr>
-            <a:endParaRPr lang="pt-PT" dirty="0" smtClean="0"/>
+            <a:endParaRPr lang="pt-PT" dirty="0"/>
           </a:p>
           <a:p>
             <a:pPr marL="0" indent="0" algn="ctr">
               <a:buNone/>
             </a:pPr>
             <a:r>
-              <a:rPr lang="pt-PT" dirty="0" smtClean="0"/>
+              <a:rPr lang="pt-PT" dirty="0"/>
               <a:t>[ 2, 1, 3 ]</a:t>
             </a:r>
           </a:p>
@@ -16227,7 +16367,7 @@
             <a:pPr marL="0" indent="0" algn="ctr">
               <a:buNone/>
             </a:pPr>
-            <a:endParaRPr lang="pt-PT" dirty="0" smtClean="0"/>
+            <a:endParaRPr lang="pt-PT" dirty="0"/>
           </a:p>
           <a:p>
             <a:pPr marL="0" indent="0" algn="ctr">
@@ -16238,7 +16378,7 @@
               <a:t>[ 1, </a:t>
             </a:r>
             <a:r>
-              <a:rPr lang="pt-PT" dirty="0" smtClean="0"/>
+              <a:rPr lang="pt-PT" dirty="0"/>
               <a:t>2, </a:t>
             </a:r>
             <a:r>
@@ -16246,7 +16386,7 @@
               <a:t>3</a:t>
             </a:r>
             <a:r>
-              <a:rPr lang="pt-PT" dirty="0" smtClean="0"/>
+              <a:rPr lang="pt-PT" dirty="0"/>
               <a:t> ]</a:t>
             </a:r>
             <a:endParaRPr lang="pt-PT" dirty="0"/>
@@ -16263,7 +16403,7 @@
         </p:nvSpPr>
         <p:spPr>
           <a:xfrm>
-            <a:off x="5192021" y="914399"/>
+            <a:off x="4280646" y="914399"/>
             <a:ext cx="1818378" cy="4897054"/>
           </a:xfrm>
           <a:prstGeom prst="rect">
@@ -16513,7 +16653,7 @@
               <a:buNone/>
             </a:pPr>
             <a:r>
-              <a:rPr lang="pt-PT" dirty="0" smtClean="0">
+              <a:rPr lang="pt-PT" dirty="0">
                 <a:solidFill>
                   <a:srgbClr val="FF0000"/>
                 </a:solidFill>
@@ -16525,7 +16665,7 @@
             <a:pPr marL="0" indent="0" algn="ctr">
               <a:buNone/>
             </a:pPr>
-            <a:endParaRPr lang="pt-PT" dirty="0" smtClean="0">
+            <a:endParaRPr lang="pt-PT" dirty="0">
               <a:solidFill>
                 <a:srgbClr val="FF0000"/>
               </a:solidFill>
@@ -16544,7 +16684,7 @@
               <a:t>[ </a:t>
             </a:r>
             <a:r>
-              <a:rPr lang="pt-PT" dirty="0" smtClean="0">
+              <a:rPr lang="pt-PT" dirty="0">
                 <a:solidFill>
                   <a:srgbClr val="FF0000"/>
                 </a:solidFill>
@@ -16556,7 +16696,7 @@
             <a:pPr marL="0" indent="0" algn="ctr">
               <a:buNone/>
             </a:pPr>
-            <a:endParaRPr lang="pt-PT" dirty="0" smtClean="0">
+            <a:endParaRPr lang="pt-PT" dirty="0">
               <a:solidFill>
                 <a:srgbClr val="FF0000"/>
               </a:solidFill>
@@ -16575,7 +16715,7 @@
               <a:t>[ </a:t>
             </a:r>
             <a:r>
-              <a:rPr lang="pt-PT" dirty="0" smtClean="0">
+              <a:rPr lang="pt-PT" dirty="0">
                 <a:solidFill>
                   <a:srgbClr val="FF0000"/>
                 </a:solidFill>
@@ -16600,7 +16740,7 @@
         </p:nvSpPr>
         <p:spPr>
           <a:xfrm>
-            <a:off x="8426245" y="914399"/>
+            <a:off x="6775015" y="914399"/>
             <a:ext cx="1631565" cy="4897054"/>
           </a:xfrm>
           <a:prstGeom prst="rect">
@@ -16850,7 +16990,7 @@
               <a:buNone/>
             </a:pPr>
             <a:r>
-              <a:rPr lang="pt-PT" dirty="0" smtClean="0">
+              <a:rPr lang="pt-PT" dirty="0">
                 <a:solidFill>
                   <a:srgbClr val="0070C0"/>
                 </a:solidFill>
@@ -16862,7 +17002,7 @@
             <a:pPr marL="0" indent="0" algn="ctr">
               <a:buNone/>
             </a:pPr>
-            <a:endParaRPr lang="pt-PT" dirty="0" smtClean="0">
+            <a:endParaRPr lang="pt-PT" dirty="0">
               <a:solidFill>
                 <a:srgbClr val="0070C0"/>
               </a:solidFill>
@@ -16881,7 +17021,7 @@
               <a:t>[ </a:t>
             </a:r>
             <a:r>
-              <a:rPr lang="pt-PT" dirty="0" smtClean="0">
+              <a:rPr lang="pt-PT" dirty="0">
                 <a:solidFill>
                   <a:srgbClr val="0070C0"/>
                 </a:solidFill>
@@ -16893,7 +17033,7 @@
             <a:pPr marL="0" indent="0" algn="ctr">
               <a:buNone/>
             </a:pPr>
-            <a:endParaRPr lang="pt-PT" dirty="0" smtClean="0">
+            <a:endParaRPr lang="pt-PT" dirty="0">
               <a:solidFill>
                 <a:srgbClr val="0070C0"/>
               </a:solidFill>
@@ -16904,7 +17044,7 @@
               <a:buNone/>
             </a:pPr>
             <a:r>
-              <a:rPr lang="pt-PT" dirty="0" smtClean="0">
+              <a:rPr lang="pt-PT" dirty="0">
                 <a:solidFill>
                   <a:srgbClr val="0070C0"/>
                 </a:solidFill>
@@ -16920,7 +17060,7 @@
               <a:t>8</a:t>
             </a:r>
             <a:r>
-              <a:rPr lang="pt-PT" dirty="0" smtClean="0">
+              <a:rPr lang="pt-PT" dirty="0">
                 <a:solidFill>
                   <a:srgbClr val="0070C0"/>
                 </a:solidFill>
@@ -17213,7 +17353,7 @@
           </a:gsLst>
           <a:lin ang="5400000" scaled="0"/>
         </a:gradFill>
-        <a:blipFill>
+        <a:blipFill rotWithShape="1">
           <a:blip xmlns:r="http://schemas.openxmlformats.org/officeDocument/2006/relationships" r:embed="rId1">
             <a:duotone>
               <a:schemeClr val="phClr">
@@ -17232,19 +17372,19 @@
         </a:blipFill>
       </a:fillStyleLst>
       <a:lnStyleLst>
-        <a:ln w="9525" cap="flat" cmpd="sng" algn="ctr">
+        <a:ln w="9525" cap="rnd" cmpd="sng" algn="ctr">
           <a:solidFill>
             <a:schemeClr val="phClr"/>
           </a:solidFill>
           <a:prstDash val="solid"/>
         </a:ln>
-        <a:ln w="15875" cap="flat" cmpd="sng" algn="ctr">
+        <a:ln w="15875" cap="rnd" cmpd="sng" algn="ctr">
           <a:solidFill>
             <a:schemeClr val="phClr"/>
           </a:solidFill>
           <a:prstDash val="solid"/>
         </a:ln>
-        <a:ln w="25400" cap="flat" cmpd="sng" algn="ctr">
+        <a:ln w="25400" cap="rnd" cmpd="sng" algn="ctr">
           <a:solidFill>
             <a:schemeClr val="phClr"/>
           </a:solidFill>

--- a/Apresentação.pptx
+++ b/Apresentação.pptx
@@ -436,11 +436,11 @@
           <c:showBubbleSize val="0"/>
         </c:dLbls>
         <c:smooth val="0"/>
-        <c:axId val="2077034688"/>
-        <c:axId val="2077035232"/>
+        <c:axId val="-383060272"/>
+        <c:axId val="-383067344"/>
       </c:lineChart>
       <c:catAx>
-        <c:axId val="2077034688"/>
+        <c:axId val="-383060272"/>
         <c:scaling>
           <c:orientation val="minMax"/>
         </c:scaling>
@@ -543,7 +543,7 @@
             <a:endParaRPr lang="en-US"/>
           </a:p>
         </c:txPr>
-        <c:crossAx val="2077035232"/>
+        <c:crossAx val="-383067344"/>
         <c:crosses val="autoZero"/>
         <c:auto val="1"/>
         <c:lblAlgn val="ctr"/>
@@ -551,7 +551,7 @@
         <c:noMultiLvlLbl val="0"/>
       </c:catAx>
       <c:valAx>
-        <c:axId val="2077035232"/>
+        <c:axId val="-383067344"/>
         <c:scaling>
           <c:orientation val="minMax"/>
         </c:scaling>
@@ -663,7 +663,7 @@
             <a:endParaRPr lang="en-US"/>
           </a:p>
         </c:txPr>
-        <c:crossAx val="2077034688"/>
+        <c:crossAx val="-383060272"/>
         <c:crosses val="autoZero"/>
         <c:crossBetween val="between"/>
       </c:valAx>
@@ -1369,7 +1369,7 @@
           <a:p>
             <a:fld id="{6681F22B-3B6B-4546-A668-DD15FA2B9ACA}" type="datetimeFigureOut">
               <a:rPr lang="en-US" smtClean="0"/>
-              <a:t>1/3/2016</a:t>
+              <a:t>1/5/2016</a:t>
             </a:fld>
             <a:endParaRPr lang="en-US"/>
           </a:p>
@@ -1912,8 +1912,25 @@
             </a:pPr>
             <a:r>
               <a:rPr lang="pt-PT" baseline="0" noProof="0" dirty="0" smtClean="0"/>
-              <a:t>É recursivo.</a:t>
-            </a:r>
+              <a:t>É recursivo</a:t>
+            </a:r>
+            <a:r>
+              <a:rPr lang="pt-PT" baseline="0" noProof="0" dirty="0" smtClean="0"/>
+              <a:t>.</a:t>
+            </a:r>
+          </a:p>
+          <a:p>
+            <a:pPr marL="171450" indent="-171450">
+              <a:buFontTx/>
+              <a:buChar char="-"/>
+            </a:pPr>
+            <a:endParaRPr lang="pt-PT" baseline="0" noProof="0" dirty="0" smtClean="0"/>
+          </a:p>
+          <a:p>
+            <a:pPr marL="0" indent="0">
+              <a:buFontTx/>
+              <a:buNone/>
+            </a:pPr>
             <a:endParaRPr lang="pt-PT" noProof="0" dirty="0"/>
           </a:p>
         </p:txBody>
@@ -2157,7 +2174,54 @@
           <a:p>
             <a:r>
               <a:rPr lang="pt-PT" baseline="0" dirty="0" smtClean="0"/>
-              <a:t>ou seja, neste exemplo, cada cor pode correr paralelamente a outra, mas 2 vermelhas não podem correr paralelamente.</a:t>
+              <a:t>ou seja, </a:t>
+            </a:r>
+            <a:r>
+              <a:rPr lang="pt-PT" baseline="0" dirty="0" smtClean="0"/>
+              <a:t>neste </a:t>
+            </a:r>
+            <a:r>
+              <a:rPr lang="pt-PT" baseline="0" dirty="0" smtClean="0"/>
+              <a:t>exemplo, cada cor pode correr paralelamente a outra, mas 2 vermelhas não podem correr paralelamente</a:t>
+            </a:r>
+            <a:r>
+              <a:rPr lang="pt-PT" baseline="0" dirty="0" smtClean="0"/>
+              <a:t>.</a:t>
+            </a:r>
+          </a:p>
+          <a:p>
+            <a:r>
+              <a:rPr lang="pt-PT" baseline="0" dirty="0" smtClean="0"/>
+              <a:t>Primeiras </a:t>
+            </a:r>
+            <a:r>
+              <a:rPr lang="pt-PT" baseline="0" dirty="0" err="1" smtClean="0"/>
+              <a:t>recursoes</a:t>
+            </a:r>
+            <a:r>
+              <a:rPr lang="pt-PT" baseline="0" dirty="0" smtClean="0"/>
+              <a:t> usam poucas threads e primeiras iterações demoram mais</a:t>
+            </a:r>
+          </a:p>
+          <a:p>
+            <a:r>
+              <a:rPr lang="pt-PT" baseline="0" dirty="0" smtClean="0"/>
+              <a:t>Paralelização garantida através de </a:t>
+            </a:r>
+            <a:r>
+              <a:rPr lang="pt-PT" baseline="0" dirty="0" err="1" smtClean="0"/>
+              <a:t>tasks</a:t>
+            </a:r>
+            <a:endParaRPr lang="pt-PT" baseline="0" dirty="0" smtClean="0"/>
+          </a:p>
+          <a:p>
+            <a:r>
+              <a:rPr lang="pt-PT" dirty="0" smtClean="0"/>
+              <a:t>Cada chamada a função corre numa </a:t>
+            </a:r>
+            <a:r>
+              <a:rPr lang="pt-PT" dirty="0" err="1" smtClean="0"/>
+              <a:t>task</a:t>
             </a:r>
             <a:endParaRPr lang="pt-PT" dirty="0"/>
           </a:p>
@@ -2462,9 +2526,50 @@
           <a:p>
             <a:r>
               <a:rPr lang="pt-PT" dirty="0" smtClean="0"/>
-              <a:t>Cada cor é 1 processo</a:t>
+              <a:t>Cada cor é 1 </a:t>
+            </a:r>
+            <a:r>
+              <a:rPr lang="pt-PT" dirty="0" smtClean="0"/>
+              <a:t>processo</a:t>
             </a:r>
             <a:endParaRPr lang="pt-PT" dirty="0"/>
+          </a:p>
+          <a:p>
+            <a:r>
+              <a:rPr lang="pt-PT" dirty="0" smtClean="0"/>
+              <a:t>Permite</a:t>
+            </a:r>
+            <a:r>
+              <a:rPr lang="pt-PT" baseline="0" dirty="0" smtClean="0"/>
+              <a:t> que todos os processos trabalhem desde o inicio</a:t>
+            </a:r>
+          </a:p>
+          <a:p>
+            <a:r>
+              <a:rPr lang="pt-PT" baseline="0" dirty="0" err="1" smtClean="0"/>
+              <a:t>Nao</a:t>
+            </a:r>
+            <a:r>
+              <a:rPr lang="pt-PT" baseline="0" dirty="0" smtClean="0"/>
+              <a:t> garante </a:t>
+            </a:r>
+            <a:r>
+              <a:rPr lang="pt-PT" baseline="0" dirty="0" err="1" smtClean="0"/>
+              <a:t>load</a:t>
+            </a:r>
+            <a:r>
+              <a:rPr lang="pt-PT" baseline="0" dirty="0" smtClean="0"/>
+              <a:t> balance</a:t>
+            </a:r>
+          </a:p>
+          <a:p>
+            <a:r>
+              <a:rPr lang="pt-PT" baseline="0" dirty="0" smtClean="0"/>
+              <a:t>Maior gasto de memoria</a:t>
+            </a:r>
+          </a:p>
+          <a:p>
+            <a:endParaRPr lang="pt-PT" dirty="0" smtClean="0"/>
           </a:p>
         </p:txBody>
       </p:sp>
@@ -3029,7 +3134,7 @@
           <a:p>
             <a:fld id="{3201C7E4-9496-40B4-BB95-196C3930D3C6}" type="datetimeFigureOut">
               <a:rPr lang="en-US" smtClean="0"/>
-              <a:t>1/3/2016</a:t>
+              <a:t>1/5/2016</a:t>
             </a:fld>
             <a:endParaRPr lang="en-US"/>
           </a:p>
@@ -3353,7 +3458,7 @@
           <a:p>
             <a:fld id="{3201C7E4-9496-40B4-BB95-196C3930D3C6}" type="datetimeFigureOut">
               <a:rPr lang="en-US" smtClean="0"/>
-              <a:t>1/3/2016</a:t>
+              <a:t>1/5/2016</a:t>
             </a:fld>
             <a:endParaRPr lang="en-US"/>
           </a:p>
@@ -3601,7 +3706,7 @@
           <a:p>
             <a:fld id="{3201C7E4-9496-40B4-BB95-196C3930D3C6}" type="datetimeFigureOut">
               <a:rPr lang="en-US" smtClean="0"/>
-              <a:t>1/3/2016</a:t>
+              <a:t>1/5/2016</a:t>
             </a:fld>
             <a:endParaRPr lang="en-US"/>
           </a:p>
@@ -3940,7 +4045,7 @@
           <a:p>
             <a:fld id="{3201C7E4-9496-40B4-BB95-196C3930D3C6}" type="datetimeFigureOut">
               <a:rPr lang="en-US" smtClean="0"/>
-              <a:t>1/3/2016</a:t>
+              <a:t>1/5/2016</a:t>
             </a:fld>
             <a:endParaRPr lang="en-US"/>
           </a:p>
@@ -4287,7 +4392,7 @@
           <a:p>
             <a:fld id="{3201C7E4-9496-40B4-BB95-196C3930D3C6}" type="datetimeFigureOut">
               <a:rPr lang="en-US" smtClean="0"/>
-              <a:t>1/3/2016</a:t>
+              <a:t>1/5/2016</a:t>
             </a:fld>
             <a:endParaRPr lang="en-US"/>
           </a:p>
@@ -4661,7 +4766,7 @@
           <a:p>
             <a:fld id="{3201C7E4-9496-40B4-BB95-196C3930D3C6}" type="datetimeFigureOut">
               <a:rPr lang="en-US" smtClean="0"/>
-              <a:t>1/3/2016</a:t>
+              <a:t>1/5/2016</a:t>
             </a:fld>
             <a:endParaRPr lang="en-US"/>
           </a:p>
@@ -5131,7 +5236,7 @@
           <a:p>
             <a:fld id="{3201C7E4-9496-40B4-BB95-196C3930D3C6}" type="datetimeFigureOut">
               <a:rPr lang="en-US" smtClean="0"/>
-              <a:t>1/3/2016</a:t>
+              <a:t>1/5/2016</a:t>
             </a:fld>
             <a:endParaRPr lang="en-US"/>
           </a:p>
@@ -5341,7 +5446,7 @@
           <a:p>
             <a:fld id="{3201C7E4-9496-40B4-BB95-196C3930D3C6}" type="datetimeFigureOut">
               <a:rPr lang="en-US" smtClean="0"/>
-              <a:t>1/3/2016</a:t>
+              <a:t>1/5/2016</a:t>
             </a:fld>
             <a:endParaRPr lang="en-US"/>
           </a:p>
@@ -5552,7 +5657,7 @@
           <a:p>
             <a:fld id="{3201C7E4-9496-40B4-BB95-196C3930D3C6}" type="datetimeFigureOut">
               <a:rPr lang="en-US" smtClean="0"/>
-              <a:t>1/3/2016</a:t>
+              <a:t>1/5/2016</a:t>
             </a:fld>
             <a:endParaRPr lang="en-US"/>
           </a:p>
@@ -5784,7 +5889,7 @@
           <a:p>
             <a:fld id="{3201C7E4-9496-40B4-BB95-196C3930D3C6}" type="datetimeFigureOut">
               <a:rPr lang="en-US" smtClean="0"/>
-              <a:t>1/3/2016</a:t>
+              <a:t>1/5/2016</a:t>
             </a:fld>
             <a:endParaRPr lang="en-US"/>
           </a:p>
@@ -6032,7 +6137,7 @@
           <a:p>
             <a:fld id="{3201C7E4-9496-40B4-BB95-196C3930D3C6}" type="datetimeFigureOut">
               <a:rPr lang="en-US" smtClean="0"/>
-              <a:t>1/3/2016</a:t>
+              <a:t>1/5/2016</a:t>
             </a:fld>
             <a:endParaRPr lang="en-US"/>
           </a:p>
@@ -6335,7 +6440,7 @@
           <a:p>
             <a:fld id="{3201C7E4-9496-40B4-BB95-196C3930D3C6}" type="datetimeFigureOut">
               <a:rPr lang="en-US" smtClean="0"/>
-              <a:t>1/3/2016</a:t>
+              <a:t>1/5/2016</a:t>
             </a:fld>
             <a:endParaRPr lang="en-US"/>
           </a:p>
@@ -6717,7 +6822,7 @@
           <a:p>
             <a:fld id="{3201C7E4-9496-40B4-BB95-196C3930D3C6}" type="datetimeFigureOut">
               <a:rPr lang="en-US" smtClean="0"/>
-              <a:t>1/3/2016</a:t>
+              <a:t>1/5/2016</a:t>
             </a:fld>
             <a:endParaRPr lang="en-US"/>
           </a:p>
@@ -6871,7 +6976,7 @@
           <a:p>
             <a:fld id="{3201C7E4-9496-40B4-BB95-196C3930D3C6}" type="datetimeFigureOut">
               <a:rPr lang="en-US" smtClean="0"/>
-              <a:t>1/3/2016</a:t>
+              <a:t>1/5/2016</a:t>
             </a:fld>
             <a:endParaRPr lang="en-US"/>
           </a:p>
@@ -6997,7 +7102,7 @@
           <a:p>
             <a:fld id="{3201C7E4-9496-40B4-BB95-196C3930D3C6}" type="datetimeFigureOut">
               <a:rPr lang="en-US" smtClean="0"/>
-              <a:t>1/3/2016</a:t>
+              <a:t>1/5/2016</a:t>
             </a:fld>
             <a:endParaRPr lang="en-US"/>
           </a:p>
@@ -7252,7 +7357,7 @@
           <a:p>
             <a:fld id="{3201C7E4-9496-40B4-BB95-196C3930D3C6}" type="datetimeFigureOut">
               <a:rPr lang="en-US" smtClean="0"/>
-              <a:t>1/3/2016</a:t>
+              <a:t>1/5/2016</a:t>
             </a:fld>
             <a:endParaRPr lang="en-US"/>
           </a:p>
@@ -7566,7 +7671,7 @@
           <a:p>
             <a:fld id="{3201C7E4-9496-40B4-BB95-196C3930D3C6}" type="datetimeFigureOut">
               <a:rPr lang="en-US" smtClean="0"/>
-              <a:t>1/3/2016</a:t>
+              <a:t>1/5/2016</a:t>
             </a:fld>
             <a:endParaRPr lang="en-US"/>
           </a:p>
@@ -7917,7 +8022,7 @@
           <a:p>
             <a:fld id="{3201C7E4-9496-40B4-BB95-196C3930D3C6}" type="datetimeFigureOut">
               <a:rPr lang="en-US" smtClean="0"/>
-              <a:t>1/3/2016</a:t>
+              <a:t>1/5/2016</a:t>
             </a:fld>
             <a:endParaRPr lang="en-US"/>
           </a:p>
@@ -8790,7 +8895,6 @@
               <a:rPr lang="en-US" dirty="0"/>
               <a:t>Carlos Antunes	                                                                                         67711</a:t>
             </a:r>
-            <a:endParaRPr lang="en-US" dirty="0"/>
           </a:p>
           <a:p>
             <a:r>
@@ -8801,7 +8905,6 @@
               <a:rPr lang="en-US" dirty="0"/>
               <a:t> Oliveira                	                                                                         67649</a:t>
             </a:r>
-            <a:endParaRPr lang="en-US" dirty="0"/>
           </a:p>
         </p:txBody>
       </p:sp>
@@ -8962,11 +9065,7 @@
           <a:p>
             <a:r>
               <a:rPr lang="pt-PT" dirty="0" smtClean="0"/>
-              <a:t>Array com 152 </a:t>
-            </a:r>
-            <a:r>
-              <a:rPr lang="pt-PT" dirty="0" smtClean="0"/>
-              <a:t>MBytes</a:t>
+              <a:t>Array com 152 MBytes</a:t>
             </a:r>
           </a:p>
           <a:p>
@@ -9369,7 +9468,6 @@
               <a:rPr lang="en-US" dirty="0"/>
               <a:t>Carlos Antunes	                                                                                         67711</a:t>
             </a:r>
-            <a:endParaRPr lang="en-US" dirty="0"/>
           </a:p>
           <a:p>
             <a:r>
@@ -9380,7 +9478,6 @@
               <a:rPr lang="en-US" dirty="0"/>
               <a:t> Oliveira                	                                                                         67649</a:t>
             </a:r>
-            <a:endParaRPr lang="en-US" dirty="0"/>
           </a:p>
         </p:txBody>
       </p:sp>
@@ -9995,11 +10092,7 @@
             </a:r>
             <a:r>
               <a:rPr lang="en-US" dirty="0"/>
-              <a:t>, </a:t>
-            </a:r>
-            <a:r>
-              <a:rPr lang="en-US" dirty="0"/>
-              <a:t>1, </a:t>
+              <a:t>, 1, </a:t>
             </a:r>
             <a:r>
               <a:rPr lang="en-US" u="sng" dirty="0"/>
@@ -10007,28 +10100,16 @@
             </a:r>
             <a:r>
               <a:rPr lang="en-US" dirty="0"/>
-              <a:t>, </a:t>
-            </a:r>
+              <a:t>, 5, 3 ]</a:t>
+            </a:r>
+          </a:p>
+          <a:p>
+            <a:pPr marL="0" indent="0">
+              <a:buNone/>
+            </a:pPr>
             <a:r>
               <a:rPr lang="en-US" dirty="0"/>
-              <a:t>5, </a:t>
-            </a:r>
-            <a:r>
-              <a:rPr lang="en-US" dirty="0"/>
-              <a:t>3 ]</a:t>
-            </a:r>
-          </a:p>
-          <a:p>
-            <a:pPr marL="0" indent="0">
-              <a:buNone/>
-            </a:pPr>
-            <a:r>
-              <a:rPr lang="en-US" dirty="0"/>
-              <a:t>[ 2, </a:t>
-            </a:r>
-            <a:r>
-              <a:rPr lang="en-US" dirty="0"/>
-              <a:t>1, </a:t>
+              <a:t>[ 2, 1, </a:t>
             </a:r>
             <a:r>
               <a:rPr lang="en-US" dirty="0">
@@ -10038,27 +10119,7 @@
                   </a:schemeClr>
                 </a:solidFill>
               </a:rPr>
-              <a:t>4</a:t>
-            </a:r>
-            <a:r>
-              <a:rPr lang="en-US" dirty="0">
-                <a:solidFill>
-                  <a:schemeClr val="bg2">
-                    <a:lumMod val="50000"/>
-                  </a:schemeClr>
-                </a:solidFill>
-              </a:rPr>
-              <a:t>, 5, </a:t>
-            </a:r>
-            <a:r>
-              <a:rPr lang="en-US" dirty="0">
-                <a:solidFill>
-                  <a:schemeClr val="bg2">
-                    <a:lumMod val="50000"/>
-                  </a:schemeClr>
-                </a:solidFill>
-              </a:rPr>
-              <a:t>3 </a:t>
+              <a:t>4, 5, 3 </a:t>
             </a:r>
             <a:r>
               <a:rPr lang="en-US" dirty="0"/>
@@ -10123,39 +10184,7 @@
                   <a:schemeClr val="tx1"/>
                 </a:solidFill>
               </a:rPr>
-              <a:t>4</a:t>
-            </a:r>
-            <a:r>
-              <a:rPr lang="en-US" dirty="0">
-                <a:solidFill>
-                  <a:schemeClr val="tx1"/>
-                </a:solidFill>
-              </a:rPr>
-              <a:t>, 5</a:t>
-            </a:r>
-            <a:r>
-              <a:rPr lang="en-US" dirty="0">
-                <a:solidFill>
-                  <a:schemeClr val="tx1"/>
-                </a:solidFill>
-              </a:rPr>
-              <a:t>, </a:t>
-            </a:r>
-            <a:r>
-              <a:rPr lang="en-US" dirty="0">
-                <a:solidFill>
-                  <a:schemeClr val="tx1"/>
-                </a:solidFill>
-              </a:rPr>
-              <a:t>3</a:t>
-            </a:r>
-            <a:r>
-              <a:rPr lang="en-US" dirty="0">
-                <a:solidFill>
-                  <a:schemeClr val="tx1"/>
-                </a:solidFill>
-              </a:rPr>
-              <a:t> </a:t>
+              <a:t>4, 5, 3 </a:t>
             </a:r>
             <a:r>
               <a:rPr lang="en-US" dirty="0"/>
@@ -10178,17 +10207,7 @@
                   </a:schemeClr>
                 </a:solidFill>
               </a:rPr>
-              <a:t>1, </a:t>
-            </a:r>
-            <a:r>
-              <a:rPr lang="en-US" dirty="0">
-                <a:solidFill>
-                  <a:schemeClr val="bg1">
-                    <a:lumMod val="50000"/>
-                  </a:schemeClr>
-                </a:solidFill>
-              </a:rPr>
-              <a:t>2,</a:t>
+              <a:t>1, 2,</a:t>
             </a:r>
             <a:r>
               <a:rPr lang="en-US" dirty="0"/>
@@ -11923,15 +11942,7 @@
                   <a:srgbClr val="BC35D7"/>
                 </a:solidFill>
               </a:rPr>
-              <a:t>, </a:t>
-            </a:r>
-            <a:r>
-              <a:rPr lang="en-US" dirty="0">
-                <a:solidFill>
-                  <a:srgbClr val="BC35D7"/>
-                </a:solidFill>
-              </a:rPr>
-              <a:t>1, </a:t>
+              <a:t>, 1, </a:t>
             </a:r>
             <a:r>
               <a:rPr lang="en-US" u="sng" dirty="0">
@@ -11947,23 +11958,7 @@
                   <a:srgbClr val="BC35D7"/>
                 </a:solidFill>
               </a:rPr>
-              <a:t>, </a:t>
-            </a:r>
-            <a:r>
-              <a:rPr lang="en-US" dirty="0">
-                <a:solidFill>
-                  <a:srgbClr val="BC35D7"/>
-                </a:solidFill>
-              </a:rPr>
-              <a:t>5, </a:t>
-            </a:r>
-            <a:r>
-              <a:rPr lang="en-US" dirty="0">
-                <a:solidFill>
-                  <a:srgbClr val="BC35D7"/>
-                </a:solidFill>
-              </a:rPr>
-              <a:t>3 </a:t>
+              <a:t>, 5, 3 </a:t>
             </a:r>
             <a:r>
               <a:rPr lang="en-US" dirty="0"/>
@@ -11984,20 +11979,151 @@
                   <a:srgbClr val="BC35D7"/>
                 </a:solidFill>
               </a:rPr>
-              <a:t>2, </a:t>
+              <a:t>2, 1, </a:t>
             </a:r>
             <a:r>
               <a:rPr lang="en-US" dirty="0">
                 <a:solidFill>
-                  <a:srgbClr val="BC35D7"/>
+                  <a:srgbClr val="FF0000"/>
                 </a:solidFill>
               </a:rPr>
-              <a:t>1, </a:t>
+              <a:t>4, 5, 3 </a:t>
+            </a:r>
+            <a:r>
+              <a:rPr lang="en-US" dirty="0"/>
+              <a:t>]</a:t>
+            </a:r>
+          </a:p>
+          <a:p>
+            <a:pPr marL="0" indent="0">
+              <a:buNone/>
+            </a:pPr>
+            <a:r>
+              <a:rPr lang="en-US" dirty="0"/>
+              <a:t>[ </a:t>
+            </a:r>
+            <a:r>
+              <a:rPr lang="en-US" u="sng" dirty="0"/>
+              <a:t>1</a:t>
+            </a:r>
+            <a:r>
+              <a:rPr lang="en-US" dirty="0"/>
+              <a:t>, </a:t>
+            </a:r>
+            <a:r>
+              <a:rPr lang="en-US" u="sng" dirty="0"/>
+              <a:t>2</a:t>
+            </a:r>
+            <a:r>
+              <a:rPr lang="en-US" dirty="0"/>
+              <a:t>, </a:t>
             </a:r>
             <a:r>
               <a:rPr lang="en-US" dirty="0">
                 <a:solidFill>
                   <a:srgbClr val="FF0000"/>
+                </a:solidFill>
+              </a:rPr>
+              <a:t>4, </a:t>
+            </a:r>
+            <a:r>
+              <a:rPr lang="en-US" u="sng" dirty="0">
+                <a:solidFill>
+                  <a:srgbClr val="FF0000"/>
+                </a:solidFill>
+              </a:rPr>
+              <a:t>3</a:t>
+            </a:r>
+            <a:r>
+              <a:rPr lang="en-US" dirty="0">
+                <a:solidFill>
+                  <a:srgbClr val="FF0000"/>
+                </a:solidFill>
+              </a:rPr>
+              <a:t>, </a:t>
+            </a:r>
+            <a:r>
+              <a:rPr lang="en-US" u="sng" dirty="0">
+                <a:solidFill>
+                  <a:srgbClr val="FF0000"/>
+                </a:solidFill>
+              </a:rPr>
+              <a:t>5</a:t>
+            </a:r>
+            <a:r>
+              <a:rPr lang="en-US" dirty="0">
+                <a:solidFill>
+                  <a:srgbClr val="FF0000"/>
+                </a:solidFill>
+              </a:rPr>
+              <a:t> </a:t>
+            </a:r>
+            <a:r>
+              <a:rPr lang="en-US" dirty="0"/>
+              <a:t>]</a:t>
+            </a:r>
+          </a:p>
+          <a:p>
+            <a:pPr marL="0" indent="0">
+              <a:buNone/>
+            </a:pPr>
+            <a:r>
+              <a:rPr lang="en-US" dirty="0"/>
+              <a:t>[ 1, 2, </a:t>
+            </a:r>
+            <a:r>
+              <a:rPr lang="en-US" dirty="0">
+                <a:solidFill>
+                  <a:srgbClr val="FF0000"/>
+                </a:solidFill>
+              </a:rPr>
+              <a:t>4, 3</a:t>
+            </a:r>
+            <a:r>
+              <a:rPr lang="en-US" dirty="0"/>
+              <a:t>, </a:t>
+            </a:r>
+            <a:r>
+              <a:rPr lang="en-US" dirty="0">
+                <a:solidFill>
+                  <a:srgbClr val="0070C0"/>
+                </a:solidFill>
+              </a:rPr>
+              <a:t>5</a:t>
+            </a:r>
+            <a:r>
+              <a:rPr lang="en-US" dirty="0"/>
+              <a:t> ]</a:t>
+            </a:r>
+          </a:p>
+          <a:p>
+            <a:pPr marL="0" indent="0">
+              <a:buNone/>
+            </a:pPr>
+            <a:r>
+              <a:rPr lang="en-US" dirty="0"/>
+              <a:t>[ 1, 2, </a:t>
+            </a:r>
+            <a:r>
+              <a:rPr lang="en-US" u="sng" dirty="0">
+                <a:solidFill>
+                  <a:schemeClr val="tx1"/>
+                </a:solidFill>
+              </a:rPr>
+              <a:t>3</a:t>
+            </a:r>
+            <a:r>
+              <a:rPr lang="en-US" dirty="0">
+                <a:solidFill>
+                  <a:schemeClr val="tx1"/>
+                </a:solidFill>
+              </a:rPr>
+              <a:t>, </a:t>
+            </a:r>
+            <a:r>
+              <a:rPr lang="en-US" u="sng" dirty="0">
+                <a:solidFill>
+                  <a:schemeClr val="tx1"/>
                 </a:solidFill>
               </a:rPr>
               <a:t>4</a:t>
@@ -12005,177 +12131,10 @@
             <a:r>
               <a:rPr lang="en-US" dirty="0">
                 <a:solidFill>
-                  <a:srgbClr val="FF0000"/>
+                  <a:schemeClr val="tx1"/>
                 </a:solidFill>
               </a:rPr>
-              <a:t>, 5, </a:t>
-            </a:r>
-            <a:r>
-              <a:rPr lang="en-US" dirty="0">
-                <a:solidFill>
-                  <a:srgbClr val="FF0000"/>
-                </a:solidFill>
-              </a:rPr>
-              <a:t>3 </a:t>
-            </a:r>
-            <a:r>
-              <a:rPr lang="en-US" dirty="0"/>
-              <a:t>]</a:t>
-            </a:r>
-          </a:p>
-          <a:p>
-            <a:pPr marL="0" indent="0">
-              <a:buNone/>
-            </a:pPr>
-            <a:r>
-              <a:rPr lang="en-US" dirty="0"/>
-              <a:t>[ </a:t>
-            </a:r>
-            <a:r>
-              <a:rPr lang="en-US" u="sng" dirty="0"/>
-              <a:t>1</a:t>
-            </a:r>
-            <a:r>
-              <a:rPr lang="en-US" dirty="0"/>
-              <a:t>, </a:t>
-            </a:r>
-            <a:r>
-              <a:rPr lang="en-US" u="sng" dirty="0"/>
-              <a:t>2</a:t>
-            </a:r>
-            <a:r>
-              <a:rPr lang="en-US" dirty="0"/>
-              <a:t>, </a:t>
-            </a:r>
-            <a:r>
-              <a:rPr lang="en-US" dirty="0">
-                <a:solidFill>
-                  <a:srgbClr val="FF0000"/>
-                </a:solidFill>
-              </a:rPr>
-              <a:t>4, </a:t>
-            </a:r>
-            <a:r>
-              <a:rPr lang="en-US" u="sng" dirty="0">
-                <a:solidFill>
-                  <a:srgbClr val="FF0000"/>
-                </a:solidFill>
-              </a:rPr>
-              <a:t>3</a:t>
-            </a:r>
-            <a:r>
-              <a:rPr lang="en-US" dirty="0">
-                <a:solidFill>
-                  <a:srgbClr val="FF0000"/>
-                </a:solidFill>
-              </a:rPr>
-              <a:t>, </a:t>
-            </a:r>
-            <a:r>
-              <a:rPr lang="en-US" u="sng" dirty="0">
-                <a:solidFill>
-                  <a:srgbClr val="FF0000"/>
-                </a:solidFill>
-              </a:rPr>
-              <a:t>5</a:t>
-            </a:r>
-            <a:r>
-              <a:rPr lang="en-US" dirty="0">
-                <a:solidFill>
-                  <a:srgbClr val="FF0000"/>
-                </a:solidFill>
-              </a:rPr>
-              <a:t> </a:t>
-            </a:r>
-            <a:r>
-              <a:rPr lang="en-US" dirty="0"/>
-              <a:t>]</a:t>
-            </a:r>
-          </a:p>
-          <a:p>
-            <a:pPr marL="0" indent="0">
-              <a:buNone/>
-            </a:pPr>
-            <a:r>
-              <a:rPr lang="en-US" dirty="0"/>
-              <a:t>[ 1, 2, </a:t>
-            </a:r>
-            <a:r>
-              <a:rPr lang="en-US" dirty="0">
-                <a:solidFill>
-                  <a:srgbClr val="FF0000"/>
-                </a:solidFill>
-              </a:rPr>
-              <a:t>4, 3</a:t>
-            </a:r>
-            <a:r>
-              <a:rPr lang="en-US" dirty="0"/>
-              <a:t>, </a:t>
-            </a:r>
-            <a:r>
-              <a:rPr lang="en-US" dirty="0">
-                <a:solidFill>
-                  <a:srgbClr val="0070C0"/>
-                </a:solidFill>
-              </a:rPr>
-              <a:t>5</a:t>
-            </a:r>
-            <a:r>
-              <a:rPr lang="en-US" dirty="0"/>
-              <a:t> </a:t>
-            </a:r>
-            <a:r>
-              <a:rPr lang="en-US" dirty="0"/>
-              <a:t>]</a:t>
-            </a:r>
-          </a:p>
-          <a:p>
-            <a:pPr marL="0" indent="0">
-              <a:buNone/>
-            </a:pPr>
-            <a:r>
-              <a:rPr lang="en-US" dirty="0"/>
-              <a:t>[ 1, 2, </a:t>
-            </a:r>
-            <a:r>
-              <a:rPr lang="en-US" u="sng" dirty="0">
-                <a:solidFill>
-                  <a:schemeClr val="tx1"/>
-                </a:solidFill>
-              </a:rPr>
-              <a:t>3</a:t>
-            </a:r>
-            <a:r>
-              <a:rPr lang="en-US" dirty="0">
-                <a:solidFill>
-                  <a:schemeClr val="tx1"/>
-                </a:solidFill>
-              </a:rPr>
-              <a:t>, </a:t>
-            </a:r>
-            <a:r>
-              <a:rPr lang="en-US" u="sng" dirty="0">
-                <a:solidFill>
-                  <a:schemeClr val="tx1"/>
-                </a:solidFill>
-              </a:rPr>
-              <a:t>4</a:t>
-            </a:r>
-            <a:r>
-              <a:rPr lang="en-US" dirty="0">
-                <a:solidFill>
-                  <a:schemeClr val="tx1"/>
-                </a:solidFill>
-              </a:rPr>
-              <a:t>, </a:t>
-            </a:r>
-            <a:r>
-              <a:rPr lang="en-US" dirty="0">
-                <a:solidFill>
-                  <a:schemeClr val="tx1"/>
-                </a:solidFill>
-              </a:rPr>
-              <a:t>5 </a:t>
+              <a:t>, 5 </a:t>
             </a:r>
             <a:r>
               <a:rPr lang="en-US" dirty="0"/>
@@ -12506,7 +12465,6 @@
               <a:rPr lang="pt-PT" dirty="0"/>
               <a:t> – Threads</a:t>
             </a:r>
-            <a:endParaRPr lang="pt-PT" dirty="0"/>
           </a:p>
         </p:txBody>
       </p:sp>
@@ -13535,21 +13493,8 @@
             </a:pPr>
             <a:r>
               <a:rPr lang="pt-PT" dirty="0"/>
-              <a:t>[ 1, </a:t>
-            </a:r>
-            <a:r>
-              <a:rPr lang="pt-PT" dirty="0"/>
-              <a:t>2, </a:t>
-            </a:r>
-            <a:r>
-              <a:rPr lang="pt-PT" dirty="0"/>
-              <a:t>3</a:t>
-            </a:r>
-            <a:r>
-              <a:rPr lang="pt-PT" dirty="0"/>
-              <a:t> ]</a:t>
-            </a:r>
-            <a:endParaRPr lang="pt-PT" dirty="0"/>
+              <a:t>[ 1, 2, 3 ]</a:t>
+            </a:r>
           </a:p>
         </p:txBody>
       </p:sp>
@@ -13841,15 +13786,7 @@
                   <a:srgbClr val="FF0000"/>
                 </a:solidFill>
               </a:rPr>
-              <a:t>[ </a:t>
-            </a:r>
-            <a:r>
-              <a:rPr lang="pt-PT" dirty="0">
-                <a:solidFill>
-                  <a:srgbClr val="FF0000"/>
-                </a:solidFill>
-              </a:rPr>
-              <a:t>5, 6, 4 ]</a:t>
+              <a:t>[ 5, 6, 4 ]</a:t>
             </a:r>
           </a:p>
           <a:p>
@@ -13872,21 +13809,8 @@
                   <a:srgbClr val="FF0000"/>
                 </a:solidFill>
               </a:rPr>
-              <a:t>[ </a:t>
-            </a:r>
-            <a:r>
-              <a:rPr lang="pt-PT" dirty="0">
-                <a:solidFill>
-                  <a:srgbClr val="FF0000"/>
-                </a:solidFill>
-              </a:rPr>
-              <a:t>4, 5, 6 ]</a:t>
-            </a:r>
-            <a:endParaRPr lang="pt-PT" dirty="0">
-              <a:solidFill>
-                <a:srgbClr val="FF0000"/>
-              </a:solidFill>
-            </a:endParaRPr>
+              <a:t>[ 4, 5, 6 ]</a:t>
+            </a:r>
           </a:p>
         </p:txBody>
       </p:sp>
@@ -14178,15 +14102,7 @@
                   <a:srgbClr val="0070C0"/>
                 </a:solidFill>
               </a:rPr>
-              <a:t>[ </a:t>
-            </a:r>
-            <a:r>
-              <a:rPr lang="pt-PT" dirty="0">
-                <a:solidFill>
-                  <a:srgbClr val="0070C0"/>
-                </a:solidFill>
-              </a:rPr>
-              <a:t>7, 9, 8 ]</a:t>
+              <a:t>[ 7, 9, 8 ]</a:t>
             </a:r>
           </a:p>
           <a:p>
@@ -14209,23 +14125,7 @@
                   <a:srgbClr val="0070C0"/>
                 </a:solidFill>
               </a:rPr>
-              <a:t>[ 7, </a:t>
-            </a:r>
-            <a:r>
-              <a:rPr lang="pt-PT" dirty="0">
-                <a:solidFill>
-                  <a:srgbClr val="0070C0"/>
-                </a:solidFill>
-              </a:rPr>
-              <a:t>8</a:t>
-            </a:r>
-            <a:r>
-              <a:rPr lang="pt-PT" dirty="0">
-                <a:solidFill>
-                  <a:srgbClr val="0070C0"/>
-                </a:solidFill>
-              </a:rPr>
-              <a:t>, 9 ]</a:t>
+              <a:t>[ 7, 8, 9 ]</a:t>
             </a:r>
           </a:p>
         </p:txBody>
@@ -15958,11 +15858,6 @@
                 </a:rPr>
                 <a:t>OpenMP</a:t>
               </a:r>
-              <a:endParaRPr lang="pt-PT" dirty="0">
-                <a:solidFill>
-                  <a:schemeClr val="tx1"/>
-                </a:solidFill>
-              </a:endParaRPr>
             </a:p>
           </p:txBody>
         </p:sp>
@@ -16075,11 +15970,6 @@
                 </a:rPr>
                 <a:t>OpenMPI</a:t>
               </a:r>
-              <a:endParaRPr lang="pt-PT" dirty="0">
-                <a:solidFill>
-                  <a:schemeClr val="tx1"/>
-                </a:solidFill>
-              </a:endParaRPr>
             </a:p>
           </p:txBody>
         </p:sp>
@@ -16375,21 +16265,8 @@
             </a:pPr>
             <a:r>
               <a:rPr lang="pt-PT" dirty="0"/>
-              <a:t>[ 1, </a:t>
-            </a:r>
-            <a:r>
-              <a:rPr lang="pt-PT" dirty="0"/>
-              <a:t>2, </a:t>
-            </a:r>
-            <a:r>
-              <a:rPr lang="pt-PT" dirty="0"/>
-              <a:t>3</a:t>
-            </a:r>
-            <a:r>
-              <a:rPr lang="pt-PT" dirty="0"/>
-              <a:t> ]</a:t>
-            </a:r>
-            <a:endParaRPr lang="pt-PT" dirty="0"/>
+              <a:t>[ 1, 2, 3 ]</a:t>
+            </a:r>
           </a:p>
         </p:txBody>
       </p:sp>
@@ -16681,15 +16558,7 @@
                   <a:srgbClr val="FF0000"/>
                 </a:solidFill>
               </a:rPr>
-              <a:t>[ </a:t>
-            </a:r>
-            <a:r>
-              <a:rPr lang="pt-PT" dirty="0">
-                <a:solidFill>
-                  <a:srgbClr val="FF0000"/>
-                </a:solidFill>
-              </a:rPr>
-              <a:t>5, 6, 4 ]</a:t>
+              <a:t>[ 5, 6, 4 ]</a:t>
             </a:r>
           </a:p>
           <a:p>
@@ -16712,21 +16581,8 @@
                   <a:srgbClr val="FF0000"/>
                 </a:solidFill>
               </a:rPr>
-              <a:t>[ </a:t>
-            </a:r>
-            <a:r>
-              <a:rPr lang="pt-PT" dirty="0">
-                <a:solidFill>
-                  <a:srgbClr val="FF0000"/>
-                </a:solidFill>
-              </a:rPr>
-              <a:t>4, 5, 6 ]</a:t>
-            </a:r>
-            <a:endParaRPr lang="pt-PT" dirty="0">
-              <a:solidFill>
-                <a:srgbClr val="FF0000"/>
-              </a:solidFill>
-            </a:endParaRPr>
+              <a:t>[ 4, 5, 6 ]</a:t>
+            </a:r>
           </a:p>
         </p:txBody>
       </p:sp>
@@ -17018,15 +16874,7 @@
                   <a:srgbClr val="0070C0"/>
                 </a:solidFill>
               </a:rPr>
-              <a:t>[ </a:t>
-            </a:r>
-            <a:r>
-              <a:rPr lang="pt-PT" dirty="0">
-                <a:solidFill>
-                  <a:srgbClr val="0070C0"/>
-                </a:solidFill>
-              </a:rPr>
-              <a:t>7, 9, 8 ]</a:t>
+              <a:t>[ 7, 9, 8 ]</a:t>
             </a:r>
           </a:p>
           <a:p>
@@ -17049,23 +16897,7 @@
                   <a:srgbClr val="0070C0"/>
                 </a:solidFill>
               </a:rPr>
-              <a:t>[ 7, </a:t>
-            </a:r>
-            <a:r>
-              <a:rPr lang="pt-PT" dirty="0">
-                <a:solidFill>
-                  <a:srgbClr val="0070C0"/>
-                </a:solidFill>
-              </a:rPr>
-              <a:t>8</a:t>
-            </a:r>
-            <a:r>
-              <a:rPr lang="pt-PT" dirty="0">
-                <a:solidFill>
-                  <a:srgbClr val="0070C0"/>
-                </a:solidFill>
-              </a:rPr>
-              <a:t>, 9 ]</a:t>
+              <a:t>[ 7, 8, 9 ]</a:t>
             </a:r>
           </a:p>
         </p:txBody>

--- a/Apresentação.pptx
+++ b/Apresentação.pptx
@@ -5,7 +5,7 @@
     <p:sldMasterId id="2147483678" r:id="rId1"/>
   </p:sldMasterIdLst>
   <p:notesMasterIdLst>
-    <p:notesMasterId r:id="rId13"/>
+    <p:notesMasterId r:id="rId14"/>
   </p:notesMasterIdLst>
   <p:sldIdLst>
     <p:sldId id="256" r:id="rId2"/>
@@ -18,7 +18,8 @@
     <p:sldId id="263" r:id="rId9"/>
     <p:sldId id="264" r:id="rId10"/>
     <p:sldId id="266" r:id="rId11"/>
-    <p:sldId id="267" r:id="rId12"/>
+    <p:sldId id="268" r:id="rId12"/>
+    <p:sldId id="267" r:id="rId13"/>
   </p:sldIdLst>
   <p:sldSz cx="9144000" cy="6858000" type="screen4x3"/>
   <p:notesSz cx="6858000" cy="9144000"/>
@@ -169,7 +170,19 @@
             <a:effectLst/>
           </c:spPr>
           <c:marker>
-            <c:symbol val="none"/>
+            <c:symbol val="circle"/>
+            <c:size val="5"/>
+            <c:spPr>
+              <a:solidFill>
+                <a:schemeClr val="accent1"/>
+              </a:solidFill>
+              <a:ln w="9525">
+                <a:solidFill>
+                  <a:schemeClr val="accent1"/>
+                </a:solidFill>
+              </a:ln>
+              <a:effectLst/>
+            </c:spPr>
           </c:marker>
           <c:cat>
             <c:numRef>
@@ -263,7 +276,19 @@
             <a:effectLst/>
           </c:spPr>
           <c:marker>
-            <c:symbol val="none"/>
+            <c:symbol val="circle"/>
+            <c:size val="5"/>
+            <c:spPr>
+              <a:solidFill>
+                <a:schemeClr val="accent3"/>
+              </a:solidFill>
+              <a:ln w="9525">
+                <a:solidFill>
+                  <a:schemeClr val="accent3"/>
+                </a:solidFill>
+              </a:ln>
+              <a:effectLst/>
+            </c:spPr>
           </c:marker>
           <c:cat>
             <c:numRef>
@@ -357,7 +382,19 @@
             <a:effectLst/>
           </c:spPr>
           <c:marker>
-            <c:symbol val="none"/>
+            <c:symbol val="circle"/>
+            <c:size val="5"/>
+            <c:spPr>
+              <a:solidFill>
+                <a:schemeClr val="accent5"/>
+              </a:solidFill>
+              <a:ln w="9525">
+                <a:solidFill>
+                  <a:schemeClr val="accent5"/>
+                </a:solidFill>
+              </a:ln>
+              <a:effectLst/>
+            </c:spPr>
           </c:marker>
           <c:cat>
             <c:numRef>
@@ -427,6 +464,109 @@
           </c:val>
           <c:smooth val="0"/>
         </c:ser>
+        <c:ser>
+          <c:idx val="3"/>
+          <c:order val="3"/>
+          <c:tx>
+            <c:strRef>
+              <c:f>Sheet1!$G$4</c:f>
+              <c:strCache>
+                <c:ptCount val="1"/>
+                <c:pt idx="0">
+                  <c:v>Sequêncial</c:v>
+                </c:pt>
+              </c:strCache>
+            </c:strRef>
+          </c:tx>
+          <c:spPr>
+            <a:ln w="28575" cap="rnd">
+              <a:solidFill>
+                <a:schemeClr val="accent1">
+                  <a:lumMod val="60000"/>
+                </a:schemeClr>
+              </a:solidFill>
+              <a:round/>
+            </a:ln>
+            <a:effectLst/>
+          </c:spPr>
+          <c:marker>
+            <c:symbol val="none"/>
+          </c:marker>
+          <c:dPt>
+            <c:idx val="7"/>
+            <c:marker>
+              <c:symbol val="none"/>
+            </c:marker>
+            <c:bubble3D val="0"/>
+          </c:dPt>
+          <c:cat>
+            <c:numRef>
+              <c:f>Sheet1!$C$5:$C$12</c:f>
+              <c:numCache>
+                <c:formatCode>General</c:formatCode>
+                <c:ptCount val="8"/>
+                <c:pt idx="0">
+                  <c:v>1</c:v>
+                </c:pt>
+                <c:pt idx="1">
+                  <c:v>2</c:v>
+                </c:pt>
+                <c:pt idx="2">
+                  <c:v>4</c:v>
+                </c:pt>
+                <c:pt idx="3">
+                  <c:v>8</c:v>
+                </c:pt>
+                <c:pt idx="4">
+                  <c:v>16</c:v>
+                </c:pt>
+                <c:pt idx="5">
+                  <c:v>20</c:v>
+                </c:pt>
+                <c:pt idx="6">
+                  <c:v>28</c:v>
+                </c:pt>
+                <c:pt idx="7">
+                  <c:v>32</c:v>
+                </c:pt>
+              </c:numCache>
+            </c:numRef>
+          </c:cat>
+          <c:val>
+            <c:numRef>
+              <c:f>Sheet1!$G$5:$G$12</c:f>
+              <c:numCache>
+                <c:formatCode>General</c:formatCode>
+                <c:ptCount val="8"/>
+                <c:pt idx="0">
+                  <c:v>2.9894639999999999</c:v>
+                </c:pt>
+                <c:pt idx="1">
+                  <c:v>2.9894639999999999</c:v>
+                </c:pt>
+                <c:pt idx="2">
+                  <c:v>2.9894639999999999</c:v>
+                </c:pt>
+                <c:pt idx="3">
+                  <c:v>2.9894639999999999</c:v>
+                </c:pt>
+                <c:pt idx="4">
+                  <c:v>2.9894639999999999</c:v>
+                </c:pt>
+                <c:pt idx="5">
+                  <c:v>2.9894639999999999</c:v>
+                </c:pt>
+                <c:pt idx="6">
+                  <c:v>2.9894639999999999</c:v>
+                </c:pt>
+                <c:pt idx="7">
+                  <c:v>2.9894639999999999</c:v>
+                </c:pt>
+              </c:numCache>
+            </c:numRef>
+          </c:val>
+          <c:smooth val="0"/>
+        </c:ser>
         <c:dLbls>
           <c:showLegendKey val="0"/>
           <c:showVal val="0"/>
@@ -435,12 +575,13 @@
           <c:showPercent val="0"/>
           <c:showBubbleSize val="0"/>
         </c:dLbls>
+        <c:marker val="1"/>
         <c:smooth val="0"/>
-        <c:axId val="-383060272"/>
-        <c:axId val="-383067344"/>
+        <c:axId val="1931511136"/>
+        <c:axId val="1931513312"/>
       </c:lineChart>
       <c:catAx>
-        <c:axId val="-383060272"/>
+        <c:axId val="1931511136"/>
         <c:scaling>
           <c:orientation val="minMax"/>
         </c:scaling>
@@ -453,7 +594,7 @@
               <a:lstStyle/>
               <a:p>
                 <a:pPr>
-                  <a:defRPr sz="1000" b="0" i="0" u="none" strike="noStrike" kern="1200" baseline="0">
+                  <a:defRPr sz="1200" b="0" i="0" u="none" strike="noStrike" kern="1200" baseline="0">
                     <a:solidFill>
                       <a:schemeClr val="tx1">
                         <a:lumMod val="65000"/>
@@ -466,11 +607,11 @@
                   </a:defRPr>
                 </a:pPr>
                 <a:r>
-                  <a:rPr lang="en-US"/>
+                  <a:rPr lang="en-US" sz="1200"/>
                   <a:t>Threads</a:t>
                 </a:r>
                 <a:r>
-                  <a:rPr lang="en-US" baseline="0"/>
+                  <a:rPr lang="en-US" sz="1200" baseline="0"/>
                   <a:t> / Processos</a:t>
                 </a:r>
               </a:p>
@@ -490,7 +631,7 @@
             <a:lstStyle/>
             <a:p>
               <a:pPr>
-                <a:defRPr sz="1000" b="0" i="0" u="none" strike="noStrike" kern="1200" baseline="0">
+                <a:defRPr sz="1200" b="0" i="0" u="none" strike="noStrike" kern="1200" baseline="0">
                   <a:solidFill>
                     <a:schemeClr val="tx1">
                       <a:lumMod val="65000"/>
@@ -543,7 +684,7 @@
             <a:endParaRPr lang="en-US"/>
           </a:p>
         </c:txPr>
-        <c:crossAx val="-383067344"/>
+        <c:crossAx val="1931513312"/>
         <c:crosses val="autoZero"/>
         <c:auto val="1"/>
         <c:lblAlgn val="ctr"/>
@@ -551,7 +692,7 @@
         <c:noMultiLvlLbl val="0"/>
       </c:catAx>
       <c:valAx>
-        <c:axId val="-383067344"/>
+        <c:axId val="1931513312"/>
         <c:scaling>
           <c:orientation val="minMax"/>
         </c:scaling>
@@ -578,7 +719,7 @@
               <a:lstStyle/>
               <a:p>
                 <a:pPr>
-                  <a:defRPr sz="1000" b="0" i="0" u="none" strike="noStrike" kern="1200" baseline="0">
+                  <a:defRPr sz="1200" b="0" i="0" u="none" strike="noStrike" kern="1200" baseline="0">
                     <a:solidFill>
                       <a:schemeClr val="tx1">
                         <a:lumMod val="65000"/>
@@ -591,14 +732,14 @@
                   </a:defRPr>
                 </a:pPr>
                 <a:r>
-                  <a:rPr lang="en-US"/>
+                  <a:rPr lang="en-US" sz="1200"/>
                   <a:t>Tempo</a:t>
                 </a:r>
                 <a:r>
-                  <a:rPr lang="en-US" baseline="0"/>
+                  <a:rPr lang="en-US" sz="1200" baseline="0"/>
                   <a:t> (s)</a:t>
                 </a:r>
-                <a:endParaRPr lang="en-US"/>
+                <a:endParaRPr lang="en-US" sz="1200"/>
               </a:p>
             </c:rich>
           </c:tx>
@@ -616,7 +757,7 @@
             <a:lstStyle/>
             <a:p>
               <a:pPr>
-                <a:defRPr sz="1000" b="0" i="0" u="none" strike="noStrike" kern="1200" baseline="0">
+                <a:defRPr sz="1200" b="0" i="0" u="none" strike="noStrike" kern="1200" baseline="0">
                   <a:solidFill>
                     <a:schemeClr val="tx1">
                       <a:lumMod val="65000"/>
@@ -663,7 +804,7 @@
             <a:endParaRPr lang="en-US"/>
           </a:p>
         </c:txPr>
-        <c:crossAx val="-383060272"/>
+        <c:crossAx val="1931511136"/>
         <c:crosses val="autoZero"/>
         <c:crossBetween val="between"/>
       </c:valAx>
@@ -677,7 +818,16 @@
     </c:plotArea>
     <c:legend>
       <c:legendPos val="b"/>
-      <c:layout/>
+      <c:layout>
+        <c:manualLayout>
+          <c:xMode val="edge"/>
+          <c:yMode val="edge"/>
+          <c:x val="5.9651691859302927E-2"/>
+          <c:y val="0.90125879812099585"/>
+          <c:w val="0.86744664309390973"/>
+          <c:h val="6.585345010643201E-2"/>
+        </c:manualLayout>
+      </c:layout>
       <c:overlay val="0"/>
       <c:spPr>
         <a:noFill/>
@@ -691,7 +841,658 @@
         <a:lstStyle/>
         <a:p>
           <a:pPr>
-            <a:defRPr sz="900" b="0" i="0" u="none" strike="noStrike" kern="1200" baseline="0">
+            <a:defRPr sz="1200" b="0" i="0" u="none" strike="noStrike" kern="1200" baseline="0">
+              <a:solidFill>
+                <a:schemeClr val="tx1">
+                  <a:lumMod val="65000"/>
+                  <a:lumOff val="35000"/>
+                </a:schemeClr>
+              </a:solidFill>
+              <a:latin typeface="+mn-lt"/>
+              <a:ea typeface="+mn-ea"/>
+              <a:cs typeface="+mn-cs"/>
+            </a:defRPr>
+          </a:pPr>
+          <a:endParaRPr lang="en-US"/>
+        </a:p>
+      </c:txPr>
+    </c:legend>
+    <c:plotVisOnly val="1"/>
+    <c:dispBlanksAs val="gap"/>
+    <c:showDLblsOverMax val="0"/>
+  </c:chart>
+  <c:spPr>
+    <a:noFill/>
+    <a:ln>
+      <a:noFill/>
+    </a:ln>
+    <a:effectLst/>
+  </c:spPr>
+  <c:txPr>
+    <a:bodyPr/>
+    <a:lstStyle/>
+    <a:p>
+      <a:pPr>
+        <a:defRPr/>
+      </a:pPr>
+      <a:endParaRPr lang="en-US"/>
+    </a:p>
+  </c:txPr>
+  <c:externalData r:id="rId3">
+    <c:autoUpdate val="0"/>
+  </c:externalData>
+</c:chartSpace>
+</file>
+
+<file path=ppt/charts/chart2.xml><?xml version="1.0" encoding="utf-8"?>
+<c:chartSpace xmlns:c="http://schemas.openxmlformats.org/drawingml/2006/chart" xmlns:a="http://schemas.openxmlformats.org/drawingml/2006/main" xmlns:r="http://schemas.openxmlformats.org/officeDocument/2006/relationships">
+  <c:date1904 val="0"/>
+  <c:lang val="en-US"/>
+  <c:roundedCorners val="0"/>
+  <mc:AlternateContent xmlns:mc="http://schemas.openxmlformats.org/markup-compatibility/2006">
+    <mc:Choice xmlns:c14="http://schemas.microsoft.com/office/drawing/2007/8/2/chart" Requires="c14">
+      <c14:style val="102"/>
+    </mc:Choice>
+    <mc:Fallback>
+      <c:style val="2"/>
+    </mc:Fallback>
+  </mc:AlternateContent>
+  <c:chart>
+    <c:autoTitleDeleted val="1"/>
+    <c:plotArea>
+      <c:layout/>
+      <c:lineChart>
+        <c:grouping val="standard"/>
+        <c:varyColors val="0"/>
+        <c:ser>
+          <c:idx val="0"/>
+          <c:order val="0"/>
+          <c:tx>
+            <c:strRef>
+              <c:f>Sheet1!$D$16</c:f>
+              <c:strCache>
+                <c:ptCount val="1"/>
+                <c:pt idx="0">
+                  <c:v>OpenMP</c:v>
+                </c:pt>
+              </c:strCache>
+            </c:strRef>
+          </c:tx>
+          <c:spPr>
+            <a:ln w="28575" cap="rnd">
+              <a:solidFill>
+                <a:schemeClr val="accent1"/>
+              </a:solidFill>
+              <a:round/>
+            </a:ln>
+            <a:effectLst/>
+          </c:spPr>
+          <c:marker>
+            <c:symbol val="circle"/>
+            <c:size val="5"/>
+            <c:spPr>
+              <a:solidFill>
+                <a:schemeClr val="accent1"/>
+              </a:solidFill>
+              <a:ln w="9525">
+                <a:solidFill>
+                  <a:schemeClr val="accent1"/>
+                </a:solidFill>
+              </a:ln>
+              <a:effectLst/>
+            </c:spPr>
+          </c:marker>
+          <c:cat>
+            <c:numRef>
+              <c:f>Sheet1!$C$17:$C$24</c:f>
+              <c:numCache>
+                <c:formatCode>General</c:formatCode>
+                <c:ptCount val="8"/>
+                <c:pt idx="0">
+                  <c:v>1</c:v>
+                </c:pt>
+                <c:pt idx="1">
+                  <c:v>2</c:v>
+                </c:pt>
+                <c:pt idx="2">
+                  <c:v>4</c:v>
+                </c:pt>
+                <c:pt idx="3">
+                  <c:v>8</c:v>
+                </c:pt>
+                <c:pt idx="4">
+                  <c:v>16</c:v>
+                </c:pt>
+                <c:pt idx="5">
+                  <c:v>20</c:v>
+                </c:pt>
+                <c:pt idx="6">
+                  <c:v>28</c:v>
+                </c:pt>
+                <c:pt idx="7">
+                  <c:v>32</c:v>
+                </c:pt>
+              </c:numCache>
+            </c:numRef>
+          </c:cat>
+          <c:val>
+            <c:numRef>
+              <c:f>Sheet1!$D$17:$D$24</c:f>
+              <c:numCache>
+                <c:formatCode>General</c:formatCode>
+                <c:ptCount val="8"/>
+                <c:pt idx="0">
+                  <c:v>0.77842840715928407</c:v>
+                </c:pt>
+                <c:pt idx="1">
+                  <c:v>1.4802660995422237</c:v>
+                </c:pt>
+                <c:pt idx="2">
+                  <c:v>2.5493037617926442</c:v>
+                </c:pt>
+                <c:pt idx="3">
+                  <c:v>3.0498479393512148</c:v>
+                </c:pt>
+                <c:pt idx="4">
+                  <c:v>3.0929318491496014</c:v>
+                </c:pt>
+                <c:pt idx="5">
+                  <c:v>3.2226692366402339</c:v>
+                </c:pt>
+                <c:pt idx="6">
+                  <c:v>2.8189246938702386</c:v>
+                </c:pt>
+                <c:pt idx="7">
+                  <c:v>2.6011986801988054</c:v>
+                </c:pt>
+              </c:numCache>
+            </c:numRef>
+          </c:val>
+          <c:smooth val="0"/>
+        </c:ser>
+        <c:ser>
+          <c:idx val="1"/>
+          <c:order val="1"/>
+          <c:tx>
+            <c:strRef>
+              <c:f>Sheet1!$E$16</c:f>
+              <c:strCache>
+                <c:ptCount val="1"/>
+                <c:pt idx="0">
+                  <c:v>OpenMPI</c:v>
+                </c:pt>
+              </c:strCache>
+            </c:strRef>
+          </c:tx>
+          <c:spPr>
+            <a:ln w="28575" cap="rnd">
+              <a:solidFill>
+                <a:schemeClr val="accent3"/>
+              </a:solidFill>
+              <a:round/>
+            </a:ln>
+            <a:effectLst/>
+          </c:spPr>
+          <c:marker>
+            <c:symbol val="circle"/>
+            <c:size val="5"/>
+            <c:spPr>
+              <a:solidFill>
+                <a:schemeClr val="accent3"/>
+              </a:solidFill>
+              <a:ln w="9525">
+                <a:solidFill>
+                  <a:schemeClr val="accent3"/>
+                </a:solidFill>
+              </a:ln>
+              <a:effectLst/>
+            </c:spPr>
+          </c:marker>
+          <c:cat>
+            <c:numRef>
+              <c:f>Sheet1!$C$17:$C$24</c:f>
+              <c:numCache>
+                <c:formatCode>General</c:formatCode>
+                <c:ptCount val="8"/>
+                <c:pt idx="0">
+                  <c:v>1</c:v>
+                </c:pt>
+                <c:pt idx="1">
+                  <c:v>2</c:v>
+                </c:pt>
+                <c:pt idx="2">
+                  <c:v>4</c:v>
+                </c:pt>
+                <c:pt idx="3">
+                  <c:v>8</c:v>
+                </c:pt>
+                <c:pt idx="4">
+                  <c:v>16</c:v>
+                </c:pt>
+                <c:pt idx="5">
+                  <c:v>20</c:v>
+                </c:pt>
+                <c:pt idx="6">
+                  <c:v>28</c:v>
+                </c:pt>
+                <c:pt idx="7">
+                  <c:v>32</c:v>
+                </c:pt>
+              </c:numCache>
+            </c:numRef>
+          </c:cat>
+          <c:val>
+            <c:numRef>
+              <c:f>Sheet1!$E$17:$E$24</c:f>
+              <c:numCache>
+                <c:formatCode>General</c:formatCode>
+                <c:ptCount val="8"/>
+                <c:pt idx="0">
+                  <c:v>0.99552963680297102</c:v>
+                </c:pt>
+                <c:pt idx="1">
+                  <c:v>2.0382218064746622</c:v>
+                </c:pt>
+                <c:pt idx="2">
+                  <c:v>4.1751357511563985</c:v>
+                </c:pt>
+                <c:pt idx="3">
+                  <c:v>7.6206625811911772</c:v>
+                </c:pt>
+                <c:pt idx="4">
+                  <c:v>12.374019007251896</c:v>
+                </c:pt>
+                <c:pt idx="5">
+                  <c:v>14.952104673495517</c:v>
+                </c:pt>
+                <c:pt idx="6">
+                  <c:v>11.369982428516009</c:v>
+                </c:pt>
+                <c:pt idx="7">
+                  <c:v>11.230100563108326</c:v>
+                </c:pt>
+              </c:numCache>
+            </c:numRef>
+          </c:val>
+          <c:smooth val="0"/>
+        </c:ser>
+        <c:ser>
+          <c:idx val="2"/>
+          <c:order val="2"/>
+          <c:tx>
+            <c:strRef>
+              <c:f>Sheet1!$F$16</c:f>
+              <c:strCache>
+                <c:ptCount val="1"/>
+                <c:pt idx="0">
+                  <c:v>Híbrido</c:v>
+                </c:pt>
+              </c:strCache>
+            </c:strRef>
+          </c:tx>
+          <c:spPr>
+            <a:ln w="28575" cap="rnd">
+              <a:solidFill>
+                <a:schemeClr val="accent5"/>
+              </a:solidFill>
+              <a:round/>
+            </a:ln>
+            <a:effectLst/>
+          </c:spPr>
+          <c:marker>
+            <c:symbol val="circle"/>
+            <c:size val="5"/>
+            <c:spPr>
+              <a:solidFill>
+                <a:schemeClr val="accent5"/>
+              </a:solidFill>
+              <a:ln w="9525">
+                <a:solidFill>
+                  <a:schemeClr val="accent5"/>
+                </a:solidFill>
+              </a:ln>
+              <a:effectLst/>
+            </c:spPr>
+          </c:marker>
+          <c:cat>
+            <c:numRef>
+              <c:f>Sheet1!$C$17:$C$24</c:f>
+              <c:numCache>
+                <c:formatCode>General</c:formatCode>
+                <c:ptCount val="8"/>
+                <c:pt idx="0">
+                  <c:v>1</c:v>
+                </c:pt>
+                <c:pt idx="1">
+                  <c:v>2</c:v>
+                </c:pt>
+                <c:pt idx="2">
+                  <c:v>4</c:v>
+                </c:pt>
+                <c:pt idx="3">
+                  <c:v>8</c:v>
+                </c:pt>
+                <c:pt idx="4">
+                  <c:v>16</c:v>
+                </c:pt>
+                <c:pt idx="5">
+                  <c:v>20</c:v>
+                </c:pt>
+                <c:pt idx="6">
+                  <c:v>28</c:v>
+                </c:pt>
+                <c:pt idx="7">
+                  <c:v>32</c:v>
+                </c:pt>
+              </c:numCache>
+            </c:numRef>
+          </c:cat>
+          <c:val>
+            <c:numRef>
+              <c:f>Sheet1!$F$17:$F$24</c:f>
+              <c:numCache>
+                <c:formatCode>General</c:formatCode>
+                <c:ptCount val="8"/>
+                <c:pt idx="0">
+                  <c:v>1.3677832493833575</c:v>
+                </c:pt>
+                <c:pt idx="1">
+                  <c:v>2.2482007409112033</c:v>
+                </c:pt>
+                <c:pt idx="2">
+                  <c:v>2.900584296001909</c:v>
+                </c:pt>
+                <c:pt idx="3">
+                  <c:v>2.637004601912921</c:v>
+                </c:pt>
+                <c:pt idx="4">
+                  <c:v>1.7495382497735141</c:v>
+                </c:pt>
+                <c:pt idx="5">
+                  <c:v>1.4923308396789565</c:v>
+                </c:pt>
+                <c:pt idx="6">
+                  <c:v>1.4364702049571432</c:v>
+                </c:pt>
+                <c:pt idx="7">
+                  <c:v>1.513054331426408</c:v>
+                </c:pt>
+              </c:numCache>
+            </c:numRef>
+          </c:val>
+          <c:smooth val="0"/>
+        </c:ser>
+        <c:dLbls>
+          <c:showLegendKey val="0"/>
+          <c:showVal val="0"/>
+          <c:showCatName val="0"/>
+          <c:showSerName val="0"/>
+          <c:showPercent val="0"/>
+          <c:showBubbleSize val="0"/>
+        </c:dLbls>
+        <c:marker val="1"/>
+        <c:smooth val="0"/>
+        <c:axId val="226733376"/>
+        <c:axId val="226736096"/>
+      </c:lineChart>
+      <c:catAx>
+        <c:axId val="226733376"/>
+        <c:scaling>
+          <c:orientation val="minMax"/>
+        </c:scaling>
+        <c:delete val="0"/>
+        <c:axPos val="b"/>
+        <c:title>
+          <c:tx>
+            <c:rich>
+              <a:bodyPr rot="0" spcFirstLastPara="1" vertOverflow="ellipsis" vert="horz" wrap="square" anchor="ctr" anchorCtr="1"/>
+              <a:lstStyle/>
+              <a:p>
+                <a:pPr>
+                  <a:defRPr sz="1200" b="0" i="0" u="none" strike="noStrike" kern="1200" baseline="0">
+                    <a:solidFill>
+                      <a:schemeClr val="tx1">
+                        <a:lumMod val="65000"/>
+                        <a:lumOff val="35000"/>
+                      </a:schemeClr>
+                    </a:solidFill>
+                    <a:latin typeface="+mn-lt"/>
+                    <a:ea typeface="+mn-ea"/>
+                    <a:cs typeface="+mn-cs"/>
+                  </a:defRPr>
+                </a:pPr>
+                <a:r>
+                  <a:rPr lang="en-US" sz="1200"/>
+                  <a:t>Processos</a:t>
+                </a:r>
+              </a:p>
+            </c:rich>
+          </c:tx>
+          <c:layout/>
+          <c:overlay val="0"/>
+          <c:spPr>
+            <a:noFill/>
+            <a:ln>
+              <a:noFill/>
+            </a:ln>
+            <a:effectLst/>
+          </c:spPr>
+          <c:txPr>
+            <a:bodyPr rot="0" spcFirstLastPara="1" vertOverflow="ellipsis" vert="horz" wrap="square" anchor="ctr" anchorCtr="1"/>
+            <a:lstStyle/>
+            <a:p>
+              <a:pPr>
+                <a:defRPr sz="1200" b="0" i="0" u="none" strike="noStrike" kern="1200" baseline="0">
+                  <a:solidFill>
+                    <a:schemeClr val="tx1">
+                      <a:lumMod val="65000"/>
+                      <a:lumOff val="35000"/>
+                    </a:schemeClr>
+                  </a:solidFill>
+                  <a:latin typeface="+mn-lt"/>
+                  <a:ea typeface="+mn-ea"/>
+                  <a:cs typeface="+mn-cs"/>
+                </a:defRPr>
+              </a:pPr>
+              <a:endParaRPr lang="en-US"/>
+            </a:p>
+          </c:txPr>
+        </c:title>
+        <c:numFmt formatCode="General" sourceLinked="1"/>
+        <c:majorTickMark val="none"/>
+        <c:minorTickMark val="none"/>
+        <c:tickLblPos val="nextTo"/>
+        <c:spPr>
+          <a:noFill/>
+          <a:ln w="9525" cap="flat" cmpd="sng" algn="ctr">
+            <a:solidFill>
+              <a:schemeClr val="tx1">
+                <a:lumMod val="15000"/>
+                <a:lumOff val="85000"/>
+              </a:schemeClr>
+            </a:solidFill>
+            <a:round/>
+          </a:ln>
+          <a:effectLst/>
+        </c:spPr>
+        <c:txPr>
+          <a:bodyPr rot="-60000000" spcFirstLastPara="1" vertOverflow="ellipsis" vert="horz" wrap="square" anchor="ctr" anchorCtr="1"/>
+          <a:lstStyle/>
+          <a:p>
+            <a:pPr>
+              <a:defRPr sz="900" b="0" i="0" u="none" strike="noStrike" kern="1200" baseline="0">
+                <a:solidFill>
+                  <a:schemeClr val="tx1">
+                    <a:lumMod val="65000"/>
+                    <a:lumOff val="35000"/>
+                  </a:schemeClr>
+                </a:solidFill>
+                <a:latin typeface="+mn-lt"/>
+                <a:ea typeface="+mn-ea"/>
+                <a:cs typeface="+mn-cs"/>
+              </a:defRPr>
+            </a:pPr>
+            <a:endParaRPr lang="en-US"/>
+          </a:p>
+        </c:txPr>
+        <c:crossAx val="226736096"/>
+        <c:crosses val="autoZero"/>
+        <c:auto val="1"/>
+        <c:lblAlgn val="ctr"/>
+        <c:lblOffset val="100"/>
+        <c:noMultiLvlLbl val="0"/>
+      </c:catAx>
+      <c:valAx>
+        <c:axId val="226736096"/>
+        <c:scaling>
+          <c:orientation val="minMax"/>
+        </c:scaling>
+        <c:delete val="0"/>
+        <c:axPos val="l"/>
+        <c:majorGridlines>
+          <c:spPr>
+            <a:ln w="9525" cap="flat" cmpd="sng" algn="ctr">
+              <a:solidFill>
+                <a:schemeClr val="tx1">
+                  <a:lumMod val="15000"/>
+                  <a:lumOff val="85000"/>
+                </a:schemeClr>
+              </a:solidFill>
+              <a:round/>
+            </a:ln>
+            <a:effectLst/>
+          </c:spPr>
+        </c:majorGridlines>
+        <c:title>
+          <c:tx>
+            <c:rich>
+              <a:bodyPr rot="-5400000" spcFirstLastPara="1" vertOverflow="ellipsis" vert="horz" wrap="square" anchor="ctr" anchorCtr="1"/>
+              <a:lstStyle/>
+              <a:p>
+                <a:pPr>
+                  <a:defRPr sz="1200" b="0" i="0" u="none" strike="noStrike" kern="1200" baseline="0">
+                    <a:solidFill>
+                      <a:schemeClr val="tx1">
+                        <a:lumMod val="65000"/>
+                        <a:lumOff val="35000"/>
+                      </a:schemeClr>
+                    </a:solidFill>
+                    <a:latin typeface="+mn-lt"/>
+                    <a:ea typeface="+mn-ea"/>
+                    <a:cs typeface="+mn-cs"/>
+                  </a:defRPr>
+                </a:pPr>
+                <a:r>
+                  <a:rPr lang="en-US" sz="1200"/>
+                  <a:t>Speed</a:t>
+                </a:r>
+                <a:r>
+                  <a:rPr lang="en-US" sz="1200" baseline="0"/>
+                  <a:t> Up</a:t>
+                </a:r>
+                <a:endParaRPr lang="en-US" sz="1200"/>
+              </a:p>
+            </c:rich>
+          </c:tx>
+          <c:layout/>
+          <c:overlay val="0"/>
+          <c:spPr>
+            <a:noFill/>
+            <a:ln>
+              <a:noFill/>
+            </a:ln>
+            <a:effectLst/>
+          </c:spPr>
+          <c:txPr>
+            <a:bodyPr rot="-5400000" spcFirstLastPara="1" vertOverflow="ellipsis" vert="horz" wrap="square" anchor="ctr" anchorCtr="1"/>
+            <a:lstStyle/>
+            <a:p>
+              <a:pPr>
+                <a:defRPr sz="1200" b="0" i="0" u="none" strike="noStrike" kern="1200" baseline="0">
+                  <a:solidFill>
+                    <a:schemeClr val="tx1">
+                      <a:lumMod val="65000"/>
+                      <a:lumOff val="35000"/>
+                    </a:schemeClr>
+                  </a:solidFill>
+                  <a:latin typeface="+mn-lt"/>
+                  <a:ea typeface="+mn-ea"/>
+                  <a:cs typeface="+mn-cs"/>
+                </a:defRPr>
+              </a:pPr>
+              <a:endParaRPr lang="en-US"/>
+            </a:p>
+          </c:txPr>
+        </c:title>
+        <c:numFmt formatCode="General" sourceLinked="1"/>
+        <c:majorTickMark val="none"/>
+        <c:minorTickMark val="none"/>
+        <c:tickLblPos val="nextTo"/>
+        <c:spPr>
+          <a:noFill/>
+          <a:ln>
+            <a:noFill/>
+          </a:ln>
+          <a:effectLst/>
+        </c:spPr>
+        <c:txPr>
+          <a:bodyPr rot="-60000000" spcFirstLastPara="1" vertOverflow="ellipsis" vert="horz" wrap="square" anchor="ctr" anchorCtr="1"/>
+          <a:lstStyle/>
+          <a:p>
+            <a:pPr>
+              <a:defRPr sz="900" b="0" i="0" u="none" strike="noStrike" kern="1200" baseline="0">
+                <a:solidFill>
+                  <a:schemeClr val="tx1">
+                    <a:lumMod val="65000"/>
+                    <a:lumOff val="35000"/>
+                  </a:schemeClr>
+                </a:solidFill>
+                <a:latin typeface="+mn-lt"/>
+                <a:ea typeface="+mn-ea"/>
+                <a:cs typeface="+mn-cs"/>
+              </a:defRPr>
+            </a:pPr>
+            <a:endParaRPr lang="en-US"/>
+          </a:p>
+        </c:txPr>
+        <c:crossAx val="226733376"/>
+        <c:crosses val="autoZero"/>
+        <c:crossBetween val="between"/>
+      </c:valAx>
+      <c:spPr>
+        <a:noFill/>
+        <a:ln>
+          <a:noFill/>
+        </a:ln>
+        <a:effectLst/>
+      </c:spPr>
+    </c:plotArea>
+    <c:legend>
+      <c:legendPos val="b"/>
+      <c:layout>
+        <c:manualLayout>
+          <c:xMode val="edge"/>
+          <c:yMode val="edge"/>
+          <c:x val="9.8290815868445347E-2"/>
+          <c:y val="0.88533905386767586"/>
+          <c:w val="0.8704926223369589"/>
+          <c:h val="9.3177930119865082E-2"/>
+        </c:manualLayout>
+      </c:layout>
+      <c:overlay val="0"/>
+      <c:spPr>
+        <a:noFill/>
+        <a:ln>
+          <a:noFill/>
+        </a:ln>
+        <a:effectLst/>
+      </c:spPr>
+      <c:txPr>
+        <a:bodyPr rot="0" spcFirstLastPara="1" vertOverflow="ellipsis" vert="horz" wrap="square" anchor="ctr" anchorCtr="1"/>
+        <a:lstStyle/>
+        <a:p>
+          <a:pPr>
+            <a:defRPr sz="1200" b="0" i="0" u="none" strike="noStrike" kern="1200" baseline="0">
               <a:solidFill>
                 <a:schemeClr val="tx1">
                   <a:lumMod val="65000"/>
@@ -771,7 +1572,560 @@
 </cs:colorStyle>
 </file>
 
+<file path=ppt/charts/colors2.xml><?xml version="1.0" encoding="utf-8"?>
+<cs:colorStyle xmlns:cs="http://schemas.microsoft.com/office/drawing/2012/chartStyle" xmlns:a="http://schemas.openxmlformats.org/drawingml/2006/main" meth="cycle" id="11">
+  <a:schemeClr val="accent1"/>
+  <a:schemeClr val="accent3"/>
+  <a:schemeClr val="accent5"/>
+  <cs:variation/>
+  <cs:variation>
+    <a:lumMod val="60000"/>
+  </cs:variation>
+  <cs:variation>
+    <a:lumMod val="80000"/>
+    <a:lumOff val="20000"/>
+  </cs:variation>
+  <cs:variation>
+    <a:lumMod val="80000"/>
+  </cs:variation>
+  <cs:variation>
+    <a:lumMod val="60000"/>
+    <a:lumOff val="40000"/>
+  </cs:variation>
+  <cs:variation>
+    <a:lumMod val="50000"/>
+  </cs:variation>
+  <cs:variation>
+    <a:lumMod val="70000"/>
+    <a:lumOff val="30000"/>
+  </cs:variation>
+  <cs:variation>
+    <a:lumMod val="70000"/>
+  </cs:variation>
+  <cs:variation>
+    <a:lumMod val="50000"/>
+    <a:lumOff val="50000"/>
+  </cs:variation>
+</cs:colorStyle>
+</file>
+
 <file path=ppt/charts/style1.xml><?xml version="1.0" encoding="utf-8"?>
+<cs:chartStyle xmlns:cs="http://schemas.microsoft.com/office/drawing/2012/chartStyle" xmlns:a="http://schemas.openxmlformats.org/drawingml/2006/main" id="227">
+  <cs:axisTitle>
+    <cs:lnRef idx="0"/>
+    <cs:fillRef idx="0"/>
+    <cs:effectRef idx="0"/>
+    <cs:fontRef idx="minor">
+      <a:schemeClr val="tx1">
+        <a:lumMod val="65000"/>
+        <a:lumOff val="35000"/>
+      </a:schemeClr>
+    </cs:fontRef>
+    <cs:defRPr sz="1000" kern="1200"/>
+  </cs:axisTitle>
+  <cs:categoryAxis>
+    <cs:lnRef idx="0"/>
+    <cs:fillRef idx="0"/>
+    <cs:effectRef idx="0"/>
+    <cs:fontRef idx="minor">
+      <a:schemeClr val="tx1">
+        <a:lumMod val="65000"/>
+        <a:lumOff val="35000"/>
+      </a:schemeClr>
+    </cs:fontRef>
+    <cs:spPr>
+      <a:ln w="9525" cap="flat" cmpd="sng" algn="ctr">
+        <a:solidFill>
+          <a:schemeClr val="tx1">
+            <a:lumMod val="15000"/>
+            <a:lumOff val="85000"/>
+          </a:schemeClr>
+        </a:solidFill>
+        <a:round/>
+      </a:ln>
+    </cs:spPr>
+    <cs:defRPr sz="900" kern="1200"/>
+  </cs:categoryAxis>
+  <cs:chartArea mods="allowNoFillOverride allowNoLineOverride">
+    <cs:lnRef idx="0"/>
+    <cs:fillRef idx="0"/>
+    <cs:effectRef idx="0"/>
+    <cs:fontRef idx="minor">
+      <a:schemeClr val="tx1"/>
+    </cs:fontRef>
+    <cs:spPr>
+      <a:solidFill>
+        <a:schemeClr val="bg1"/>
+      </a:solidFill>
+      <a:ln w="9525" cap="flat" cmpd="sng" algn="ctr">
+        <a:solidFill>
+          <a:schemeClr val="tx1">
+            <a:lumMod val="15000"/>
+            <a:lumOff val="85000"/>
+          </a:schemeClr>
+        </a:solidFill>
+        <a:round/>
+      </a:ln>
+    </cs:spPr>
+    <cs:defRPr sz="1000" kern="1200"/>
+  </cs:chartArea>
+  <cs:dataLabel>
+    <cs:lnRef idx="0"/>
+    <cs:fillRef idx="0"/>
+    <cs:effectRef idx="0"/>
+    <cs:fontRef idx="minor">
+      <a:schemeClr val="tx1">
+        <a:lumMod val="75000"/>
+        <a:lumOff val="25000"/>
+      </a:schemeClr>
+    </cs:fontRef>
+    <cs:defRPr sz="900" kern="1200"/>
+  </cs:dataLabel>
+  <cs:dataLabelCallout>
+    <cs:lnRef idx="0"/>
+    <cs:fillRef idx="0"/>
+    <cs:effectRef idx="0"/>
+    <cs:fontRef idx="minor">
+      <a:schemeClr val="dk1">
+        <a:lumMod val="65000"/>
+        <a:lumOff val="35000"/>
+      </a:schemeClr>
+    </cs:fontRef>
+    <cs:spPr>
+      <a:solidFill>
+        <a:schemeClr val="lt1"/>
+      </a:solidFill>
+      <a:ln>
+        <a:solidFill>
+          <a:schemeClr val="dk1">
+            <a:lumMod val="25000"/>
+            <a:lumOff val="75000"/>
+          </a:schemeClr>
+        </a:solidFill>
+      </a:ln>
+    </cs:spPr>
+    <cs:defRPr sz="900" kern="1200"/>
+    <cs:bodyPr rot="0" spcFirstLastPara="1" vertOverflow="clip" horzOverflow="clip" vert="horz" wrap="square" lIns="36576" tIns="18288" rIns="36576" bIns="18288" anchor="ctr" anchorCtr="1">
+      <a:spAutoFit/>
+    </cs:bodyPr>
+  </cs:dataLabelCallout>
+  <cs:dataPoint>
+    <cs:lnRef idx="0"/>
+    <cs:fillRef idx="1">
+      <cs:styleClr val="auto"/>
+    </cs:fillRef>
+    <cs:effectRef idx="0"/>
+    <cs:fontRef idx="minor">
+      <a:schemeClr val="tx1"/>
+    </cs:fontRef>
+    <cs:spPr>
+      <a:solidFill>
+        <a:schemeClr val="phClr"/>
+      </a:solidFill>
+    </cs:spPr>
+  </cs:dataPoint>
+  <cs:dataPoint3D>
+    <cs:lnRef idx="0"/>
+    <cs:fillRef idx="1">
+      <cs:styleClr val="auto"/>
+    </cs:fillRef>
+    <cs:effectRef idx="0"/>
+    <cs:fontRef idx="minor">
+      <a:schemeClr val="tx1"/>
+    </cs:fontRef>
+    <cs:spPr>
+      <a:solidFill>
+        <a:schemeClr val="phClr"/>
+      </a:solidFill>
+    </cs:spPr>
+  </cs:dataPoint3D>
+  <cs:dataPointLine>
+    <cs:lnRef idx="0">
+      <cs:styleClr val="auto"/>
+    </cs:lnRef>
+    <cs:fillRef idx="1"/>
+    <cs:effectRef idx="0"/>
+    <cs:fontRef idx="minor">
+      <a:schemeClr val="tx1"/>
+    </cs:fontRef>
+    <cs:spPr>
+      <a:ln w="28575" cap="rnd">
+        <a:solidFill>
+          <a:schemeClr val="phClr"/>
+        </a:solidFill>
+        <a:round/>
+      </a:ln>
+    </cs:spPr>
+  </cs:dataPointLine>
+  <cs:dataPointMarker>
+    <cs:lnRef idx="0">
+      <cs:styleClr val="auto"/>
+    </cs:lnRef>
+    <cs:fillRef idx="1">
+      <cs:styleClr val="auto"/>
+    </cs:fillRef>
+    <cs:effectRef idx="0"/>
+    <cs:fontRef idx="minor">
+      <a:schemeClr val="tx1"/>
+    </cs:fontRef>
+    <cs:spPr>
+      <a:solidFill>
+        <a:schemeClr val="phClr"/>
+      </a:solidFill>
+      <a:ln w="9525">
+        <a:solidFill>
+          <a:schemeClr val="phClr"/>
+        </a:solidFill>
+      </a:ln>
+    </cs:spPr>
+  </cs:dataPointMarker>
+  <cs:dataPointMarkerLayout symbol="circle" size="5"/>
+  <cs:dataPointWireframe>
+    <cs:lnRef idx="0">
+      <cs:styleClr val="auto"/>
+    </cs:lnRef>
+    <cs:fillRef idx="1"/>
+    <cs:effectRef idx="0"/>
+    <cs:fontRef idx="minor">
+      <a:schemeClr val="tx1"/>
+    </cs:fontRef>
+    <cs:spPr>
+      <a:ln w="9525" cap="rnd">
+        <a:solidFill>
+          <a:schemeClr val="phClr"/>
+        </a:solidFill>
+        <a:round/>
+      </a:ln>
+    </cs:spPr>
+  </cs:dataPointWireframe>
+  <cs:dataTable>
+    <cs:lnRef idx="0"/>
+    <cs:fillRef idx="0"/>
+    <cs:effectRef idx="0"/>
+    <cs:fontRef idx="minor">
+      <a:schemeClr val="tx1">
+        <a:lumMod val="65000"/>
+        <a:lumOff val="35000"/>
+      </a:schemeClr>
+    </cs:fontRef>
+    <cs:spPr>
+      <a:noFill/>
+      <a:ln w="9525" cap="flat" cmpd="sng" algn="ctr">
+        <a:solidFill>
+          <a:schemeClr val="tx1">
+            <a:lumMod val="15000"/>
+            <a:lumOff val="85000"/>
+          </a:schemeClr>
+        </a:solidFill>
+        <a:round/>
+      </a:ln>
+    </cs:spPr>
+    <cs:defRPr sz="900" kern="1200"/>
+  </cs:dataTable>
+  <cs:downBar>
+    <cs:lnRef idx="0"/>
+    <cs:fillRef idx="0"/>
+    <cs:effectRef idx="0"/>
+    <cs:fontRef idx="minor">
+      <a:schemeClr val="dk1"/>
+    </cs:fontRef>
+    <cs:spPr>
+      <a:solidFill>
+        <a:schemeClr val="dk1">
+          <a:lumMod val="65000"/>
+          <a:lumOff val="35000"/>
+        </a:schemeClr>
+      </a:solidFill>
+      <a:ln w="9525">
+        <a:solidFill>
+          <a:schemeClr val="tx1">
+            <a:lumMod val="65000"/>
+            <a:lumOff val="35000"/>
+          </a:schemeClr>
+        </a:solidFill>
+      </a:ln>
+    </cs:spPr>
+  </cs:downBar>
+  <cs:dropLine>
+    <cs:lnRef idx="0"/>
+    <cs:fillRef idx="0"/>
+    <cs:effectRef idx="0"/>
+    <cs:fontRef idx="minor">
+      <a:schemeClr val="tx1"/>
+    </cs:fontRef>
+    <cs:spPr>
+      <a:ln w="9525" cap="flat" cmpd="sng" algn="ctr">
+        <a:solidFill>
+          <a:schemeClr val="tx1">
+            <a:lumMod val="35000"/>
+            <a:lumOff val="65000"/>
+          </a:schemeClr>
+        </a:solidFill>
+        <a:round/>
+      </a:ln>
+    </cs:spPr>
+  </cs:dropLine>
+  <cs:errorBar>
+    <cs:lnRef idx="0"/>
+    <cs:fillRef idx="0"/>
+    <cs:effectRef idx="0"/>
+    <cs:fontRef idx="minor">
+      <a:schemeClr val="tx1"/>
+    </cs:fontRef>
+    <cs:spPr>
+      <a:ln w="9525" cap="flat" cmpd="sng" algn="ctr">
+        <a:solidFill>
+          <a:schemeClr val="tx1">
+            <a:lumMod val="65000"/>
+            <a:lumOff val="35000"/>
+          </a:schemeClr>
+        </a:solidFill>
+        <a:round/>
+      </a:ln>
+    </cs:spPr>
+  </cs:errorBar>
+  <cs:floor>
+    <cs:lnRef idx="0"/>
+    <cs:fillRef idx="0"/>
+    <cs:effectRef idx="0"/>
+    <cs:fontRef idx="minor">
+      <a:schemeClr val="tx1"/>
+    </cs:fontRef>
+    <cs:spPr>
+      <a:noFill/>
+      <a:ln>
+        <a:noFill/>
+      </a:ln>
+    </cs:spPr>
+  </cs:floor>
+  <cs:gridlineMajor>
+    <cs:lnRef idx="0"/>
+    <cs:fillRef idx="0"/>
+    <cs:effectRef idx="0"/>
+    <cs:fontRef idx="minor">
+      <a:schemeClr val="tx1"/>
+    </cs:fontRef>
+    <cs:spPr>
+      <a:ln w="9525" cap="flat" cmpd="sng" algn="ctr">
+        <a:solidFill>
+          <a:schemeClr val="tx1">
+            <a:lumMod val="15000"/>
+            <a:lumOff val="85000"/>
+          </a:schemeClr>
+        </a:solidFill>
+        <a:round/>
+      </a:ln>
+    </cs:spPr>
+  </cs:gridlineMajor>
+  <cs:gridlineMinor>
+    <cs:lnRef idx="0"/>
+    <cs:fillRef idx="0"/>
+    <cs:effectRef idx="0"/>
+    <cs:fontRef idx="minor">
+      <a:schemeClr val="tx1"/>
+    </cs:fontRef>
+    <cs:spPr>
+      <a:ln w="9525" cap="flat" cmpd="sng" algn="ctr">
+        <a:solidFill>
+          <a:schemeClr val="tx1">
+            <a:lumMod val="5000"/>
+            <a:lumOff val="95000"/>
+          </a:schemeClr>
+        </a:solidFill>
+        <a:round/>
+      </a:ln>
+    </cs:spPr>
+  </cs:gridlineMinor>
+  <cs:hiLoLine>
+    <cs:lnRef idx="0"/>
+    <cs:fillRef idx="0"/>
+    <cs:effectRef idx="0"/>
+    <cs:fontRef idx="minor">
+      <a:schemeClr val="tx1"/>
+    </cs:fontRef>
+    <cs:spPr>
+      <a:ln w="9525" cap="flat" cmpd="sng" algn="ctr">
+        <a:solidFill>
+          <a:schemeClr val="tx1">
+            <a:lumMod val="75000"/>
+            <a:lumOff val="25000"/>
+          </a:schemeClr>
+        </a:solidFill>
+        <a:round/>
+      </a:ln>
+    </cs:spPr>
+  </cs:hiLoLine>
+  <cs:leaderLine>
+    <cs:lnRef idx="0"/>
+    <cs:fillRef idx="0"/>
+    <cs:effectRef idx="0"/>
+    <cs:fontRef idx="minor">
+      <a:schemeClr val="tx1"/>
+    </cs:fontRef>
+    <cs:spPr>
+      <a:ln w="9525" cap="flat" cmpd="sng" algn="ctr">
+        <a:solidFill>
+          <a:schemeClr val="tx1">
+            <a:lumMod val="35000"/>
+            <a:lumOff val="65000"/>
+          </a:schemeClr>
+        </a:solidFill>
+        <a:round/>
+      </a:ln>
+    </cs:spPr>
+  </cs:leaderLine>
+  <cs:legend>
+    <cs:lnRef idx="0"/>
+    <cs:fillRef idx="0"/>
+    <cs:effectRef idx="0"/>
+    <cs:fontRef idx="minor">
+      <a:schemeClr val="tx1">
+        <a:lumMod val="65000"/>
+        <a:lumOff val="35000"/>
+      </a:schemeClr>
+    </cs:fontRef>
+    <cs:defRPr sz="900" kern="1200"/>
+  </cs:legend>
+  <cs:plotArea mods="allowNoFillOverride allowNoLineOverride">
+    <cs:lnRef idx="0"/>
+    <cs:fillRef idx="0"/>
+    <cs:effectRef idx="0"/>
+    <cs:fontRef idx="minor">
+      <a:schemeClr val="tx1"/>
+    </cs:fontRef>
+  </cs:plotArea>
+  <cs:plotArea3D mods="allowNoFillOverride allowNoLineOverride">
+    <cs:lnRef idx="0"/>
+    <cs:fillRef idx="0"/>
+    <cs:effectRef idx="0"/>
+    <cs:fontRef idx="minor">
+      <a:schemeClr val="tx1"/>
+    </cs:fontRef>
+  </cs:plotArea3D>
+  <cs:seriesAxis>
+    <cs:lnRef idx="0"/>
+    <cs:fillRef idx="0"/>
+    <cs:effectRef idx="0"/>
+    <cs:fontRef idx="minor">
+      <a:schemeClr val="tx1">
+        <a:lumMod val="65000"/>
+        <a:lumOff val="35000"/>
+      </a:schemeClr>
+    </cs:fontRef>
+    <cs:defRPr sz="900" kern="1200"/>
+  </cs:seriesAxis>
+  <cs:seriesLine>
+    <cs:lnRef idx="0"/>
+    <cs:fillRef idx="0"/>
+    <cs:effectRef idx="0"/>
+    <cs:fontRef idx="minor">
+      <a:schemeClr val="tx1"/>
+    </cs:fontRef>
+    <cs:spPr>
+      <a:ln w="9525" cap="flat" cmpd="sng" algn="ctr">
+        <a:solidFill>
+          <a:schemeClr val="tx1">
+            <a:lumMod val="35000"/>
+            <a:lumOff val="65000"/>
+          </a:schemeClr>
+        </a:solidFill>
+        <a:round/>
+      </a:ln>
+    </cs:spPr>
+  </cs:seriesLine>
+  <cs:title>
+    <cs:lnRef idx="0"/>
+    <cs:fillRef idx="0"/>
+    <cs:effectRef idx="0"/>
+    <cs:fontRef idx="minor">
+      <a:schemeClr val="tx1">
+        <a:lumMod val="65000"/>
+        <a:lumOff val="35000"/>
+      </a:schemeClr>
+    </cs:fontRef>
+    <cs:defRPr sz="1400" b="0" kern="1200" spc="0" baseline="0"/>
+  </cs:title>
+  <cs:trendline>
+    <cs:lnRef idx="0">
+      <cs:styleClr val="auto"/>
+    </cs:lnRef>
+    <cs:fillRef idx="0"/>
+    <cs:effectRef idx="0"/>
+    <cs:fontRef idx="minor">
+      <a:schemeClr val="tx1"/>
+    </cs:fontRef>
+    <cs:spPr>
+      <a:ln w="19050" cap="rnd">
+        <a:solidFill>
+          <a:schemeClr val="phClr"/>
+        </a:solidFill>
+        <a:prstDash val="sysDot"/>
+      </a:ln>
+    </cs:spPr>
+  </cs:trendline>
+  <cs:trendlineLabel>
+    <cs:lnRef idx="0"/>
+    <cs:fillRef idx="0"/>
+    <cs:effectRef idx="0"/>
+    <cs:fontRef idx="minor">
+      <a:schemeClr val="tx1">
+        <a:lumMod val="65000"/>
+        <a:lumOff val="35000"/>
+      </a:schemeClr>
+    </cs:fontRef>
+    <cs:defRPr sz="900" kern="1200"/>
+  </cs:trendlineLabel>
+  <cs:upBar>
+    <cs:lnRef idx="0"/>
+    <cs:fillRef idx="0"/>
+    <cs:effectRef idx="0"/>
+    <cs:fontRef idx="minor">
+      <a:schemeClr val="dk1"/>
+    </cs:fontRef>
+    <cs:spPr>
+      <a:solidFill>
+        <a:schemeClr val="lt1"/>
+      </a:solidFill>
+      <a:ln w="9525">
+        <a:solidFill>
+          <a:schemeClr val="tx1">
+            <a:lumMod val="15000"/>
+            <a:lumOff val="85000"/>
+          </a:schemeClr>
+        </a:solidFill>
+      </a:ln>
+    </cs:spPr>
+  </cs:upBar>
+  <cs:valueAxis>
+    <cs:lnRef idx="0"/>
+    <cs:fillRef idx="0"/>
+    <cs:effectRef idx="0"/>
+    <cs:fontRef idx="minor">
+      <a:schemeClr val="tx1">
+        <a:lumMod val="65000"/>
+        <a:lumOff val="35000"/>
+      </a:schemeClr>
+    </cs:fontRef>
+    <cs:defRPr sz="900" kern="1200"/>
+  </cs:valueAxis>
+  <cs:wall>
+    <cs:lnRef idx="0"/>
+    <cs:fillRef idx="0"/>
+    <cs:effectRef idx="0"/>
+    <cs:fontRef idx="minor">
+      <a:schemeClr val="tx1"/>
+    </cs:fontRef>
+    <cs:spPr>
+      <a:noFill/>
+      <a:ln>
+        <a:noFill/>
+      </a:ln>
+    </cs:spPr>
+  </cs:wall>
+</cs:chartStyle>
+</file>
+
+<file path=ppt/charts/style2.xml><?xml version="1.0" encoding="utf-8"?>
 <cs:chartStyle xmlns:cs="http://schemas.microsoft.com/office/drawing/2012/chartStyle" xmlns:a="http://schemas.openxmlformats.org/drawingml/2006/main" id="227">
   <cs:axisTitle>
     <cs:lnRef idx="0"/>
@@ -1775,7 +3129,11 @@
           <a:bodyPr/>
           <a:lstStyle/>
           <a:p>
-            <a:endParaRPr lang="pt-PT" dirty="0"/>
+            <a:r>
+              <a:rPr lang="pt-PT" baseline="0" dirty="0" smtClean="0"/>
+              <a:t>gráfico do speed up</a:t>
+            </a:r>
+            <a:endParaRPr lang="pt-PT" baseline="0" dirty="0" smtClean="0"/>
           </a:p>
         </p:txBody>
       </p:sp>
@@ -1797,6 +3155,95 @@
             <a:fld id="{7FD8F7CD-146B-4E0C-BFF5-21C4EECB8646}" type="slidenum">
               <a:rPr lang="en-US" smtClean="0"/>
               <a:t>11</a:t>
+            </a:fld>
+            <a:endParaRPr lang="en-US"/>
+          </a:p>
+        </p:txBody>
+      </p:sp>
+    </p:spTree>
+    <p:extLst>
+      <p:ext uri="{BB962C8B-B14F-4D97-AF65-F5344CB8AC3E}">
+        <p14:creationId xmlns:p14="http://schemas.microsoft.com/office/powerpoint/2010/main" val="2220647224"/>
+      </p:ext>
+    </p:extLst>
+  </p:cSld>
+  <p:clrMapOvr>
+    <a:masterClrMapping/>
+  </p:clrMapOvr>
+</p:notes>
+</file>
+
+<file path=ppt/notesSlides/notesSlide11.xml><?xml version="1.0" encoding="utf-8"?>
+<p:notes xmlns:a="http://schemas.openxmlformats.org/drawingml/2006/main" xmlns:r="http://schemas.openxmlformats.org/officeDocument/2006/relationships" xmlns:p="http://schemas.openxmlformats.org/presentationml/2006/main">
+  <p:cSld>
+    <p:spTree>
+      <p:nvGrpSpPr>
+        <p:cNvPr id="1" name=""/>
+        <p:cNvGrpSpPr/>
+        <p:nvPr/>
+      </p:nvGrpSpPr>
+      <p:grpSpPr>
+        <a:xfrm>
+          <a:off x="0" y="0"/>
+          <a:ext cx="0" cy="0"/>
+          <a:chOff x="0" y="0"/>
+          <a:chExt cx="0" cy="0"/>
+        </a:xfrm>
+      </p:grpSpPr>
+      <p:sp>
+        <p:nvSpPr>
+          <p:cNvPr id="2" name="Slide Image Placeholder 1"/>
+          <p:cNvSpPr>
+            <a:spLocks noGrp="1" noRot="1" noChangeAspect="1"/>
+          </p:cNvSpPr>
+          <p:nvPr>
+            <p:ph type="sldImg"/>
+          </p:nvPr>
+        </p:nvSpPr>
+        <p:spPr>
+          <a:xfrm>
+            <a:off x="1371600" y="1143000"/>
+            <a:ext cx="4114800" cy="3086100"/>
+          </a:xfrm>
+        </p:spPr>
+      </p:sp>
+      <p:sp>
+        <p:nvSpPr>
+          <p:cNvPr id="3" name="Notes Placeholder 2"/>
+          <p:cNvSpPr>
+            <a:spLocks noGrp="1"/>
+          </p:cNvSpPr>
+          <p:nvPr>
+            <p:ph type="body" idx="1"/>
+          </p:nvPr>
+        </p:nvSpPr>
+        <p:spPr/>
+        <p:txBody>
+          <a:bodyPr/>
+          <a:lstStyle/>
+          <a:p>
+            <a:endParaRPr lang="pt-PT" dirty="0"/>
+          </a:p>
+        </p:txBody>
+      </p:sp>
+      <p:sp>
+        <p:nvSpPr>
+          <p:cNvPr id="4" name="Slide Number Placeholder 3"/>
+          <p:cNvSpPr>
+            <a:spLocks noGrp="1"/>
+          </p:cNvSpPr>
+          <p:nvPr>
+            <p:ph type="sldNum" sz="quarter" idx="10"/>
+          </p:nvPr>
+        </p:nvSpPr>
+        <p:spPr/>
+        <p:txBody>
+          <a:bodyPr/>
+          <a:lstStyle/>
+          <a:p>
+            <a:fld id="{7FD8F7CD-146B-4E0C-BFF5-21C4EECB8646}" type="slidenum">
+              <a:rPr lang="en-US" smtClean="0"/>
+              <a:t>12</a:t>
             </a:fld>
             <a:endParaRPr lang="en-US"/>
           </a:p>
@@ -1912,11 +3359,7 @@
             </a:pPr>
             <a:r>
               <a:rPr lang="pt-PT" baseline="0" noProof="0" dirty="0" smtClean="0"/>
-              <a:t>É recursivo</a:t>
-            </a:r>
-            <a:r>
-              <a:rPr lang="pt-PT" baseline="0" noProof="0" dirty="0" smtClean="0"/>
-              <a:t>.</a:t>
+              <a:t>É recursivo.</a:t>
             </a:r>
           </a:p>
           <a:p>
@@ -2174,19 +3617,7 @@
           <a:p>
             <a:r>
               <a:rPr lang="pt-PT" baseline="0" dirty="0" smtClean="0"/>
-              <a:t>ou seja, </a:t>
-            </a:r>
-            <a:r>
-              <a:rPr lang="pt-PT" baseline="0" dirty="0" smtClean="0"/>
-              <a:t>neste </a:t>
-            </a:r>
-            <a:r>
-              <a:rPr lang="pt-PT" baseline="0" dirty="0" smtClean="0"/>
-              <a:t>exemplo, cada cor pode correr paralelamente a outra, mas 2 vermelhas não podem correr paralelamente</a:t>
-            </a:r>
-            <a:r>
-              <a:rPr lang="pt-PT" baseline="0" dirty="0" smtClean="0"/>
-              <a:t>.</a:t>
+              <a:t>ou seja, neste exemplo, cada cor pode correr paralelamente a outra, mas 2 vermelhas não podem correr paralelamente.</a:t>
             </a:r>
           </a:p>
           <a:p>
@@ -2526,11 +3957,7 @@
           <a:p>
             <a:r>
               <a:rPr lang="pt-PT" dirty="0" smtClean="0"/>
-              <a:t>Cada cor é 1 </a:t>
-            </a:r>
-            <a:r>
-              <a:rPr lang="pt-PT" dirty="0" smtClean="0"/>
-              <a:t>processo</a:t>
+              <a:t>Cada cor é 1 processo</a:t>
             </a:r>
             <a:endParaRPr lang="pt-PT" dirty="0"/>
           </a:p>
@@ -9071,7 +10498,15 @@
           <a:p>
             <a:r>
               <a:rPr lang="pt-PT" dirty="0" smtClean="0"/>
-              <a:t>Versão hibrida tem 2 processos MPI e threads OpenMP variadas.</a:t>
+              <a:t>Versão </a:t>
+            </a:r>
+            <a:r>
+              <a:rPr lang="pt-PT" dirty="0" smtClean="0"/>
+              <a:t>híbrida </a:t>
+            </a:r>
+            <a:r>
+              <a:rPr lang="pt-PT" dirty="0" smtClean="0"/>
+              <a:t>tem 2 processos MPI e threads OpenMP variadas.</a:t>
             </a:r>
             <a:endParaRPr lang="pt-PT" dirty="0"/>
           </a:p>
@@ -9079,21 +10514,21 @@
       </p:sp>
       <p:graphicFrame>
         <p:nvGraphicFramePr>
-          <p:cNvPr id="5" name="Chart 4"/>
+          <p:cNvPr id="7" name="Chart 6"/>
           <p:cNvGraphicFramePr>
             <a:graphicFrameLocks/>
           </p:cNvGraphicFramePr>
           <p:nvPr>
             <p:extLst>
               <p:ext uri="{D42A27DB-BD31-4B8C-83A1-F6EECF244321}">
-                <p14:modId xmlns:p14="http://schemas.microsoft.com/office/powerpoint/2010/main" val="4006082698"/>
+                <p14:modId xmlns:p14="http://schemas.microsoft.com/office/powerpoint/2010/main" val="1563849839"/>
               </p:ext>
             </p:extLst>
           </p:nvPr>
         </p:nvGraphicFramePr>
         <p:xfrm>
-          <a:off x="727586" y="2568677"/>
-          <a:ext cx="4522149" cy="3468330"/>
+          <a:off x="644013" y="2431025"/>
+          <a:ext cx="4792538" cy="3861620"/>
         </p:xfrm>
         <a:graphic>
           <a:graphicData uri="http://schemas.openxmlformats.org/drawingml/2006/chart">
@@ -9122,6 +10557,146 @@
 </file>
 
 <file path=ppt/slides/slide11.xml><?xml version="1.0" encoding="utf-8"?>
+<p:sld xmlns:a="http://schemas.openxmlformats.org/drawingml/2006/main" xmlns:r="http://schemas.openxmlformats.org/officeDocument/2006/relationships" xmlns:p="http://schemas.openxmlformats.org/presentationml/2006/main">
+  <p:cSld>
+    <p:spTree>
+      <p:nvGrpSpPr>
+        <p:cNvPr id="1" name=""/>
+        <p:cNvGrpSpPr/>
+        <p:nvPr/>
+      </p:nvGrpSpPr>
+      <p:grpSpPr>
+        <a:xfrm>
+          <a:off x="0" y="0"/>
+          <a:ext cx="0" cy="0"/>
+          <a:chOff x="0" y="0"/>
+          <a:chExt cx="0" cy="0"/>
+        </a:xfrm>
+      </p:grpSpPr>
+      <p:sp>
+        <p:nvSpPr>
+          <p:cNvPr id="2" name="Title 1"/>
+          <p:cNvSpPr>
+            <a:spLocks noGrp="1"/>
+          </p:cNvSpPr>
+          <p:nvPr>
+            <p:ph type="title"/>
+          </p:nvPr>
+        </p:nvSpPr>
+        <p:spPr/>
+        <p:txBody>
+          <a:bodyPr/>
+          <a:lstStyle/>
+          <a:p>
+            <a:r>
+              <a:rPr lang="pt-PT" dirty="0" smtClean="0"/>
+              <a:t>Resultados</a:t>
+            </a:r>
+            <a:endParaRPr lang="pt-PT" dirty="0"/>
+          </a:p>
+        </p:txBody>
+      </p:sp>
+      <p:sp>
+        <p:nvSpPr>
+          <p:cNvPr id="6" name="Content Placeholder 5"/>
+          <p:cNvSpPr>
+            <a:spLocks noGrp="1"/>
+          </p:cNvSpPr>
+          <p:nvPr>
+            <p:ph sz="half" idx="1"/>
+          </p:nvPr>
+        </p:nvSpPr>
+        <p:spPr>
+          <a:xfrm>
+            <a:off x="5436551" y="2568677"/>
+            <a:ext cx="2950366" cy="3468329"/>
+          </a:xfrm>
+        </p:spPr>
+        <p:txBody>
+          <a:bodyPr>
+            <a:normAutofit fontScale="92500"/>
+          </a:bodyPr>
+          <a:lstStyle/>
+          <a:p>
+            <a:r>
+              <a:rPr lang="pt-PT" dirty="0" smtClean="0"/>
+              <a:t>Compilado com –O3</a:t>
+            </a:r>
+          </a:p>
+          <a:p>
+            <a:r>
+              <a:rPr lang="pt-PT" dirty="0" smtClean="0"/>
+              <a:t>Nodo 662 do </a:t>
+            </a:r>
+            <a:r>
+              <a:rPr lang="pt-PT" i="1" dirty="0"/>
+              <a:t>S</a:t>
+            </a:r>
+            <a:r>
+              <a:rPr lang="pt-PT" i="1" dirty="0" smtClean="0"/>
+              <a:t>earch</a:t>
+            </a:r>
+          </a:p>
+          <a:p>
+            <a:r>
+              <a:rPr lang="pt-PT" dirty="0" smtClean="0"/>
+              <a:t>Array com 152 MBytes</a:t>
+            </a:r>
+          </a:p>
+          <a:p>
+            <a:r>
+              <a:rPr lang="pt-PT" dirty="0" smtClean="0"/>
+              <a:t>Versão hibrida tem 2 processos MPI e threads OpenMP variadas.</a:t>
+            </a:r>
+            <a:endParaRPr lang="pt-PT" dirty="0"/>
+          </a:p>
+        </p:txBody>
+      </p:sp>
+      <p:graphicFrame>
+        <p:nvGraphicFramePr>
+          <p:cNvPr id="8" name="Chart 7"/>
+          <p:cNvGraphicFramePr>
+            <a:graphicFrameLocks/>
+          </p:cNvGraphicFramePr>
+          <p:nvPr>
+            <p:extLst>
+              <p:ext uri="{D42A27DB-BD31-4B8C-83A1-F6EECF244321}">
+                <p14:modId xmlns:p14="http://schemas.microsoft.com/office/powerpoint/2010/main" val="2510295150"/>
+              </p:ext>
+            </p:extLst>
+          </p:nvPr>
+        </p:nvGraphicFramePr>
+        <p:xfrm>
+          <a:off x="703005" y="2490018"/>
+          <a:ext cx="4733545" cy="3753466"/>
+        </p:xfrm>
+        <a:graphic>
+          <a:graphicData uri="http://schemas.openxmlformats.org/drawingml/2006/chart">
+            <c:chart xmlns:c="http://schemas.openxmlformats.org/drawingml/2006/chart" xmlns:r="http://schemas.openxmlformats.org/officeDocument/2006/relationships" r:id="rId3"/>
+          </a:graphicData>
+        </a:graphic>
+      </p:graphicFrame>
+    </p:spTree>
+    <p:extLst>
+      <p:ext uri="{BB962C8B-B14F-4D97-AF65-F5344CB8AC3E}">
+        <p14:creationId xmlns:p14="http://schemas.microsoft.com/office/powerpoint/2010/main" val="1232872809"/>
+      </p:ext>
+    </p:extLst>
+  </p:cSld>
+  <p:clrMapOvr>
+    <a:masterClrMapping/>
+  </p:clrMapOvr>
+  <p:timing>
+    <p:tnLst>
+      <p:par>
+        <p:cTn id="1" dur="indefinite" restart="never" nodeType="tmRoot"/>
+      </p:par>
+    </p:tnLst>
+  </p:timing>
+</p:sld>
+</file>
+
+<file path=ppt/slides/slide12.xml><?xml version="1.0" encoding="utf-8"?>
 <p:sld xmlns:a="http://schemas.openxmlformats.org/drawingml/2006/main" xmlns:r="http://schemas.openxmlformats.org/officeDocument/2006/relationships" xmlns:p="http://schemas.openxmlformats.org/presentationml/2006/main">
   <p:cSld>
     <p:spTree>

--- a/Apresentação.pptx
+++ b/Apresentação.pptx
@@ -5,7 +5,7 @@
     <p:sldMasterId id="2147483678" r:id="rId1"/>
   </p:sldMasterIdLst>
   <p:notesMasterIdLst>
-    <p:notesMasterId r:id="rId14"/>
+    <p:notesMasterId r:id="rId15"/>
   </p:notesMasterIdLst>
   <p:sldIdLst>
     <p:sldId id="256" r:id="rId2"/>
@@ -15,11 +15,12 @@
     <p:sldId id="265" r:id="rId6"/>
     <p:sldId id="260" r:id="rId7"/>
     <p:sldId id="262" r:id="rId8"/>
-    <p:sldId id="263" r:id="rId9"/>
-    <p:sldId id="264" r:id="rId10"/>
-    <p:sldId id="266" r:id="rId11"/>
-    <p:sldId id="268" r:id="rId12"/>
-    <p:sldId id="267" r:id="rId13"/>
+    <p:sldId id="269" r:id="rId9"/>
+    <p:sldId id="263" r:id="rId10"/>
+    <p:sldId id="264" r:id="rId11"/>
+    <p:sldId id="266" r:id="rId12"/>
+    <p:sldId id="268" r:id="rId13"/>
+    <p:sldId id="267" r:id="rId14"/>
   </p:sldIdLst>
   <p:sldSz cx="9144000" cy="6858000" type="screen4x3"/>
   <p:notesSz cx="6858000" cy="9144000"/>
@@ -127,6 +128,767 @@
 </file>
 
 <file path=ppt/charts/chart1.xml><?xml version="1.0" encoding="utf-8"?>
+<c:chartSpace xmlns:c="http://schemas.openxmlformats.org/drawingml/2006/chart" xmlns:a="http://schemas.openxmlformats.org/drawingml/2006/main" xmlns:r="http://schemas.openxmlformats.org/officeDocument/2006/relationships">
+  <c:date1904 val="0"/>
+  <c:lang val="en-US"/>
+  <c:roundedCorners val="0"/>
+  <mc:AlternateContent xmlns:mc="http://schemas.openxmlformats.org/markup-compatibility/2006">
+    <mc:Choice xmlns:c14="http://schemas.microsoft.com/office/drawing/2007/8/2/chart" Requires="c14">
+      <c14:style val="102"/>
+    </mc:Choice>
+    <mc:Fallback>
+      <c:style val="2"/>
+    </mc:Fallback>
+  </mc:AlternateContent>
+  <c:chart>
+    <c:autoTitleDeleted val="1"/>
+    <c:plotArea>
+      <c:layout>
+        <c:manualLayout>
+          <c:layoutTarget val="inner"/>
+          <c:xMode val="edge"/>
+          <c:yMode val="edge"/>
+          <c:x val="0.10595001522706789"/>
+          <c:y val="2.5158623590973008E-2"/>
+          <c:w val="0.87614408087470019"/>
+          <c:h val="0.80179596914547846"/>
+        </c:manualLayout>
+      </c:layout>
+      <c:lineChart>
+        <c:grouping val="standard"/>
+        <c:varyColors val="0"/>
+        <c:ser>
+          <c:idx val="0"/>
+          <c:order val="0"/>
+          <c:tx>
+            <c:strRef>
+              <c:f>Sheet1!$C$41</c:f>
+              <c:strCache>
+                <c:ptCount val="1"/>
+                <c:pt idx="0">
+                  <c:v>20KB</c:v>
+                </c:pt>
+              </c:strCache>
+            </c:strRef>
+          </c:tx>
+          <c:spPr>
+            <a:ln w="28575" cap="rnd">
+              <a:solidFill>
+                <a:schemeClr val="accent1"/>
+              </a:solidFill>
+              <a:round/>
+            </a:ln>
+            <a:effectLst/>
+          </c:spPr>
+          <c:marker>
+            <c:symbol val="circle"/>
+            <c:size val="5"/>
+            <c:spPr>
+              <a:solidFill>
+                <a:schemeClr val="accent1"/>
+              </a:solidFill>
+              <a:ln w="9525">
+                <a:solidFill>
+                  <a:schemeClr val="accent1"/>
+                </a:solidFill>
+              </a:ln>
+              <a:effectLst/>
+            </c:spPr>
+          </c:marker>
+          <c:cat>
+            <c:numRef>
+              <c:f>Sheet1!$B$42:$B$49</c:f>
+              <c:numCache>
+                <c:formatCode>General</c:formatCode>
+                <c:ptCount val="8"/>
+                <c:pt idx="0">
+                  <c:v>1</c:v>
+                </c:pt>
+                <c:pt idx="1">
+                  <c:v>2</c:v>
+                </c:pt>
+                <c:pt idx="2">
+                  <c:v>4</c:v>
+                </c:pt>
+                <c:pt idx="3">
+                  <c:v>8</c:v>
+                </c:pt>
+                <c:pt idx="4">
+                  <c:v>16</c:v>
+                </c:pt>
+                <c:pt idx="5">
+                  <c:v>20</c:v>
+                </c:pt>
+                <c:pt idx="6">
+                  <c:v>28</c:v>
+                </c:pt>
+                <c:pt idx="7">
+                  <c:v>32</c:v>
+                </c:pt>
+              </c:numCache>
+            </c:numRef>
+          </c:cat>
+          <c:val>
+            <c:numRef>
+              <c:f>Sheet1!$C$42:$C$49</c:f>
+              <c:numCache>
+                <c:formatCode>General</c:formatCode>
+                <c:ptCount val="8"/>
+                <c:pt idx="0">
+                  <c:v>1</c:v>
+                </c:pt>
+                <c:pt idx="1">
+                  <c:v>1.4935064935064934</c:v>
+                </c:pt>
+                <c:pt idx="2">
+                  <c:v>2.3310810810810811</c:v>
+                </c:pt>
+                <c:pt idx="3">
+                  <c:v>1.4806866952789699</c:v>
+                </c:pt>
+                <c:pt idx="4">
+                  <c:v>1.1694915254237288</c:v>
+                </c:pt>
+                <c:pt idx="5">
+                  <c:v>0.92991913746630717</c:v>
+                </c:pt>
+              </c:numCache>
+            </c:numRef>
+          </c:val>
+          <c:smooth val="0"/>
+        </c:ser>
+        <c:ser>
+          <c:idx val="1"/>
+          <c:order val="1"/>
+          <c:tx>
+            <c:strRef>
+              <c:f>Sheet1!$D$41</c:f>
+              <c:strCache>
+                <c:ptCount val="1"/>
+                <c:pt idx="0">
+                  <c:v>200KB</c:v>
+                </c:pt>
+              </c:strCache>
+            </c:strRef>
+          </c:tx>
+          <c:spPr>
+            <a:ln w="28575" cap="rnd">
+              <a:solidFill>
+                <a:schemeClr val="accent3"/>
+              </a:solidFill>
+              <a:round/>
+            </a:ln>
+            <a:effectLst/>
+          </c:spPr>
+          <c:marker>
+            <c:symbol val="circle"/>
+            <c:size val="5"/>
+            <c:spPr>
+              <a:solidFill>
+                <a:schemeClr val="accent3"/>
+              </a:solidFill>
+              <a:ln w="9525">
+                <a:solidFill>
+                  <a:schemeClr val="accent3"/>
+                </a:solidFill>
+              </a:ln>
+              <a:effectLst/>
+            </c:spPr>
+          </c:marker>
+          <c:cat>
+            <c:numRef>
+              <c:f>Sheet1!$B$42:$B$49</c:f>
+              <c:numCache>
+                <c:formatCode>General</c:formatCode>
+                <c:ptCount val="8"/>
+                <c:pt idx="0">
+                  <c:v>1</c:v>
+                </c:pt>
+                <c:pt idx="1">
+                  <c:v>2</c:v>
+                </c:pt>
+                <c:pt idx="2">
+                  <c:v>4</c:v>
+                </c:pt>
+                <c:pt idx="3">
+                  <c:v>8</c:v>
+                </c:pt>
+                <c:pt idx="4">
+                  <c:v>16</c:v>
+                </c:pt>
+                <c:pt idx="5">
+                  <c:v>20</c:v>
+                </c:pt>
+                <c:pt idx="6">
+                  <c:v>28</c:v>
+                </c:pt>
+                <c:pt idx="7">
+                  <c:v>32</c:v>
+                </c:pt>
+              </c:numCache>
+            </c:numRef>
+          </c:cat>
+          <c:val>
+            <c:numRef>
+              <c:f>Sheet1!$D$42:$D$49</c:f>
+              <c:numCache>
+                <c:formatCode>General</c:formatCode>
+                <c:ptCount val="8"/>
+                <c:pt idx="0">
+                  <c:v>1</c:v>
+                </c:pt>
+                <c:pt idx="1">
+                  <c:v>1.8908392759188151</c:v>
+                </c:pt>
+                <c:pt idx="2">
+                  <c:v>3.2457627118644066</c:v>
+                </c:pt>
+                <c:pt idx="3">
+                  <c:v>5.4198113207547172</c:v>
+                </c:pt>
+                <c:pt idx="4">
+                  <c:v>4.7154582763337896</c:v>
+                </c:pt>
+                <c:pt idx="5">
+                  <c:v>3.6592356687898087</c:v>
+                </c:pt>
+              </c:numCache>
+            </c:numRef>
+          </c:val>
+          <c:smooth val="0"/>
+        </c:ser>
+        <c:ser>
+          <c:idx val="2"/>
+          <c:order val="2"/>
+          <c:tx>
+            <c:strRef>
+              <c:f>Sheet1!$E$41</c:f>
+              <c:strCache>
+                <c:ptCount val="1"/>
+                <c:pt idx="0">
+                  <c:v>15 MB</c:v>
+                </c:pt>
+              </c:strCache>
+            </c:strRef>
+          </c:tx>
+          <c:spPr>
+            <a:ln w="28575" cap="rnd">
+              <a:solidFill>
+                <a:schemeClr val="accent5"/>
+              </a:solidFill>
+              <a:round/>
+            </a:ln>
+            <a:effectLst/>
+          </c:spPr>
+          <c:marker>
+            <c:symbol val="circle"/>
+            <c:size val="5"/>
+            <c:spPr>
+              <a:solidFill>
+                <a:schemeClr val="accent5"/>
+              </a:solidFill>
+              <a:ln w="9525">
+                <a:solidFill>
+                  <a:schemeClr val="accent5"/>
+                </a:solidFill>
+              </a:ln>
+              <a:effectLst/>
+            </c:spPr>
+          </c:marker>
+          <c:cat>
+            <c:numRef>
+              <c:f>Sheet1!$B$42:$B$49</c:f>
+              <c:numCache>
+                <c:formatCode>General</c:formatCode>
+                <c:ptCount val="8"/>
+                <c:pt idx="0">
+                  <c:v>1</c:v>
+                </c:pt>
+                <c:pt idx="1">
+                  <c:v>2</c:v>
+                </c:pt>
+                <c:pt idx="2">
+                  <c:v>4</c:v>
+                </c:pt>
+                <c:pt idx="3">
+                  <c:v>8</c:v>
+                </c:pt>
+                <c:pt idx="4">
+                  <c:v>16</c:v>
+                </c:pt>
+                <c:pt idx="5">
+                  <c:v>20</c:v>
+                </c:pt>
+                <c:pt idx="6">
+                  <c:v>28</c:v>
+                </c:pt>
+                <c:pt idx="7">
+                  <c:v>32</c:v>
+                </c:pt>
+              </c:numCache>
+            </c:numRef>
+          </c:cat>
+          <c:val>
+            <c:numRef>
+              <c:f>Sheet1!$E$42:$E$49</c:f>
+              <c:numCache>
+                <c:formatCode>General</c:formatCode>
+                <c:ptCount val="8"/>
+                <c:pt idx="0">
+                  <c:v>1</c:v>
+                </c:pt>
+                <c:pt idx="1">
+                  <c:v>1.956015514759585</c:v>
+                </c:pt>
+                <c:pt idx="2">
+                  <c:v>3.932453565568454</c:v>
+                </c:pt>
+                <c:pt idx="3">
+                  <c:v>6.8945513621594614</c:v>
+                </c:pt>
+                <c:pt idx="4">
+                  <c:v>10.319516666043171</c:v>
+                </c:pt>
+                <c:pt idx="5">
+                  <c:v>11.108243063665284</c:v>
+                </c:pt>
+                <c:pt idx="6">
+                  <c:v>9.5062030463850036</c:v>
+                </c:pt>
+                <c:pt idx="7">
+                  <c:v>9.465104309634917</c:v>
+                </c:pt>
+              </c:numCache>
+            </c:numRef>
+          </c:val>
+          <c:smooth val="0"/>
+        </c:ser>
+        <c:ser>
+          <c:idx val="3"/>
+          <c:order val="3"/>
+          <c:tx>
+            <c:strRef>
+              <c:f>Sheet1!$F$41</c:f>
+              <c:strCache>
+                <c:ptCount val="1"/>
+                <c:pt idx="0">
+                  <c:v>150 MB</c:v>
+                </c:pt>
+              </c:strCache>
+            </c:strRef>
+          </c:tx>
+          <c:spPr>
+            <a:ln w="28575" cap="rnd">
+              <a:solidFill>
+                <a:schemeClr val="accent1">
+                  <a:lumMod val="60000"/>
+                </a:schemeClr>
+              </a:solidFill>
+              <a:round/>
+            </a:ln>
+            <a:effectLst/>
+          </c:spPr>
+          <c:marker>
+            <c:symbol val="circle"/>
+            <c:size val="5"/>
+            <c:spPr>
+              <a:solidFill>
+                <a:schemeClr val="accent1">
+                  <a:lumMod val="60000"/>
+                </a:schemeClr>
+              </a:solidFill>
+              <a:ln w="9525">
+                <a:solidFill>
+                  <a:schemeClr val="accent1">
+                    <a:lumMod val="60000"/>
+                  </a:schemeClr>
+                </a:solidFill>
+              </a:ln>
+              <a:effectLst/>
+            </c:spPr>
+          </c:marker>
+          <c:cat>
+            <c:numRef>
+              <c:f>Sheet1!$B$42:$B$49</c:f>
+              <c:numCache>
+                <c:formatCode>General</c:formatCode>
+                <c:ptCount val="8"/>
+                <c:pt idx="0">
+                  <c:v>1</c:v>
+                </c:pt>
+                <c:pt idx="1">
+                  <c:v>2</c:v>
+                </c:pt>
+                <c:pt idx="2">
+                  <c:v>4</c:v>
+                </c:pt>
+                <c:pt idx="3">
+                  <c:v>8</c:v>
+                </c:pt>
+                <c:pt idx="4">
+                  <c:v>16</c:v>
+                </c:pt>
+                <c:pt idx="5">
+                  <c:v>20</c:v>
+                </c:pt>
+                <c:pt idx="6">
+                  <c:v>28</c:v>
+                </c:pt>
+                <c:pt idx="7">
+                  <c:v>32</c:v>
+                </c:pt>
+              </c:numCache>
+            </c:numRef>
+          </c:cat>
+          <c:val>
+            <c:numRef>
+              <c:f>Sheet1!$F$42:$F$49</c:f>
+              <c:numCache>
+                <c:formatCode>General</c:formatCode>
+                <c:ptCount val="8"/>
+                <c:pt idx="0">
+                  <c:v>1</c:v>
+                </c:pt>
+                <c:pt idx="1">
+                  <c:v>2.0473743132551809</c:v>
+                </c:pt>
+                <c:pt idx="2">
+                  <c:v>4.1938839355545126</c:v>
+                </c:pt>
+                <c:pt idx="3">
+                  <c:v>7.6548826870328632</c:v>
+                </c:pt>
+                <c:pt idx="4">
+                  <c:v>12.42958376105169</c:v>
+                </c:pt>
+                <c:pt idx="5">
+                  <c:v>15.019246158770807</c:v>
+                </c:pt>
+                <c:pt idx="6">
+                  <c:v>11.421038619231267</c:v>
+                </c:pt>
+                <c:pt idx="7">
+                  <c:v>11.280528623108102</c:v>
+                </c:pt>
+              </c:numCache>
+            </c:numRef>
+          </c:val>
+          <c:smooth val="0"/>
+        </c:ser>
+        <c:dLbls>
+          <c:showLegendKey val="0"/>
+          <c:showVal val="0"/>
+          <c:showCatName val="0"/>
+          <c:showSerName val="0"/>
+          <c:showPercent val="0"/>
+          <c:showBubbleSize val="0"/>
+        </c:dLbls>
+        <c:marker val="1"/>
+        <c:smooth val="0"/>
+        <c:axId val="-1570590416"/>
+        <c:axId val="-1570594768"/>
+      </c:lineChart>
+      <c:catAx>
+        <c:axId val="-1570590416"/>
+        <c:scaling>
+          <c:orientation val="minMax"/>
+        </c:scaling>
+        <c:delete val="0"/>
+        <c:axPos val="b"/>
+        <c:title>
+          <c:tx>
+            <c:rich>
+              <a:bodyPr rot="0" spcFirstLastPara="1" vertOverflow="ellipsis" vert="horz" wrap="square" anchor="ctr" anchorCtr="1"/>
+              <a:lstStyle/>
+              <a:p>
+                <a:pPr>
+                  <a:defRPr sz="1400" b="0" i="0" u="none" strike="noStrike" kern="1200" baseline="0">
+                    <a:solidFill>
+                      <a:schemeClr val="tx1">
+                        <a:lumMod val="65000"/>
+                        <a:lumOff val="35000"/>
+                      </a:schemeClr>
+                    </a:solidFill>
+                    <a:latin typeface="+mn-lt"/>
+                    <a:ea typeface="+mn-ea"/>
+                    <a:cs typeface="+mn-cs"/>
+                  </a:defRPr>
+                </a:pPr>
+                <a:r>
+                  <a:rPr lang="en-US" sz="1400"/>
+                  <a:t>Processos</a:t>
+                </a:r>
+              </a:p>
+            </c:rich>
+          </c:tx>
+          <c:layout/>
+          <c:overlay val="0"/>
+          <c:spPr>
+            <a:noFill/>
+            <a:ln>
+              <a:noFill/>
+            </a:ln>
+            <a:effectLst/>
+          </c:spPr>
+          <c:txPr>
+            <a:bodyPr rot="0" spcFirstLastPara="1" vertOverflow="ellipsis" vert="horz" wrap="square" anchor="ctr" anchorCtr="1"/>
+            <a:lstStyle/>
+            <a:p>
+              <a:pPr>
+                <a:defRPr sz="1400" b="0" i="0" u="none" strike="noStrike" kern="1200" baseline="0">
+                  <a:solidFill>
+                    <a:schemeClr val="tx1">
+                      <a:lumMod val="65000"/>
+                      <a:lumOff val="35000"/>
+                    </a:schemeClr>
+                  </a:solidFill>
+                  <a:latin typeface="+mn-lt"/>
+                  <a:ea typeface="+mn-ea"/>
+                  <a:cs typeface="+mn-cs"/>
+                </a:defRPr>
+              </a:pPr>
+              <a:endParaRPr lang="en-US"/>
+            </a:p>
+          </c:txPr>
+        </c:title>
+        <c:numFmt formatCode="General" sourceLinked="1"/>
+        <c:majorTickMark val="none"/>
+        <c:minorTickMark val="none"/>
+        <c:tickLblPos val="nextTo"/>
+        <c:spPr>
+          <a:noFill/>
+          <a:ln w="9525" cap="flat" cmpd="sng" algn="ctr">
+            <a:solidFill>
+              <a:schemeClr val="tx1">
+                <a:lumMod val="15000"/>
+                <a:lumOff val="85000"/>
+              </a:schemeClr>
+            </a:solidFill>
+            <a:round/>
+          </a:ln>
+          <a:effectLst/>
+        </c:spPr>
+        <c:txPr>
+          <a:bodyPr rot="-60000000" spcFirstLastPara="1" vertOverflow="ellipsis" vert="horz" wrap="square" anchor="ctr" anchorCtr="1"/>
+          <a:lstStyle/>
+          <a:p>
+            <a:pPr>
+              <a:defRPr sz="900" b="0" i="0" u="none" strike="noStrike" kern="1200" baseline="0">
+                <a:solidFill>
+                  <a:schemeClr val="tx1">
+                    <a:lumMod val="65000"/>
+                    <a:lumOff val="35000"/>
+                  </a:schemeClr>
+                </a:solidFill>
+                <a:latin typeface="+mn-lt"/>
+                <a:ea typeface="+mn-ea"/>
+                <a:cs typeface="+mn-cs"/>
+              </a:defRPr>
+            </a:pPr>
+            <a:endParaRPr lang="en-US"/>
+          </a:p>
+        </c:txPr>
+        <c:crossAx val="-1570594768"/>
+        <c:crosses val="autoZero"/>
+        <c:auto val="1"/>
+        <c:lblAlgn val="ctr"/>
+        <c:lblOffset val="100"/>
+        <c:noMultiLvlLbl val="0"/>
+      </c:catAx>
+      <c:valAx>
+        <c:axId val="-1570594768"/>
+        <c:scaling>
+          <c:orientation val="minMax"/>
+        </c:scaling>
+        <c:delete val="0"/>
+        <c:axPos val="l"/>
+        <c:majorGridlines>
+          <c:spPr>
+            <a:ln w="9525" cap="flat" cmpd="sng" algn="ctr">
+              <a:solidFill>
+                <a:schemeClr val="tx1">
+                  <a:lumMod val="15000"/>
+                  <a:lumOff val="85000"/>
+                </a:schemeClr>
+              </a:solidFill>
+              <a:round/>
+            </a:ln>
+            <a:effectLst/>
+          </c:spPr>
+        </c:majorGridlines>
+        <c:title>
+          <c:tx>
+            <c:rich>
+              <a:bodyPr rot="-5400000" spcFirstLastPara="1" vertOverflow="ellipsis" vert="horz" wrap="square" anchor="ctr" anchorCtr="1"/>
+              <a:lstStyle/>
+              <a:p>
+                <a:pPr>
+                  <a:defRPr sz="1400" b="0" i="0" u="none" strike="noStrike" kern="1200" baseline="0">
+                    <a:solidFill>
+                      <a:schemeClr val="tx1">
+                        <a:lumMod val="65000"/>
+                        <a:lumOff val="35000"/>
+                      </a:schemeClr>
+                    </a:solidFill>
+                    <a:latin typeface="+mn-lt"/>
+                    <a:ea typeface="+mn-ea"/>
+                    <a:cs typeface="+mn-cs"/>
+                  </a:defRPr>
+                </a:pPr>
+                <a:r>
+                  <a:rPr lang="en-US" sz="1400"/>
+                  <a:t>Speed</a:t>
+                </a:r>
+                <a:r>
+                  <a:rPr lang="en-US" sz="1400" baseline="0"/>
+                  <a:t> Up</a:t>
+                </a:r>
+                <a:endParaRPr lang="en-US" sz="1400"/>
+              </a:p>
+            </c:rich>
+          </c:tx>
+          <c:layout/>
+          <c:overlay val="0"/>
+          <c:spPr>
+            <a:noFill/>
+            <a:ln>
+              <a:noFill/>
+            </a:ln>
+            <a:effectLst/>
+          </c:spPr>
+          <c:txPr>
+            <a:bodyPr rot="-5400000" spcFirstLastPara="1" vertOverflow="ellipsis" vert="horz" wrap="square" anchor="ctr" anchorCtr="1"/>
+            <a:lstStyle/>
+            <a:p>
+              <a:pPr>
+                <a:defRPr sz="1400" b="0" i="0" u="none" strike="noStrike" kern="1200" baseline="0">
+                  <a:solidFill>
+                    <a:schemeClr val="tx1">
+                      <a:lumMod val="65000"/>
+                      <a:lumOff val="35000"/>
+                    </a:schemeClr>
+                  </a:solidFill>
+                  <a:latin typeface="+mn-lt"/>
+                  <a:ea typeface="+mn-ea"/>
+                  <a:cs typeface="+mn-cs"/>
+                </a:defRPr>
+              </a:pPr>
+              <a:endParaRPr lang="en-US"/>
+            </a:p>
+          </c:txPr>
+        </c:title>
+        <c:numFmt formatCode="General" sourceLinked="1"/>
+        <c:majorTickMark val="none"/>
+        <c:minorTickMark val="none"/>
+        <c:tickLblPos val="nextTo"/>
+        <c:spPr>
+          <a:noFill/>
+          <a:ln>
+            <a:noFill/>
+          </a:ln>
+          <a:effectLst/>
+        </c:spPr>
+        <c:txPr>
+          <a:bodyPr rot="-60000000" spcFirstLastPara="1" vertOverflow="ellipsis" vert="horz" wrap="square" anchor="ctr" anchorCtr="1"/>
+          <a:lstStyle/>
+          <a:p>
+            <a:pPr>
+              <a:defRPr sz="900" b="0" i="0" u="none" strike="noStrike" kern="1200" baseline="0">
+                <a:solidFill>
+                  <a:schemeClr val="tx1">
+                    <a:lumMod val="65000"/>
+                    <a:lumOff val="35000"/>
+                  </a:schemeClr>
+                </a:solidFill>
+                <a:latin typeface="+mn-lt"/>
+                <a:ea typeface="+mn-ea"/>
+                <a:cs typeface="+mn-cs"/>
+              </a:defRPr>
+            </a:pPr>
+            <a:endParaRPr lang="en-US"/>
+          </a:p>
+        </c:txPr>
+        <c:crossAx val="-1570590416"/>
+        <c:crosses val="autoZero"/>
+        <c:crossBetween val="between"/>
+      </c:valAx>
+      <c:spPr>
+        <a:noFill/>
+        <a:ln>
+          <a:noFill/>
+        </a:ln>
+        <a:effectLst/>
+      </c:spPr>
+    </c:plotArea>
+    <c:legend>
+      <c:legendPos val="b"/>
+      <c:layout>
+        <c:manualLayout>
+          <c:xMode val="edge"/>
+          <c:yMode val="edge"/>
+          <c:x val="8.4465237680686853E-2"/>
+          <c:y val="0.93689183484705285"/>
+          <c:w val="0.88641504577861585"/>
+          <c:h val="4.9385279557870955E-2"/>
+        </c:manualLayout>
+      </c:layout>
+      <c:overlay val="0"/>
+      <c:spPr>
+        <a:noFill/>
+        <a:ln>
+          <a:noFill/>
+        </a:ln>
+        <a:effectLst/>
+      </c:spPr>
+      <c:txPr>
+        <a:bodyPr rot="0" spcFirstLastPara="1" vertOverflow="ellipsis" vert="horz" wrap="square" anchor="ctr" anchorCtr="1"/>
+        <a:lstStyle/>
+        <a:p>
+          <a:pPr>
+            <a:defRPr sz="1400" b="0" i="0" u="none" strike="noStrike" kern="1200" baseline="0">
+              <a:solidFill>
+                <a:schemeClr val="tx1">
+                  <a:lumMod val="65000"/>
+                  <a:lumOff val="35000"/>
+                </a:schemeClr>
+              </a:solidFill>
+              <a:latin typeface="+mn-lt"/>
+              <a:ea typeface="+mn-ea"/>
+              <a:cs typeface="+mn-cs"/>
+            </a:defRPr>
+          </a:pPr>
+          <a:endParaRPr lang="en-US"/>
+        </a:p>
+      </c:txPr>
+    </c:legend>
+    <c:plotVisOnly val="1"/>
+    <c:dispBlanksAs val="gap"/>
+    <c:showDLblsOverMax val="0"/>
+  </c:chart>
+  <c:spPr>
+    <a:noFill/>
+    <a:ln>
+      <a:noFill/>
+    </a:ln>
+    <a:effectLst/>
+  </c:spPr>
+  <c:txPr>
+    <a:bodyPr/>
+    <a:lstStyle/>
+    <a:p>
+      <a:pPr>
+        <a:defRPr/>
+      </a:pPr>
+      <a:endParaRPr lang="en-US"/>
+    </a:p>
+  </c:txPr>
+  <c:externalData r:id="rId3">
+    <c:autoUpdate val="0"/>
+  </c:externalData>
+</c:chartSpace>
+</file>
+
+<file path=ppt/charts/chart2.xml><?xml version="1.0" encoding="utf-8"?>
 <c:chartSpace xmlns:c="http://schemas.openxmlformats.org/drawingml/2006/chart" xmlns:a="http://schemas.openxmlformats.org/drawingml/2006/main" xmlns:r="http://schemas.openxmlformats.org/officeDocument/2006/relationships">
   <c:date1904 val="0"/>
   <c:lang val="en-US"/>
@@ -577,11 +1339,11 @@
         </c:dLbls>
         <c:marker val="1"/>
         <c:smooth val="0"/>
-        <c:axId val="1931511136"/>
-        <c:axId val="1931513312"/>
+        <c:axId val="-1636818320"/>
+        <c:axId val="-1636830832"/>
       </c:lineChart>
       <c:catAx>
-        <c:axId val="1931511136"/>
+        <c:axId val="-1636818320"/>
         <c:scaling>
           <c:orientation val="minMax"/>
         </c:scaling>
@@ -684,7 +1446,7 @@
             <a:endParaRPr lang="en-US"/>
           </a:p>
         </c:txPr>
-        <c:crossAx val="1931513312"/>
+        <c:crossAx val="-1636830832"/>
         <c:crosses val="autoZero"/>
         <c:auto val="1"/>
         <c:lblAlgn val="ctr"/>
@@ -692,7 +1454,7 @@
         <c:noMultiLvlLbl val="0"/>
       </c:catAx>
       <c:valAx>
-        <c:axId val="1931513312"/>
+        <c:axId val="-1636830832"/>
         <c:scaling>
           <c:orientation val="minMax"/>
         </c:scaling>
@@ -804,7 +1566,7 @@
             <a:endParaRPr lang="en-US"/>
           </a:p>
         </c:txPr>
-        <c:crossAx val="1931511136"/>
+        <c:crossAx val="-1636818320"/>
         <c:crosses val="autoZero"/>
         <c:crossBetween val="between"/>
       </c:valAx>
@@ -884,7 +1646,7 @@
 </c:chartSpace>
 </file>
 
-<file path=ppt/charts/chart2.xml><?xml version="1.0" encoding="utf-8"?>
+<file path=ppt/charts/chart3.xml><?xml version="1.0" encoding="utf-8"?>
 <c:chartSpace xmlns:c="http://schemas.openxmlformats.org/drawingml/2006/chart" xmlns:a="http://schemas.openxmlformats.org/drawingml/2006/main" xmlns:r="http://schemas.openxmlformats.org/officeDocument/2006/relationships">
   <c:date1904 val="0"/>
   <c:lang val="en-US"/>
@@ -1232,11 +1994,11 @@
         </c:dLbls>
         <c:marker val="1"/>
         <c:smooth val="0"/>
-        <c:axId val="226733376"/>
-        <c:axId val="226736096"/>
+        <c:axId val="-1636830288"/>
+        <c:axId val="-1636815600"/>
       </c:lineChart>
       <c:catAx>
-        <c:axId val="226733376"/>
+        <c:axId val="-1636830288"/>
         <c:scaling>
           <c:orientation val="minMax"/>
         </c:scaling>
@@ -1335,7 +2097,7 @@
             <a:endParaRPr lang="en-US"/>
           </a:p>
         </c:txPr>
-        <c:crossAx val="226736096"/>
+        <c:crossAx val="-1636815600"/>
         <c:crosses val="autoZero"/>
         <c:auto val="1"/>
         <c:lblAlgn val="ctr"/>
@@ -1343,7 +2105,7 @@
         <c:noMultiLvlLbl val="0"/>
       </c:catAx>
       <c:valAx>
-        <c:axId val="226736096"/>
+        <c:axId val="-1636815600"/>
         <c:scaling>
           <c:orientation val="minMax"/>
         </c:scaling>
@@ -1455,7 +2217,7 @@
             <a:endParaRPr lang="en-US"/>
           </a:p>
         </c:txPr>
-        <c:crossAx val="226733376"/>
+        <c:crossAx val="-1636830288"/>
         <c:crosses val="autoZero"/>
         <c:crossBetween val="between"/>
       </c:valAx>
@@ -1609,8 +2371,45 @@
 </cs:colorStyle>
 </file>
 
+<file path=ppt/charts/colors3.xml><?xml version="1.0" encoding="utf-8"?>
+<cs:colorStyle xmlns:cs="http://schemas.microsoft.com/office/drawing/2012/chartStyle" xmlns:a="http://schemas.openxmlformats.org/drawingml/2006/main" meth="cycle" id="11">
+  <a:schemeClr val="accent1"/>
+  <a:schemeClr val="accent3"/>
+  <a:schemeClr val="accent5"/>
+  <cs:variation/>
+  <cs:variation>
+    <a:lumMod val="60000"/>
+  </cs:variation>
+  <cs:variation>
+    <a:lumMod val="80000"/>
+    <a:lumOff val="20000"/>
+  </cs:variation>
+  <cs:variation>
+    <a:lumMod val="80000"/>
+  </cs:variation>
+  <cs:variation>
+    <a:lumMod val="60000"/>
+    <a:lumOff val="40000"/>
+  </cs:variation>
+  <cs:variation>
+    <a:lumMod val="50000"/>
+  </cs:variation>
+  <cs:variation>
+    <a:lumMod val="70000"/>
+    <a:lumOff val="30000"/>
+  </cs:variation>
+  <cs:variation>
+    <a:lumMod val="70000"/>
+  </cs:variation>
+  <cs:variation>
+    <a:lumMod val="50000"/>
+    <a:lumOff val="50000"/>
+  </cs:variation>
+</cs:colorStyle>
+</file>
+
 <file path=ppt/charts/style1.xml><?xml version="1.0" encoding="utf-8"?>
-<cs:chartStyle xmlns:cs="http://schemas.microsoft.com/office/drawing/2012/chartStyle" xmlns:a="http://schemas.openxmlformats.org/drawingml/2006/main" id="227">
+<cs:chartStyle xmlns:cs="http://schemas.microsoft.com/office/drawing/2012/chartStyle" xmlns:a="http://schemas.openxmlformats.org/drawingml/2006/main" id="332">
   <cs:axisTitle>
     <cs:lnRef idx="0"/>
     <cs:fillRef idx="0"/>
@@ -1718,11 +2517,6 @@
     <cs:fontRef idx="minor">
       <a:schemeClr val="tx1"/>
     </cs:fontRef>
-    <cs:spPr>
-      <a:solidFill>
-        <a:schemeClr val="phClr"/>
-      </a:solidFill>
-    </cs:spPr>
   </cs:dataPoint>
   <cs:dataPoint3D>
     <cs:lnRef idx="0"/>
@@ -1733,11 +2527,6 @@
     <cs:fontRef idx="minor">
       <a:schemeClr val="tx1"/>
     </cs:fontRef>
-    <cs:spPr>
-      <a:solidFill>
-        <a:schemeClr val="phClr"/>
-      </a:solidFill>
-    </cs:spPr>
   </cs:dataPoint3D>
   <cs:dataPointLine>
     <cs:lnRef idx="0">
@@ -1769,9 +2558,6 @@
       <a:schemeClr val="tx1"/>
     </cs:fontRef>
     <cs:spPr>
-      <a:solidFill>
-        <a:schemeClr val="phClr"/>
-      </a:solidFill>
       <a:ln w="9525">
         <a:solidFill>
           <a:schemeClr val="phClr"/>
@@ -2641,6 +3427,522 @@
 </cs:chartStyle>
 </file>
 
+<file path=ppt/charts/style3.xml><?xml version="1.0" encoding="utf-8"?>
+<cs:chartStyle xmlns:cs="http://schemas.microsoft.com/office/drawing/2012/chartStyle" xmlns:a="http://schemas.openxmlformats.org/drawingml/2006/main" id="227">
+  <cs:axisTitle>
+    <cs:lnRef idx="0"/>
+    <cs:fillRef idx="0"/>
+    <cs:effectRef idx="0"/>
+    <cs:fontRef idx="minor">
+      <a:schemeClr val="tx1">
+        <a:lumMod val="65000"/>
+        <a:lumOff val="35000"/>
+      </a:schemeClr>
+    </cs:fontRef>
+    <cs:defRPr sz="1000" kern="1200"/>
+  </cs:axisTitle>
+  <cs:categoryAxis>
+    <cs:lnRef idx="0"/>
+    <cs:fillRef idx="0"/>
+    <cs:effectRef idx="0"/>
+    <cs:fontRef idx="minor">
+      <a:schemeClr val="tx1">
+        <a:lumMod val="65000"/>
+        <a:lumOff val="35000"/>
+      </a:schemeClr>
+    </cs:fontRef>
+    <cs:spPr>
+      <a:ln w="9525" cap="flat" cmpd="sng" algn="ctr">
+        <a:solidFill>
+          <a:schemeClr val="tx1">
+            <a:lumMod val="15000"/>
+            <a:lumOff val="85000"/>
+          </a:schemeClr>
+        </a:solidFill>
+        <a:round/>
+      </a:ln>
+    </cs:spPr>
+    <cs:defRPr sz="900" kern="1200"/>
+  </cs:categoryAxis>
+  <cs:chartArea mods="allowNoFillOverride allowNoLineOverride">
+    <cs:lnRef idx="0"/>
+    <cs:fillRef idx="0"/>
+    <cs:effectRef idx="0"/>
+    <cs:fontRef idx="minor">
+      <a:schemeClr val="tx1"/>
+    </cs:fontRef>
+    <cs:spPr>
+      <a:solidFill>
+        <a:schemeClr val="bg1"/>
+      </a:solidFill>
+      <a:ln w="9525" cap="flat" cmpd="sng" algn="ctr">
+        <a:solidFill>
+          <a:schemeClr val="tx1">
+            <a:lumMod val="15000"/>
+            <a:lumOff val="85000"/>
+          </a:schemeClr>
+        </a:solidFill>
+        <a:round/>
+      </a:ln>
+    </cs:spPr>
+    <cs:defRPr sz="1000" kern="1200"/>
+  </cs:chartArea>
+  <cs:dataLabel>
+    <cs:lnRef idx="0"/>
+    <cs:fillRef idx="0"/>
+    <cs:effectRef idx="0"/>
+    <cs:fontRef idx="minor">
+      <a:schemeClr val="tx1">
+        <a:lumMod val="75000"/>
+        <a:lumOff val="25000"/>
+      </a:schemeClr>
+    </cs:fontRef>
+    <cs:defRPr sz="900" kern="1200"/>
+  </cs:dataLabel>
+  <cs:dataLabelCallout>
+    <cs:lnRef idx="0"/>
+    <cs:fillRef idx="0"/>
+    <cs:effectRef idx="0"/>
+    <cs:fontRef idx="minor">
+      <a:schemeClr val="dk1">
+        <a:lumMod val="65000"/>
+        <a:lumOff val="35000"/>
+      </a:schemeClr>
+    </cs:fontRef>
+    <cs:spPr>
+      <a:solidFill>
+        <a:schemeClr val="lt1"/>
+      </a:solidFill>
+      <a:ln>
+        <a:solidFill>
+          <a:schemeClr val="dk1">
+            <a:lumMod val="25000"/>
+            <a:lumOff val="75000"/>
+          </a:schemeClr>
+        </a:solidFill>
+      </a:ln>
+    </cs:spPr>
+    <cs:defRPr sz="900" kern="1200"/>
+    <cs:bodyPr rot="0" spcFirstLastPara="1" vertOverflow="clip" horzOverflow="clip" vert="horz" wrap="square" lIns="36576" tIns="18288" rIns="36576" bIns="18288" anchor="ctr" anchorCtr="1">
+      <a:spAutoFit/>
+    </cs:bodyPr>
+  </cs:dataLabelCallout>
+  <cs:dataPoint>
+    <cs:lnRef idx="0"/>
+    <cs:fillRef idx="1">
+      <cs:styleClr val="auto"/>
+    </cs:fillRef>
+    <cs:effectRef idx="0"/>
+    <cs:fontRef idx="minor">
+      <a:schemeClr val="tx1"/>
+    </cs:fontRef>
+    <cs:spPr>
+      <a:solidFill>
+        <a:schemeClr val="phClr"/>
+      </a:solidFill>
+    </cs:spPr>
+  </cs:dataPoint>
+  <cs:dataPoint3D>
+    <cs:lnRef idx="0"/>
+    <cs:fillRef idx="1">
+      <cs:styleClr val="auto"/>
+    </cs:fillRef>
+    <cs:effectRef idx="0"/>
+    <cs:fontRef idx="minor">
+      <a:schemeClr val="tx1"/>
+    </cs:fontRef>
+    <cs:spPr>
+      <a:solidFill>
+        <a:schemeClr val="phClr"/>
+      </a:solidFill>
+    </cs:spPr>
+  </cs:dataPoint3D>
+  <cs:dataPointLine>
+    <cs:lnRef idx="0">
+      <cs:styleClr val="auto"/>
+    </cs:lnRef>
+    <cs:fillRef idx="1"/>
+    <cs:effectRef idx="0"/>
+    <cs:fontRef idx="minor">
+      <a:schemeClr val="tx1"/>
+    </cs:fontRef>
+    <cs:spPr>
+      <a:ln w="28575" cap="rnd">
+        <a:solidFill>
+          <a:schemeClr val="phClr"/>
+        </a:solidFill>
+        <a:round/>
+      </a:ln>
+    </cs:spPr>
+  </cs:dataPointLine>
+  <cs:dataPointMarker>
+    <cs:lnRef idx="0">
+      <cs:styleClr val="auto"/>
+    </cs:lnRef>
+    <cs:fillRef idx="1">
+      <cs:styleClr val="auto"/>
+    </cs:fillRef>
+    <cs:effectRef idx="0"/>
+    <cs:fontRef idx="minor">
+      <a:schemeClr val="tx1"/>
+    </cs:fontRef>
+    <cs:spPr>
+      <a:solidFill>
+        <a:schemeClr val="phClr"/>
+      </a:solidFill>
+      <a:ln w="9525">
+        <a:solidFill>
+          <a:schemeClr val="phClr"/>
+        </a:solidFill>
+      </a:ln>
+    </cs:spPr>
+  </cs:dataPointMarker>
+  <cs:dataPointMarkerLayout symbol="circle" size="5"/>
+  <cs:dataPointWireframe>
+    <cs:lnRef idx="0">
+      <cs:styleClr val="auto"/>
+    </cs:lnRef>
+    <cs:fillRef idx="1"/>
+    <cs:effectRef idx="0"/>
+    <cs:fontRef idx="minor">
+      <a:schemeClr val="tx1"/>
+    </cs:fontRef>
+    <cs:spPr>
+      <a:ln w="9525" cap="rnd">
+        <a:solidFill>
+          <a:schemeClr val="phClr"/>
+        </a:solidFill>
+        <a:round/>
+      </a:ln>
+    </cs:spPr>
+  </cs:dataPointWireframe>
+  <cs:dataTable>
+    <cs:lnRef idx="0"/>
+    <cs:fillRef idx="0"/>
+    <cs:effectRef idx="0"/>
+    <cs:fontRef idx="minor">
+      <a:schemeClr val="tx1">
+        <a:lumMod val="65000"/>
+        <a:lumOff val="35000"/>
+      </a:schemeClr>
+    </cs:fontRef>
+    <cs:spPr>
+      <a:noFill/>
+      <a:ln w="9525" cap="flat" cmpd="sng" algn="ctr">
+        <a:solidFill>
+          <a:schemeClr val="tx1">
+            <a:lumMod val="15000"/>
+            <a:lumOff val="85000"/>
+          </a:schemeClr>
+        </a:solidFill>
+        <a:round/>
+      </a:ln>
+    </cs:spPr>
+    <cs:defRPr sz="900" kern="1200"/>
+  </cs:dataTable>
+  <cs:downBar>
+    <cs:lnRef idx="0"/>
+    <cs:fillRef idx="0"/>
+    <cs:effectRef idx="0"/>
+    <cs:fontRef idx="minor">
+      <a:schemeClr val="dk1"/>
+    </cs:fontRef>
+    <cs:spPr>
+      <a:solidFill>
+        <a:schemeClr val="dk1">
+          <a:lumMod val="65000"/>
+          <a:lumOff val="35000"/>
+        </a:schemeClr>
+      </a:solidFill>
+      <a:ln w="9525">
+        <a:solidFill>
+          <a:schemeClr val="tx1">
+            <a:lumMod val="65000"/>
+            <a:lumOff val="35000"/>
+          </a:schemeClr>
+        </a:solidFill>
+      </a:ln>
+    </cs:spPr>
+  </cs:downBar>
+  <cs:dropLine>
+    <cs:lnRef idx="0"/>
+    <cs:fillRef idx="0"/>
+    <cs:effectRef idx="0"/>
+    <cs:fontRef idx="minor">
+      <a:schemeClr val="tx1"/>
+    </cs:fontRef>
+    <cs:spPr>
+      <a:ln w="9525" cap="flat" cmpd="sng" algn="ctr">
+        <a:solidFill>
+          <a:schemeClr val="tx1">
+            <a:lumMod val="35000"/>
+            <a:lumOff val="65000"/>
+          </a:schemeClr>
+        </a:solidFill>
+        <a:round/>
+      </a:ln>
+    </cs:spPr>
+  </cs:dropLine>
+  <cs:errorBar>
+    <cs:lnRef idx="0"/>
+    <cs:fillRef idx="0"/>
+    <cs:effectRef idx="0"/>
+    <cs:fontRef idx="minor">
+      <a:schemeClr val="tx1"/>
+    </cs:fontRef>
+    <cs:spPr>
+      <a:ln w="9525" cap="flat" cmpd="sng" algn="ctr">
+        <a:solidFill>
+          <a:schemeClr val="tx1">
+            <a:lumMod val="65000"/>
+            <a:lumOff val="35000"/>
+          </a:schemeClr>
+        </a:solidFill>
+        <a:round/>
+      </a:ln>
+    </cs:spPr>
+  </cs:errorBar>
+  <cs:floor>
+    <cs:lnRef idx="0"/>
+    <cs:fillRef idx="0"/>
+    <cs:effectRef idx="0"/>
+    <cs:fontRef idx="minor">
+      <a:schemeClr val="tx1"/>
+    </cs:fontRef>
+    <cs:spPr>
+      <a:noFill/>
+      <a:ln>
+        <a:noFill/>
+      </a:ln>
+    </cs:spPr>
+  </cs:floor>
+  <cs:gridlineMajor>
+    <cs:lnRef idx="0"/>
+    <cs:fillRef idx="0"/>
+    <cs:effectRef idx="0"/>
+    <cs:fontRef idx="minor">
+      <a:schemeClr val="tx1"/>
+    </cs:fontRef>
+    <cs:spPr>
+      <a:ln w="9525" cap="flat" cmpd="sng" algn="ctr">
+        <a:solidFill>
+          <a:schemeClr val="tx1">
+            <a:lumMod val="15000"/>
+            <a:lumOff val="85000"/>
+          </a:schemeClr>
+        </a:solidFill>
+        <a:round/>
+      </a:ln>
+    </cs:spPr>
+  </cs:gridlineMajor>
+  <cs:gridlineMinor>
+    <cs:lnRef idx="0"/>
+    <cs:fillRef idx="0"/>
+    <cs:effectRef idx="0"/>
+    <cs:fontRef idx="minor">
+      <a:schemeClr val="tx1"/>
+    </cs:fontRef>
+    <cs:spPr>
+      <a:ln w="9525" cap="flat" cmpd="sng" algn="ctr">
+        <a:solidFill>
+          <a:schemeClr val="tx1">
+            <a:lumMod val="5000"/>
+            <a:lumOff val="95000"/>
+          </a:schemeClr>
+        </a:solidFill>
+        <a:round/>
+      </a:ln>
+    </cs:spPr>
+  </cs:gridlineMinor>
+  <cs:hiLoLine>
+    <cs:lnRef idx="0"/>
+    <cs:fillRef idx="0"/>
+    <cs:effectRef idx="0"/>
+    <cs:fontRef idx="minor">
+      <a:schemeClr val="tx1"/>
+    </cs:fontRef>
+    <cs:spPr>
+      <a:ln w="9525" cap="flat" cmpd="sng" algn="ctr">
+        <a:solidFill>
+          <a:schemeClr val="tx1">
+            <a:lumMod val="75000"/>
+            <a:lumOff val="25000"/>
+          </a:schemeClr>
+        </a:solidFill>
+        <a:round/>
+      </a:ln>
+    </cs:spPr>
+  </cs:hiLoLine>
+  <cs:leaderLine>
+    <cs:lnRef idx="0"/>
+    <cs:fillRef idx="0"/>
+    <cs:effectRef idx="0"/>
+    <cs:fontRef idx="minor">
+      <a:schemeClr val="tx1"/>
+    </cs:fontRef>
+    <cs:spPr>
+      <a:ln w="9525" cap="flat" cmpd="sng" algn="ctr">
+        <a:solidFill>
+          <a:schemeClr val="tx1">
+            <a:lumMod val="35000"/>
+            <a:lumOff val="65000"/>
+          </a:schemeClr>
+        </a:solidFill>
+        <a:round/>
+      </a:ln>
+    </cs:spPr>
+  </cs:leaderLine>
+  <cs:legend>
+    <cs:lnRef idx="0"/>
+    <cs:fillRef idx="0"/>
+    <cs:effectRef idx="0"/>
+    <cs:fontRef idx="minor">
+      <a:schemeClr val="tx1">
+        <a:lumMod val="65000"/>
+        <a:lumOff val="35000"/>
+      </a:schemeClr>
+    </cs:fontRef>
+    <cs:defRPr sz="900" kern="1200"/>
+  </cs:legend>
+  <cs:plotArea mods="allowNoFillOverride allowNoLineOverride">
+    <cs:lnRef idx="0"/>
+    <cs:fillRef idx="0"/>
+    <cs:effectRef idx="0"/>
+    <cs:fontRef idx="minor">
+      <a:schemeClr val="tx1"/>
+    </cs:fontRef>
+  </cs:plotArea>
+  <cs:plotArea3D mods="allowNoFillOverride allowNoLineOverride">
+    <cs:lnRef idx="0"/>
+    <cs:fillRef idx="0"/>
+    <cs:effectRef idx="0"/>
+    <cs:fontRef idx="minor">
+      <a:schemeClr val="tx1"/>
+    </cs:fontRef>
+  </cs:plotArea3D>
+  <cs:seriesAxis>
+    <cs:lnRef idx="0"/>
+    <cs:fillRef idx="0"/>
+    <cs:effectRef idx="0"/>
+    <cs:fontRef idx="minor">
+      <a:schemeClr val="tx1">
+        <a:lumMod val="65000"/>
+        <a:lumOff val="35000"/>
+      </a:schemeClr>
+    </cs:fontRef>
+    <cs:defRPr sz="900" kern="1200"/>
+  </cs:seriesAxis>
+  <cs:seriesLine>
+    <cs:lnRef idx="0"/>
+    <cs:fillRef idx="0"/>
+    <cs:effectRef idx="0"/>
+    <cs:fontRef idx="minor">
+      <a:schemeClr val="tx1"/>
+    </cs:fontRef>
+    <cs:spPr>
+      <a:ln w="9525" cap="flat" cmpd="sng" algn="ctr">
+        <a:solidFill>
+          <a:schemeClr val="tx1">
+            <a:lumMod val="35000"/>
+            <a:lumOff val="65000"/>
+          </a:schemeClr>
+        </a:solidFill>
+        <a:round/>
+      </a:ln>
+    </cs:spPr>
+  </cs:seriesLine>
+  <cs:title>
+    <cs:lnRef idx="0"/>
+    <cs:fillRef idx="0"/>
+    <cs:effectRef idx="0"/>
+    <cs:fontRef idx="minor">
+      <a:schemeClr val="tx1">
+        <a:lumMod val="65000"/>
+        <a:lumOff val="35000"/>
+      </a:schemeClr>
+    </cs:fontRef>
+    <cs:defRPr sz="1400" b="0" kern="1200" spc="0" baseline="0"/>
+  </cs:title>
+  <cs:trendline>
+    <cs:lnRef idx="0">
+      <cs:styleClr val="auto"/>
+    </cs:lnRef>
+    <cs:fillRef idx="0"/>
+    <cs:effectRef idx="0"/>
+    <cs:fontRef idx="minor">
+      <a:schemeClr val="tx1"/>
+    </cs:fontRef>
+    <cs:spPr>
+      <a:ln w="19050" cap="rnd">
+        <a:solidFill>
+          <a:schemeClr val="phClr"/>
+        </a:solidFill>
+        <a:prstDash val="sysDot"/>
+      </a:ln>
+    </cs:spPr>
+  </cs:trendline>
+  <cs:trendlineLabel>
+    <cs:lnRef idx="0"/>
+    <cs:fillRef idx="0"/>
+    <cs:effectRef idx="0"/>
+    <cs:fontRef idx="minor">
+      <a:schemeClr val="tx1">
+        <a:lumMod val="65000"/>
+        <a:lumOff val="35000"/>
+      </a:schemeClr>
+    </cs:fontRef>
+    <cs:defRPr sz="900" kern="1200"/>
+  </cs:trendlineLabel>
+  <cs:upBar>
+    <cs:lnRef idx="0"/>
+    <cs:fillRef idx="0"/>
+    <cs:effectRef idx="0"/>
+    <cs:fontRef idx="minor">
+      <a:schemeClr val="dk1"/>
+    </cs:fontRef>
+    <cs:spPr>
+      <a:solidFill>
+        <a:schemeClr val="lt1"/>
+      </a:solidFill>
+      <a:ln w="9525">
+        <a:solidFill>
+          <a:schemeClr val="tx1">
+            <a:lumMod val="15000"/>
+            <a:lumOff val="85000"/>
+          </a:schemeClr>
+        </a:solidFill>
+      </a:ln>
+    </cs:spPr>
+  </cs:upBar>
+  <cs:valueAxis>
+    <cs:lnRef idx="0"/>
+    <cs:fillRef idx="0"/>
+    <cs:effectRef idx="0"/>
+    <cs:fontRef idx="minor">
+      <a:schemeClr val="tx1">
+        <a:lumMod val="65000"/>
+        <a:lumOff val="35000"/>
+      </a:schemeClr>
+    </cs:fontRef>
+    <cs:defRPr sz="900" kern="1200"/>
+  </cs:valueAxis>
+  <cs:wall>
+    <cs:lnRef idx="0"/>
+    <cs:fillRef idx="0"/>
+    <cs:effectRef idx="0"/>
+    <cs:fontRef idx="minor">
+      <a:schemeClr val="tx1"/>
+    </cs:fontRef>
+    <cs:spPr>
+      <a:noFill/>
+      <a:ln>
+        <a:noFill/>
+      </a:ln>
+    </cs:spPr>
+  </cs:wall>
+</cs:chartStyle>
+</file>
+
 <file path=ppt/notesMasters/notesMaster1.xml><?xml version="1.0" encoding="utf-8"?>
 <p:notesMaster xmlns:a="http://schemas.openxmlformats.org/drawingml/2006/main" xmlns:r="http://schemas.openxmlformats.org/officeDocument/2006/relationships" xmlns:p="http://schemas.openxmlformats.org/presentationml/2006/main">
   <p:cSld>
@@ -3130,10 +4432,22 @@
           <a:lstStyle/>
           <a:p>
             <a:r>
+              <a:rPr lang="pt-PT" dirty="0" smtClean="0"/>
+              <a:t>Referir que o</a:t>
+            </a:r>
+            <a:r>
               <a:rPr lang="pt-PT" baseline="0" dirty="0" smtClean="0"/>
-              <a:t>gráfico do speed up</a:t>
-            </a:r>
+              <a:t> OpenMP tem mais overhead com uma thread (visto que nesta versão ele divide as threads na mesma, mas só a master é que as corre todas). Este overhead é inexistente na versão em MPI</a:t>
+            </a:r>
+          </a:p>
+          <a:p>
             <a:endParaRPr lang="pt-PT" baseline="0" dirty="0" smtClean="0"/>
+          </a:p>
+          <a:p>
+            <a:r>
+              <a:rPr lang="pt-PT" baseline="0" dirty="0" smtClean="0"/>
+              <a:t>Referir também que fizemos vários testes para vários níveis de cache, não pusemos aqui porque não valia a pena.</a:t>
+            </a:r>
           </a:p>
         </p:txBody>
       </p:sp>
@@ -3163,7 +4477,7 @@
     </p:spTree>
     <p:extLst>
       <p:ext uri="{BB962C8B-B14F-4D97-AF65-F5344CB8AC3E}">
-        <p14:creationId xmlns:p14="http://schemas.microsoft.com/office/powerpoint/2010/main" val="2220647224"/>
+        <p14:creationId xmlns:p14="http://schemas.microsoft.com/office/powerpoint/2010/main" val="938518366"/>
       </p:ext>
     </p:extLst>
   </p:cSld>
@@ -3222,7 +4536,10 @@
           <a:bodyPr/>
           <a:lstStyle/>
           <a:p>
-            <a:endParaRPr lang="pt-PT" dirty="0"/>
+            <a:r>
+              <a:rPr lang="pt-PT" baseline="0" dirty="0" smtClean="0"/>
+              <a:t>gráfico do speed up</a:t>
+            </a:r>
           </a:p>
         </p:txBody>
       </p:sp>
@@ -3244,6 +4561,95 @@
             <a:fld id="{7FD8F7CD-146B-4E0C-BFF5-21C4EECB8646}" type="slidenum">
               <a:rPr lang="en-US" smtClean="0"/>
               <a:t>12</a:t>
+            </a:fld>
+            <a:endParaRPr lang="en-US"/>
+          </a:p>
+        </p:txBody>
+      </p:sp>
+    </p:spTree>
+    <p:extLst>
+      <p:ext uri="{BB962C8B-B14F-4D97-AF65-F5344CB8AC3E}">
+        <p14:creationId xmlns:p14="http://schemas.microsoft.com/office/powerpoint/2010/main" val="2220647224"/>
+      </p:ext>
+    </p:extLst>
+  </p:cSld>
+  <p:clrMapOvr>
+    <a:masterClrMapping/>
+  </p:clrMapOvr>
+</p:notes>
+</file>
+
+<file path=ppt/notesSlides/notesSlide12.xml><?xml version="1.0" encoding="utf-8"?>
+<p:notes xmlns:a="http://schemas.openxmlformats.org/drawingml/2006/main" xmlns:r="http://schemas.openxmlformats.org/officeDocument/2006/relationships" xmlns:p="http://schemas.openxmlformats.org/presentationml/2006/main">
+  <p:cSld>
+    <p:spTree>
+      <p:nvGrpSpPr>
+        <p:cNvPr id="1" name=""/>
+        <p:cNvGrpSpPr/>
+        <p:nvPr/>
+      </p:nvGrpSpPr>
+      <p:grpSpPr>
+        <a:xfrm>
+          <a:off x="0" y="0"/>
+          <a:ext cx="0" cy="0"/>
+          <a:chOff x="0" y="0"/>
+          <a:chExt cx="0" cy="0"/>
+        </a:xfrm>
+      </p:grpSpPr>
+      <p:sp>
+        <p:nvSpPr>
+          <p:cNvPr id="2" name="Slide Image Placeholder 1"/>
+          <p:cNvSpPr>
+            <a:spLocks noGrp="1" noRot="1" noChangeAspect="1"/>
+          </p:cNvSpPr>
+          <p:nvPr>
+            <p:ph type="sldImg"/>
+          </p:nvPr>
+        </p:nvSpPr>
+        <p:spPr>
+          <a:xfrm>
+            <a:off x="1371600" y="1143000"/>
+            <a:ext cx="4114800" cy="3086100"/>
+          </a:xfrm>
+        </p:spPr>
+      </p:sp>
+      <p:sp>
+        <p:nvSpPr>
+          <p:cNvPr id="3" name="Notes Placeholder 2"/>
+          <p:cNvSpPr>
+            <a:spLocks noGrp="1"/>
+          </p:cNvSpPr>
+          <p:nvPr>
+            <p:ph type="body" idx="1"/>
+          </p:nvPr>
+        </p:nvSpPr>
+        <p:spPr/>
+        <p:txBody>
+          <a:bodyPr/>
+          <a:lstStyle/>
+          <a:p>
+            <a:endParaRPr lang="pt-PT" dirty="0"/>
+          </a:p>
+        </p:txBody>
+      </p:sp>
+      <p:sp>
+        <p:nvSpPr>
+          <p:cNvPr id="4" name="Slide Number Placeholder 3"/>
+          <p:cNvSpPr>
+            <a:spLocks noGrp="1"/>
+          </p:cNvSpPr>
+          <p:nvPr>
+            <p:ph type="sldNum" sz="quarter" idx="10"/>
+          </p:nvPr>
+        </p:nvSpPr>
+        <p:spPr/>
+        <p:txBody>
+          <a:bodyPr/>
+          <a:lstStyle/>
+          <a:p>
+            <a:fld id="{7FD8F7CD-146B-4E0C-BFF5-21C4EECB8646}" type="slidenum">
+              <a:rPr lang="en-US" smtClean="0"/>
+              <a:t>13</a:t>
             </a:fld>
             <a:endParaRPr lang="en-US"/>
           </a:p>
@@ -3611,48 +5017,52 @@
             </a:r>
             <a:r>
               <a:rPr lang="pt-PT" baseline="0" dirty="0" smtClean="0"/>
-              <a:t> cor é uma thread, neste exemplo são 4 threads</a:t>
-            </a:r>
-          </a:p>
-          <a:p>
+              <a:t> cor é uma thread</a:t>
+            </a:r>
             <a:r>
               <a:rPr lang="pt-PT" baseline="0" dirty="0" smtClean="0"/>
-              <a:t>ou seja, neste exemplo, cada cor pode correr paralelamente a outra, mas 2 vermelhas não podem correr paralelamente.</a:t>
+              <a:t>,</a:t>
             </a:r>
           </a:p>
           <a:p>
             <a:r>
               <a:rPr lang="pt-PT" baseline="0" dirty="0" smtClean="0"/>
-              <a:t>Primeiras </a:t>
+              <a:t>cores correm paralelamente</a:t>
+            </a:r>
+          </a:p>
+          <a:p>
+            <a:r>
+              <a:rPr lang="pt-PT" baseline="0" dirty="0" smtClean="0"/>
+              <a:t>Primeiras recursões </a:t>
+            </a:r>
+            <a:r>
+              <a:rPr lang="pt-PT" baseline="0" dirty="0" smtClean="0"/>
+              <a:t>usam poucas threads e primeiras iterações demoram mais</a:t>
+            </a:r>
+          </a:p>
+          <a:p>
+            <a:r>
+              <a:rPr lang="pt-PT" baseline="0" dirty="0" smtClean="0"/>
+              <a:t>falar em </a:t>
             </a:r>
             <a:r>
               <a:rPr lang="pt-PT" baseline="0" dirty="0" err="1" smtClean="0"/>
-              <a:t>recursoes</a:t>
+              <a:t>Tasks</a:t>
+            </a:r>
+            <a:endParaRPr lang="pt-PT" dirty="0" smtClean="0"/>
+          </a:p>
+          <a:p>
+            <a:r>
+              <a:rPr lang="pt-PT" dirty="0" smtClean="0"/>
+              <a:t>referir </a:t>
+            </a:r>
+            <a:r>
+              <a:rPr lang="pt-PT" dirty="0" err="1" smtClean="0"/>
+              <a:t>speedup</a:t>
             </a:r>
             <a:r>
               <a:rPr lang="pt-PT" baseline="0" dirty="0" smtClean="0"/>
-              <a:t> usam poucas threads e primeiras iterações demoram mais</a:t>
-            </a:r>
-          </a:p>
-          <a:p>
-            <a:r>
-              <a:rPr lang="pt-PT" baseline="0" dirty="0" smtClean="0"/>
-              <a:t>Paralelização garantida através de </a:t>
-            </a:r>
-            <a:r>
-              <a:rPr lang="pt-PT" baseline="0" dirty="0" err="1" smtClean="0"/>
-              <a:t>tasks</a:t>
-            </a:r>
-            <a:endParaRPr lang="pt-PT" baseline="0" dirty="0" smtClean="0"/>
-          </a:p>
-          <a:p>
-            <a:r>
-              <a:rPr lang="pt-PT" dirty="0" smtClean="0"/>
-              <a:t>Cada chamada a função corre numa </a:t>
-            </a:r>
-            <a:r>
-              <a:rPr lang="pt-PT" dirty="0" err="1" smtClean="0"/>
-              <a:t>task</a:t>
+              <a:t> máximo de 4 vezes</a:t>
             </a:r>
             <a:endParaRPr lang="pt-PT" dirty="0"/>
           </a:p>
@@ -4063,12 +5473,7 @@
             <p:ph type="sldImg"/>
           </p:nvPr>
         </p:nvSpPr>
-        <p:spPr>
-          <a:xfrm>
-            <a:off x="1371600" y="1143000"/>
-            <a:ext cx="4114800" cy="3086100"/>
-          </a:xfrm>
-        </p:spPr>
+        <p:spPr/>
       </p:sp>
       <p:sp>
         <p:nvSpPr>
@@ -4085,7 +5490,17 @@
           <a:bodyPr/>
           <a:lstStyle/>
           <a:p>
-            <a:endParaRPr lang="pt-PT" dirty="0"/>
+            <a:r>
+              <a:rPr lang="pt-PT" dirty="0" smtClean="0"/>
+              <a:t>Nodo 662</a:t>
+            </a:r>
+          </a:p>
+          <a:p>
+            <a:r>
+              <a:rPr lang="pt-PT" smtClean="0"/>
+              <a:t>OpenMPI</a:t>
+            </a:r>
+            <a:endParaRPr lang="pt-PT" dirty="0" smtClean="0"/>
           </a:p>
         </p:txBody>
       </p:sp>
@@ -4115,7 +5530,7 @@
     </p:spTree>
     <p:extLst>
       <p:ext uri="{BB962C8B-B14F-4D97-AF65-F5344CB8AC3E}">
-        <p14:creationId xmlns:p14="http://schemas.microsoft.com/office/powerpoint/2010/main" val="112323497"/>
+        <p14:creationId xmlns:p14="http://schemas.microsoft.com/office/powerpoint/2010/main" val="572669137"/>
       </p:ext>
     </p:extLst>
   </p:cSld>
@@ -4174,23 +5589,7 @@
           <a:bodyPr/>
           <a:lstStyle/>
           <a:p>
-            <a:r>
-              <a:rPr lang="pt-PT" dirty="0" smtClean="0"/>
-              <a:t>Referir que o</a:t>
-            </a:r>
-            <a:r>
-              <a:rPr lang="pt-PT" baseline="0" dirty="0" smtClean="0"/>
-              <a:t> OpenMP tem mais overhead com uma thread (visto que nesta versão ele divide as threads na mesma, mas só a master é que as corre todas). Este overhead é inexistente na versão em MPI</a:t>
-            </a:r>
-          </a:p>
-          <a:p>
-            <a:endParaRPr lang="pt-PT" baseline="0" dirty="0" smtClean="0"/>
-          </a:p>
-          <a:p>
-            <a:r>
-              <a:rPr lang="pt-PT" baseline="0" dirty="0" smtClean="0"/>
-              <a:t>Referir também que fizemos vários testes para vários níveis de cache, não pusemos aqui porque não valia a pena.</a:t>
-            </a:r>
+            <a:endParaRPr lang="pt-PT" dirty="0"/>
           </a:p>
         </p:txBody>
       </p:sp>
@@ -4211,7 +5610,7 @@
           <a:p>
             <a:fld id="{7FD8F7CD-146B-4E0C-BFF5-21C4EECB8646}" type="slidenum">
               <a:rPr lang="en-US" smtClean="0"/>
-              <a:t>10</a:t>
+              <a:t>9</a:t>
             </a:fld>
             <a:endParaRPr lang="en-US"/>
           </a:p>
@@ -4220,7 +5619,7 @@
     </p:spTree>
     <p:extLst>
       <p:ext uri="{BB962C8B-B14F-4D97-AF65-F5344CB8AC3E}">
-        <p14:creationId xmlns:p14="http://schemas.microsoft.com/office/powerpoint/2010/main" val="938518366"/>
+        <p14:creationId xmlns:p14="http://schemas.microsoft.com/office/powerpoint/2010/main" val="112323497"/>
       </p:ext>
     </p:extLst>
   </p:cSld>
@@ -10425,6 +11824,1324 @@
           <a:chExt cx="0" cy="0"/>
         </a:xfrm>
       </p:grpSpPr>
+      <p:grpSp>
+        <p:nvGrpSpPr>
+          <p:cNvPr id="10" name="Group 9"/>
+          <p:cNvGrpSpPr/>
+          <p:nvPr/>
+        </p:nvGrpSpPr>
+        <p:grpSpPr>
+          <a:xfrm>
+            <a:off x="798881" y="3406877"/>
+            <a:ext cx="7607699" cy="1524000"/>
+            <a:chOff x="1446519" y="3406877"/>
+            <a:chExt cx="8484062" cy="1524000"/>
+          </a:xfrm>
+        </p:grpSpPr>
+        <p:sp>
+          <p:nvSpPr>
+            <p:cNvPr id="6" name="Rectangle 5"/>
+            <p:cNvSpPr/>
+            <p:nvPr/>
+          </p:nvSpPr>
+          <p:spPr>
+            <a:xfrm>
+              <a:off x="1602658" y="3549445"/>
+              <a:ext cx="8327923" cy="1238865"/>
+            </a:xfrm>
+            <a:prstGeom prst="rect">
+              <a:avLst/>
+            </a:prstGeom>
+            <a:solidFill>
+              <a:schemeClr val="accent6">
+                <a:lumMod val="20000"/>
+                <a:lumOff val="80000"/>
+              </a:schemeClr>
+            </a:solidFill>
+          </p:spPr>
+          <p:style>
+            <a:lnRef idx="2">
+              <a:schemeClr val="accent1">
+                <a:shade val="50000"/>
+              </a:schemeClr>
+            </a:lnRef>
+            <a:fillRef idx="1">
+              <a:schemeClr val="accent1"/>
+            </a:fillRef>
+            <a:effectRef idx="0">
+              <a:schemeClr val="accent1"/>
+            </a:effectRef>
+            <a:fontRef idx="minor">
+              <a:schemeClr val="lt1"/>
+            </a:fontRef>
+          </p:style>
+          <p:txBody>
+            <a:bodyPr rtlCol="0" anchor="ctr"/>
+            <a:lstStyle/>
+            <a:p>
+              <a:pPr algn="ctr"/>
+              <a:endParaRPr lang="pt-PT"/>
+            </a:p>
+          </p:txBody>
+        </p:sp>
+        <p:sp>
+          <p:nvSpPr>
+            <p:cNvPr id="8" name="Rectangle 7"/>
+            <p:cNvSpPr/>
+            <p:nvPr/>
+          </p:nvSpPr>
+          <p:spPr>
+            <a:xfrm>
+              <a:off x="1446519" y="3406877"/>
+              <a:ext cx="806245" cy="1524000"/>
+            </a:xfrm>
+            <a:prstGeom prst="rect">
+              <a:avLst/>
+            </a:prstGeom>
+            <a:noFill/>
+            <a:ln>
+              <a:noFill/>
+            </a:ln>
+          </p:spPr>
+          <p:style>
+            <a:lnRef idx="2">
+              <a:schemeClr val="accent1">
+                <a:shade val="50000"/>
+              </a:schemeClr>
+            </a:lnRef>
+            <a:fillRef idx="1">
+              <a:schemeClr val="accent1"/>
+            </a:fillRef>
+            <a:effectRef idx="0">
+              <a:schemeClr val="accent1"/>
+            </a:effectRef>
+            <a:fontRef idx="minor">
+              <a:schemeClr val="lt1"/>
+            </a:fontRef>
+          </p:style>
+          <p:txBody>
+            <a:bodyPr vert="vert270" rtlCol="0" anchor="ctr"/>
+            <a:lstStyle/>
+            <a:p>
+              <a:pPr algn="ctr"/>
+              <a:r>
+                <a:rPr lang="pt-PT" dirty="0">
+                  <a:solidFill>
+                    <a:schemeClr val="tx1"/>
+                  </a:solidFill>
+                </a:rPr>
+                <a:t>OpenMP</a:t>
+              </a:r>
+            </a:p>
+          </p:txBody>
+        </p:sp>
+      </p:grpSp>
+      <p:grpSp>
+        <p:nvGrpSpPr>
+          <p:cNvPr id="9" name="Group 8"/>
+          <p:cNvGrpSpPr/>
+          <p:nvPr/>
+        </p:nvGrpSpPr>
+        <p:grpSpPr>
+          <a:xfrm>
+            <a:off x="798881" y="2079521"/>
+            <a:ext cx="7607700" cy="1524000"/>
+            <a:chOff x="1427444" y="2079521"/>
+            <a:chExt cx="8503137" cy="1524000"/>
+          </a:xfrm>
+        </p:grpSpPr>
+        <p:sp>
+          <p:nvSpPr>
+            <p:cNvPr id="5" name="Rectangle 4"/>
+            <p:cNvSpPr/>
+            <p:nvPr/>
+          </p:nvSpPr>
+          <p:spPr>
+            <a:xfrm>
+              <a:off x="1602658" y="2133599"/>
+              <a:ext cx="8327923" cy="1415845"/>
+            </a:xfrm>
+            <a:prstGeom prst="rect">
+              <a:avLst/>
+            </a:prstGeom>
+            <a:solidFill>
+              <a:schemeClr val="accent2">
+                <a:lumMod val="20000"/>
+                <a:lumOff val="80000"/>
+              </a:schemeClr>
+            </a:solidFill>
+          </p:spPr>
+          <p:style>
+            <a:lnRef idx="2">
+              <a:schemeClr val="accent1">
+                <a:shade val="50000"/>
+              </a:schemeClr>
+            </a:lnRef>
+            <a:fillRef idx="1">
+              <a:schemeClr val="accent1"/>
+            </a:fillRef>
+            <a:effectRef idx="0">
+              <a:schemeClr val="accent1"/>
+            </a:effectRef>
+            <a:fontRef idx="minor">
+              <a:schemeClr val="lt1"/>
+            </a:fontRef>
+          </p:style>
+          <p:txBody>
+            <a:bodyPr rtlCol="0" anchor="ctr"/>
+            <a:lstStyle/>
+            <a:p>
+              <a:pPr algn="ctr"/>
+              <a:endParaRPr lang="pt-PT"/>
+            </a:p>
+          </p:txBody>
+        </p:sp>
+        <p:sp>
+          <p:nvSpPr>
+            <p:cNvPr id="7" name="Rectangle 6"/>
+            <p:cNvSpPr/>
+            <p:nvPr/>
+          </p:nvSpPr>
+          <p:spPr>
+            <a:xfrm>
+              <a:off x="1427444" y="2079521"/>
+              <a:ext cx="806245" cy="1524000"/>
+            </a:xfrm>
+            <a:prstGeom prst="rect">
+              <a:avLst/>
+            </a:prstGeom>
+            <a:noFill/>
+            <a:ln>
+              <a:noFill/>
+            </a:ln>
+          </p:spPr>
+          <p:style>
+            <a:lnRef idx="2">
+              <a:schemeClr val="accent1">
+                <a:shade val="50000"/>
+              </a:schemeClr>
+            </a:lnRef>
+            <a:fillRef idx="1">
+              <a:schemeClr val="accent1"/>
+            </a:fillRef>
+            <a:effectRef idx="0">
+              <a:schemeClr val="accent1"/>
+            </a:effectRef>
+            <a:fontRef idx="minor">
+              <a:schemeClr val="lt1"/>
+            </a:fontRef>
+          </p:style>
+          <p:txBody>
+            <a:bodyPr vert="vert270" rtlCol="0" anchor="ctr"/>
+            <a:lstStyle/>
+            <a:p>
+              <a:pPr algn="ctr"/>
+              <a:r>
+                <a:rPr lang="pt-PT" dirty="0">
+                  <a:solidFill>
+                    <a:schemeClr val="tx1"/>
+                  </a:solidFill>
+                </a:rPr>
+                <a:t>OpenMPI</a:t>
+              </a:r>
+            </a:p>
+          </p:txBody>
+        </p:sp>
+      </p:grpSp>
+      <p:sp>
+        <p:nvSpPr>
+          <p:cNvPr id="2" name="Content Placeholder 2"/>
+          <p:cNvSpPr txBox="1">
+            <a:spLocks/>
+          </p:cNvSpPr>
+          <p:nvPr/>
+        </p:nvSpPr>
+        <p:spPr>
+          <a:xfrm>
+            <a:off x="1952502" y="914399"/>
+            <a:ext cx="1926533" cy="4897054"/>
+          </a:xfrm>
+          <a:prstGeom prst="rect">
+            <a:avLst/>
+          </a:prstGeom>
+        </p:spPr>
+        <p:txBody>
+          <a:bodyPr anchor="ctr"/>
+          <a:lstStyle>
+            <a:lvl1pPr marL="285750" indent="-285750" algn="l" defTabSz="457200" rtl="0" eaLnBrk="1" latinLnBrk="0" hangingPunct="1">
+              <a:spcBef>
+                <a:spcPct val="20000"/>
+              </a:spcBef>
+              <a:spcAft>
+                <a:spcPts val="600"/>
+              </a:spcAft>
+              <a:buClr>
+                <a:schemeClr val="accent1"/>
+              </a:buClr>
+              <a:buSzPct val="115000"/>
+              <a:buFont typeface="Arial"/>
+              <a:buChar char="•"/>
+              <a:defRPr sz="2400" kern="1200" cap="none">
+                <a:solidFill>
+                  <a:schemeClr val="tx1">
+                    <a:lumMod val="85000"/>
+                    <a:lumOff val="15000"/>
+                  </a:schemeClr>
+                </a:solidFill>
+                <a:effectLst/>
+                <a:latin typeface="+mn-lt"/>
+                <a:ea typeface="+mn-ea"/>
+                <a:cs typeface="+mn-cs"/>
+              </a:defRPr>
+            </a:lvl1pPr>
+            <a:lvl2pPr marL="742950" indent="-285750" algn="l" defTabSz="457200" rtl="0" eaLnBrk="1" latinLnBrk="0" hangingPunct="1">
+              <a:spcBef>
+                <a:spcPct val="20000"/>
+              </a:spcBef>
+              <a:spcAft>
+                <a:spcPts val="600"/>
+              </a:spcAft>
+              <a:buClr>
+                <a:schemeClr val="accent1"/>
+              </a:buClr>
+              <a:buSzPct val="115000"/>
+              <a:buFont typeface="Arial"/>
+              <a:buChar char="•"/>
+              <a:defRPr sz="2000" kern="1200" cap="none">
+                <a:solidFill>
+                  <a:schemeClr val="tx1">
+                    <a:lumMod val="85000"/>
+                    <a:lumOff val="15000"/>
+                  </a:schemeClr>
+                </a:solidFill>
+                <a:effectLst/>
+                <a:latin typeface="+mn-lt"/>
+                <a:ea typeface="+mn-ea"/>
+                <a:cs typeface="+mn-cs"/>
+              </a:defRPr>
+            </a:lvl2pPr>
+            <a:lvl3pPr marL="1200150" indent="-285750" algn="l" defTabSz="457200" rtl="0" eaLnBrk="1" latinLnBrk="0" hangingPunct="1">
+              <a:spcBef>
+                <a:spcPct val="20000"/>
+              </a:spcBef>
+              <a:spcAft>
+                <a:spcPts val="600"/>
+              </a:spcAft>
+              <a:buClr>
+                <a:schemeClr val="accent1"/>
+              </a:buClr>
+              <a:buSzPct val="115000"/>
+              <a:buFont typeface="Arial"/>
+              <a:buChar char="•"/>
+              <a:defRPr sz="1800" kern="1200" cap="none">
+                <a:solidFill>
+                  <a:schemeClr val="tx1">
+                    <a:lumMod val="85000"/>
+                    <a:lumOff val="15000"/>
+                  </a:schemeClr>
+                </a:solidFill>
+                <a:effectLst/>
+                <a:latin typeface="+mn-lt"/>
+                <a:ea typeface="+mn-ea"/>
+                <a:cs typeface="+mn-cs"/>
+              </a:defRPr>
+            </a:lvl3pPr>
+            <a:lvl4pPr marL="1543050" indent="-171450" algn="l" defTabSz="457200" rtl="0" eaLnBrk="1" latinLnBrk="0" hangingPunct="1">
+              <a:spcBef>
+                <a:spcPct val="20000"/>
+              </a:spcBef>
+              <a:spcAft>
+                <a:spcPts val="600"/>
+              </a:spcAft>
+              <a:buClr>
+                <a:schemeClr val="accent1"/>
+              </a:buClr>
+              <a:buSzPct val="115000"/>
+              <a:buFont typeface="Arial"/>
+              <a:buChar char="•"/>
+              <a:defRPr sz="1600" kern="1200" cap="none">
+                <a:solidFill>
+                  <a:schemeClr val="tx1">
+                    <a:lumMod val="85000"/>
+                    <a:lumOff val="15000"/>
+                  </a:schemeClr>
+                </a:solidFill>
+                <a:effectLst/>
+                <a:latin typeface="+mn-lt"/>
+                <a:ea typeface="+mn-ea"/>
+                <a:cs typeface="+mn-cs"/>
+              </a:defRPr>
+            </a:lvl4pPr>
+            <a:lvl5pPr marL="2000250" indent="-171450" algn="l" defTabSz="457200" rtl="0" eaLnBrk="1" latinLnBrk="0" hangingPunct="1">
+              <a:spcBef>
+                <a:spcPct val="20000"/>
+              </a:spcBef>
+              <a:spcAft>
+                <a:spcPts val="600"/>
+              </a:spcAft>
+              <a:buClr>
+                <a:schemeClr val="accent1"/>
+              </a:buClr>
+              <a:buSzPct val="115000"/>
+              <a:buFont typeface="Arial"/>
+              <a:buChar char="•"/>
+              <a:defRPr sz="1400" kern="1200" cap="none">
+                <a:solidFill>
+                  <a:schemeClr val="tx1">
+                    <a:lumMod val="85000"/>
+                    <a:lumOff val="15000"/>
+                  </a:schemeClr>
+                </a:solidFill>
+                <a:effectLst/>
+                <a:latin typeface="+mn-lt"/>
+                <a:ea typeface="+mn-ea"/>
+                <a:cs typeface="+mn-cs"/>
+              </a:defRPr>
+            </a:lvl5pPr>
+            <a:lvl6pPr marL="2514600" indent="-228600" algn="l" defTabSz="457200" rtl="0" eaLnBrk="1" latinLnBrk="0" hangingPunct="1">
+              <a:spcBef>
+                <a:spcPct val="20000"/>
+              </a:spcBef>
+              <a:spcAft>
+                <a:spcPts val="600"/>
+              </a:spcAft>
+              <a:buClr>
+                <a:schemeClr val="accent1"/>
+              </a:buClr>
+              <a:buSzPct val="115000"/>
+              <a:buFont typeface="Arial"/>
+              <a:buChar char="•"/>
+              <a:defRPr sz="1400" kern="1200" cap="none">
+                <a:solidFill>
+                  <a:schemeClr val="tx1">
+                    <a:lumMod val="85000"/>
+                    <a:lumOff val="15000"/>
+                  </a:schemeClr>
+                </a:solidFill>
+                <a:effectLst/>
+                <a:latin typeface="+mn-lt"/>
+                <a:ea typeface="+mn-ea"/>
+                <a:cs typeface="+mn-cs"/>
+              </a:defRPr>
+            </a:lvl6pPr>
+            <a:lvl7pPr marL="2971800" indent="-228600" algn="l" defTabSz="457200" rtl="0" eaLnBrk="1" latinLnBrk="0" hangingPunct="1">
+              <a:spcBef>
+                <a:spcPct val="20000"/>
+              </a:spcBef>
+              <a:spcAft>
+                <a:spcPts val="600"/>
+              </a:spcAft>
+              <a:buClr>
+                <a:schemeClr val="accent1"/>
+              </a:buClr>
+              <a:buSzPct val="115000"/>
+              <a:buFont typeface="Arial"/>
+              <a:buChar char="•"/>
+              <a:defRPr sz="1400" kern="1200" cap="none">
+                <a:solidFill>
+                  <a:schemeClr val="tx1">
+                    <a:lumMod val="85000"/>
+                    <a:lumOff val="15000"/>
+                  </a:schemeClr>
+                </a:solidFill>
+                <a:effectLst/>
+                <a:latin typeface="+mn-lt"/>
+                <a:ea typeface="+mn-ea"/>
+                <a:cs typeface="+mn-cs"/>
+              </a:defRPr>
+            </a:lvl7pPr>
+            <a:lvl8pPr marL="3429000" indent="-228600" algn="l" defTabSz="457200" rtl="0" eaLnBrk="1" latinLnBrk="0" hangingPunct="1">
+              <a:spcBef>
+                <a:spcPct val="20000"/>
+              </a:spcBef>
+              <a:spcAft>
+                <a:spcPts val="600"/>
+              </a:spcAft>
+              <a:buClr>
+                <a:schemeClr val="accent1"/>
+              </a:buClr>
+              <a:buSzPct val="115000"/>
+              <a:buFont typeface="Arial"/>
+              <a:buChar char="•"/>
+              <a:defRPr sz="1400" kern="1200" cap="none">
+                <a:solidFill>
+                  <a:schemeClr val="tx1">
+                    <a:lumMod val="85000"/>
+                    <a:lumOff val="15000"/>
+                  </a:schemeClr>
+                </a:solidFill>
+                <a:effectLst/>
+                <a:latin typeface="+mn-lt"/>
+                <a:ea typeface="+mn-ea"/>
+                <a:cs typeface="+mn-cs"/>
+              </a:defRPr>
+            </a:lvl8pPr>
+            <a:lvl9pPr marL="3886200" indent="-228600" algn="l" defTabSz="457200" rtl="0" eaLnBrk="1" latinLnBrk="0" hangingPunct="1">
+              <a:spcBef>
+                <a:spcPct val="20000"/>
+              </a:spcBef>
+              <a:spcAft>
+                <a:spcPts val="600"/>
+              </a:spcAft>
+              <a:buClr>
+                <a:schemeClr val="accent1"/>
+              </a:buClr>
+              <a:buSzPct val="115000"/>
+              <a:buFont typeface="Arial"/>
+              <a:buChar char="•"/>
+              <a:defRPr sz="1400" kern="1200" cap="none">
+                <a:solidFill>
+                  <a:schemeClr val="tx1">
+                    <a:lumMod val="85000"/>
+                    <a:lumOff val="15000"/>
+                  </a:schemeClr>
+                </a:solidFill>
+                <a:effectLst/>
+                <a:latin typeface="+mn-lt"/>
+                <a:ea typeface="+mn-ea"/>
+                <a:cs typeface="+mn-cs"/>
+              </a:defRPr>
+            </a:lvl9pPr>
+          </a:lstStyle>
+          <a:p>
+            <a:pPr marL="0" indent="0" algn="ctr">
+              <a:buNone/>
+            </a:pPr>
+            <a:r>
+              <a:rPr lang="pt-PT" dirty="0"/>
+              <a:t>[ 9, 2, 5 ]</a:t>
+            </a:r>
+          </a:p>
+          <a:p>
+            <a:pPr marL="0" indent="0" algn="ctr">
+              <a:buNone/>
+            </a:pPr>
+            <a:endParaRPr lang="pt-PT" dirty="0"/>
+          </a:p>
+          <a:p>
+            <a:pPr marL="0" indent="0" algn="ctr">
+              <a:buNone/>
+            </a:pPr>
+            <a:r>
+              <a:rPr lang="pt-PT" dirty="0"/>
+              <a:t>[ 2, 1, 3 ]</a:t>
+            </a:r>
+          </a:p>
+          <a:p>
+            <a:pPr marL="0" indent="0" algn="ctr">
+              <a:buNone/>
+            </a:pPr>
+            <a:endParaRPr lang="pt-PT" dirty="0"/>
+          </a:p>
+          <a:p>
+            <a:pPr marL="0" indent="0" algn="ctr">
+              <a:buNone/>
+            </a:pPr>
+            <a:r>
+              <a:rPr lang="pt-PT" dirty="0"/>
+              <a:t>[ 1, 2, 3 ]</a:t>
+            </a:r>
+          </a:p>
+        </p:txBody>
+      </p:sp>
+      <p:sp>
+        <p:nvSpPr>
+          <p:cNvPr id="3" name="Content Placeholder 2"/>
+          <p:cNvSpPr txBox="1">
+            <a:spLocks/>
+          </p:cNvSpPr>
+          <p:nvPr/>
+        </p:nvSpPr>
+        <p:spPr>
+          <a:xfrm>
+            <a:off x="4280646" y="914399"/>
+            <a:ext cx="1818378" cy="4897054"/>
+          </a:xfrm>
+          <a:prstGeom prst="rect">
+            <a:avLst/>
+          </a:prstGeom>
+        </p:spPr>
+        <p:txBody>
+          <a:bodyPr anchor="ctr"/>
+          <a:lstStyle>
+            <a:lvl1pPr marL="285750" indent="-285750" algn="l" defTabSz="457200" rtl="0" eaLnBrk="1" latinLnBrk="0" hangingPunct="1">
+              <a:spcBef>
+                <a:spcPct val="20000"/>
+              </a:spcBef>
+              <a:spcAft>
+                <a:spcPts val="600"/>
+              </a:spcAft>
+              <a:buClr>
+                <a:schemeClr val="accent1"/>
+              </a:buClr>
+              <a:buSzPct val="115000"/>
+              <a:buFont typeface="Arial"/>
+              <a:buChar char="•"/>
+              <a:defRPr sz="2400" kern="1200" cap="none">
+                <a:solidFill>
+                  <a:schemeClr val="tx1">
+                    <a:lumMod val="85000"/>
+                    <a:lumOff val="15000"/>
+                  </a:schemeClr>
+                </a:solidFill>
+                <a:effectLst/>
+                <a:latin typeface="+mn-lt"/>
+                <a:ea typeface="+mn-ea"/>
+                <a:cs typeface="+mn-cs"/>
+              </a:defRPr>
+            </a:lvl1pPr>
+            <a:lvl2pPr marL="742950" indent="-285750" algn="l" defTabSz="457200" rtl="0" eaLnBrk="1" latinLnBrk="0" hangingPunct="1">
+              <a:spcBef>
+                <a:spcPct val="20000"/>
+              </a:spcBef>
+              <a:spcAft>
+                <a:spcPts val="600"/>
+              </a:spcAft>
+              <a:buClr>
+                <a:schemeClr val="accent1"/>
+              </a:buClr>
+              <a:buSzPct val="115000"/>
+              <a:buFont typeface="Arial"/>
+              <a:buChar char="•"/>
+              <a:defRPr sz="2000" kern="1200" cap="none">
+                <a:solidFill>
+                  <a:schemeClr val="tx1">
+                    <a:lumMod val="85000"/>
+                    <a:lumOff val="15000"/>
+                  </a:schemeClr>
+                </a:solidFill>
+                <a:effectLst/>
+                <a:latin typeface="+mn-lt"/>
+                <a:ea typeface="+mn-ea"/>
+                <a:cs typeface="+mn-cs"/>
+              </a:defRPr>
+            </a:lvl2pPr>
+            <a:lvl3pPr marL="1200150" indent="-285750" algn="l" defTabSz="457200" rtl="0" eaLnBrk="1" latinLnBrk="0" hangingPunct="1">
+              <a:spcBef>
+                <a:spcPct val="20000"/>
+              </a:spcBef>
+              <a:spcAft>
+                <a:spcPts val="600"/>
+              </a:spcAft>
+              <a:buClr>
+                <a:schemeClr val="accent1"/>
+              </a:buClr>
+              <a:buSzPct val="115000"/>
+              <a:buFont typeface="Arial"/>
+              <a:buChar char="•"/>
+              <a:defRPr sz="1800" kern="1200" cap="none">
+                <a:solidFill>
+                  <a:schemeClr val="tx1">
+                    <a:lumMod val="85000"/>
+                    <a:lumOff val="15000"/>
+                  </a:schemeClr>
+                </a:solidFill>
+                <a:effectLst/>
+                <a:latin typeface="+mn-lt"/>
+                <a:ea typeface="+mn-ea"/>
+                <a:cs typeface="+mn-cs"/>
+              </a:defRPr>
+            </a:lvl3pPr>
+            <a:lvl4pPr marL="1543050" indent="-171450" algn="l" defTabSz="457200" rtl="0" eaLnBrk="1" latinLnBrk="0" hangingPunct="1">
+              <a:spcBef>
+                <a:spcPct val="20000"/>
+              </a:spcBef>
+              <a:spcAft>
+                <a:spcPts val="600"/>
+              </a:spcAft>
+              <a:buClr>
+                <a:schemeClr val="accent1"/>
+              </a:buClr>
+              <a:buSzPct val="115000"/>
+              <a:buFont typeface="Arial"/>
+              <a:buChar char="•"/>
+              <a:defRPr sz="1600" kern="1200" cap="none">
+                <a:solidFill>
+                  <a:schemeClr val="tx1">
+                    <a:lumMod val="85000"/>
+                    <a:lumOff val="15000"/>
+                  </a:schemeClr>
+                </a:solidFill>
+                <a:effectLst/>
+                <a:latin typeface="+mn-lt"/>
+                <a:ea typeface="+mn-ea"/>
+                <a:cs typeface="+mn-cs"/>
+              </a:defRPr>
+            </a:lvl4pPr>
+            <a:lvl5pPr marL="2000250" indent="-171450" algn="l" defTabSz="457200" rtl="0" eaLnBrk="1" latinLnBrk="0" hangingPunct="1">
+              <a:spcBef>
+                <a:spcPct val="20000"/>
+              </a:spcBef>
+              <a:spcAft>
+                <a:spcPts val="600"/>
+              </a:spcAft>
+              <a:buClr>
+                <a:schemeClr val="accent1"/>
+              </a:buClr>
+              <a:buSzPct val="115000"/>
+              <a:buFont typeface="Arial"/>
+              <a:buChar char="•"/>
+              <a:defRPr sz="1400" kern="1200" cap="none">
+                <a:solidFill>
+                  <a:schemeClr val="tx1">
+                    <a:lumMod val="85000"/>
+                    <a:lumOff val="15000"/>
+                  </a:schemeClr>
+                </a:solidFill>
+                <a:effectLst/>
+                <a:latin typeface="+mn-lt"/>
+                <a:ea typeface="+mn-ea"/>
+                <a:cs typeface="+mn-cs"/>
+              </a:defRPr>
+            </a:lvl5pPr>
+            <a:lvl6pPr marL="2514600" indent="-228600" algn="l" defTabSz="457200" rtl="0" eaLnBrk="1" latinLnBrk="0" hangingPunct="1">
+              <a:spcBef>
+                <a:spcPct val="20000"/>
+              </a:spcBef>
+              <a:spcAft>
+                <a:spcPts val="600"/>
+              </a:spcAft>
+              <a:buClr>
+                <a:schemeClr val="accent1"/>
+              </a:buClr>
+              <a:buSzPct val="115000"/>
+              <a:buFont typeface="Arial"/>
+              <a:buChar char="•"/>
+              <a:defRPr sz="1400" kern="1200" cap="none">
+                <a:solidFill>
+                  <a:schemeClr val="tx1">
+                    <a:lumMod val="85000"/>
+                    <a:lumOff val="15000"/>
+                  </a:schemeClr>
+                </a:solidFill>
+                <a:effectLst/>
+                <a:latin typeface="+mn-lt"/>
+                <a:ea typeface="+mn-ea"/>
+                <a:cs typeface="+mn-cs"/>
+              </a:defRPr>
+            </a:lvl6pPr>
+            <a:lvl7pPr marL="2971800" indent="-228600" algn="l" defTabSz="457200" rtl="0" eaLnBrk="1" latinLnBrk="0" hangingPunct="1">
+              <a:spcBef>
+                <a:spcPct val="20000"/>
+              </a:spcBef>
+              <a:spcAft>
+                <a:spcPts val="600"/>
+              </a:spcAft>
+              <a:buClr>
+                <a:schemeClr val="accent1"/>
+              </a:buClr>
+              <a:buSzPct val="115000"/>
+              <a:buFont typeface="Arial"/>
+              <a:buChar char="•"/>
+              <a:defRPr sz="1400" kern="1200" cap="none">
+                <a:solidFill>
+                  <a:schemeClr val="tx1">
+                    <a:lumMod val="85000"/>
+                    <a:lumOff val="15000"/>
+                  </a:schemeClr>
+                </a:solidFill>
+                <a:effectLst/>
+                <a:latin typeface="+mn-lt"/>
+                <a:ea typeface="+mn-ea"/>
+                <a:cs typeface="+mn-cs"/>
+              </a:defRPr>
+            </a:lvl7pPr>
+            <a:lvl8pPr marL="3429000" indent="-228600" algn="l" defTabSz="457200" rtl="0" eaLnBrk="1" latinLnBrk="0" hangingPunct="1">
+              <a:spcBef>
+                <a:spcPct val="20000"/>
+              </a:spcBef>
+              <a:spcAft>
+                <a:spcPts val="600"/>
+              </a:spcAft>
+              <a:buClr>
+                <a:schemeClr val="accent1"/>
+              </a:buClr>
+              <a:buSzPct val="115000"/>
+              <a:buFont typeface="Arial"/>
+              <a:buChar char="•"/>
+              <a:defRPr sz="1400" kern="1200" cap="none">
+                <a:solidFill>
+                  <a:schemeClr val="tx1">
+                    <a:lumMod val="85000"/>
+                    <a:lumOff val="15000"/>
+                  </a:schemeClr>
+                </a:solidFill>
+                <a:effectLst/>
+                <a:latin typeface="+mn-lt"/>
+                <a:ea typeface="+mn-ea"/>
+                <a:cs typeface="+mn-cs"/>
+              </a:defRPr>
+            </a:lvl8pPr>
+            <a:lvl9pPr marL="3886200" indent="-228600" algn="l" defTabSz="457200" rtl="0" eaLnBrk="1" latinLnBrk="0" hangingPunct="1">
+              <a:spcBef>
+                <a:spcPct val="20000"/>
+              </a:spcBef>
+              <a:spcAft>
+                <a:spcPts val="600"/>
+              </a:spcAft>
+              <a:buClr>
+                <a:schemeClr val="accent1"/>
+              </a:buClr>
+              <a:buSzPct val="115000"/>
+              <a:buFont typeface="Arial"/>
+              <a:buChar char="•"/>
+              <a:defRPr sz="1400" kern="1200" cap="none">
+                <a:solidFill>
+                  <a:schemeClr val="tx1">
+                    <a:lumMod val="85000"/>
+                    <a:lumOff val="15000"/>
+                  </a:schemeClr>
+                </a:solidFill>
+                <a:effectLst/>
+                <a:latin typeface="+mn-lt"/>
+                <a:ea typeface="+mn-ea"/>
+                <a:cs typeface="+mn-cs"/>
+              </a:defRPr>
+            </a:lvl9pPr>
+          </a:lstStyle>
+          <a:p>
+            <a:pPr marL="0" indent="0" algn="ctr">
+              <a:buNone/>
+            </a:pPr>
+            <a:r>
+              <a:rPr lang="pt-PT" dirty="0">
+                <a:solidFill>
+                  <a:srgbClr val="FF0000"/>
+                </a:solidFill>
+              </a:rPr>
+              <a:t>[ 1, 3, 8 ]</a:t>
+            </a:r>
+          </a:p>
+          <a:p>
+            <a:pPr marL="0" indent="0" algn="ctr">
+              <a:buNone/>
+            </a:pPr>
+            <a:endParaRPr lang="pt-PT" dirty="0">
+              <a:solidFill>
+                <a:srgbClr val="FF0000"/>
+              </a:solidFill>
+            </a:endParaRPr>
+          </a:p>
+          <a:p>
+            <a:pPr marL="0" indent="0" algn="ctr">
+              <a:buNone/>
+            </a:pPr>
+            <a:r>
+              <a:rPr lang="pt-PT" dirty="0">
+                <a:solidFill>
+                  <a:srgbClr val="FF0000"/>
+                </a:solidFill>
+              </a:rPr>
+              <a:t>[ 5, 6, 4 ]</a:t>
+            </a:r>
+          </a:p>
+          <a:p>
+            <a:pPr marL="0" indent="0" algn="ctr">
+              <a:buNone/>
+            </a:pPr>
+            <a:endParaRPr lang="pt-PT" dirty="0">
+              <a:solidFill>
+                <a:srgbClr val="FF0000"/>
+              </a:solidFill>
+            </a:endParaRPr>
+          </a:p>
+          <a:p>
+            <a:pPr marL="0" indent="0" algn="ctr">
+              <a:buNone/>
+            </a:pPr>
+            <a:r>
+              <a:rPr lang="pt-PT" dirty="0">
+                <a:solidFill>
+                  <a:srgbClr val="FF0000"/>
+                </a:solidFill>
+              </a:rPr>
+              <a:t>[ 4, 5, 6 ]</a:t>
+            </a:r>
+          </a:p>
+        </p:txBody>
+      </p:sp>
+      <p:sp>
+        <p:nvSpPr>
+          <p:cNvPr id="4" name="Content Placeholder 2"/>
+          <p:cNvSpPr txBox="1">
+            <a:spLocks/>
+          </p:cNvSpPr>
+          <p:nvPr/>
+        </p:nvSpPr>
+        <p:spPr>
+          <a:xfrm>
+            <a:off x="6775015" y="914399"/>
+            <a:ext cx="1631565" cy="4897054"/>
+          </a:xfrm>
+          <a:prstGeom prst="rect">
+            <a:avLst/>
+          </a:prstGeom>
+        </p:spPr>
+        <p:txBody>
+          <a:bodyPr anchor="ctr"/>
+          <a:lstStyle>
+            <a:lvl1pPr marL="285750" indent="-285750" algn="l" defTabSz="457200" rtl="0" eaLnBrk="1" latinLnBrk="0" hangingPunct="1">
+              <a:spcBef>
+                <a:spcPct val="20000"/>
+              </a:spcBef>
+              <a:spcAft>
+                <a:spcPts val="600"/>
+              </a:spcAft>
+              <a:buClr>
+                <a:schemeClr val="accent1"/>
+              </a:buClr>
+              <a:buSzPct val="115000"/>
+              <a:buFont typeface="Arial"/>
+              <a:buChar char="•"/>
+              <a:defRPr sz="2400" kern="1200" cap="none">
+                <a:solidFill>
+                  <a:schemeClr val="tx1">
+                    <a:lumMod val="85000"/>
+                    <a:lumOff val="15000"/>
+                  </a:schemeClr>
+                </a:solidFill>
+                <a:effectLst/>
+                <a:latin typeface="+mn-lt"/>
+                <a:ea typeface="+mn-ea"/>
+                <a:cs typeface="+mn-cs"/>
+              </a:defRPr>
+            </a:lvl1pPr>
+            <a:lvl2pPr marL="742950" indent="-285750" algn="l" defTabSz="457200" rtl="0" eaLnBrk="1" latinLnBrk="0" hangingPunct="1">
+              <a:spcBef>
+                <a:spcPct val="20000"/>
+              </a:spcBef>
+              <a:spcAft>
+                <a:spcPts val="600"/>
+              </a:spcAft>
+              <a:buClr>
+                <a:schemeClr val="accent1"/>
+              </a:buClr>
+              <a:buSzPct val="115000"/>
+              <a:buFont typeface="Arial"/>
+              <a:buChar char="•"/>
+              <a:defRPr sz="2000" kern="1200" cap="none">
+                <a:solidFill>
+                  <a:schemeClr val="tx1">
+                    <a:lumMod val="85000"/>
+                    <a:lumOff val="15000"/>
+                  </a:schemeClr>
+                </a:solidFill>
+                <a:effectLst/>
+                <a:latin typeface="+mn-lt"/>
+                <a:ea typeface="+mn-ea"/>
+                <a:cs typeface="+mn-cs"/>
+              </a:defRPr>
+            </a:lvl2pPr>
+            <a:lvl3pPr marL="1200150" indent="-285750" algn="l" defTabSz="457200" rtl="0" eaLnBrk="1" latinLnBrk="0" hangingPunct="1">
+              <a:spcBef>
+                <a:spcPct val="20000"/>
+              </a:spcBef>
+              <a:spcAft>
+                <a:spcPts val="600"/>
+              </a:spcAft>
+              <a:buClr>
+                <a:schemeClr val="accent1"/>
+              </a:buClr>
+              <a:buSzPct val="115000"/>
+              <a:buFont typeface="Arial"/>
+              <a:buChar char="•"/>
+              <a:defRPr sz="1800" kern="1200" cap="none">
+                <a:solidFill>
+                  <a:schemeClr val="tx1">
+                    <a:lumMod val="85000"/>
+                    <a:lumOff val="15000"/>
+                  </a:schemeClr>
+                </a:solidFill>
+                <a:effectLst/>
+                <a:latin typeface="+mn-lt"/>
+                <a:ea typeface="+mn-ea"/>
+                <a:cs typeface="+mn-cs"/>
+              </a:defRPr>
+            </a:lvl3pPr>
+            <a:lvl4pPr marL="1543050" indent="-171450" algn="l" defTabSz="457200" rtl="0" eaLnBrk="1" latinLnBrk="0" hangingPunct="1">
+              <a:spcBef>
+                <a:spcPct val="20000"/>
+              </a:spcBef>
+              <a:spcAft>
+                <a:spcPts val="600"/>
+              </a:spcAft>
+              <a:buClr>
+                <a:schemeClr val="accent1"/>
+              </a:buClr>
+              <a:buSzPct val="115000"/>
+              <a:buFont typeface="Arial"/>
+              <a:buChar char="•"/>
+              <a:defRPr sz="1600" kern="1200" cap="none">
+                <a:solidFill>
+                  <a:schemeClr val="tx1">
+                    <a:lumMod val="85000"/>
+                    <a:lumOff val="15000"/>
+                  </a:schemeClr>
+                </a:solidFill>
+                <a:effectLst/>
+                <a:latin typeface="+mn-lt"/>
+                <a:ea typeface="+mn-ea"/>
+                <a:cs typeface="+mn-cs"/>
+              </a:defRPr>
+            </a:lvl4pPr>
+            <a:lvl5pPr marL="2000250" indent="-171450" algn="l" defTabSz="457200" rtl="0" eaLnBrk="1" latinLnBrk="0" hangingPunct="1">
+              <a:spcBef>
+                <a:spcPct val="20000"/>
+              </a:spcBef>
+              <a:spcAft>
+                <a:spcPts val="600"/>
+              </a:spcAft>
+              <a:buClr>
+                <a:schemeClr val="accent1"/>
+              </a:buClr>
+              <a:buSzPct val="115000"/>
+              <a:buFont typeface="Arial"/>
+              <a:buChar char="•"/>
+              <a:defRPr sz="1400" kern="1200" cap="none">
+                <a:solidFill>
+                  <a:schemeClr val="tx1">
+                    <a:lumMod val="85000"/>
+                    <a:lumOff val="15000"/>
+                  </a:schemeClr>
+                </a:solidFill>
+                <a:effectLst/>
+                <a:latin typeface="+mn-lt"/>
+                <a:ea typeface="+mn-ea"/>
+                <a:cs typeface="+mn-cs"/>
+              </a:defRPr>
+            </a:lvl5pPr>
+            <a:lvl6pPr marL="2514600" indent="-228600" algn="l" defTabSz="457200" rtl="0" eaLnBrk="1" latinLnBrk="0" hangingPunct="1">
+              <a:spcBef>
+                <a:spcPct val="20000"/>
+              </a:spcBef>
+              <a:spcAft>
+                <a:spcPts val="600"/>
+              </a:spcAft>
+              <a:buClr>
+                <a:schemeClr val="accent1"/>
+              </a:buClr>
+              <a:buSzPct val="115000"/>
+              <a:buFont typeface="Arial"/>
+              <a:buChar char="•"/>
+              <a:defRPr sz="1400" kern="1200" cap="none">
+                <a:solidFill>
+                  <a:schemeClr val="tx1">
+                    <a:lumMod val="85000"/>
+                    <a:lumOff val="15000"/>
+                  </a:schemeClr>
+                </a:solidFill>
+                <a:effectLst/>
+                <a:latin typeface="+mn-lt"/>
+                <a:ea typeface="+mn-ea"/>
+                <a:cs typeface="+mn-cs"/>
+              </a:defRPr>
+            </a:lvl6pPr>
+            <a:lvl7pPr marL="2971800" indent="-228600" algn="l" defTabSz="457200" rtl="0" eaLnBrk="1" latinLnBrk="0" hangingPunct="1">
+              <a:spcBef>
+                <a:spcPct val="20000"/>
+              </a:spcBef>
+              <a:spcAft>
+                <a:spcPts val="600"/>
+              </a:spcAft>
+              <a:buClr>
+                <a:schemeClr val="accent1"/>
+              </a:buClr>
+              <a:buSzPct val="115000"/>
+              <a:buFont typeface="Arial"/>
+              <a:buChar char="•"/>
+              <a:defRPr sz="1400" kern="1200" cap="none">
+                <a:solidFill>
+                  <a:schemeClr val="tx1">
+                    <a:lumMod val="85000"/>
+                    <a:lumOff val="15000"/>
+                  </a:schemeClr>
+                </a:solidFill>
+                <a:effectLst/>
+                <a:latin typeface="+mn-lt"/>
+                <a:ea typeface="+mn-ea"/>
+                <a:cs typeface="+mn-cs"/>
+              </a:defRPr>
+            </a:lvl7pPr>
+            <a:lvl8pPr marL="3429000" indent="-228600" algn="l" defTabSz="457200" rtl="0" eaLnBrk="1" latinLnBrk="0" hangingPunct="1">
+              <a:spcBef>
+                <a:spcPct val="20000"/>
+              </a:spcBef>
+              <a:spcAft>
+                <a:spcPts val="600"/>
+              </a:spcAft>
+              <a:buClr>
+                <a:schemeClr val="accent1"/>
+              </a:buClr>
+              <a:buSzPct val="115000"/>
+              <a:buFont typeface="Arial"/>
+              <a:buChar char="•"/>
+              <a:defRPr sz="1400" kern="1200" cap="none">
+                <a:solidFill>
+                  <a:schemeClr val="tx1">
+                    <a:lumMod val="85000"/>
+                    <a:lumOff val="15000"/>
+                  </a:schemeClr>
+                </a:solidFill>
+                <a:effectLst/>
+                <a:latin typeface="+mn-lt"/>
+                <a:ea typeface="+mn-ea"/>
+                <a:cs typeface="+mn-cs"/>
+              </a:defRPr>
+            </a:lvl8pPr>
+            <a:lvl9pPr marL="3886200" indent="-228600" algn="l" defTabSz="457200" rtl="0" eaLnBrk="1" latinLnBrk="0" hangingPunct="1">
+              <a:spcBef>
+                <a:spcPct val="20000"/>
+              </a:spcBef>
+              <a:spcAft>
+                <a:spcPts val="600"/>
+              </a:spcAft>
+              <a:buClr>
+                <a:schemeClr val="accent1"/>
+              </a:buClr>
+              <a:buSzPct val="115000"/>
+              <a:buFont typeface="Arial"/>
+              <a:buChar char="•"/>
+              <a:defRPr sz="1400" kern="1200" cap="none">
+                <a:solidFill>
+                  <a:schemeClr val="tx1">
+                    <a:lumMod val="85000"/>
+                    <a:lumOff val="15000"/>
+                  </a:schemeClr>
+                </a:solidFill>
+                <a:effectLst/>
+                <a:latin typeface="+mn-lt"/>
+                <a:ea typeface="+mn-ea"/>
+                <a:cs typeface="+mn-cs"/>
+              </a:defRPr>
+            </a:lvl9pPr>
+          </a:lstStyle>
+          <a:p>
+            <a:pPr marL="0" indent="0" algn="ctr">
+              <a:buNone/>
+            </a:pPr>
+            <a:r>
+              <a:rPr lang="pt-PT" dirty="0">
+                <a:solidFill>
+                  <a:srgbClr val="0070C0"/>
+                </a:solidFill>
+              </a:rPr>
+              <a:t>[ 6, 4, 7 ]</a:t>
+            </a:r>
+          </a:p>
+          <a:p>
+            <a:pPr marL="0" indent="0" algn="ctr">
+              <a:buNone/>
+            </a:pPr>
+            <a:endParaRPr lang="pt-PT" dirty="0">
+              <a:solidFill>
+                <a:srgbClr val="0070C0"/>
+              </a:solidFill>
+            </a:endParaRPr>
+          </a:p>
+          <a:p>
+            <a:pPr marL="0" indent="0" algn="ctr">
+              <a:buNone/>
+            </a:pPr>
+            <a:r>
+              <a:rPr lang="pt-PT" dirty="0">
+                <a:solidFill>
+                  <a:srgbClr val="0070C0"/>
+                </a:solidFill>
+              </a:rPr>
+              <a:t>[ 7, 9, 8 ]</a:t>
+            </a:r>
+          </a:p>
+          <a:p>
+            <a:pPr marL="0" indent="0" algn="ctr">
+              <a:buNone/>
+            </a:pPr>
+            <a:endParaRPr lang="pt-PT" dirty="0">
+              <a:solidFill>
+                <a:srgbClr val="0070C0"/>
+              </a:solidFill>
+            </a:endParaRPr>
+          </a:p>
+          <a:p>
+            <a:pPr marL="0" indent="0" algn="ctr">
+              <a:buNone/>
+            </a:pPr>
+            <a:r>
+              <a:rPr lang="pt-PT" dirty="0">
+                <a:solidFill>
+                  <a:srgbClr val="0070C0"/>
+                </a:solidFill>
+              </a:rPr>
+              <a:t>[ 7, 8, 9 ]</a:t>
+            </a:r>
+          </a:p>
+        </p:txBody>
+      </p:sp>
+    </p:spTree>
+    <p:extLst>
+      <p:ext uri="{BB962C8B-B14F-4D97-AF65-F5344CB8AC3E}">
+        <p14:creationId xmlns:p14="http://schemas.microsoft.com/office/powerpoint/2010/main" val="1061085569"/>
+      </p:ext>
+    </p:extLst>
+  </p:cSld>
+  <p:clrMapOvr>
+    <a:masterClrMapping/>
+  </p:clrMapOvr>
+  <p:timing>
+    <p:tnLst>
+      <p:par>
+        <p:cTn id="1" dur="indefinite" restart="never" nodeType="tmRoot">
+          <p:childTnLst>
+            <p:seq concurrent="1" nextAc="seek">
+              <p:cTn id="2" dur="indefinite" nodeType="mainSeq">
+                <p:childTnLst>
+                  <p:par>
+                    <p:cTn id="3" fill="hold">
+                      <p:stCondLst>
+                        <p:cond delay="indefinite"/>
+                      </p:stCondLst>
+                      <p:childTnLst>
+                        <p:par>
+                          <p:cTn id="4" fill="hold">
+                            <p:stCondLst>
+                              <p:cond delay="0"/>
+                            </p:stCondLst>
+                            <p:childTnLst>
+                              <p:par>
+                                <p:cTn id="5" presetID="10" presetClass="entr" presetSubtype="0" fill="hold" nodeType="clickEffect">
+                                  <p:stCondLst>
+                                    <p:cond delay="0"/>
+                                  </p:stCondLst>
+                                  <p:childTnLst>
+                                    <p:set>
+                                      <p:cBhvr>
+                                        <p:cTn id="6" dur="1" fill="hold">
+                                          <p:stCondLst>
+                                            <p:cond delay="0"/>
+                                          </p:stCondLst>
+                                        </p:cTn>
+                                        <p:tgtEl>
+                                          <p:spTgt spid="9"/>
+                                        </p:tgtEl>
+                                        <p:attrNameLst>
+                                          <p:attrName>style.visibility</p:attrName>
+                                        </p:attrNameLst>
+                                      </p:cBhvr>
+                                      <p:to>
+                                        <p:strVal val="visible"/>
+                                      </p:to>
+                                    </p:set>
+                                    <p:animEffect transition="in" filter="fade">
+                                      <p:cBhvr>
+                                        <p:cTn id="7" dur="500"/>
+                                        <p:tgtEl>
+                                          <p:spTgt spid="9"/>
+                                        </p:tgtEl>
+                                      </p:cBhvr>
+                                    </p:animEffect>
+                                  </p:childTnLst>
+                                </p:cTn>
+                              </p:par>
+                            </p:childTnLst>
+                          </p:cTn>
+                        </p:par>
+                      </p:childTnLst>
+                    </p:cTn>
+                  </p:par>
+                  <p:par>
+                    <p:cTn id="8" fill="hold">
+                      <p:stCondLst>
+                        <p:cond delay="indefinite"/>
+                      </p:stCondLst>
+                      <p:childTnLst>
+                        <p:par>
+                          <p:cTn id="9" fill="hold">
+                            <p:stCondLst>
+                              <p:cond delay="0"/>
+                            </p:stCondLst>
+                            <p:childTnLst>
+                              <p:par>
+                                <p:cTn id="10" presetID="10" presetClass="entr" presetSubtype="0" fill="hold" nodeType="clickEffect">
+                                  <p:stCondLst>
+                                    <p:cond delay="0"/>
+                                  </p:stCondLst>
+                                  <p:childTnLst>
+                                    <p:set>
+                                      <p:cBhvr>
+                                        <p:cTn id="11" dur="1" fill="hold">
+                                          <p:stCondLst>
+                                            <p:cond delay="0"/>
+                                          </p:stCondLst>
+                                        </p:cTn>
+                                        <p:tgtEl>
+                                          <p:spTgt spid="10"/>
+                                        </p:tgtEl>
+                                        <p:attrNameLst>
+                                          <p:attrName>style.visibility</p:attrName>
+                                        </p:attrNameLst>
+                                      </p:cBhvr>
+                                      <p:to>
+                                        <p:strVal val="visible"/>
+                                      </p:to>
+                                    </p:set>
+                                    <p:animEffect transition="in" filter="fade">
+                                      <p:cBhvr>
+                                        <p:cTn id="12" dur="500"/>
+                                        <p:tgtEl>
+                                          <p:spTgt spid="10"/>
+                                        </p:tgtEl>
+                                      </p:cBhvr>
+                                    </p:animEffect>
+                                  </p:childTnLst>
+                                </p:cTn>
+                              </p:par>
+                            </p:childTnLst>
+                          </p:cTn>
+                        </p:par>
+                      </p:childTnLst>
+                    </p:cTn>
+                  </p:par>
+                </p:childTnLst>
+              </p:cTn>
+              <p:prevCondLst>
+                <p:cond evt="onPrev" delay="0">
+                  <p:tgtEl>
+                    <p:sldTgt/>
+                  </p:tgtEl>
+                </p:cond>
+              </p:prevCondLst>
+              <p:nextCondLst>
+                <p:cond evt="onNext" delay="0">
+                  <p:tgtEl>
+                    <p:sldTgt/>
+                  </p:tgtEl>
+                </p:cond>
+              </p:nextCondLst>
+            </p:seq>
+          </p:childTnLst>
+        </p:cTn>
+      </p:par>
+    </p:tnLst>
+  </p:timing>
+</p:sld>
+</file>
+
+<file path=ppt/slides/slide11.xml><?xml version="1.0" encoding="utf-8"?>
+<p:sld xmlns:a="http://schemas.openxmlformats.org/drawingml/2006/main" xmlns:r="http://schemas.openxmlformats.org/officeDocument/2006/relationships" xmlns:p="http://schemas.openxmlformats.org/presentationml/2006/main">
+  <p:cSld>
+    <p:spTree>
+      <p:nvGrpSpPr>
+        <p:cNvPr id="1" name=""/>
+        <p:cNvGrpSpPr/>
+        <p:nvPr/>
+      </p:nvGrpSpPr>
+      <p:grpSpPr>
+        <a:xfrm>
+          <a:off x="0" y="0"/>
+          <a:ext cx="0" cy="0"/>
+          <a:chOff x="0" y="0"/>
+          <a:chExt cx="0" cy="0"/>
+        </a:xfrm>
+      </p:grpSpPr>
       <p:sp>
         <p:nvSpPr>
           <p:cNvPr id="2" name="Title 1"/>
@@ -10498,15 +13215,7 @@
           <a:p>
             <a:r>
               <a:rPr lang="pt-PT" dirty="0" smtClean="0"/>
-              <a:t>Versão </a:t>
-            </a:r>
-            <a:r>
-              <a:rPr lang="pt-PT" dirty="0" smtClean="0"/>
-              <a:t>híbrida </a:t>
-            </a:r>
-            <a:r>
-              <a:rPr lang="pt-PT" dirty="0" smtClean="0"/>
-              <a:t>tem 2 processos MPI e threads OpenMP variadas.</a:t>
+              <a:t>Versão híbrida tem 2 processos MPI e threads OpenMP variadas.</a:t>
             </a:r>
             <a:endParaRPr lang="pt-PT" dirty="0"/>
           </a:p>
@@ -10556,7 +13265,7 @@
 </p:sld>
 </file>
 
-<file path=ppt/slides/slide11.xml><?xml version="1.0" encoding="utf-8"?>
+<file path=ppt/slides/slide12.xml><?xml version="1.0" encoding="utf-8"?>
 <p:sld xmlns:a="http://schemas.openxmlformats.org/drawingml/2006/main" xmlns:r="http://schemas.openxmlformats.org/officeDocument/2006/relationships" xmlns:p="http://schemas.openxmlformats.org/presentationml/2006/main">
   <p:cSld>
     <p:spTree>
@@ -10696,7 +13405,7 @@
 </p:sld>
 </file>
 
-<file path=ppt/slides/slide12.xml><?xml version="1.0" encoding="utf-8"?>
+<file path=ppt/slides/slide13.xml><?xml version="1.0" encoding="utf-8"?>
 <p:sld xmlns:a="http://schemas.openxmlformats.org/drawingml/2006/main" xmlns:r="http://schemas.openxmlformats.org/officeDocument/2006/relationships" xmlns:p="http://schemas.openxmlformats.org/presentationml/2006/main">
   <p:cSld>
     <p:spTree>
@@ -17241,6 +19950,60 @@
           <a:chExt cx="0" cy="0"/>
         </a:xfrm>
       </p:grpSpPr>
+      <p:graphicFrame>
+        <p:nvGraphicFramePr>
+          <p:cNvPr id="2" name="Chart 1"/>
+          <p:cNvGraphicFramePr>
+            <a:graphicFrameLocks/>
+          </p:cNvGraphicFramePr>
+          <p:nvPr>
+            <p:extLst>
+              <p:ext uri="{D42A27DB-BD31-4B8C-83A1-F6EECF244321}">
+                <p14:modId xmlns:p14="http://schemas.microsoft.com/office/powerpoint/2010/main" val="1709639273"/>
+              </p:ext>
+            </p:extLst>
+          </p:nvPr>
+        </p:nvGraphicFramePr>
+        <p:xfrm>
+          <a:off x="594852" y="690716"/>
+          <a:ext cx="7801896" cy="5552768"/>
+        </p:xfrm>
+        <a:graphic>
+          <a:graphicData uri="http://schemas.openxmlformats.org/drawingml/2006/chart">
+            <c:chart xmlns:c="http://schemas.openxmlformats.org/drawingml/2006/chart" xmlns:r="http://schemas.openxmlformats.org/officeDocument/2006/relationships" r:id="rId3"/>
+          </a:graphicData>
+        </a:graphic>
+      </p:graphicFrame>
+    </p:spTree>
+    <p:extLst>
+      <p:ext uri="{BB962C8B-B14F-4D97-AF65-F5344CB8AC3E}">
+        <p14:creationId xmlns:p14="http://schemas.microsoft.com/office/powerpoint/2010/main" val="3348815385"/>
+      </p:ext>
+    </p:extLst>
+  </p:cSld>
+  <p:clrMapOvr>
+    <a:masterClrMapping/>
+  </p:clrMapOvr>
+</p:sld>
+</file>
+
+<file path=ppt/slides/slide9.xml><?xml version="1.0" encoding="utf-8"?>
+<p:sld xmlns:a="http://schemas.openxmlformats.org/drawingml/2006/main" xmlns:r="http://schemas.openxmlformats.org/officeDocument/2006/relationships" xmlns:p="http://schemas.openxmlformats.org/presentationml/2006/main">
+  <p:cSld>
+    <p:spTree>
+      <p:nvGrpSpPr>
+        <p:cNvPr id="1" name=""/>
+        <p:cNvGrpSpPr/>
+        <p:nvPr/>
+      </p:nvGrpSpPr>
+      <p:grpSpPr>
+        <a:xfrm>
+          <a:off x="0" y="0"/>
+          <a:ext cx="0" cy="0"/>
+          <a:chOff x="0" y="0"/>
+          <a:chExt cx="0" cy="0"/>
+        </a:xfrm>
+      </p:grpSpPr>
       <p:sp>
         <p:nvSpPr>
           <p:cNvPr id="2" name="Title 1"/>
@@ -17302,1324 +20065,6 @@
     <p:tnLst>
       <p:par>
         <p:cTn id="1" dur="indefinite" restart="never" nodeType="tmRoot"/>
-      </p:par>
-    </p:tnLst>
-  </p:timing>
-</p:sld>
-</file>
-
-<file path=ppt/slides/slide9.xml><?xml version="1.0" encoding="utf-8"?>
-<p:sld xmlns:a="http://schemas.openxmlformats.org/drawingml/2006/main" xmlns:r="http://schemas.openxmlformats.org/officeDocument/2006/relationships" xmlns:p="http://schemas.openxmlformats.org/presentationml/2006/main">
-  <p:cSld>
-    <p:spTree>
-      <p:nvGrpSpPr>
-        <p:cNvPr id="1" name=""/>
-        <p:cNvGrpSpPr/>
-        <p:nvPr/>
-      </p:nvGrpSpPr>
-      <p:grpSpPr>
-        <a:xfrm>
-          <a:off x="0" y="0"/>
-          <a:ext cx="0" cy="0"/>
-          <a:chOff x="0" y="0"/>
-          <a:chExt cx="0" cy="0"/>
-        </a:xfrm>
-      </p:grpSpPr>
-      <p:grpSp>
-        <p:nvGrpSpPr>
-          <p:cNvPr id="10" name="Group 9"/>
-          <p:cNvGrpSpPr/>
-          <p:nvPr/>
-        </p:nvGrpSpPr>
-        <p:grpSpPr>
-          <a:xfrm>
-            <a:off x="798881" y="3406877"/>
-            <a:ext cx="7607699" cy="1524000"/>
-            <a:chOff x="1446519" y="3406877"/>
-            <a:chExt cx="8484062" cy="1524000"/>
-          </a:xfrm>
-        </p:grpSpPr>
-        <p:sp>
-          <p:nvSpPr>
-            <p:cNvPr id="6" name="Rectangle 5"/>
-            <p:cNvSpPr/>
-            <p:nvPr/>
-          </p:nvSpPr>
-          <p:spPr>
-            <a:xfrm>
-              <a:off x="1602658" y="3549445"/>
-              <a:ext cx="8327923" cy="1238865"/>
-            </a:xfrm>
-            <a:prstGeom prst="rect">
-              <a:avLst/>
-            </a:prstGeom>
-            <a:solidFill>
-              <a:schemeClr val="accent6">
-                <a:lumMod val="20000"/>
-                <a:lumOff val="80000"/>
-              </a:schemeClr>
-            </a:solidFill>
-          </p:spPr>
-          <p:style>
-            <a:lnRef idx="2">
-              <a:schemeClr val="accent1">
-                <a:shade val="50000"/>
-              </a:schemeClr>
-            </a:lnRef>
-            <a:fillRef idx="1">
-              <a:schemeClr val="accent1"/>
-            </a:fillRef>
-            <a:effectRef idx="0">
-              <a:schemeClr val="accent1"/>
-            </a:effectRef>
-            <a:fontRef idx="minor">
-              <a:schemeClr val="lt1"/>
-            </a:fontRef>
-          </p:style>
-          <p:txBody>
-            <a:bodyPr rtlCol="0" anchor="ctr"/>
-            <a:lstStyle/>
-            <a:p>
-              <a:pPr algn="ctr"/>
-              <a:endParaRPr lang="pt-PT"/>
-            </a:p>
-          </p:txBody>
-        </p:sp>
-        <p:sp>
-          <p:nvSpPr>
-            <p:cNvPr id="8" name="Rectangle 7"/>
-            <p:cNvSpPr/>
-            <p:nvPr/>
-          </p:nvSpPr>
-          <p:spPr>
-            <a:xfrm>
-              <a:off x="1446519" y="3406877"/>
-              <a:ext cx="806245" cy="1524000"/>
-            </a:xfrm>
-            <a:prstGeom prst="rect">
-              <a:avLst/>
-            </a:prstGeom>
-            <a:noFill/>
-            <a:ln>
-              <a:noFill/>
-            </a:ln>
-          </p:spPr>
-          <p:style>
-            <a:lnRef idx="2">
-              <a:schemeClr val="accent1">
-                <a:shade val="50000"/>
-              </a:schemeClr>
-            </a:lnRef>
-            <a:fillRef idx="1">
-              <a:schemeClr val="accent1"/>
-            </a:fillRef>
-            <a:effectRef idx="0">
-              <a:schemeClr val="accent1"/>
-            </a:effectRef>
-            <a:fontRef idx="minor">
-              <a:schemeClr val="lt1"/>
-            </a:fontRef>
-          </p:style>
-          <p:txBody>
-            <a:bodyPr vert="vert270" rtlCol="0" anchor="ctr"/>
-            <a:lstStyle/>
-            <a:p>
-              <a:pPr algn="ctr"/>
-              <a:r>
-                <a:rPr lang="pt-PT" dirty="0">
-                  <a:solidFill>
-                    <a:schemeClr val="tx1"/>
-                  </a:solidFill>
-                </a:rPr>
-                <a:t>OpenMP</a:t>
-              </a:r>
-            </a:p>
-          </p:txBody>
-        </p:sp>
-      </p:grpSp>
-      <p:grpSp>
-        <p:nvGrpSpPr>
-          <p:cNvPr id="9" name="Group 8"/>
-          <p:cNvGrpSpPr/>
-          <p:nvPr/>
-        </p:nvGrpSpPr>
-        <p:grpSpPr>
-          <a:xfrm>
-            <a:off x="798881" y="2079521"/>
-            <a:ext cx="7607700" cy="1524000"/>
-            <a:chOff x="1427444" y="2079521"/>
-            <a:chExt cx="8503137" cy="1524000"/>
-          </a:xfrm>
-        </p:grpSpPr>
-        <p:sp>
-          <p:nvSpPr>
-            <p:cNvPr id="5" name="Rectangle 4"/>
-            <p:cNvSpPr/>
-            <p:nvPr/>
-          </p:nvSpPr>
-          <p:spPr>
-            <a:xfrm>
-              <a:off x="1602658" y="2133599"/>
-              <a:ext cx="8327923" cy="1415845"/>
-            </a:xfrm>
-            <a:prstGeom prst="rect">
-              <a:avLst/>
-            </a:prstGeom>
-            <a:solidFill>
-              <a:schemeClr val="accent2">
-                <a:lumMod val="20000"/>
-                <a:lumOff val="80000"/>
-              </a:schemeClr>
-            </a:solidFill>
-          </p:spPr>
-          <p:style>
-            <a:lnRef idx="2">
-              <a:schemeClr val="accent1">
-                <a:shade val="50000"/>
-              </a:schemeClr>
-            </a:lnRef>
-            <a:fillRef idx="1">
-              <a:schemeClr val="accent1"/>
-            </a:fillRef>
-            <a:effectRef idx="0">
-              <a:schemeClr val="accent1"/>
-            </a:effectRef>
-            <a:fontRef idx="minor">
-              <a:schemeClr val="lt1"/>
-            </a:fontRef>
-          </p:style>
-          <p:txBody>
-            <a:bodyPr rtlCol="0" anchor="ctr"/>
-            <a:lstStyle/>
-            <a:p>
-              <a:pPr algn="ctr"/>
-              <a:endParaRPr lang="pt-PT"/>
-            </a:p>
-          </p:txBody>
-        </p:sp>
-        <p:sp>
-          <p:nvSpPr>
-            <p:cNvPr id="7" name="Rectangle 6"/>
-            <p:cNvSpPr/>
-            <p:nvPr/>
-          </p:nvSpPr>
-          <p:spPr>
-            <a:xfrm>
-              <a:off x="1427444" y="2079521"/>
-              <a:ext cx="806245" cy="1524000"/>
-            </a:xfrm>
-            <a:prstGeom prst="rect">
-              <a:avLst/>
-            </a:prstGeom>
-            <a:noFill/>
-            <a:ln>
-              <a:noFill/>
-            </a:ln>
-          </p:spPr>
-          <p:style>
-            <a:lnRef idx="2">
-              <a:schemeClr val="accent1">
-                <a:shade val="50000"/>
-              </a:schemeClr>
-            </a:lnRef>
-            <a:fillRef idx="1">
-              <a:schemeClr val="accent1"/>
-            </a:fillRef>
-            <a:effectRef idx="0">
-              <a:schemeClr val="accent1"/>
-            </a:effectRef>
-            <a:fontRef idx="minor">
-              <a:schemeClr val="lt1"/>
-            </a:fontRef>
-          </p:style>
-          <p:txBody>
-            <a:bodyPr vert="vert270" rtlCol="0" anchor="ctr"/>
-            <a:lstStyle/>
-            <a:p>
-              <a:pPr algn="ctr"/>
-              <a:r>
-                <a:rPr lang="pt-PT" dirty="0">
-                  <a:solidFill>
-                    <a:schemeClr val="tx1"/>
-                  </a:solidFill>
-                </a:rPr>
-                <a:t>OpenMPI</a:t>
-              </a:r>
-            </a:p>
-          </p:txBody>
-        </p:sp>
-      </p:grpSp>
-      <p:sp>
-        <p:nvSpPr>
-          <p:cNvPr id="2" name="Content Placeholder 2"/>
-          <p:cNvSpPr txBox="1">
-            <a:spLocks/>
-          </p:cNvSpPr>
-          <p:nvPr/>
-        </p:nvSpPr>
-        <p:spPr>
-          <a:xfrm>
-            <a:off x="1952502" y="914399"/>
-            <a:ext cx="1926533" cy="4897054"/>
-          </a:xfrm>
-          <a:prstGeom prst="rect">
-            <a:avLst/>
-          </a:prstGeom>
-        </p:spPr>
-        <p:txBody>
-          <a:bodyPr anchor="ctr"/>
-          <a:lstStyle>
-            <a:lvl1pPr marL="285750" indent="-285750" algn="l" defTabSz="457200" rtl="0" eaLnBrk="1" latinLnBrk="0" hangingPunct="1">
-              <a:spcBef>
-                <a:spcPct val="20000"/>
-              </a:spcBef>
-              <a:spcAft>
-                <a:spcPts val="600"/>
-              </a:spcAft>
-              <a:buClr>
-                <a:schemeClr val="accent1"/>
-              </a:buClr>
-              <a:buSzPct val="115000"/>
-              <a:buFont typeface="Arial"/>
-              <a:buChar char="•"/>
-              <a:defRPr sz="2400" kern="1200" cap="none">
-                <a:solidFill>
-                  <a:schemeClr val="tx1">
-                    <a:lumMod val="85000"/>
-                    <a:lumOff val="15000"/>
-                  </a:schemeClr>
-                </a:solidFill>
-                <a:effectLst/>
-                <a:latin typeface="+mn-lt"/>
-                <a:ea typeface="+mn-ea"/>
-                <a:cs typeface="+mn-cs"/>
-              </a:defRPr>
-            </a:lvl1pPr>
-            <a:lvl2pPr marL="742950" indent="-285750" algn="l" defTabSz="457200" rtl="0" eaLnBrk="1" latinLnBrk="0" hangingPunct="1">
-              <a:spcBef>
-                <a:spcPct val="20000"/>
-              </a:spcBef>
-              <a:spcAft>
-                <a:spcPts val="600"/>
-              </a:spcAft>
-              <a:buClr>
-                <a:schemeClr val="accent1"/>
-              </a:buClr>
-              <a:buSzPct val="115000"/>
-              <a:buFont typeface="Arial"/>
-              <a:buChar char="•"/>
-              <a:defRPr sz="2000" kern="1200" cap="none">
-                <a:solidFill>
-                  <a:schemeClr val="tx1">
-                    <a:lumMod val="85000"/>
-                    <a:lumOff val="15000"/>
-                  </a:schemeClr>
-                </a:solidFill>
-                <a:effectLst/>
-                <a:latin typeface="+mn-lt"/>
-                <a:ea typeface="+mn-ea"/>
-                <a:cs typeface="+mn-cs"/>
-              </a:defRPr>
-            </a:lvl2pPr>
-            <a:lvl3pPr marL="1200150" indent="-285750" algn="l" defTabSz="457200" rtl="0" eaLnBrk="1" latinLnBrk="0" hangingPunct="1">
-              <a:spcBef>
-                <a:spcPct val="20000"/>
-              </a:spcBef>
-              <a:spcAft>
-                <a:spcPts val="600"/>
-              </a:spcAft>
-              <a:buClr>
-                <a:schemeClr val="accent1"/>
-              </a:buClr>
-              <a:buSzPct val="115000"/>
-              <a:buFont typeface="Arial"/>
-              <a:buChar char="•"/>
-              <a:defRPr sz="1800" kern="1200" cap="none">
-                <a:solidFill>
-                  <a:schemeClr val="tx1">
-                    <a:lumMod val="85000"/>
-                    <a:lumOff val="15000"/>
-                  </a:schemeClr>
-                </a:solidFill>
-                <a:effectLst/>
-                <a:latin typeface="+mn-lt"/>
-                <a:ea typeface="+mn-ea"/>
-                <a:cs typeface="+mn-cs"/>
-              </a:defRPr>
-            </a:lvl3pPr>
-            <a:lvl4pPr marL="1543050" indent="-171450" algn="l" defTabSz="457200" rtl="0" eaLnBrk="1" latinLnBrk="0" hangingPunct="1">
-              <a:spcBef>
-                <a:spcPct val="20000"/>
-              </a:spcBef>
-              <a:spcAft>
-                <a:spcPts val="600"/>
-              </a:spcAft>
-              <a:buClr>
-                <a:schemeClr val="accent1"/>
-              </a:buClr>
-              <a:buSzPct val="115000"/>
-              <a:buFont typeface="Arial"/>
-              <a:buChar char="•"/>
-              <a:defRPr sz="1600" kern="1200" cap="none">
-                <a:solidFill>
-                  <a:schemeClr val="tx1">
-                    <a:lumMod val="85000"/>
-                    <a:lumOff val="15000"/>
-                  </a:schemeClr>
-                </a:solidFill>
-                <a:effectLst/>
-                <a:latin typeface="+mn-lt"/>
-                <a:ea typeface="+mn-ea"/>
-                <a:cs typeface="+mn-cs"/>
-              </a:defRPr>
-            </a:lvl4pPr>
-            <a:lvl5pPr marL="2000250" indent="-171450" algn="l" defTabSz="457200" rtl="0" eaLnBrk="1" latinLnBrk="0" hangingPunct="1">
-              <a:spcBef>
-                <a:spcPct val="20000"/>
-              </a:spcBef>
-              <a:spcAft>
-                <a:spcPts val="600"/>
-              </a:spcAft>
-              <a:buClr>
-                <a:schemeClr val="accent1"/>
-              </a:buClr>
-              <a:buSzPct val="115000"/>
-              <a:buFont typeface="Arial"/>
-              <a:buChar char="•"/>
-              <a:defRPr sz="1400" kern="1200" cap="none">
-                <a:solidFill>
-                  <a:schemeClr val="tx1">
-                    <a:lumMod val="85000"/>
-                    <a:lumOff val="15000"/>
-                  </a:schemeClr>
-                </a:solidFill>
-                <a:effectLst/>
-                <a:latin typeface="+mn-lt"/>
-                <a:ea typeface="+mn-ea"/>
-                <a:cs typeface="+mn-cs"/>
-              </a:defRPr>
-            </a:lvl5pPr>
-            <a:lvl6pPr marL="2514600" indent="-228600" algn="l" defTabSz="457200" rtl="0" eaLnBrk="1" latinLnBrk="0" hangingPunct="1">
-              <a:spcBef>
-                <a:spcPct val="20000"/>
-              </a:spcBef>
-              <a:spcAft>
-                <a:spcPts val="600"/>
-              </a:spcAft>
-              <a:buClr>
-                <a:schemeClr val="accent1"/>
-              </a:buClr>
-              <a:buSzPct val="115000"/>
-              <a:buFont typeface="Arial"/>
-              <a:buChar char="•"/>
-              <a:defRPr sz="1400" kern="1200" cap="none">
-                <a:solidFill>
-                  <a:schemeClr val="tx1">
-                    <a:lumMod val="85000"/>
-                    <a:lumOff val="15000"/>
-                  </a:schemeClr>
-                </a:solidFill>
-                <a:effectLst/>
-                <a:latin typeface="+mn-lt"/>
-                <a:ea typeface="+mn-ea"/>
-                <a:cs typeface="+mn-cs"/>
-              </a:defRPr>
-            </a:lvl6pPr>
-            <a:lvl7pPr marL="2971800" indent="-228600" algn="l" defTabSz="457200" rtl="0" eaLnBrk="1" latinLnBrk="0" hangingPunct="1">
-              <a:spcBef>
-                <a:spcPct val="20000"/>
-              </a:spcBef>
-              <a:spcAft>
-                <a:spcPts val="600"/>
-              </a:spcAft>
-              <a:buClr>
-                <a:schemeClr val="accent1"/>
-              </a:buClr>
-              <a:buSzPct val="115000"/>
-              <a:buFont typeface="Arial"/>
-              <a:buChar char="•"/>
-              <a:defRPr sz="1400" kern="1200" cap="none">
-                <a:solidFill>
-                  <a:schemeClr val="tx1">
-                    <a:lumMod val="85000"/>
-                    <a:lumOff val="15000"/>
-                  </a:schemeClr>
-                </a:solidFill>
-                <a:effectLst/>
-                <a:latin typeface="+mn-lt"/>
-                <a:ea typeface="+mn-ea"/>
-                <a:cs typeface="+mn-cs"/>
-              </a:defRPr>
-            </a:lvl7pPr>
-            <a:lvl8pPr marL="3429000" indent="-228600" algn="l" defTabSz="457200" rtl="0" eaLnBrk="1" latinLnBrk="0" hangingPunct="1">
-              <a:spcBef>
-                <a:spcPct val="20000"/>
-              </a:spcBef>
-              <a:spcAft>
-                <a:spcPts val="600"/>
-              </a:spcAft>
-              <a:buClr>
-                <a:schemeClr val="accent1"/>
-              </a:buClr>
-              <a:buSzPct val="115000"/>
-              <a:buFont typeface="Arial"/>
-              <a:buChar char="•"/>
-              <a:defRPr sz="1400" kern="1200" cap="none">
-                <a:solidFill>
-                  <a:schemeClr val="tx1">
-                    <a:lumMod val="85000"/>
-                    <a:lumOff val="15000"/>
-                  </a:schemeClr>
-                </a:solidFill>
-                <a:effectLst/>
-                <a:latin typeface="+mn-lt"/>
-                <a:ea typeface="+mn-ea"/>
-                <a:cs typeface="+mn-cs"/>
-              </a:defRPr>
-            </a:lvl8pPr>
-            <a:lvl9pPr marL="3886200" indent="-228600" algn="l" defTabSz="457200" rtl="0" eaLnBrk="1" latinLnBrk="0" hangingPunct="1">
-              <a:spcBef>
-                <a:spcPct val="20000"/>
-              </a:spcBef>
-              <a:spcAft>
-                <a:spcPts val="600"/>
-              </a:spcAft>
-              <a:buClr>
-                <a:schemeClr val="accent1"/>
-              </a:buClr>
-              <a:buSzPct val="115000"/>
-              <a:buFont typeface="Arial"/>
-              <a:buChar char="•"/>
-              <a:defRPr sz="1400" kern="1200" cap="none">
-                <a:solidFill>
-                  <a:schemeClr val="tx1">
-                    <a:lumMod val="85000"/>
-                    <a:lumOff val="15000"/>
-                  </a:schemeClr>
-                </a:solidFill>
-                <a:effectLst/>
-                <a:latin typeface="+mn-lt"/>
-                <a:ea typeface="+mn-ea"/>
-                <a:cs typeface="+mn-cs"/>
-              </a:defRPr>
-            </a:lvl9pPr>
-          </a:lstStyle>
-          <a:p>
-            <a:pPr marL="0" indent="0" algn="ctr">
-              <a:buNone/>
-            </a:pPr>
-            <a:r>
-              <a:rPr lang="pt-PT" dirty="0"/>
-              <a:t>[ 9, 2, 5 ]</a:t>
-            </a:r>
-          </a:p>
-          <a:p>
-            <a:pPr marL="0" indent="0" algn="ctr">
-              <a:buNone/>
-            </a:pPr>
-            <a:endParaRPr lang="pt-PT" dirty="0"/>
-          </a:p>
-          <a:p>
-            <a:pPr marL="0" indent="0" algn="ctr">
-              <a:buNone/>
-            </a:pPr>
-            <a:r>
-              <a:rPr lang="pt-PT" dirty="0"/>
-              <a:t>[ 2, 1, 3 ]</a:t>
-            </a:r>
-          </a:p>
-          <a:p>
-            <a:pPr marL="0" indent="0" algn="ctr">
-              <a:buNone/>
-            </a:pPr>
-            <a:endParaRPr lang="pt-PT" dirty="0"/>
-          </a:p>
-          <a:p>
-            <a:pPr marL="0" indent="0" algn="ctr">
-              <a:buNone/>
-            </a:pPr>
-            <a:r>
-              <a:rPr lang="pt-PT" dirty="0"/>
-              <a:t>[ 1, 2, 3 ]</a:t>
-            </a:r>
-          </a:p>
-        </p:txBody>
-      </p:sp>
-      <p:sp>
-        <p:nvSpPr>
-          <p:cNvPr id="3" name="Content Placeholder 2"/>
-          <p:cNvSpPr txBox="1">
-            <a:spLocks/>
-          </p:cNvSpPr>
-          <p:nvPr/>
-        </p:nvSpPr>
-        <p:spPr>
-          <a:xfrm>
-            <a:off x="4280646" y="914399"/>
-            <a:ext cx="1818378" cy="4897054"/>
-          </a:xfrm>
-          <a:prstGeom prst="rect">
-            <a:avLst/>
-          </a:prstGeom>
-        </p:spPr>
-        <p:txBody>
-          <a:bodyPr anchor="ctr"/>
-          <a:lstStyle>
-            <a:lvl1pPr marL="285750" indent="-285750" algn="l" defTabSz="457200" rtl="0" eaLnBrk="1" latinLnBrk="0" hangingPunct="1">
-              <a:spcBef>
-                <a:spcPct val="20000"/>
-              </a:spcBef>
-              <a:spcAft>
-                <a:spcPts val="600"/>
-              </a:spcAft>
-              <a:buClr>
-                <a:schemeClr val="accent1"/>
-              </a:buClr>
-              <a:buSzPct val="115000"/>
-              <a:buFont typeface="Arial"/>
-              <a:buChar char="•"/>
-              <a:defRPr sz="2400" kern="1200" cap="none">
-                <a:solidFill>
-                  <a:schemeClr val="tx1">
-                    <a:lumMod val="85000"/>
-                    <a:lumOff val="15000"/>
-                  </a:schemeClr>
-                </a:solidFill>
-                <a:effectLst/>
-                <a:latin typeface="+mn-lt"/>
-                <a:ea typeface="+mn-ea"/>
-                <a:cs typeface="+mn-cs"/>
-              </a:defRPr>
-            </a:lvl1pPr>
-            <a:lvl2pPr marL="742950" indent="-285750" algn="l" defTabSz="457200" rtl="0" eaLnBrk="1" latinLnBrk="0" hangingPunct="1">
-              <a:spcBef>
-                <a:spcPct val="20000"/>
-              </a:spcBef>
-              <a:spcAft>
-                <a:spcPts val="600"/>
-              </a:spcAft>
-              <a:buClr>
-                <a:schemeClr val="accent1"/>
-              </a:buClr>
-              <a:buSzPct val="115000"/>
-              <a:buFont typeface="Arial"/>
-              <a:buChar char="•"/>
-              <a:defRPr sz="2000" kern="1200" cap="none">
-                <a:solidFill>
-                  <a:schemeClr val="tx1">
-                    <a:lumMod val="85000"/>
-                    <a:lumOff val="15000"/>
-                  </a:schemeClr>
-                </a:solidFill>
-                <a:effectLst/>
-                <a:latin typeface="+mn-lt"/>
-                <a:ea typeface="+mn-ea"/>
-                <a:cs typeface="+mn-cs"/>
-              </a:defRPr>
-            </a:lvl2pPr>
-            <a:lvl3pPr marL="1200150" indent="-285750" algn="l" defTabSz="457200" rtl="0" eaLnBrk="1" latinLnBrk="0" hangingPunct="1">
-              <a:spcBef>
-                <a:spcPct val="20000"/>
-              </a:spcBef>
-              <a:spcAft>
-                <a:spcPts val="600"/>
-              </a:spcAft>
-              <a:buClr>
-                <a:schemeClr val="accent1"/>
-              </a:buClr>
-              <a:buSzPct val="115000"/>
-              <a:buFont typeface="Arial"/>
-              <a:buChar char="•"/>
-              <a:defRPr sz="1800" kern="1200" cap="none">
-                <a:solidFill>
-                  <a:schemeClr val="tx1">
-                    <a:lumMod val="85000"/>
-                    <a:lumOff val="15000"/>
-                  </a:schemeClr>
-                </a:solidFill>
-                <a:effectLst/>
-                <a:latin typeface="+mn-lt"/>
-                <a:ea typeface="+mn-ea"/>
-                <a:cs typeface="+mn-cs"/>
-              </a:defRPr>
-            </a:lvl3pPr>
-            <a:lvl4pPr marL="1543050" indent="-171450" algn="l" defTabSz="457200" rtl="0" eaLnBrk="1" latinLnBrk="0" hangingPunct="1">
-              <a:spcBef>
-                <a:spcPct val="20000"/>
-              </a:spcBef>
-              <a:spcAft>
-                <a:spcPts val="600"/>
-              </a:spcAft>
-              <a:buClr>
-                <a:schemeClr val="accent1"/>
-              </a:buClr>
-              <a:buSzPct val="115000"/>
-              <a:buFont typeface="Arial"/>
-              <a:buChar char="•"/>
-              <a:defRPr sz="1600" kern="1200" cap="none">
-                <a:solidFill>
-                  <a:schemeClr val="tx1">
-                    <a:lumMod val="85000"/>
-                    <a:lumOff val="15000"/>
-                  </a:schemeClr>
-                </a:solidFill>
-                <a:effectLst/>
-                <a:latin typeface="+mn-lt"/>
-                <a:ea typeface="+mn-ea"/>
-                <a:cs typeface="+mn-cs"/>
-              </a:defRPr>
-            </a:lvl4pPr>
-            <a:lvl5pPr marL="2000250" indent="-171450" algn="l" defTabSz="457200" rtl="0" eaLnBrk="1" latinLnBrk="0" hangingPunct="1">
-              <a:spcBef>
-                <a:spcPct val="20000"/>
-              </a:spcBef>
-              <a:spcAft>
-                <a:spcPts val="600"/>
-              </a:spcAft>
-              <a:buClr>
-                <a:schemeClr val="accent1"/>
-              </a:buClr>
-              <a:buSzPct val="115000"/>
-              <a:buFont typeface="Arial"/>
-              <a:buChar char="•"/>
-              <a:defRPr sz="1400" kern="1200" cap="none">
-                <a:solidFill>
-                  <a:schemeClr val="tx1">
-                    <a:lumMod val="85000"/>
-                    <a:lumOff val="15000"/>
-                  </a:schemeClr>
-                </a:solidFill>
-                <a:effectLst/>
-                <a:latin typeface="+mn-lt"/>
-                <a:ea typeface="+mn-ea"/>
-                <a:cs typeface="+mn-cs"/>
-              </a:defRPr>
-            </a:lvl5pPr>
-            <a:lvl6pPr marL="2514600" indent="-228600" algn="l" defTabSz="457200" rtl="0" eaLnBrk="1" latinLnBrk="0" hangingPunct="1">
-              <a:spcBef>
-                <a:spcPct val="20000"/>
-              </a:spcBef>
-              <a:spcAft>
-                <a:spcPts val="600"/>
-              </a:spcAft>
-              <a:buClr>
-                <a:schemeClr val="accent1"/>
-              </a:buClr>
-              <a:buSzPct val="115000"/>
-              <a:buFont typeface="Arial"/>
-              <a:buChar char="•"/>
-              <a:defRPr sz="1400" kern="1200" cap="none">
-                <a:solidFill>
-                  <a:schemeClr val="tx1">
-                    <a:lumMod val="85000"/>
-                    <a:lumOff val="15000"/>
-                  </a:schemeClr>
-                </a:solidFill>
-                <a:effectLst/>
-                <a:latin typeface="+mn-lt"/>
-                <a:ea typeface="+mn-ea"/>
-                <a:cs typeface="+mn-cs"/>
-              </a:defRPr>
-            </a:lvl6pPr>
-            <a:lvl7pPr marL="2971800" indent="-228600" algn="l" defTabSz="457200" rtl="0" eaLnBrk="1" latinLnBrk="0" hangingPunct="1">
-              <a:spcBef>
-                <a:spcPct val="20000"/>
-              </a:spcBef>
-              <a:spcAft>
-                <a:spcPts val="600"/>
-              </a:spcAft>
-              <a:buClr>
-                <a:schemeClr val="accent1"/>
-              </a:buClr>
-              <a:buSzPct val="115000"/>
-              <a:buFont typeface="Arial"/>
-              <a:buChar char="•"/>
-              <a:defRPr sz="1400" kern="1200" cap="none">
-                <a:solidFill>
-                  <a:schemeClr val="tx1">
-                    <a:lumMod val="85000"/>
-                    <a:lumOff val="15000"/>
-                  </a:schemeClr>
-                </a:solidFill>
-                <a:effectLst/>
-                <a:latin typeface="+mn-lt"/>
-                <a:ea typeface="+mn-ea"/>
-                <a:cs typeface="+mn-cs"/>
-              </a:defRPr>
-            </a:lvl7pPr>
-            <a:lvl8pPr marL="3429000" indent="-228600" algn="l" defTabSz="457200" rtl="0" eaLnBrk="1" latinLnBrk="0" hangingPunct="1">
-              <a:spcBef>
-                <a:spcPct val="20000"/>
-              </a:spcBef>
-              <a:spcAft>
-                <a:spcPts val="600"/>
-              </a:spcAft>
-              <a:buClr>
-                <a:schemeClr val="accent1"/>
-              </a:buClr>
-              <a:buSzPct val="115000"/>
-              <a:buFont typeface="Arial"/>
-              <a:buChar char="•"/>
-              <a:defRPr sz="1400" kern="1200" cap="none">
-                <a:solidFill>
-                  <a:schemeClr val="tx1">
-                    <a:lumMod val="85000"/>
-                    <a:lumOff val="15000"/>
-                  </a:schemeClr>
-                </a:solidFill>
-                <a:effectLst/>
-                <a:latin typeface="+mn-lt"/>
-                <a:ea typeface="+mn-ea"/>
-                <a:cs typeface="+mn-cs"/>
-              </a:defRPr>
-            </a:lvl8pPr>
-            <a:lvl9pPr marL="3886200" indent="-228600" algn="l" defTabSz="457200" rtl="0" eaLnBrk="1" latinLnBrk="0" hangingPunct="1">
-              <a:spcBef>
-                <a:spcPct val="20000"/>
-              </a:spcBef>
-              <a:spcAft>
-                <a:spcPts val="600"/>
-              </a:spcAft>
-              <a:buClr>
-                <a:schemeClr val="accent1"/>
-              </a:buClr>
-              <a:buSzPct val="115000"/>
-              <a:buFont typeface="Arial"/>
-              <a:buChar char="•"/>
-              <a:defRPr sz="1400" kern="1200" cap="none">
-                <a:solidFill>
-                  <a:schemeClr val="tx1">
-                    <a:lumMod val="85000"/>
-                    <a:lumOff val="15000"/>
-                  </a:schemeClr>
-                </a:solidFill>
-                <a:effectLst/>
-                <a:latin typeface="+mn-lt"/>
-                <a:ea typeface="+mn-ea"/>
-                <a:cs typeface="+mn-cs"/>
-              </a:defRPr>
-            </a:lvl9pPr>
-          </a:lstStyle>
-          <a:p>
-            <a:pPr marL="0" indent="0" algn="ctr">
-              <a:buNone/>
-            </a:pPr>
-            <a:r>
-              <a:rPr lang="pt-PT" dirty="0">
-                <a:solidFill>
-                  <a:srgbClr val="FF0000"/>
-                </a:solidFill>
-              </a:rPr>
-              <a:t>[ 1, 3, 8 ]</a:t>
-            </a:r>
-          </a:p>
-          <a:p>
-            <a:pPr marL="0" indent="0" algn="ctr">
-              <a:buNone/>
-            </a:pPr>
-            <a:endParaRPr lang="pt-PT" dirty="0">
-              <a:solidFill>
-                <a:srgbClr val="FF0000"/>
-              </a:solidFill>
-            </a:endParaRPr>
-          </a:p>
-          <a:p>
-            <a:pPr marL="0" indent="0" algn="ctr">
-              <a:buNone/>
-            </a:pPr>
-            <a:r>
-              <a:rPr lang="pt-PT" dirty="0">
-                <a:solidFill>
-                  <a:srgbClr val="FF0000"/>
-                </a:solidFill>
-              </a:rPr>
-              <a:t>[ 5, 6, 4 ]</a:t>
-            </a:r>
-          </a:p>
-          <a:p>
-            <a:pPr marL="0" indent="0" algn="ctr">
-              <a:buNone/>
-            </a:pPr>
-            <a:endParaRPr lang="pt-PT" dirty="0">
-              <a:solidFill>
-                <a:srgbClr val="FF0000"/>
-              </a:solidFill>
-            </a:endParaRPr>
-          </a:p>
-          <a:p>
-            <a:pPr marL="0" indent="0" algn="ctr">
-              <a:buNone/>
-            </a:pPr>
-            <a:r>
-              <a:rPr lang="pt-PT" dirty="0">
-                <a:solidFill>
-                  <a:srgbClr val="FF0000"/>
-                </a:solidFill>
-              </a:rPr>
-              <a:t>[ 4, 5, 6 ]</a:t>
-            </a:r>
-          </a:p>
-        </p:txBody>
-      </p:sp>
-      <p:sp>
-        <p:nvSpPr>
-          <p:cNvPr id="4" name="Content Placeholder 2"/>
-          <p:cNvSpPr txBox="1">
-            <a:spLocks/>
-          </p:cNvSpPr>
-          <p:nvPr/>
-        </p:nvSpPr>
-        <p:spPr>
-          <a:xfrm>
-            <a:off x="6775015" y="914399"/>
-            <a:ext cx="1631565" cy="4897054"/>
-          </a:xfrm>
-          <a:prstGeom prst="rect">
-            <a:avLst/>
-          </a:prstGeom>
-        </p:spPr>
-        <p:txBody>
-          <a:bodyPr anchor="ctr"/>
-          <a:lstStyle>
-            <a:lvl1pPr marL="285750" indent="-285750" algn="l" defTabSz="457200" rtl="0" eaLnBrk="1" latinLnBrk="0" hangingPunct="1">
-              <a:spcBef>
-                <a:spcPct val="20000"/>
-              </a:spcBef>
-              <a:spcAft>
-                <a:spcPts val="600"/>
-              </a:spcAft>
-              <a:buClr>
-                <a:schemeClr val="accent1"/>
-              </a:buClr>
-              <a:buSzPct val="115000"/>
-              <a:buFont typeface="Arial"/>
-              <a:buChar char="•"/>
-              <a:defRPr sz="2400" kern="1200" cap="none">
-                <a:solidFill>
-                  <a:schemeClr val="tx1">
-                    <a:lumMod val="85000"/>
-                    <a:lumOff val="15000"/>
-                  </a:schemeClr>
-                </a:solidFill>
-                <a:effectLst/>
-                <a:latin typeface="+mn-lt"/>
-                <a:ea typeface="+mn-ea"/>
-                <a:cs typeface="+mn-cs"/>
-              </a:defRPr>
-            </a:lvl1pPr>
-            <a:lvl2pPr marL="742950" indent="-285750" algn="l" defTabSz="457200" rtl="0" eaLnBrk="1" latinLnBrk="0" hangingPunct="1">
-              <a:spcBef>
-                <a:spcPct val="20000"/>
-              </a:spcBef>
-              <a:spcAft>
-                <a:spcPts val="600"/>
-              </a:spcAft>
-              <a:buClr>
-                <a:schemeClr val="accent1"/>
-              </a:buClr>
-              <a:buSzPct val="115000"/>
-              <a:buFont typeface="Arial"/>
-              <a:buChar char="•"/>
-              <a:defRPr sz="2000" kern="1200" cap="none">
-                <a:solidFill>
-                  <a:schemeClr val="tx1">
-                    <a:lumMod val="85000"/>
-                    <a:lumOff val="15000"/>
-                  </a:schemeClr>
-                </a:solidFill>
-                <a:effectLst/>
-                <a:latin typeface="+mn-lt"/>
-                <a:ea typeface="+mn-ea"/>
-                <a:cs typeface="+mn-cs"/>
-              </a:defRPr>
-            </a:lvl2pPr>
-            <a:lvl3pPr marL="1200150" indent="-285750" algn="l" defTabSz="457200" rtl="0" eaLnBrk="1" latinLnBrk="0" hangingPunct="1">
-              <a:spcBef>
-                <a:spcPct val="20000"/>
-              </a:spcBef>
-              <a:spcAft>
-                <a:spcPts val="600"/>
-              </a:spcAft>
-              <a:buClr>
-                <a:schemeClr val="accent1"/>
-              </a:buClr>
-              <a:buSzPct val="115000"/>
-              <a:buFont typeface="Arial"/>
-              <a:buChar char="•"/>
-              <a:defRPr sz="1800" kern="1200" cap="none">
-                <a:solidFill>
-                  <a:schemeClr val="tx1">
-                    <a:lumMod val="85000"/>
-                    <a:lumOff val="15000"/>
-                  </a:schemeClr>
-                </a:solidFill>
-                <a:effectLst/>
-                <a:latin typeface="+mn-lt"/>
-                <a:ea typeface="+mn-ea"/>
-                <a:cs typeface="+mn-cs"/>
-              </a:defRPr>
-            </a:lvl3pPr>
-            <a:lvl4pPr marL="1543050" indent="-171450" algn="l" defTabSz="457200" rtl="0" eaLnBrk="1" latinLnBrk="0" hangingPunct="1">
-              <a:spcBef>
-                <a:spcPct val="20000"/>
-              </a:spcBef>
-              <a:spcAft>
-                <a:spcPts val="600"/>
-              </a:spcAft>
-              <a:buClr>
-                <a:schemeClr val="accent1"/>
-              </a:buClr>
-              <a:buSzPct val="115000"/>
-              <a:buFont typeface="Arial"/>
-              <a:buChar char="•"/>
-              <a:defRPr sz="1600" kern="1200" cap="none">
-                <a:solidFill>
-                  <a:schemeClr val="tx1">
-                    <a:lumMod val="85000"/>
-                    <a:lumOff val="15000"/>
-                  </a:schemeClr>
-                </a:solidFill>
-                <a:effectLst/>
-                <a:latin typeface="+mn-lt"/>
-                <a:ea typeface="+mn-ea"/>
-                <a:cs typeface="+mn-cs"/>
-              </a:defRPr>
-            </a:lvl4pPr>
-            <a:lvl5pPr marL="2000250" indent="-171450" algn="l" defTabSz="457200" rtl="0" eaLnBrk="1" latinLnBrk="0" hangingPunct="1">
-              <a:spcBef>
-                <a:spcPct val="20000"/>
-              </a:spcBef>
-              <a:spcAft>
-                <a:spcPts val="600"/>
-              </a:spcAft>
-              <a:buClr>
-                <a:schemeClr val="accent1"/>
-              </a:buClr>
-              <a:buSzPct val="115000"/>
-              <a:buFont typeface="Arial"/>
-              <a:buChar char="•"/>
-              <a:defRPr sz="1400" kern="1200" cap="none">
-                <a:solidFill>
-                  <a:schemeClr val="tx1">
-                    <a:lumMod val="85000"/>
-                    <a:lumOff val="15000"/>
-                  </a:schemeClr>
-                </a:solidFill>
-                <a:effectLst/>
-                <a:latin typeface="+mn-lt"/>
-                <a:ea typeface="+mn-ea"/>
-                <a:cs typeface="+mn-cs"/>
-              </a:defRPr>
-            </a:lvl5pPr>
-            <a:lvl6pPr marL="2514600" indent="-228600" algn="l" defTabSz="457200" rtl="0" eaLnBrk="1" latinLnBrk="0" hangingPunct="1">
-              <a:spcBef>
-                <a:spcPct val="20000"/>
-              </a:spcBef>
-              <a:spcAft>
-                <a:spcPts val="600"/>
-              </a:spcAft>
-              <a:buClr>
-                <a:schemeClr val="accent1"/>
-              </a:buClr>
-              <a:buSzPct val="115000"/>
-              <a:buFont typeface="Arial"/>
-              <a:buChar char="•"/>
-              <a:defRPr sz="1400" kern="1200" cap="none">
-                <a:solidFill>
-                  <a:schemeClr val="tx1">
-                    <a:lumMod val="85000"/>
-                    <a:lumOff val="15000"/>
-                  </a:schemeClr>
-                </a:solidFill>
-                <a:effectLst/>
-                <a:latin typeface="+mn-lt"/>
-                <a:ea typeface="+mn-ea"/>
-                <a:cs typeface="+mn-cs"/>
-              </a:defRPr>
-            </a:lvl6pPr>
-            <a:lvl7pPr marL="2971800" indent="-228600" algn="l" defTabSz="457200" rtl="0" eaLnBrk="1" latinLnBrk="0" hangingPunct="1">
-              <a:spcBef>
-                <a:spcPct val="20000"/>
-              </a:spcBef>
-              <a:spcAft>
-                <a:spcPts val="600"/>
-              </a:spcAft>
-              <a:buClr>
-                <a:schemeClr val="accent1"/>
-              </a:buClr>
-              <a:buSzPct val="115000"/>
-              <a:buFont typeface="Arial"/>
-              <a:buChar char="•"/>
-              <a:defRPr sz="1400" kern="1200" cap="none">
-                <a:solidFill>
-                  <a:schemeClr val="tx1">
-                    <a:lumMod val="85000"/>
-                    <a:lumOff val="15000"/>
-                  </a:schemeClr>
-                </a:solidFill>
-                <a:effectLst/>
-                <a:latin typeface="+mn-lt"/>
-                <a:ea typeface="+mn-ea"/>
-                <a:cs typeface="+mn-cs"/>
-              </a:defRPr>
-            </a:lvl7pPr>
-            <a:lvl8pPr marL="3429000" indent="-228600" algn="l" defTabSz="457200" rtl="0" eaLnBrk="1" latinLnBrk="0" hangingPunct="1">
-              <a:spcBef>
-                <a:spcPct val="20000"/>
-              </a:spcBef>
-              <a:spcAft>
-                <a:spcPts val="600"/>
-              </a:spcAft>
-              <a:buClr>
-                <a:schemeClr val="accent1"/>
-              </a:buClr>
-              <a:buSzPct val="115000"/>
-              <a:buFont typeface="Arial"/>
-              <a:buChar char="•"/>
-              <a:defRPr sz="1400" kern="1200" cap="none">
-                <a:solidFill>
-                  <a:schemeClr val="tx1">
-                    <a:lumMod val="85000"/>
-                    <a:lumOff val="15000"/>
-                  </a:schemeClr>
-                </a:solidFill>
-                <a:effectLst/>
-                <a:latin typeface="+mn-lt"/>
-                <a:ea typeface="+mn-ea"/>
-                <a:cs typeface="+mn-cs"/>
-              </a:defRPr>
-            </a:lvl8pPr>
-            <a:lvl9pPr marL="3886200" indent="-228600" algn="l" defTabSz="457200" rtl="0" eaLnBrk="1" latinLnBrk="0" hangingPunct="1">
-              <a:spcBef>
-                <a:spcPct val="20000"/>
-              </a:spcBef>
-              <a:spcAft>
-                <a:spcPts val="600"/>
-              </a:spcAft>
-              <a:buClr>
-                <a:schemeClr val="accent1"/>
-              </a:buClr>
-              <a:buSzPct val="115000"/>
-              <a:buFont typeface="Arial"/>
-              <a:buChar char="•"/>
-              <a:defRPr sz="1400" kern="1200" cap="none">
-                <a:solidFill>
-                  <a:schemeClr val="tx1">
-                    <a:lumMod val="85000"/>
-                    <a:lumOff val="15000"/>
-                  </a:schemeClr>
-                </a:solidFill>
-                <a:effectLst/>
-                <a:latin typeface="+mn-lt"/>
-                <a:ea typeface="+mn-ea"/>
-                <a:cs typeface="+mn-cs"/>
-              </a:defRPr>
-            </a:lvl9pPr>
-          </a:lstStyle>
-          <a:p>
-            <a:pPr marL="0" indent="0" algn="ctr">
-              <a:buNone/>
-            </a:pPr>
-            <a:r>
-              <a:rPr lang="pt-PT" dirty="0">
-                <a:solidFill>
-                  <a:srgbClr val="0070C0"/>
-                </a:solidFill>
-              </a:rPr>
-              <a:t>[ 6, 4, 7 ]</a:t>
-            </a:r>
-          </a:p>
-          <a:p>
-            <a:pPr marL="0" indent="0" algn="ctr">
-              <a:buNone/>
-            </a:pPr>
-            <a:endParaRPr lang="pt-PT" dirty="0">
-              <a:solidFill>
-                <a:srgbClr val="0070C0"/>
-              </a:solidFill>
-            </a:endParaRPr>
-          </a:p>
-          <a:p>
-            <a:pPr marL="0" indent="0" algn="ctr">
-              <a:buNone/>
-            </a:pPr>
-            <a:r>
-              <a:rPr lang="pt-PT" dirty="0">
-                <a:solidFill>
-                  <a:srgbClr val="0070C0"/>
-                </a:solidFill>
-              </a:rPr>
-              <a:t>[ 7, 9, 8 ]</a:t>
-            </a:r>
-          </a:p>
-          <a:p>
-            <a:pPr marL="0" indent="0" algn="ctr">
-              <a:buNone/>
-            </a:pPr>
-            <a:endParaRPr lang="pt-PT" dirty="0">
-              <a:solidFill>
-                <a:srgbClr val="0070C0"/>
-              </a:solidFill>
-            </a:endParaRPr>
-          </a:p>
-          <a:p>
-            <a:pPr marL="0" indent="0" algn="ctr">
-              <a:buNone/>
-            </a:pPr>
-            <a:r>
-              <a:rPr lang="pt-PT" dirty="0">
-                <a:solidFill>
-                  <a:srgbClr val="0070C0"/>
-                </a:solidFill>
-              </a:rPr>
-              <a:t>[ 7, 8, 9 ]</a:t>
-            </a:r>
-          </a:p>
-        </p:txBody>
-      </p:sp>
-    </p:spTree>
-    <p:extLst>
-      <p:ext uri="{BB962C8B-B14F-4D97-AF65-F5344CB8AC3E}">
-        <p14:creationId xmlns:p14="http://schemas.microsoft.com/office/powerpoint/2010/main" val="1061085569"/>
-      </p:ext>
-    </p:extLst>
-  </p:cSld>
-  <p:clrMapOvr>
-    <a:masterClrMapping/>
-  </p:clrMapOvr>
-  <p:timing>
-    <p:tnLst>
-      <p:par>
-        <p:cTn id="1" dur="indefinite" restart="never" nodeType="tmRoot">
-          <p:childTnLst>
-            <p:seq concurrent="1" nextAc="seek">
-              <p:cTn id="2" dur="indefinite" nodeType="mainSeq">
-                <p:childTnLst>
-                  <p:par>
-                    <p:cTn id="3" fill="hold">
-                      <p:stCondLst>
-                        <p:cond delay="indefinite"/>
-                      </p:stCondLst>
-                      <p:childTnLst>
-                        <p:par>
-                          <p:cTn id="4" fill="hold">
-                            <p:stCondLst>
-                              <p:cond delay="0"/>
-                            </p:stCondLst>
-                            <p:childTnLst>
-                              <p:par>
-                                <p:cTn id="5" presetID="10" presetClass="entr" presetSubtype="0" fill="hold" nodeType="clickEffect">
-                                  <p:stCondLst>
-                                    <p:cond delay="0"/>
-                                  </p:stCondLst>
-                                  <p:childTnLst>
-                                    <p:set>
-                                      <p:cBhvr>
-                                        <p:cTn id="6" dur="1" fill="hold">
-                                          <p:stCondLst>
-                                            <p:cond delay="0"/>
-                                          </p:stCondLst>
-                                        </p:cTn>
-                                        <p:tgtEl>
-                                          <p:spTgt spid="9"/>
-                                        </p:tgtEl>
-                                        <p:attrNameLst>
-                                          <p:attrName>style.visibility</p:attrName>
-                                        </p:attrNameLst>
-                                      </p:cBhvr>
-                                      <p:to>
-                                        <p:strVal val="visible"/>
-                                      </p:to>
-                                    </p:set>
-                                    <p:animEffect transition="in" filter="fade">
-                                      <p:cBhvr>
-                                        <p:cTn id="7" dur="500"/>
-                                        <p:tgtEl>
-                                          <p:spTgt spid="9"/>
-                                        </p:tgtEl>
-                                      </p:cBhvr>
-                                    </p:animEffect>
-                                  </p:childTnLst>
-                                </p:cTn>
-                              </p:par>
-                            </p:childTnLst>
-                          </p:cTn>
-                        </p:par>
-                      </p:childTnLst>
-                    </p:cTn>
-                  </p:par>
-                  <p:par>
-                    <p:cTn id="8" fill="hold">
-                      <p:stCondLst>
-                        <p:cond delay="indefinite"/>
-                      </p:stCondLst>
-                      <p:childTnLst>
-                        <p:par>
-                          <p:cTn id="9" fill="hold">
-                            <p:stCondLst>
-                              <p:cond delay="0"/>
-                            </p:stCondLst>
-                            <p:childTnLst>
-                              <p:par>
-                                <p:cTn id="10" presetID="10" presetClass="entr" presetSubtype="0" fill="hold" nodeType="clickEffect">
-                                  <p:stCondLst>
-                                    <p:cond delay="0"/>
-                                  </p:stCondLst>
-                                  <p:childTnLst>
-                                    <p:set>
-                                      <p:cBhvr>
-                                        <p:cTn id="11" dur="1" fill="hold">
-                                          <p:stCondLst>
-                                            <p:cond delay="0"/>
-                                          </p:stCondLst>
-                                        </p:cTn>
-                                        <p:tgtEl>
-                                          <p:spTgt spid="10"/>
-                                        </p:tgtEl>
-                                        <p:attrNameLst>
-                                          <p:attrName>style.visibility</p:attrName>
-                                        </p:attrNameLst>
-                                      </p:cBhvr>
-                                      <p:to>
-                                        <p:strVal val="visible"/>
-                                      </p:to>
-                                    </p:set>
-                                    <p:animEffect transition="in" filter="fade">
-                                      <p:cBhvr>
-                                        <p:cTn id="12" dur="500"/>
-                                        <p:tgtEl>
-                                          <p:spTgt spid="10"/>
-                                        </p:tgtEl>
-                                      </p:cBhvr>
-                                    </p:animEffect>
-                                  </p:childTnLst>
-                                </p:cTn>
-                              </p:par>
-                            </p:childTnLst>
-                          </p:cTn>
-                        </p:par>
-                      </p:childTnLst>
-                    </p:cTn>
-                  </p:par>
-                </p:childTnLst>
-              </p:cTn>
-              <p:prevCondLst>
-                <p:cond evt="onPrev" delay="0">
-                  <p:tgtEl>
-                    <p:sldTgt/>
-                  </p:tgtEl>
-                </p:cond>
-              </p:prevCondLst>
-              <p:nextCondLst>
-                <p:cond evt="onNext" delay="0">
-                  <p:tgtEl>
-                    <p:sldTgt/>
-                  </p:tgtEl>
-                </p:cond>
-              </p:nextCondLst>
-            </p:seq>
-          </p:childTnLst>
-        </p:cTn>
       </p:par>
     </p:tnLst>
   </p:timing>

--- a/Apresentação.pptx
+++ b/Apresentação.pptx
@@ -5,7 +5,7 @@
     <p:sldMasterId id="2147483678" r:id="rId1"/>
   </p:sldMasterIdLst>
   <p:notesMasterIdLst>
-    <p:notesMasterId r:id="rId15"/>
+    <p:notesMasterId r:id="rId16"/>
   </p:notesMasterIdLst>
   <p:sldIdLst>
     <p:sldId id="256" r:id="rId2"/>
@@ -20,7 +20,8 @@
     <p:sldId id="264" r:id="rId11"/>
     <p:sldId id="266" r:id="rId12"/>
     <p:sldId id="268" r:id="rId13"/>
-    <p:sldId id="267" r:id="rId14"/>
+    <p:sldId id="271" r:id="rId14"/>
+    <p:sldId id="267" r:id="rId15"/>
   </p:sldIdLst>
   <p:sldSz cx="9144000" cy="6858000" type="screen4x3"/>
   <p:notesSz cx="6858000" cy="9144000"/>
@@ -585,11 +586,11 @@
         </c:dLbls>
         <c:marker val="1"/>
         <c:smooth val="0"/>
-        <c:axId val="-1570590416"/>
-        <c:axId val="-1570594768"/>
+        <c:axId val="-484816"/>
+        <c:axId val="-479920"/>
       </c:lineChart>
       <c:catAx>
-        <c:axId val="-1570590416"/>
+        <c:axId val="-484816"/>
         <c:scaling>
           <c:orientation val="minMax"/>
         </c:scaling>
@@ -647,7 +648,7 @@
                   <a:cs typeface="+mn-cs"/>
                 </a:defRPr>
               </a:pPr>
-              <a:endParaRPr lang="en-US"/>
+              <a:endParaRPr lang="pt-PT"/>
             </a:p>
           </c:txPr>
         </c:title>
@@ -685,10 +686,10 @@
                 <a:cs typeface="+mn-cs"/>
               </a:defRPr>
             </a:pPr>
-            <a:endParaRPr lang="en-US"/>
+            <a:endParaRPr lang="pt-PT"/>
           </a:p>
         </c:txPr>
-        <c:crossAx val="-1570594768"/>
+        <c:crossAx val="-479920"/>
         <c:crosses val="autoZero"/>
         <c:auto val="1"/>
         <c:lblAlgn val="ctr"/>
@@ -696,7 +697,7 @@
         <c:noMultiLvlLbl val="0"/>
       </c:catAx>
       <c:valAx>
-        <c:axId val="-1570594768"/>
+        <c:axId val="-479920"/>
         <c:scaling>
           <c:orientation val="minMax"/>
         </c:scaling>
@@ -773,7 +774,7 @@
                   <a:cs typeface="+mn-cs"/>
                 </a:defRPr>
               </a:pPr>
-              <a:endParaRPr lang="en-US"/>
+              <a:endParaRPr lang="pt-PT"/>
             </a:p>
           </c:txPr>
         </c:title>
@@ -805,10 +806,10 @@
                 <a:cs typeface="+mn-cs"/>
               </a:defRPr>
             </a:pPr>
-            <a:endParaRPr lang="en-US"/>
+            <a:endParaRPr lang="pt-PT"/>
           </a:p>
         </c:txPr>
-        <c:crossAx val="-1570590416"/>
+        <c:crossAx val="-484816"/>
         <c:crosses val="autoZero"/>
         <c:crossBetween val="between"/>
       </c:valAx>
@@ -857,7 +858,7 @@
               <a:cs typeface="+mn-cs"/>
             </a:defRPr>
           </a:pPr>
-          <a:endParaRPr lang="en-US"/>
+          <a:endParaRPr lang="pt-PT"/>
         </a:p>
       </c:txPr>
     </c:legend>
@@ -879,7 +880,7 @@
       <a:pPr>
         <a:defRPr/>
       </a:pPr>
-      <a:endParaRPr lang="en-US"/>
+      <a:endParaRPr lang="pt-PT"/>
     </a:p>
   </c:txPr>
   <c:externalData r:id="rId3">
@@ -1339,11 +1340,11 @@
         </c:dLbls>
         <c:marker val="1"/>
         <c:smooth val="0"/>
-        <c:axId val="-1636818320"/>
-        <c:axId val="-1636830832"/>
+        <c:axId val="-477744"/>
+        <c:axId val="-477200"/>
       </c:lineChart>
       <c:catAx>
-        <c:axId val="-1636818320"/>
+        <c:axId val="-477744"/>
         <c:scaling>
           <c:orientation val="minMax"/>
         </c:scaling>
@@ -1405,7 +1406,7 @@
                   <a:cs typeface="+mn-cs"/>
                 </a:defRPr>
               </a:pPr>
-              <a:endParaRPr lang="en-US"/>
+              <a:endParaRPr lang="pt-PT"/>
             </a:p>
           </c:txPr>
         </c:title>
@@ -1443,10 +1444,10 @@
                 <a:cs typeface="+mn-cs"/>
               </a:defRPr>
             </a:pPr>
-            <a:endParaRPr lang="en-US"/>
+            <a:endParaRPr lang="pt-PT"/>
           </a:p>
         </c:txPr>
-        <c:crossAx val="-1636830832"/>
+        <c:crossAx val="-477200"/>
         <c:crosses val="autoZero"/>
         <c:auto val="1"/>
         <c:lblAlgn val="ctr"/>
@@ -1454,7 +1455,7 @@
         <c:noMultiLvlLbl val="0"/>
       </c:catAx>
       <c:valAx>
-        <c:axId val="-1636830832"/>
+        <c:axId val="-477200"/>
         <c:scaling>
           <c:orientation val="minMax"/>
         </c:scaling>
@@ -1531,7 +1532,7 @@
                   <a:cs typeface="+mn-cs"/>
                 </a:defRPr>
               </a:pPr>
-              <a:endParaRPr lang="en-US"/>
+              <a:endParaRPr lang="pt-PT"/>
             </a:p>
           </c:txPr>
         </c:title>
@@ -1563,10 +1564,10 @@
                 <a:cs typeface="+mn-cs"/>
               </a:defRPr>
             </a:pPr>
-            <a:endParaRPr lang="en-US"/>
+            <a:endParaRPr lang="pt-PT"/>
           </a:p>
         </c:txPr>
-        <c:crossAx val="-1636818320"/>
+        <c:crossAx val="-477744"/>
         <c:crosses val="autoZero"/>
         <c:crossBetween val="between"/>
       </c:valAx>
@@ -1615,7 +1616,7 @@
               <a:cs typeface="+mn-cs"/>
             </a:defRPr>
           </a:pPr>
-          <a:endParaRPr lang="en-US"/>
+          <a:endParaRPr lang="pt-PT"/>
         </a:p>
       </c:txPr>
     </c:legend>
@@ -1637,7 +1638,7 @@
       <a:pPr>
         <a:defRPr/>
       </a:pPr>
-      <a:endParaRPr lang="en-US"/>
+      <a:endParaRPr lang="pt-PT"/>
     </a:p>
   </c:txPr>
   <c:externalData r:id="rId3">
@@ -1994,11 +1995,11 @@
         </c:dLbls>
         <c:marker val="1"/>
         <c:smooth val="0"/>
-        <c:axId val="-1636830288"/>
-        <c:axId val="-1636815600"/>
+        <c:axId val="-2077343584"/>
+        <c:axId val="-2077350656"/>
       </c:lineChart>
       <c:catAx>
-        <c:axId val="-1636830288"/>
+        <c:axId val="-2077343584"/>
         <c:scaling>
           <c:orientation val="minMax"/>
         </c:scaling>
@@ -2056,7 +2057,7 @@
                   <a:cs typeface="+mn-cs"/>
                 </a:defRPr>
               </a:pPr>
-              <a:endParaRPr lang="en-US"/>
+              <a:endParaRPr lang="pt-PT"/>
             </a:p>
           </c:txPr>
         </c:title>
@@ -2094,10 +2095,10 @@
                 <a:cs typeface="+mn-cs"/>
               </a:defRPr>
             </a:pPr>
-            <a:endParaRPr lang="en-US"/>
+            <a:endParaRPr lang="pt-PT"/>
           </a:p>
         </c:txPr>
-        <c:crossAx val="-1636815600"/>
+        <c:crossAx val="-2077350656"/>
         <c:crosses val="autoZero"/>
         <c:auto val="1"/>
         <c:lblAlgn val="ctr"/>
@@ -2105,7 +2106,7 @@
         <c:noMultiLvlLbl val="0"/>
       </c:catAx>
       <c:valAx>
-        <c:axId val="-1636815600"/>
+        <c:axId val="-2077350656"/>
         <c:scaling>
           <c:orientation val="minMax"/>
         </c:scaling>
@@ -2182,7 +2183,7 @@
                   <a:cs typeface="+mn-cs"/>
                 </a:defRPr>
               </a:pPr>
-              <a:endParaRPr lang="en-US"/>
+              <a:endParaRPr lang="pt-PT"/>
             </a:p>
           </c:txPr>
         </c:title>
@@ -2214,10 +2215,10 @@
                 <a:cs typeface="+mn-cs"/>
               </a:defRPr>
             </a:pPr>
-            <a:endParaRPr lang="en-US"/>
+            <a:endParaRPr lang="pt-PT"/>
           </a:p>
         </c:txPr>
-        <c:crossAx val="-1636830288"/>
+        <c:crossAx val="-2077343584"/>
         <c:crosses val="autoZero"/>
         <c:crossBetween val="between"/>
       </c:valAx>
@@ -2266,7 +2267,7 @@
               <a:cs typeface="+mn-cs"/>
             </a:defRPr>
           </a:pPr>
-          <a:endParaRPr lang="en-US"/>
+          <a:endParaRPr lang="pt-PT"/>
         </a:p>
       </c:txPr>
     </c:legend>
@@ -2288,7 +2289,546 @@
       <a:pPr>
         <a:defRPr/>
       </a:pPr>
-      <a:endParaRPr lang="en-US"/>
+      <a:endParaRPr lang="pt-PT"/>
+    </a:p>
+  </c:txPr>
+  <c:externalData r:id="rId3">
+    <c:autoUpdate val="0"/>
+  </c:externalData>
+</c:chartSpace>
+</file>
+
+<file path=ppt/charts/chart4.xml><?xml version="1.0" encoding="utf-8"?>
+<c:chartSpace xmlns:c="http://schemas.openxmlformats.org/drawingml/2006/chart" xmlns:a="http://schemas.openxmlformats.org/drawingml/2006/main" xmlns:r="http://schemas.openxmlformats.org/officeDocument/2006/relationships">
+  <c:date1904 val="0"/>
+  <c:lang val="en-US"/>
+  <c:roundedCorners val="0"/>
+  <mc:AlternateContent xmlns:mc="http://schemas.openxmlformats.org/markup-compatibility/2006">
+    <mc:Choice xmlns:c14="http://schemas.microsoft.com/office/drawing/2007/8/2/chart" Requires="c14">
+      <c14:style val="102"/>
+    </mc:Choice>
+    <mc:Fallback>
+      <c:style val="2"/>
+    </mc:Fallback>
+  </mc:AlternateContent>
+  <c:chart>
+    <c:autoTitleDeleted val="1"/>
+    <c:view3D>
+      <c:rotX val="15"/>
+      <c:rotY val="20"/>
+      <c:depthPercent val="100"/>
+      <c:rAngAx val="1"/>
+    </c:view3D>
+    <c:floor>
+      <c:thickness val="0"/>
+      <c:spPr>
+        <a:noFill/>
+        <a:ln>
+          <a:noFill/>
+        </a:ln>
+        <a:effectLst/>
+        <a:sp3d/>
+      </c:spPr>
+    </c:floor>
+    <c:sideWall>
+      <c:thickness val="0"/>
+      <c:spPr>
+        <a:noFill/>
+        <a:ln>
+          <a:noFill/>
+        </a:ln>
+        <a:effectLst/>
+        <a:sp3d/>
+      </c:spPr>
+    </c:sideWall>
+    <c:backWall>
+      <c:thickness val="0"/>
+      <c:spPr>
+        <a:noFill/>
+        <a:ln>
+          <a:noFill/>
+        </a:ln>
+        <a:effectLst/>
+        <a:sp3d/>
+      </c:spPr>
+    </c:backWall>
+    <c:plotArea>
+      <c:layout/>
+      <c:bar3DChart>
+        <c:barDir val="col"/>
+        <c:grouping val="stacked"/>
+        <c:varyColors val="0"/>
+        <c:ser>
+          <c:idx val="0"/>
+          <c:order val="0"/>
+          <c:tx>
+            <c:strRef>
+              <c:f>Sheet1!$C$2</c:f>
+              <c:strCache>
+                <c:ptCount val="1"/>
+                <c:pt idx="0">
+                  <c:v>QuickSort</c:v>
+                </c:pt>
+              </c:strCache>
+            </c:strRef>
+          </c:tx>
+          <c:spPr>
+            <a:solidFill>
+              <a:schemeClr val="accent6"/>
+            </a:solidFill>
+            <a:ln>
+              <a:noFill/>
+            </a:ln>
+            <a:effectLst/>
+            <a:sp3d/>
+          </c:spPr>
+          <c:invertIfNegative val="0"/>
+          <c:cat>
+            <c:numRef>
+              <c:f>Sheet1!$B$3:$B$10</c:f>
+              <c:numCache>
+                <c:formatCode>General</c:formatCode>
+                <c:ptCount val="8"/>
+                <c:pt idx="0">
+                  <c:v>1</c:v>
+                </c:pt>
+                <c:pt idx="1">
+                  <c:v>2</c:v>
+                </c:pt>
+                <c:pt idx="2">
+                  <c:v>4</c:v>
+                </c:pt>
+                <c:pt idx="3">
+                  <c:v>8</c:v>
+                </c:pt>
+                <c:pt idx="4">
+                  <c:v>16</c:v>
+                </c:pt>
+                <c:pt idx="5">
+                  <c:v>20</c:v>
+                </c:pt>
+                <c:pt idx="6">
+                  <c:v>28</c:v>
+                </c:pt>
+                <c:pt idx="7">
+                  <c:v>32</c:v>
+                </c:pt>
+              </c:numCache>
+            </c:numRef>
+          </c:cat>
+          <c:val>
+            <c:numRef>
+              <c:f>Sheet1!$C$3:$C$10</c:f>
+              <c:numCache>
+                <c:formatCode>General</c:formatCode>
+                <c:ptCount val="8"/>
+                <c:pt idx="0">
+                  <c:v>2.3169809999999997</c:v>
+                </c:pt>
+                <c:pt idx="1">
+                  <c:v>1.072003</c:v>
+                </c:pt>
+                <c:pt idx="2">
+                  <c:v>0.48565700000000001</c:v>
+                </c:pt>
+                <c:pt idx="3">
+                  <c:v>0.21285099999999998</c:v>
+                </c:pt>
+                <c:pt idx="4">
+                  <c:v>0.12313399999999997</c:v>
+                </c:pt>
+                <c:pt idx="5">
+                  <c:v>0.11276700000000001</c:v>
+                </c:pt>
+                <c:pt idx="6">
+                  <c:v>9.4432999999999989E-2</c:v>
+                </c:pt>
+                <c:pt idx="7">
+                  <c:v>0.161192</c:v>
+                </c:pt>
+              </c:numCache>
+            </c:numRef>
+          </c:val>
+        </c:ser>
+        <c:ser>
+          <c:idx val="1"/>
+          <c:order val="1"/>
+          <c:tx>
+            <c:strRef>
+              <c:f>Sheet1!$D$2</c:f>
+              <c:strCache>
+                <c:ptCount val="1"/>
+                <c:pt idx="0">
+                  <c:v>Troca de Arrays</c:v>
+                </c:pt>
+              </c:strCache>
+            </c:strRef>
+          </c:tx>
+          <c:spPr>
+            <a:solidFill>
+              <a:schemeClr val="accent5"/>
+            </a:solidFill>
+            <a:ln>
+              <a:noFill/>
+            </a:ln>
+            <a:effectLst/>
+            <a:sp3d/>
+          </c:spPr>
+          <c:invertIfNegative val="0"/>
+          <c:cat>
+            <c:numRef>
+              <c:f>Sheet1!$B$3:$B$10</c:f>
+              <c:numCache>
+                <c:formatCode>General</c:formatCode>
+                <c:ptCount val="8"/>
+                <c:pt idx="0">
+                  <c:v>1</c:v>
+                </c:pt>
+                <c:pt idx="1">
+                  <c:v>2</c:v>
+                </c:pt>
+                <c:pt idx="2">
+                  <c:v>4</c:v>
+                </c:pt>
+                <c:pt idx="3">
+                  <c:v>8</c:v>
+                </c:pt>
+                <c:pt idx="4">
+                  <c:v>16</c:v>
+                </c:pt>
+                <c:pt idx="5">
+                  <c:v>20</c:v>
+                </c:pt>
+                <c:pt idx="6">
+                  <c:v>28</c:v>
+                </c:pt>
+                <c:pt idx="7">
+                  <c:v>32</c:v>
+                </c:pt>
+              </c:numCache>
+            </c:numRef>
+          </c:cat>
+          <c:val>
+            <c:numRef>
+              <c:f>Sheet1!$D$3:$D$10</c:f>
+              <c:numCache>
+                <c:formatCode>General</c:formatCode>
+                <c:ptCount val="8"/>
+                <c:pt idx="0">
+                  <c:v>0.44037599999999999</c:v>
+                </c:pt>
+                <c:pt idx="1">
+                  <c:v>0.29059800000000002</c:v>
+                </c:pt>
+                <c:pt idx="2">
+                  <c:v>0.168936</c:v>
+                </c:pt>
+                <c:pt idx="3">
+                  <c:v>0.125387</c:v>
+                </c:pt>
+                <c:pt idx="4">
+                  <c:v>0.12792300000000001</c:v>
+                </c:pt>
+                <c:pt idx="5">
+                  <c:v>0.12529499999999999</c:v>
+                </c:pt>
+                <c:pt idx="6">
+                  <c:v>0.136627</c:v>
+                </c:pt>
+                <c:pt idx="7">
+                  <c:v>0.83043900000000004</c:v>
+                </c:pt>
+              </c:numCache>
+            </c:numRef>
+          </c:val>
+        </c:ser>
+        <c:dLbls>
+          <c:showLegendKey val="0"/>
+          <c:showVal val="0"/>
+          <c:showCatName val="0"/>
+          <c:showSerName val="0"/>
+          <c:showPercent val="0"/>
+          <c:showBubbleSize val="0"/>
+        </c:dLbls>
+        <c:gapWidth val="150"/>
+        <c:shape val="box"/>
+        <c:axId val="-231800080"/>
+        <c:axId val="-2077342496"/>
+        <c:axId val="0"/>
+      </c:bar3DChart>
+      <c:catAx>
+        <c:axId val="-231800080"/>
+        <c:scaling>
+          <c:orientation val="minMax"/>
+        </c:scaling>
+        <c:delete val="0"/>
+        <c:axPos val="b"/>
+        <c:title>
+          <c:tx>
+            <c:rich>
+              <a:bodyPr rot="0" spcFirstLastPara="1" vertOverflow="ellipsis" vert="horz" wrap="square" anchor="ctr" anchorCtr="1"/>
+              <a:lstStyle/>
+              <a:p>
+                <a:pPr>
+                  <a:defRPr sz="1200" b="0" i="0" u="none" strike="noStrike" kern="1200" baseline="0">
+                    <a:solidFill>
+                      <a:schemeClr val="tx1">
+                        <a:lumMod val="65000"/>
+                        <a:lumOff val="35000"/>
+                      </a:schemeClr>
+                    </a:solidFill>
+                    <a:latin typeface="+mn-lt"/>
+                    <a:ea typeface="+mn-ea"/>
+                    <a:cs typeface="+mn-cs"/>
+                  </a:defRPr>
+                </a:pPr>
+                <a:r>
+                  <a:rPr lang="pt-PT" sz="1200" baseline="0" dirty="0" smtClean="0"/>
+                  <a:t>Número de Processos</a:t>
+                </a:r>
+                <a:endParaRPr lang="pt-PT" sz="1200" dirty="0"/>
+              </a:p>
+            </c:rich>
+          </c:tx>
+          <c:layout/>
+          <c:overlay val="0"/>
+          <c:spPr>
+            <a:noFill/>
+            <a:ln>
+              <a:noFill/>
+            </a:ln>
+            <a:effectLst/>
+          </c:spPr>
+          <c:txPr>
+            <a:bodyPr rot="0" spcFirstLastPara="1" vertOverflow="ellipsis" vert="horz" wrap="square" anchor="ctr" anchorCtr="1"/>
+            <a:lstStyle/>
+            <a:p>
+              <a:pPr>
+                <a:defRPr sz="1200" b="0" i="0" u="none" strike="noStrike" kern="1200" baseline="0">
+                  <a:solidFill>
+                    <a:schemeClr val="tx1">
+                      <a:lumMod val="65000"/>
+                      <a:lumOff val="35000"/>
+                    </a:schemeClr>
+                  </a:solidFill>
+                  <a:latin typeface="+mn-lt"/>
+                  <a:ea typeface="+mn-ea"/>
+                  <a:cs typeface="+mn-cs"/>
+                </a:defRPr>
+              </a:pPr>
+              <a:endParaRPr lang="pt-PT"/>
+            </a:p>
+          </c:txPr>
+        </c:title>
+        <c:numFmt formatCode="General" sourceLinked="1"/>
+        <c:majorTickMark val="none"/>
+        <c:minorTickMark val="none"/>
+        <c:tickLblPos val="nextTo"/>
+        <c:spPr>
+          <a:noFill/>
+          <a:ln>
+            <a:noFill/>
+          </a:ln>
+          <a:effectLst/>
+        </c:spPr>
+        <c:txPr>
+          <a:bodyPr rot="-60000000" spcFirstLastPara="1" vertOverflow="ellipsis" vert="horz" wrap="square" anchor="ctr" anchorCtr="1"/>
+          <a:lstStyle/>
+          <a:p>
+            <a:pPr>
+              <a:defRPr sz="900" b="0" i="0" u="none" strike="noStrike" kern="1200" baseline="0">
+                <a:solidFill>
+                  <a:schemeClr val="tx1">
+                    <a:lumMod val="65000"/>
+                    <a:lumOff val="35000"/>
+                  </a:schemeClr>
+                </a:solidFill>
+                <a:latin typeface="+mn-lt"/>
+                <a:ea typeface="+mn-ea"/>
+                <a:cs typeface="+mn-cs"/>
+              </a:defRPr>
+            </a:pPr>
+            <a:endParaRPr lang="pt-PT"/>
+          </a:p>
+        </c:txPr>
+        <c:crossAx val="-2077342496"/>
+        <c:crosses val="autoZero"/>
+        <c:auto val="1"/>
+        <c:lblAlgn val="ctr"/>
+        <c:lblOffset val="100"/>
+        <c:noMultiLvlLbl val="0"/>
+      </c:catAx>
+      <c:valAx>
+        <c:axId val="-2077342496"/>
+        <c:scaling>
+          <c:orientation val="minMax"/>
+        </c:scaling>
+        <c:delete val="0"/>
+        <c:axPos val="l"/>
+        <c:majorGridlines>
+          <c:spPr>
+            <a:ln w="9525" cap="flat" cmpd="sng" algn="ctr">
+              <a:solidFill>
+                <a:schemeClr val="tx1">
+                  <a:lumMod val="15000"/>
+                  <a:lumOff val="85000"/>
+                </a:schemeClr>
+              </a:solidFill>
+              <a:round/>
+            </a:ln>
+            <a:effectLst/>
+          </c:spPr>
+        </c:majorGridlines>
+        <c:title>
+          <c:tx>
+            <c:rich>
+              <a:bodyPr rot="-5400000" spcFirstLastPara="1" vertOverflow="ellipsis" vert="horz" wrap="square" anchor="ctr" anchorCtr="1"/>
+              <a:lstStyle/>
+              <a:p>
+                <a:pPr>
+                  <a:defRPr sz="1200" b="0" i="0" u="none" strike="noStrike" kern="1200" baseline="0">
+                    <a:solidFill>
+                      <a:schemeClr val="tx1">
+                        <a:lumMod val="65000"/>
+                        <a:lumOff val="35000"/>
+                      </a:schemeClr>
+                    </a:solidFill>
+                    <a:latin typeface="+mn-lt"/>
+                    <a:ea typeface="+mn-ea"/>
+                    <a:cs typeface="+mn-cs"/>
+                  </a:defRPr>
+                </a:pPr>
+                <a:r>
+                  <a:rPr lang="pt-PT" sz="1200"/>
+                  <a:t>Tempo (s)</a:t>
+                </a:r>
+              </a:p>
+            </c:rich>
+          </c:tx>
+          <c:layout/>
+          <c:overlay val="0"/>
+          <c:spPr>
+            <a:noFill/>
+            <a:ln>
+              <a:noFill/>
+            </a:ln>
+            <a:effectLst/>
+          </c:spPr>
+          <c:txPr>
+            <a:bodyPr rot="-5400000" spcFirstLastPara="1" vertOverflow="ellipsis" vert="horz" wrap="square" anchor="ctr" anchorCtr="1"/>
+            <a:lstStyle/>
+            <a:p>
+              <a:pPr>
+                <a:defRPr sz="1200" b="0" i="0" u="none" strike="noStrike" kern="1200" baseline="0">
+                  <a:solidFill>
+                    <a:schemeClr val="tx1">
+                      <a:lumMod val="65000"/>
+                      <a:lumOff val="35000"/>
+                    </a:schemeClr>
+                  </a:solidFill>
+                  <a:latin typeface="+mn-lt"/>
+                  <a:ea typeface="+mn-ea"/>
+                  <a:cs typeface="+mn-cs"/>
+                </a:defRPr>
+              </a:pPr>
+              <a:endParaRPr lang="pt-PT"/>
+            </a:p>
+          </c:txPr>
+        </c:title>
+        <c:numFmt formatCode="General" sourceLinked="1"/>
+        <c:majorTickMark val="none"/>
+        <c:minorTickMark val="none"/>
+        <c:tickLblPos val="nextTo"/>
+        <c:spPr>
+          <a:noFill/>
+          <a:ln>
+            <a:noFill/>
+          </a:ln>
+          <a:effectLst/>
+        </c:spPr>
+        <c:txPr>
+          <a:bodyPr rot="-60000000" spcFirstLastPara="1" vertOverflow="ellipsis" vert="horz" wrap="square" anchor="ctr" anchorCtr="1"/>
+          <a:lstStyle/>
+          <a:p>
+            <a:pPr>
+              <a:defRPr sz="900" b="0" i="0" u="none" strike="noStrike" kern="1200" baseline="0">
+                <a:solidFill>
+                  <a:schemeClr val="tx1">
+                    <a:lumMod val="65000"/>
+                    <a:lumOff val="35000"/>
+                  </a:schemeClr>
+                </a:solidFill>
+                <a:latin typeface="+mn-lt"/>
+                <a:ea typeface="+mn-ea"/>
+                <a:cs typeface="+mn-cs"/>
+              </a:defRPr>
+            </a:pPr>
+            <a:endParaRPr lang="pt-PT"/>
+          </a:p>
+        </c:txPr>
+        <c:crossAx val="-231800080"/>
+        <c:crosses val="autoZero"/>
+        <c:crossBetween val="between"/>
+      </c:valAx>
+      <c:spPr>
+        <a:noFill/>
+        <a:ln>
+          <a:noFill/>
+        </a:ln>
+        <a:effectLst/>
+      </c:spPr>
+    </c:plotArea>
+    <c:legend>
+      <c:legendPos val="b"/>
+      <c:layout/>
+      <c:overlay val="0"/>
+      <c:spPr>
+        <a:noFill/>
+        <a:ln>
+          <a:noFill/>
+        </a:ln>
+        <a:effectLst/>
+      </c:spPr>
+      <c:txPr>
+        <a:bodyPr rot="0" spcFirstLastPara="1" vertOverflow="ellipsis" vert="horz" wrap="square" anchor="ctr" anchorCtr="1"/>
+        <a:lstStyle/>
+        <a:p>
+          <a:pPr>
+            <a:defRPr sz="1200" b="0" i="0" u="none" strike="noStrike" kern="1200" baseline="0">
+              <a:solidFill>
+                <a:schemeClr val="tx1">
+                  <a:lumMod val="65000"/>
+                  <a:lumOff val="35000"/>
+                </a:schemeClr>
+              </a:solidFill>
+              <a:latin typeface="+mn-lt"/>
+              <a:ea typeface="+mn-ea"/>
+              <a:cs typeface="+mn-cs"/>
+            </a:defRPr>
+          </a:pPr>
+          <a:endParaRPr lang="pt-PT"/>
+        </a:p>
+      </c:txPr>
+    </c:legend>
+    <c:plotVisOnly val="1"/>
+    <c:dispBlanksAs val="gap"/>
+    <c:showDLblsOverMax val="0"/>
+  </c:chart>
+  <c:spPr>
+    <a:noFill/>
+    <a:ln>
+      <a:noFill/>
+    </a:ln>
+    <a:effectLst/>
+  </c:spPr>
+  <c:txPr>
+    <a:bodyPr/>
+    <a:lstStyle/>
+    <a:p>
+      <a:pPr>
+        <a:defRPr/>
+      </a:pPr>
+      <a:endParaRPr lang="pt-PT"/>
     </a:p>
   </c:txPr>
   <c:externalData r:id="rId3">
@@ -2376,6 +2916,43 @@
   <a:schemeClr val="accent1"/>
   <a:schemeClr val="accent3"/>
   <a:schemeClr val="accent5"/>
+  <cs:variation/>
+  <cs:variation>
+    <a:lumMod val="60000"/>
+  </cs:variation>
+  <cs:variation>
+    <a:lumMod val="80000"/>
+    <a:lumOff val="20000"/>
+  </cs:variation>
+  <cs:variation>
+    <a:lumMod val="80000"/>
+  </cs:variation>
+  <cs:variation>
+    <a:lumMod val="60000"/>
+    <a:lumOff val="40000"/>
+  </cs:variation>
+  <cs:variation>
+    <a:lumMod val="50000"/>
+  </cs:variation>
+  <cs:variation>
+    <a:lumMod val="70000"/>
+    <a:lumOff val="30000"/>
+  </cs:variation>
+  <cs:variation>
+    <a:lumMod val="70000"/>
+  </cs:variation>
+  <cs:variation>
+    <a:lumMod val="50000"/>
+    <a:lumOff val="50000"/>
+  </cs:variation>
+</cs:colorStyle>
+</file>
+
+<file path=ppt/charts/colors4.xml><?xml version="1.0" encoding="utf-8"?>
+<cs:colorStyle xmlns:cs="http://schemas.microsoft.com/office/drawing/2012/chartStyle" xmlns:a="http://schemas.openxmlformats.org/drawingml/2006/main" meth="cycle" id="13">
+  <a:schemeClr val="accent6"/>
+  <a:schemeClr val="accent5"/>
+  <a:schemeClr val="accent4"/>
   <cs:variation/>
   <cs:variation>
     <a:lumMod val="60000"/>
@@ -3943,6 +4520,500 @@
 </cs:chartStyle>
 </file>
 
+<file path=ppt/charts/style4.xml><?xml version="1.0" encoding="utf-8"?>
+<cs:chartStyle xmlns:cs="http://schemas.microsoft.com/office/drawing/2012/chartStyle" xmlns:a="http://schemas.openxmlformats.org/drawingml/2006/main" id="286">
+  <cs:axisTitle>
+    <cs:lnRef idx="0"/>
+    <cs:fillRef idx="0"/>
+    <cs:effectRef idx="0"/>
+    <cs:fontRef idx="minor">
+      <a:schemeClr val="tx1">
+        <a:lumMod val="65000"/>
+        <a:lumOff val="35000"/>
+      </a:schemeClr>
+    </cs:fontRef>
+    <cs:defRPr sz="1000" kern="1200"/>
+  </cs:axisTitle>
+  <cs:categoryAxis>
+    <cs:lnRef idx="0"/>
+    <cs:fillRef idx="0"/>
+    <cs:effectRef idx="0"/>
+    <cs:fontRef idx="minor">
+      <a:schemeClr val="tx1">
+        <a:lumMod val="65000"/>
+        <a:lumOff val="35000"/>
+      </a:schemeClr>
+    </cs:fontRef>
+    <cs:defRPr sz="900" kern="1200"/>
+  </cs:categoryAxis>
+  <cs:chartArea mods="allowNoFillOverride allowNoLineOverride">
+    <cs:lnRef idx="0"/>
+    <cs:fillRef idx="0"/>
+    <cs:effectRef idx="0"/>
+    <cs:fontRef idx="minor">
+      <a:schemeClr val="tx1"/>
+    </cs:fontRef>
+    <cs:spPr>
+      <a:solidFill>
+        <a:schemeClr val="bg1"/>
+      </a:solidFill>
+      <a:ln w="9525" cap="flat" cmpd="sng" algn="ctr">
+        <a:solidFill>
+          <a:schemeClr val="tx1">
+            <a:lumMod val="15000"/>
+            <a:lumOff val="85000"/>
+          </a:schemeClr>
+        </a:solidFill>
+        <a:round/>
+      </a:ln>
+    </cs:spPr>
+    <cs:defRPr sz="1000" kern="1200"/>
+  </cs:chartArea>
+  <cs:dataLabel>
+    <cs:lnRef idx="0"/>
+    <cs:fillRef idx="0"/>
+    <cs:effectRef idx="0"/>
+    <cs:fontRef idx="minor">
+      <a:schemeClr val="tx1">
+        <a:lumMod val="75000"/>
+        <a:lumOff val="25000"/>
+      </a:schemeClr>
+    </cs:fontRef>
+    <cs:defRPr sz="900" kern="1200"/>
+  </cs:dataLabel>
+  <cs:dataLabelCallout>
+    <cs:lnRef idx="0"/>
+    <cs:fillRef idx="0"/>
+    <cs:effectRef idx="0"/>
+    <cs:fontRef idx="minor">
+      <a:schemeClr val="dk1">
+        <a:lumMod val="65000"/>
+        <a:lumOff val="35000"/>
+      </a:schemeClr>
+    </cs:fontRef>
+    <cs:spPr>
+      <a:solidFill>
+        <a:schemeClr val="lt1"/>
+      </a:solidFill>
+      <a:ln>
+        <a:solidFill>
+          <a:schemeClr val="dk1">
+            <a:lumMod val="25000"/>
+            <a:lumOff val="75000"/>
+          </a:schemeClr>
+        </a:solidFill>
+      </a:ln>
+    </cs:spPr>
+    <cs:defRPr sz="900" kern="1200"/>
+    <cs:bodyPr rot="0" spcFirstLastPara="1" vertOverflow="clip" horzOverflow="clip" vert="horz" wrap="square" lIns="36576" tIns="18288" rIns="36576" bIns="18288" anchor="ctr" anchorCtr="1">
+      <a:spAutoFit/>
+    </cs:bodyPr>
+  </cs:dataLabelCallout>
+  <cs:dataPoint>
+    <cs:lnRef idx="0"/>
+    <cs:fillRef idx="1">
+      <cs:styleClr val="auto"/>
+    </cs:fillRef>
+    <cs:effectRef idx="0"/>
+    <cs:fontRef idx="minor">
+      <a:schemeClr val="tx1"/>
+    </cs:fontRef>
+  </cs:dataPoint>
+  <cs:dataPoint3D>
+    <cs:lnRef idx="0"/>
+    <cs:fillRef idx="1">
+      <cs:styleClr val="auto"/>
+    </cs:fillRef>
+    <cs:effectRef idx="0"/>
+    <cs:fontRef idx="minor">
+      <a:schemeClr val="tx1"/>
+    </cs:fontRef>
+  </cs:dataPoint3D>
+  <cs:dataPointLine>
+    <cs:lnRef idx="0">
+      <cs:styleClr val="auto"/>
+    </cs:lnRef>
+    <cs:fillRef idx="1"/>
+    <cs:effectRef idx="0"/>
+    <cs:fontRef idx="minor">
+      <a:schemeClr val="tx1"/>
+    </cs:fontRef>
+    <cs:spPr>
+      <a:ln w="28575" cap="rnd">
+        <a:solidFill>
+          <a:schemeClr val="phClr"/>
+        </a:solidFill>
+        <a:round/>
+      </a:ln>
+    </cs:spPr>
+  </cs:dataPointLine>
+  <cs:dataPointMarker>
+    <cs:lnRef idx="0">
+      <cs:styleClr val="auto"/>
+    </cs:lnRef>
+    <cs:fillRef idx="1">
+      <cs:styleClr val="auto"/>
+    </cs:fillRef>
+    <cs:effectRef idx="0"/>
+    <cs:fontRef idx="minor">
+      <a:schemeClr val="tx1"/>
+    </cs:fontRef>
+    <cs:spPr>
+      <a:ln w="9525">
+        <a:solidFill>
+          <a:schemeClr val="phClr"/>
+        </a:solidFill>
+      </a:ln>
+    </cs:spPr>
+  </cs:dataPointMarker>
+  <cs:dataPointMarkerLayout symbol="circle" size="5"/>
+  <cs:dataPointWireframe>
+    <cs:lnRef idx="0">
+      <cs:styleClr val="auto"/>
+    </cs:lnRef>
+    <cs:fillRef idx="1"/>
+    <cs:effectRef idx="0"/>
+    <cs:fontRef idx="minor">
+      <a:schemeClr val="tx1"/>
+    </cs:fontRef>
+    <cs:spPr>
+      <a:ln w="9525" cap="rnd">
+        <a:solidFill>
+          <a:schemeClr val="phClr"/>
+        </a:solidFill>
+        <a:round/>
+      </a:ln>
+    </cs:spPr>
+  </cs:dataPointWireframe>
+  <cs:dataTable>
+    <cs:lnRef idx="0"/>
+    <cs:fillRef idx="0"/>
+    <cs:effectRef idx="0"/>
+    <cs:fontRef idx="minor">
+      <a:schemeClr val="tx1">
+        <a:lumMod val="65000"/>
+        <a:lumOff val="35000"/>
+      </a:schemeClr>
+    </cs:fontRef>
+    <cs:spPr>
+      <a:noFill/>
+      <a:ln w="9525" cap="flat" cmpd="sng" algn="ctr">
+        <a:solidFill>
+          <a:schemeClr val="tx1">
+            <a:lumMod val="15000"/>
+            <a:lumOff val="85000"/>
+          </a:schemeClr>
+        </a:solidFill>
+        <a:round/>
+      </a:ln>
+    </cs:spPr>
+    <cs:defRPr sz="900" kern="1200"/>
+  </cs:dataTable>
+  <cs:downBar>
+    <cs:lnRef idx="0"/>
+    <cs:fillRef idx="0"/>
+    <cs:effectRef idx="0"/>
+    <cs:fontRef idx="minor">
+      <a:schemeClr val="tx1"/>
+    </cs:fontRef>
+    <cs:spPr>
+      <a:solidFill>
+        <a:schemeClr val="dk1">
+          <a:lumMod val="75000"/>
+          <a:lumOff val="25000"/>
+        </a:schemeClr>
+      </a:solidFill>
+      <a:ln w="9525" cap="flat" cmpd="sng" algn="ctr">
+        <a:solidFill>
+          <a:schemeClr val="tx1">
+            <a:lumMod val="65000"/>
+            <a:lumOff val="35000"/>
+          </a:schemeClr>
+        </a:solidFill>
+        <a:round/>
+      </a:ln>
+    </cs:spPr>
+  </cs:downBar>
+  <cs:dropLine>
+    <cs:lnRef idx="0"/>
+    <cs:fillRef idx="0"/>
+    <cs:effectRef idx="0"/>
+    <cs:fontRef idx="minor">
+      <a:schemeClr val="tx1"/>
+    </cs:fontRef>
+    <cs:spPr>
+      <a:ln w="9525" cap="flat" cmpd="sng" algn="ctr">
+        <a:solidFill>
+          <a:schemeClr val="tx1">
+            <a:lumMod val="35000"/>
+            <a:lumOff val="65000"/>
+          </a:schemeClr>
+        </a:solidFill>
+        <a:round/>
+      </a:ln>
+    </cs:spPr>
+  </cs:dropLine>
+  <cs:errorBar>
+    <cs:lnRef idx="0"/>
+    <cs:fillRef idx="0"/>
+    <cs:effectRef idx="0"/>
+    <cs:fontRef idx="minor">
+      <a:schemeClr val="tx1"/>
+    </cs:fontRef>
+    <cs:spPr>
+      <a:ln w="9525" cap="flat" cmpd="sng" algn="ctr">
+        <a:solidFill>
+          <a:schemeClr val="tx1">
+            <a:lumMod val="65000"/>
+            <a:lumOff val="35000"/>
+          </a:schemeClr>
+        </a:solidFill>
+        <a:round/>
+      </a:ln>
+    </cs:spPr>
+  </cs:errorBar>
+  <cs:floor>
+    <cs:lnRef idx="0"/>
+    <cs:fillRef idx="0"/>
+    <cs:effectRef idx="0"/>
+    <cs:fontRef idx="minor">
+      <a:schemeClr val="tx1"/>
+    </cs:fontRef>
+    <cs:spPr>
+      <a:noFill/>
+      <a:ln>
+        <a:noFill/>
+      </a:ln>
+    </cs:spPr>
+  </cs:floor>
+  <cs:gridlineMajor>
+    <cs:lnRef idx="0"/>
+    <cs:fillRef idx="0"/>
+    <cs:effectRef idx="0"/>
+    <cs:fontRef idx="minor">
+      <a:schemeClr val="tx1"/>
+    </cs:fontRef>
+    <cs:spPr>
+      <a:ln w="9525" cap="flat" cmpd="sng" algn="ctr">
+        <a:solidFill>
+          <a:schemeClr val="tx1">
+            <a:lumMod val="15000"/>
+            <a:lumOff val="85000"/>
+          </a:schemeClr>
+        </a:solidFill>
+        <a:round/>
+      </a:ln>
+    </cs:spPr>
+  </cs:gridlineMajor>
+  <cs:gridlineMinor>
+    <cs:lnRef idx="0"/>
+    <cs:fillRef idx="0"/>
+    <cs:effectRef idx="0"/>
+    <cs:fontRef idx="minor">
+      <a:schemeClr val="tx1"/>
+    </cs:fontRef>
+    <cs:spPr>
+      <a:ln w="9525" cap="flat" cmpd="sng" algn="ctr">
+        <a:solidFill>
+          <a:schemeClr val="tx1">
+            <a:lumMod val="5000"/>
+            <a:lumOff val="95000"/>
+          </a:schemeClr>
+        </a:solidFill>
+        <a:round/>
+      </a:ln>
+    </cs:spPr>
+  </cs:gridlineMinor>
+  <cs:hiLoLine>
+    <cs:lnRef idx="0"/>
+    <cs:fillRef idx="0"/>
+    <cs:effectRef idx="0"/>
+    <cs:fontRef idx="minor">
+      <a:schemeClr val="tx1"/>
+    </cs:fontRef>
+    <cs:spPr>
+      <a:ln w="9525" cap="flat" cmpd="sng" algn="ctr">
+        <a:solidFill>
+          <a:schemeClr val="tx1">
+            <a:lumMod val="50000"/>
+            <a:lumOff val="50000"/>
+          </a:schemeClr>
+        </a:solidFill>
+        <a:round/>
+      </a:ln>
+    </cs:spPr>
+  </cs:hiLoLine>
+  <cs:leaderLine>
+    <cs:lnRef idx="0"/>
+    <cs:fillRef idx="0"/>
+    <cs:effectRef idx="0"/>
+    <cs:fontRef idx="minor">
+      <a:schemeClr val="tx1"/>
+    </cs:fontRef>
+    <cs:spPr>
+      <a:ln w="9525" cap="flat" cmpd="sng" algn="ctr">
+        <a:solidFill>
+          <a:schemeClr val="tx1">
+            <a:lumMod val="35000"/>
+            <a:lumOff val="65000"/>
+          </a:schemeClr>
+        </a:solidFill>
+        <a:round/>
+      </a:ln>
+    </cs:spPr>
+  </cs:leaderLine>
+  <cs:legend>
+    <cs:lnRef idx="0"/>
+    <cs:fillRef idx="0"/>
+    <cs:effectRef idx="0"/>
+    <cs:fontRef idx="minor">
+      <a:schemeClr val="tx1">
+        <a:lumMod val="65000"/>
+        <a:lumOff val="35000"/>
+      </a:schemeClr>
+    </cs:fontRef>
+    <cs:defRPr sz="900" kern="1200"/>
+  </cs:legend>
+  <cs:plotArea mods="allowNoFillOverride allowNoLineOverride">
+    <cs:lnRef idx="0"/>
+    <cs:fillRef idx="0"/>
+    <cs:effectRef idx="0"/>
+    <cs:fontRef idx="minor">
+      <a:schemeClr val="tx1"/>
+    </cs:fontRef>
+  </cs:plotArea>
+  <cs:plotArea3D mods="allowNoFillOverride allowNoLineOverride">
+    <cs:lnRef idx="0"/>
+    <cs:fillRef idx="0"/>
+    <cs:effectRef idx="0"/>
+    <cs:fontRef idx="minor">
+      <a:schemeClr val="tx1"/>
+    </cs:fontRef>
+  </cs:plotArea3D>
+  <cs:seriesAxis>
+    <cs:lnRef idx="0"/>
+    <cs:fillRef idx="0"/>
+    <cs:effectRef idx="0"/>
+    <cs:fontRef idx="minor">
+      <a:schemeClr val="tx1">
+        <a:lumMod val="65000"/>
+        <a:lumOff val="35000"/>
+      </a:schemeClr>
+    </cs:fontRef>
+    <cs:defRPr sz="900" kern="1200"/>
+  </cs:seriesAxis>
+  <cs:seriesLine>
+    <cs:lnRef idx="0"/>
+    <cs:fillRef idx="0"/>
+    <cs:effectRef idx="0"/>
+    <cs:fontRef idx="minor">
+      <a:schemeClr val="tx1"/>
+    </cs:fontRef>
+    <cs:spPr>
+      <a:ln w="9525" cap="flat" cmpd="sng" algn="ctr">
+        <a:solidFill>
+          <a:schemeClr val="tx1">
+            <a:lumMod val="35000"/>
+            <a:lumOff val="65000"/>
+          </a:schemeClr>
+        </a:solidFill>
+        <a:round/>
+      </a:ln>
+    </cs:spPr>
+  </cs:seriesLine>
+  <cs:title>
+    <cs:lnRef idx="0"/>
+    <cs:fillRef idx="0"/>
+    <cs:effectRef idx="0"/>
+    <cs:fontRef idx="minor">
+      <a:schemeClr val="tx1">
+        <a:lumMod val="65000"/>
+        <a:lumOff val="35000"/>
+      </a:schemeClr>
+    </cs:fontRef>
+    <cs:defRPr sz="1400" b="0" kern="1200" spc="0" baseline="0"/>
+  </cs:title>
+  <cs:trendline>
+    <cs:lnRef idx="0">
+      <cs:styleClr val="auto"/>
+    </cs:lnRef>
+    <cs:fillRef idx="0"/>
+    <cs:effectRef idx="0"/>
+    <cs:fontRef idx="minor">
+      <a:schemeClr val="tx1"/>
+    </cs:fontRef>
+    <cs:spPr>
+      <a:ln w="19050" cap="rnd">
+        <a:solidFill>
+          <a:schemeClr val="phClr"/>
+        </a:solidFill>
+        <a:prstDash val="sysDot"/>
+      </a:ln>
+    </cs:spPr>
+  </cs:trendline>
+  <cs:trendlineLabel>
+    <cs:lnRef idx="0"/>
+    <cs:fillRef idx="0"/>
+    <cs:effectRef idx="0"/>
+    <cs:fontRef idx="minor">
+      <a:schemeClr val="tx1">
+        <a:lumMod val="65000"/>
+        <a:lumOff val="35000"/>
+      </a:schemeClr>
+    </cs:fontRef>
+    <cs:defRPr sz="900" kern="1200"/>
+  </cs:trendlineLabel>
+  <cs:upBar>
+    <cs:lnRef idx="0"/>
+    <cs:fillRef idx="0"/>
+    <cs:effectRef idx="0"/>
+    <cs:fontRef idx="minor">
+      <a:schemeClr val="tx1"/>
+    </cs:fontRef>
+    <cs:spPr>
+      <a:solidFill>
+        <a:schemeClr val="lt1"/>
+      </a:solidFill>
+      <a:ln w="9525" cap="flat" cmpd="sng" algn="ctr">
+        <a:solidFill>
+          <a:schemeClr val="tx1">
+            <a:lumMod val="65000"/>
+            <a:lumOff val="35000"/>
+          </a:schemeClr>
+        </a:solidFill>
+        <a:round/>
+      </a:ln>
+    </cs:spPr>
+  </cs:upBar>
+  <cs:valueAxis>
+    <cs:lnRef idx="0"/>
+    <cs:fillRef idx="0"/>
+    <cs:effectRef idx="0"/>
+    <cs:fontRef idx="minor">
+      <a:schemeClr val="tx1">
+        <a:lumMod val="65000"/>
+        <a:lumOff val="35000"/>
+      </a:schemeClr>
+    </cs:fontRef>
+    <cs:defRPr sz="900" kern="1200"/>
+  </cs:valueAxis>
+  <cs:wall>
+    <cs:lnRef idx="0"/>
+    <cs:fillRef idx="0"/>
+    <cs:effectRef idx="0"/>
+    <cs:fontRef idx="minor">
+      <a:schemeClr val="tx1"/>
+    </cs:fontRef>
+    <cs:spPr>
+      <a:noFill/>
+      <a:ln>
+        <a:noFill/>
+      </a:ln>
+    </cs:spPr>
+  </cs:wall>
+</cs:chartStyle>
+</file>
+
 <file path=ppt/notesMasters/notesMaster1.xml><?xml version="1.0" encoding="utf-8"?>
 <p:notesMaster xmlns:a="http://schemas.openxmlformats.org/drawingml/2006/main" xmlns:r="http://schemas.openxmlformats.org/officeDocument/2006/relationships" xmlns:p="http://schemas.openxmlformats.org/presentationml/2006/main">
   <p:cSld>
@@ -4025,7 +5096,7 @@
           <a:p>
             <a:fld id="{6681F22B-3B6B-4546-A668-DD15FA2B9ACA}" type="datetimeFigureOut">
               <a:rPr lang="en-US" smtClean="0"/>
-              <a:t>1/5/2016</a:t>
+              <a:t>1/10/2016</a:t>
             </a:fld>
             <a:endParaRPr lang="en-US"/>
           </a:p>
@@ -4365,7 +5436,7 @@
               <a:rPr lang="en-US" smtClean="0"/>
               <a:t>1</a:t>
             </a:fld>
-            <a:endParaRPr lang="en-US"/>
+            <a:endParaRPr lang="en-US" dirty="0"/>
           </a:p>
         </p:txBody>
       </p:sp>
@@ -4628,7 +5699,266 @@
           <a:bodyPr/>
           <a:lstStyle/>
           <a:p>
-            <a:endParaRPr lang="pt-PT" dirty="0"/>
+            <a:r>
+              <a:rPr lang="pt-PT" baseline="0" dirty="0" err="1" smtClean="0"/>
+              <a:t>Grafico</a:t>
+            </a:r>
+            <a:r>
+              <a:rPr lang="pt-PT" baseline="0" dirty="0" smtClean="0"/>
+              <a:t> de comunicações.</a:t>
+            </a:r>
+          </a:p>
+          <a:p>
+            <a:r>
+              <a:rPr lang="en-US" baseline="0" dirty="0" smtClean="0"/>
+              <a:t>Valor </a:t>
+            </a:r>
+            <a:r>
+              <a:rPr lang="en-US" baseline="0" dirty="0" err="1" smtClean="0"/>
+              <a:t>estranho</a:t>
+            </a:r>
+            <a:r>
+              <a:rPr lang="en-US" baseline="0" dirty="0" smtClean="0"/>
+              <a:t> com 1 </a:t>
+            </a:r>
+            <a:r>
+              <a:rPr lang="en-US" baseline="0" dirty="0" err="1" smtClean="0"/>
+              <a:t>processo</a:t>
+            </a:r>
+            <a:r>
+              <a:rPr lang="en-US" baseline="0" dirty="0" smtClean="0"/>
+              <a:t> </a:t>
+            </a:r>
+            <a:r>
+              <a:rPr lang="en-US" baseline="0" dirty="0" err="1" smtClean="0"/>
+              <a:t>pois</a:t>
+            </a:r>
+            <a:r>
+              <a:rPr lang="en-US" baseline="0" dirty="0" smtClean="0"/>
+              <a:t> </a:t>
+            </a:r>
+            <a:r>
+              <a:rPr lang="en-US" baseline="0" dirty="0" err="1" smtClean="0"/>
+              <a:t>devia</a:t>
+            </a:r>
+            <a:r>
+              <a:rPr lang="en-US" baseline="0" dirty="0" smtClean="0"/>
+              <a:t> ignorer </a:t>
+            </a:r>
+            <a:r>
+              <a:rPr lang="en-US" baseline="0" dirty="0" err="1" smtClean="0"/>
+              <a:t>grande</a:t>
+            </a:r>
+            <a:r>
+              <a:rPr lang="en-US" baseline="0" dirty="0" smtClean="0"/>
+              <a:t> parte do </a:t>
+            </a:r>
+            <a:r>
+              <a:rPr lang="en-US" baseline="0" dirty="0" err="1" smtClean="0"/>
+              <a:t>processo</a:t>
+            </a:r>
+            <a:r>
+              <a:rPr lang="en-US" baseline="0" dirty="0" smtClean="0"/>
+              <a:t> de envoi mas </a:t>
+            </a:r>
+            <a:r>
+              <a:rPr lang="en-US" baseline="0" dirty="0" err="1" smtClean="0"/>
+              <a:t>demora</a:t>
+            </a:r>
+            <a:r>
+              <a:rPr lang="en-US" baseline="0" dirty="0" smtClean="0"/>
+              <a:t> </a:t>
+            </a:r>
+            <a:r>
+              <a:rPr lang="en-US" baseline="0" dirty="0" err="1" smtClean="0"/>
+              <a:t>mais</a:t>
+            </a:r>
+            <a:r>
+              <a:rPr lang="en-US" baseline="0" dirty="0" smtClean="0"/>
+              <a:t> do que </a:t>
+            </a:r>
+            <a:r>
+              <a:rPr lang="en-US" baseline="0" dirty="0" err="1" smtClean="0"/>
+              <a:t>os</a:t>
+            </a:r>
+            <a:r>
+              <a:rPr lang="en-US" baseline="0" dirty="0" smtClean="0"/>
+              <a:t> outros (</a:t>
+            </a:r>
+            <a:r>
+              <a:rPr lang="en-US" baseline="0" dirty="0" err="1" smtClean="0"/>
+              <a:t>Provavelmente</a:t>
+            </a:r>
+            <a:r>
+              <a:rPr lang="en-US" baseline="0" dirty="0" smtClean="0"/>
+              <a:t> </a:t>
+            </a:r>
+            <a:r>
+              <a:rPr lang="en-US" baseline="0" dirty="0" err="1" smtClean="0"/>
+              <a:t>porque</a:t>
+            </a:r>
+            <a:r>
+              <a:rPr lang="en-US" baseline="0" dirty="0" smtClean="0"/>
+              <a:t> </a:t>
+            </a:r>
+            <a:r>
+              <a:rPr lang="en-US" baseline="0" dirty="0" err="1" smtClean="0"/>
+              <a:t>clona</a:t>
+            </a:r>
+            <a:r>
+              <a:rPr lang="en-US" baseline="0" dirty="0" smtClean="0"/>
+              <a:t> </a:t>
+            </a:r>
+            <a:r>
+              <a:rPr lang="en-US" baseline="0" dirty="0" err="1" smtClean="0"/>
+              <a:t>todo</a:t>
+            </a:r>
+            <a:r>
+              <a:rPr lang="en-US" baseline="0" dirty="0" smtClean="0"/>
+              <a:t> o array original)</a:t>
+            </a:r>
+          </a:p>
+          <a:p>
+            <a:endParaRPr lang="en-US" baseline="0" dirty="0" smtClean="0"/>
+          </a:p>
+          <a:p>
+            <a:r>
+              <a:rPr lang="en-US" baseline="0" dirty="0" err="1" smtClean="0"/>
+              <a:t>Troca</a:t>
+            </a:r>
+            <a:r>
+              <a:rPr lang="en-US" baseline="0" dirty="0" smtClean="0"/>
+              <a:t> de </a:t>
+            </a:r>
+            <a:r>
+              <a:rPr lang="en-US" baseline="0" dirty="0" err="1" smtClean="0"/>
+              <a:t>Processos</a:t>
+            </a:r>
+            <a:r>
+              <a:rPr lang="en-US" baseline="0" dirty="0" smtClean="0"/>
+              <a:t> </a:t>
+            </a:r>
+            <a:r>
+              <a:rPr lang="en-US" baseline="0" dirty="0" err="1" smtClean="0"/>
+              <a:t>contem</a:t>
+            </a:r>
+            <a:r>
+              <a:rPr lang="en-US" baseline="0" dirty="0" smtClean="0"/>
+              <a:t> </a:t>
+            </a:r>
+            <a:r>
+              <a:rPr lang="en-US" baseline="0" dirty="0" err="1" smtClean="0"/>
+              <a:t>todo</a:t>
+            </a:r>
+            <a:r>
+              <a:rPr lang="en-US" baseline="0" dirty="0" smtClean="0"/>
+              <a:t> o tempo de </a:t>
+            </a:r>
+            <a:r>
+              <a:rPr lang="en-US" baseline="0" dirty="0" err="1" smtClean="0"/>
+              <a:t>comunicação</a:t>
+            </a:r>
+            <a:r>
+              <a:rPr lang="en-US" baseline="0" dirty="0" smtClean="0"/>
+              <a:t> + </a:t>
+            </a:r>
+            <a:r>
+              <a:rPr lang="en-US" baseline="0" dirty="0" err="1" smtClean="0"/>
+              <a:t>alocação</a:t>
+            </a:r>
+            <a:r>
+              <a:rPr lang="en-US" baseline="0" dirty="0" smtClean="0"/>
+              <a:t> e </a:t>
+            </a:r>
+            <a:r>
+              <a:rPr lang="en-US" baseline="0" dirty="0" err="1" smtClean="0"/>
+              <a:t>preenchimento</a:t>
+            </a:r>
+            <a:r>
+              <a:rPr lang="en-US" baseline="0" dirty="0" smtClean="0"/>
+              <a:t> dos arrays que </a:t>
+            </a:r>
+            <a:r>
+              <a:rPr lang="en-US" baseline="0" dirty="0" err="1" smtClean="0"/>
+              <a:t>vao</a:t>
+            </a:r>
+            <a:r>
+              <a:rPr lang="en-US" baseline="0" dirty="0" smtClean="0"/>
+              <a:t> </a:t>
+            </a:r>
+            <a:r>
+              <a:rPr lang="en-US" baseline="0" dirty="0" err="1" smtClean="0"/>
+              <a:t>ser</a:t>
+            </a:r>
+            <a:r>
+              <a:rPr lang="en-US" baseline="0" dirty="0" smtClean="0"/>
+              <a:t> </a:t>
+            </a:r>
+            <a:r>
+              <a:rPr lang="en-US" baseline="0" dirty="0" err="1" smtClean="0"/>
+              <a:t>enviados</a:t>
+            </a:r>
+            <a:endParaRPr lang="en-US" baseline="0" dirty="0" smtClean="0"/>
+          </a:p>
+          <a:p>
+            <a:endParaRPr lang="en-US" baseline="0" dirty="0" smtClean="0"/>
+          </a:p>
+          <a:p>
+            <a:r>
+              <a:rPr lang="en-US" baseline="0" dirty="0" smtClean="0"/>
+              <a:t>Parte </a:t>
+            </a:r>
+            <a:r>
+              <a:rPr lang="en-US" baseline="0" dirty="0" err="1" smtClean="0"/>
+              <a:t>quiqusort</a:t>
+            </a:r>
+            <a:r>
+              <a:rPr lang="en-US" baseline="0" dirty="0" smtClean="0"/>
+              <a:t> </a:t>
+            </a:r>
+            <a:r>
+              <a:rPr lang="en-US" baseline="0" dirty="0" err="1" smtClean="0"/>
+              <a:t>nao</a:t>
+            </a:r>
+            <a:r>
+              <a:rPr lang="en-US" baseline="0" dirty="0" smtClean="0"/>
+              <a:t> tem </a:t>
+            </a:r>
+            <a:r>
+              <a:rPr lang="en-US" baseline="0" dirty="0" err="1" smtClean="0"/>
+              <a:t>qualquer</a:t>
+            </a:r>
+            <a:r>
+              <a:rPr lang="en-US" baseline="0" dirty="0" smtClean="0"/>
+              <a:t> </a:t>
+            </a:r>
+            <a:r>
+              <a:rPr lang="en-US" baseline="0" dirty="0" err="1" smtClean="0"/>
+              <a:t>comunicação</a:t>
+            </a:r>
+            <a:r>
+              <a:rPr lang="en-US" baseline="0" dirty="0" smtClean="0"/>
+              <a:t> e </a:t>
+            </a:r>
+            <a:r>
+              <a:rPr lang="en-US" baseline="0" dirty="0" err="1" smtClean="0"/>
+              <a:t>corre</a:t>
+            </a:r>
+            <a:r>
+              <a:rPr lang="en-US" baseline="0" dirty="0" smtClean="0"/>
+              <a:t> </a:t>
+            </a:r>
+            <a:r>
+              <a:rPr lang="en-US" baseline="0" dirty="0" err="1" smtClean="0"/>
+              <a:t>sequencialmente</a:t>
+            </a:r>
+            <a:r>
+              <a:rPr lang="en-US" baseline="0" dirty="0" smtClean="0"/>
+              <a:t>.</a:t>
+            </a:r>
+          </a:p>
+          <a:p>
+            <a:endParaRPr lang="pt-PT" baseline="0" dirty="0" smtClean="0"/>
           </a:p>
         </p:txBody>
       </p:sp>
@@ -4650,6 +5980,95 @@
             <a:fld id="{7FD8F7CD-146B-4E0C-BFF5-21C4EECB8646}" type="slidenum">
               <a:rPr lang="en-US" smtClean="0"/>
               <a:t>13</a:t>
+            </a:fld>
+            <a:endParaRPr lang="en-US"/>
+          </a:p>
+        </p:txBody>
+      </p:sp>
+    </p:spTree>
+    <p:extLst>
+      <p:ext uri="{BB962C8B-B14F-4D97-AF65-F5344CB8AC3E}">
+        <p14:creationId xmlns:p14="http://schemas.microsoft.com/office/powerpoint/2010/main" val="832103829"/>
+      </p:ext>
+    </p:extLst>
+  </p:cSld>
+  <p:clrMapOvr>
+    <a:masterClrMapping/>
+  </p:clrMapOvr>
+</p:notes>
+</file>
+
+<file path=ppt/notesSlides/notesSlide13.xml><?xml version="1.0" encoding="utf-8"?>
+<p:notes xmlns:a="http://schemas.openxmlformats.org/drawingml/2006/main" xmlns:r="http://schemas.openxmlformats.org/officeDocument/2006/relationships" xmlns:p="http://schemas.openxmlformats.org/presentationml/2006/main">
+  <p:cSld>
+    <p:spTree>
+      <p:nvGrpSpPr>
+        <p:cNvPr id="1" name=""/>
+        <p:cNvGrpSpPr/>
+        <p:nvPr/>
+      </p:nvGrpSpPr>
+      <p:grpSpPr>
+        <a:xfrm>
+          <a:off x="0" y="0"/>
+          <a:ext cx="0" cy="0"/>
+          <a:chOff x="0" y="0"/>
+          <a:chExt cx="0" cy="0"/>
+        </a:xfrm>
+      </p:grpSpPr>
+      <p:sp>
+        <p:nvSpPr>
+          <p:cNvPr id="2" name="Slide Image Placeholder 1"/>
+          <p:cNvSpPr>
+            <a:spLocks noGrp="1" noRot="1" noChangeAspect="1"/>
+          </p:cNvSpPr>
+          <p:nvPr>
+            <p:ph type="sldImg"/>
+          </p:nvPr>
+        </p:nvSpPr>
+        <p:spPr>
+          <a:xfrm>
+            <a:off x="1371600" y="1143000"/>
+            <a:ext cx="4114800" cy="3086100"/>
+          </a:xfrm>
+        </p:spPr>
+      </p:sp>
+      <p:sp>
+        <p:nvSpPr>
+          <p:cNvPr id="3" name="Notes Placeholder 2"/>
+          <p:cNvSpPr>
+            <a:spLocks noGrp="1"/>
+          </p:cNvSpPr>
+          <p:nvPr>
+            <p:ph type="body" idx="1"/>
+          </p:nvPr>
+        </p:nvSpPr>
+        <p:spPr/>
+        <p:txBody>
+          <a:bodyPr/>
+          <a:lstStyle/>
+          <a:p>
+            <a:endParaRPr lang="pt-PT" dirty="0"/>
+          </a:p>
+        </p:txBody>
+      </p:sp>
+      <p:sp>
+        <p:nvSpPr>
+          <p:cNvPr id="4" name="Slide Number Placeholder 3"/>
+          <p:cNvSpPr>
+            <a:spLocks noGrp="1"/>
+          </p:cNvSpPr>
+          <p:nvPr>
+            <p:ph type="sldNum" sz="quarter" idx="10"/>
+          </p:nvPr>
+        </p:nvSpPr>
+        <p:spPr/>
+        <p:txBody>
+          <a:bodyPr/>
+          <a:lstStyle/>
+          <a:p>
+            <a:fld id="{7FD8F7CD-146B-4E0C-BFF5-21C4EECB8646}" type="slidenum">
+              <a:rPr lang="en-US" smtClean="0"/>
+              <a:t>14</a:t>
             </a:fld>
             <a:endParaRPr lang="en-US"/>
           </a:p>
@@ -4803,7 +6222,7 @@
               <a:rPr lang="en-US" smtClean="0"/>
               <a:t>2</a:t>
             </a:fld>
-            <a:endParaRPr lang="en-US"/>
+            <a:endParaRPr lang="en-US" dirty="0"/>
           </a:p>
         </p:txBody>
       </p:sp>
@@ -4945,7 +6364,7 @@
               <a:rPr lang="en-US" smtClean="0"/>
               <a:t>3</a:t>
             </a:fld>
-            <a:endParaRPr lang="en-US"/>
+            <a:endParaRPr lang="en-US" dirty="0"/>
           </a:p>
         </p:txBody>
       </p:sp>
@@ -5017,11 +6436,7 @@
             </a:r>
             <a:r>
               <a:rPr lang="pt-PT" baseline="0" dirty="0" smtClean="0"/>
-              <a:t> cor é uma thread</a:t>
-            </a:r>
-            <a:r>
-              <a:rPr lang="pt-PT" baseline="0" dirty="0" smtClean="0"/>
-              <a:t>,</a:t>
+              <a:t> cor é uma thread,</a:t>
             </a:r>
           </a:p>
           <a:p>
@@ -5033,11 +6448,7 @@
           <a:p>
             <a:r>
               <a:rPr lang="pt-PT" baseline="0" dirty="0" smtClean="0"/>
-              <a:t>Primeiras recursões </a:t>
-            </a:r>
-            <a:r>
-              <a:rPr lang="pt-PT" baseline="0" dirty="0" smtClean="0"/>
-              <a:t>usam poucas threads e primeiras iterações demoram mais</a:t>
+              <a:t>Primeiras recursões usam poucas threads e primeiras iterações demoram mais</a:t>
             </a:r>
           </a:p>
           <a:p>
@@ -5960,7 +7371,7 @@
           <a:p>
             <a:fld id="{3201C7E4-9496-40B4-BB95-196C3930D3C6}" type="datetimeFigureOut">
               <a:rPr lang="en-US" smtClean="0"/>
-              <a:t>1/5/2016</a:t>
+              <a:t>1/10/2016</a:t>
             </a:fld>
             <a:endParaRPr lang="en-US"/>
           </a:p>
@@ -6284,7 +7695,7 @@
           <a:p>
             <a:fld id="{3201C7E4-9496-40B4-BB95-196C3930D3C6}" type="datetimeFigureOut">
               <a:rPr lang="en-US" smtClean="0"/>
-              <a:t>1/5/2016</a:t>
+              <a:t>1/10/2016</a:t>
             </a:fld>
             <a:endParaRPr lang="en-US"/>
           </a:p>
@@ -6532,7 +7943,7 @@
           <a:p>
             <a:fld id="{3201C7E4-9496-40B4-BB95-196C3930D3C6}" type="datetimeFigureOut">
               <a:rPr lang="en-US" smtClean="0"/>
-              <a:t>1/5/2016</a:t>
+              <a:t>1/10/2016</a:t>
             </a:fld>
             <a:endParaRPr lang="en-US"/>
           </a:p>
@@ -6871,7 +8282,7 @@
           <a:p>
             <a:fld id="{3201C7E4-9496-40B4-BB95-196C3930D3C6}" type="datetimeFigureOut">
               <a:rPr lang="en-US" smtClean="0"/>
-              <a:t>1/5/2016</a:t>
+              <a:t>1/10/2016</a:t>
             </a:fld>
             <a:endParaRPr lang="en-US"/>
           </a:p>
@@ -7218,7 +8629,7 @@
           <a:p>
             <a:fld id="{3201C7E4-9496-40B4-BB95-196C3930D3C6}" type="datetimeFigureOut">
               <a:rPr lang="en-US" smtClean="0"/>
-              <a:t>1/5/2016</a:t>
+              <a:t>1/10/2016</a:t>
             </a:fld>
             <a:endParaRPr lang="en-US"/>
           </a:p>
@@ -7592,7 +9003,7 @@
           <a:p>
             <a:fld id="{3201C7E4-9496-40B4-BB95-196C3930D3C6}" type="datetimeFigureOut">
               <a:rPr lang="en-US" smtClean="0"/>
-              <a:t>1/5/2016</a:t>
+              <a:t>1/10/2016</a:t>
             </a:fld>
             <a:endParaRPr lang="en-US"/>
           </a:p>
@@ -8062,7 +9473,7 @@
           <a:p>
             <a:fld id="{3201C7E4-9496-40B4-BB95-196C3930D3C6}" type="datetimeFigureOut">
               <a:rPr lang="en-US" smtClean="0"/>
-              <a:t>1/5/2016</a:t>
+              <a:t>1/10/2016</a:t>
             </a:fld>
             <a:endParaRPr lang="en-US"/>
           </a:p>
@@ -8272,7 +9683,7 @@
           <a:p>
             <a:fld id="{3201C7E4-9496-40B4-BB95-196C3930D3C6}" type="datetimeFigureOut">
               <a:rPr lang="en-US" smtClean="0"/>
-              <a:t>1/5/2016</a:t>
+              <a:t>1/10/2016</a:t>
             </a:fld>
             <a:endParaRPr lang="en-US"/>
           </a:p>
@@ -8483,7 +9894,7 @@
           <a:p>
             <a:fld id="{3201C7E4-9496-40B4-BB95-196C3930D3C6}" type="datetimeFigureOut">
               <a:rPr lang="en-US" smtClean="0"/>
-              <a:t>1/5/2016</a:t>
+              <a:t>1/10/2016</a:t>
             </a:fld>
             <a:endParaRPr lang="en-US"/>
           </a:p>
@@ -8715,7 +10126,7 @@
           <a:p>
             <a:fld id="{3201C7E4-9496-40B4-BB95-196C3930D3C6}" type="datetimeFigureOut">
               <a:rPr lang="en-US" smtClean="0"/>
-              <a:t>1/5/2016</a:t>
+              <a:t>1/10/2016</a:t>
             </a:fld>
             <a:endParaRPr lang="en-US"/>
           </a:p>
@@ -8963,7 +10374,7 @@
           <a:p>
             <a:fld id="{3201C7E4-9496-40B4-BB95-196C3930D3C6}" type="datetimeFigureOut">
               <a:rPr lang="en-US" smtClean="0"/>
-              <a:t>1/5/2016</a:t>
+              <a:t>1/10/2016</a:t>
             </a:fld>
             <a:endParaRPr lang="en-US"/>
           </a:p>
@@ -9266,7 +10677,7 @@
           <a:p>
             <a:fld id="{3201C7E4-9496-40B4-BB95-196C3930D3C6}" type="datetimeFigureOut">
               <a:rPr lang="en-US" smtClean="0"/>
-              <a:t>1/5/2016</a:t>
+              <a:t>1/10/2016</a:t>
             </a:fld>
             <a:endParaRPr lang="en-US"/>
           </a:p>
@@ -9648,7 +11059,7 @@
           <a:p>
             <a:fld id="{3201C7E4-9496-40B4-BB95-196C3930D3C6}" type="datetimeFigureOut">
               <a:rPr lang="en-US" smtClean="0"/>
-              <a:t>1/5/2016</a:t>
+              <a:t>1/10/2016</a:t>
             </a:fld>
             <a:endParaRPr lang="en-US"/>
           </a:p>
@@ -9802,7 +11213,7 @@
           <a:p>
             <a:fld id="{3201C7E4-9496-40B4-BB95-196C3930D3C6}" type="datetimeFigureOut">
               <a:rPr lang="en-US" smtClean="0"/>
-              <a:t>1/5/2016</a:t>
+              <a:t>1/10/2016</a:t>
             </a:fld>
             <a:endParaRPr lang="en-US"/>
           </a:p>
@@ -9928,7 +11339,7 @@
           <a:p>
             <a:fld id="{3201C7E4-9496-40B4-BB95-196C3930D3C6}" type="datetimeFigureOut">
               <a:rPr lang="en-US" smtClean="0"/>
-              <a:t>1/5/2016</a:t>
+              <a:t>1/10/2016</a:t>
             </a:fld>
             <a:endParaRPr lang="en-US"/>
           </a:p>
@@ -10183,7 +11594,7 @@
           <a:p>
             <a:fld id="{3201C7E4-9496-40B4-BB95-196C3930D3C6}" type="datetimeFigureOut">
               <a:rPr lang="en-US" smtClean="0"/>
-              <a:t>1/5/2016</a:t>
+              <a:t>1/10/2016</a:t>
             </a:fld>
             <a:endParaRPr lang="en-US"/>
           </a:p>
@@ -10497,7 +11908,7 @@
           <a:p>
             <a:fld id="{3201C7E4-9496-40B4-BB95-196C3930D3C6}" type="datetimeFigureOut">
               <a:rPr lang="en-US" smtClean="0"/>
-              <a:t>1/5/2016</a:t>
+              <a:t>1/10/2016</a:t>
             </a:fld>
             <a:endParaRPr lang="en-US"/>
           </a:p>
@@ -10848,7 +12259,7 @@
           <a:p>
             <a:fld id="{3201C7E4-9496-40B4-BB95-196C3930D3C6}" type="datetimeFigureOut">
               <a:rPr lang="en-US" smtClean="0"/>
-              <a:t>1/5/2016</a:t>
+              <a:t>1/10/2016</a:t>
             </a:fld>
             <a:endParaRPr lang="en-US"/>
           </a:p>
@@ -13429,6 +14840,185 @@
             <a:spLocks noGrp="1"/>
           </p:cNvSpPr>
           <p:nvPr>
+            <p:ph type="title"/>
+          </p:nvPr>
+        </p:nvSpPr>
+        <p:spPr/>
+        <p:txBody>
+          <a:bodyPr/>
+          <a:lstStyle/>
+          <a:p>
+            <a:r>
+              <a:rPr lang="pt-PT" dirty="0" smtClean="0"/>
+              <a:t>Resultados</a:t>
+            </a:r>
+            <a:endParaRPr lang="pt-PT" dirty="0"/>
+          </a:p>
+        </p:txBody>
+      </p:sp>
+      <p:sp>
+        <p:nvSpPr>
+          <p:cNvPr id="6" name="Content Placeholder 5"/>
+          <p:cNvSpPr>
+            <a:spLocks noGrp="1"/>
+          </p:cNvSpPr>
+          <p:nvPr>
+            <p:ph sz="half" idx="1"/>
+          </p:nvPr>
+        </p:nvSpPr>
+        <p:spPr>
+          <a:xfrm>
+            <a:off x="5436551" y="2568677"/>
+            <a:ext cx="2950366" cy="3468329"/>
+          </a:xfrm>
+        </p:spPr>
+        <p:txBody>
+          <a:bodyPr>
+            <a:normAutofit fontScale="85000" lnSpcReduction="20000"/>
+          </a:bodyPr>
+          <a:lstStyle/>
+          <a:p>
+            <a:r>
+              <a:rPr lang="pt-PT" dirty="0" smtClean="0"/>
+              <a:t>Compilado com –O3</a:t>
+            </a:r>
+          </a:p>
+          <a:p>
+            <a:r>
+              <a:rPr lang="pt-PT" dirty="0" smtClean="0"/>
+              <a:t>Nodo 662 do </a:t>
+            </a:r>
+            <a:r>
+              <a:rPr lang="pt-PT" i="1" dirty="0"/>
+              <a:t>S</a:t>
+            </a:r>
+            <a:r>
+              <a:rPr lang="pt-PT" i="1" dirty="0" smtClean="0"/>
+              <a:t>earch</a:t>
+            </a:r>
+          </a:p>
+          <a:p>
+            <a:r>
+              <a:rPr lang="pt-PT" dirty="0" smtClean="0"/>
+              <a:t>Array com 152 </a:t>
+            </a:r>
+            <a:r>
+              <a:rPr lang="pt-PT" dirty="0" err="1" smtClean="0"/>
+              <a:t>Mbytes</a:t>
+            </a:r>
+            <a:endParaRPr lang="pt-PT" dirty="0" smtClean="0"/>
+          </a:p>
+          <a:p>
+            <a:r>
+              <a:rPr lang="pt-PT" dirty="0" smtClean="0"/>
+              <a:t>Parte “</a:t>
+            </a:r>
+            <a:r>
+              <a:rPr lang="pt-PT" dirty="0" err="1" smtClean="0"/>
+              <a:t>Quicksort</a:t>
+            </a:r>
+            <a:r>
+              <a:rPr lang="pt-PT" dirty="0" smtClean="0"/>
+              <a:t>” contem a parte sequencial do algoritmo.</a:t>
+            </a:r>
+          </a:p>
+          <a:p>
+            <a:r>
+              <a:rPr lang="pt-PT" dirty="0" smtClean="0"/>
+              <a:t>Parte “Troca de </a:t>
+            </a:r>
+            <a:r>
+              <a:rPr lang="pt-PT" dirty="0" err="1" smtClean="0"/>
+              <a:t>Arrays</a:t>
+            </a:r>
+            <a:r>
+              <a:rPr lang="pt-PT" dirty="0" smtClean="0"/>
+              <a:t>” contem a parte de troca de </a:t>
+            </a:r>
+            <a:r>
+              <a:rPr lang="pt-PT" dirty="0" err="1" smtClean="0"/>
+              <a:t>arrays</a:t>
+            </a:r>
+            <a:r>
+              <a:rPr lang="pt-PT" dirty="0" smtClean="0"/>
+              <a:t> entre processos(e não apenas a comunicação)</a:t>
+            </a:r>
+            <a:r>
+              <a:rPr lang="pt-PT" dirty="0" smtClean="0"/>
+              <a:t>.</a:t>
+            </a:r>
+            <a:endParaRPr lang="pt-PT" dirty="0" smtClean="0"/>
+          </a:p>
+        </p:txBody>
+      </p:sp>
+      <p:graphicFrame>
+        <p:nvGraphicFramePr>
+          <p:cNvPr id="5" name="Chart 4"/>
+          <p:cNvGraphicFramePr>
+            <a:graphicFrameLocks/>
+          </p:cNvGraphicFramePr>
+          <p:nvPr>
+            <p:extLst>
+              <p:ext uri="{D42A27DB-BD31-4B8C-83A1-F6EECF244321}">
+                <p14:modId xmlns:p14="http://schemas.microsoft.com/office/powerpoint/2010/main" val="2998064853"/>
+              </p:ext>
+            </p:extLst>
+          </p:nvPr>
+        </p:nvGraphicFramePr>
+        <p:xfrm>
+          <a:off x="864551" y="2568676"/>
+          <a:ext cx="4572000" cy="3468329"/>
+        </p:xfrm>
+        <a:graphic>
+          <a:graphicData uri="http://schemas.openxmlformats.org/drawingml/2006/chart">
+            <c:chart xmlns:c="http://schemas.openxmlformats.org/drawingml/2006/chart" xmlns:r="http://schemas.openxmlformats.org/officeDocument/2006/relationships" r:id="rId3"/>
+          </a:graphicData>
+        </a:graphic>
+      </p:graphicFrame>
+    </p:spTree>
+    <p:extLst>
+      <p:ext uri="{BB962C8B-B14F-4D97-AF65-F5344CB8AC3E}">
+        <p14:creationId xmlns:p14="http://schemas.microsoft.com/office/powerpoint/2010/main" val="1110384804"/>
+      </p:ext>
+    </p:extLst>
+  </p:cSld>
+  <p:clrMapOvr>
+    <a:masterClrMapping/>
+  </p:clrMapOvr>
+  <p:timing>
+    <p:tnLst>
+      <p:par>
+        <p:cTn id="1" dur="indefinite" restart="never" nodeType="tmRoot"/>
+      </p:par>
+    </p:tnLst>
+  </p:timing>
+</p:sld>
+</file>
+
+<file path=ppt/slides/slide14.xml><?xml version="1.0" encoding="utf-8"?>
+<p:sld xmlns:a="http://schemas.openxmlformats.org/drawingml/2006/main" xmlns:r="http://schemas.openxmlformats.org/officeDocument/2006/relationships" xmlns:p="http://schemas.openxmlformats.org/presentationml/2006/main">
+  <p:cSld>
+    <p:spTree>
+      <p:nvGrpSpPr>
+        <p:cNvPr id="1" name=""/>
+        <p:cNvGrpSpPr/>
+        <p:nvPr/>
+      </p:nvGrpSpPr>
+      <p:grpSpPr>
+        <a:xfrm>
+          <a:off x="0" y="0"/>
+          <a:ext cx="0" cy="0"/>
+          <a:chOff x="0" y="0"/>
+          <a:chExt cx="0" cy="0"/>
+        </a:xfrm>
+      </p:grpSpPr>
+      <p:sp>
+        <p:nvSpPr>
+          <p:cNvPr id="2" name="Title 1"/>
+          <p:cNvSpPr>
+            <a:spLocks noGrp="1"/>
+          </p:cNvSpPr>
+          <p:nvPr>
             <p:ph type="ctrTitle"/>
           </p:nvPr>
         </p:nvSpPr>
@@ -13996,7 +15586,7 @@
           <a:lstStyle/>
           <a:p>
             <a:pPr algn="ctr"/>
-            <a:endParaRPr lang="pt-PT"/>
+            <a:endParaRPr lang="pt-PT" dirty="0"/>
           </a:p>
         </p:txBody>
       </p:sp>
@@ -14045,7 +15635,7 @@
           <a:lstStyle/>
           <a:p>
             <a:pPr algn="ctr"/>
-            <a:endParaRPr lang="pt-PT"/>
+            <a:endParaRPr lang="pt-PT" dirty="0"/>
           </a:p>
         </p:txBody>
       </p:sp>
@@ -14094,7 +15684,7 @@
           <a:lstStyle/>
           <a:p>
             <a:pPr algn="ctr"/>
-            <a:endParaRPr lang="pt-PT"/>
+            <a:endParaRPr lang="pt-PT" dirty="0"/>
           </a:p>
         </p:txBody>
       </p:sp>

--- a/Apresentação.pptx
+++ b/Apresentação.pptx
@@ -16,11 +16,11 @@
     <p:sldId id="260" r:id="rId7"/>
     <p:sldId id="262" r:id="rId8"/>
     <p:sldId id="269" r:id="rId9"/>
-    <p:sldId id="263" r:id="rId10"/>
-    <p:sldId id="264" r:id="rId11"/>
-    <p:sldId id="266" r:id="rId12"/>
-    <p:sldId id="268" r:id="rId13"/>
-    <p:sldId id="271" r:id="rId14"/>
+    <p:sldId id="270" r:id="rId10"/>
+    <p:sldId id="263" r:id="rId11"/>
+    <p:sldId id="264" r:id="rId12"/>
+    <p:sldId id="266" r:id="rId13"/>
+    <p:sldId id="268" r:id="rId14"/>
     <p:sldId id="267" r:id="rId15"/>
   </p:sldIdLst>
   <p:sldSz cx="9144000" cy="6858000" type="screen4x3"/>
@@ -586,11 +586,11 @@
         </c:dLbls>
         <c:marker val="1"/>
         <c:smooth val="0"/>
-        <c:axId val="-484816"/>
-        <c:axId val="-479920"/>
+        <c:axId val="1308435664"/>
+        <c:axId val="1527120176"/>
       </c:lineChart>
       <c:catAx>
-        <c:axId val="-484816"/>
+        <c:axId val="1308435664"/>
         <c:scaling>
           <c:orientation val="minMax"/>
         </c:scaling>
@@ -648,7 +648,7 @@
                   <a:cs typeface="+mn-cs"/>
                 </a:defRPr>
               </a:pPr>
-              <a:endParaRPr lang="pt-PT"/>
+              <a:endParaRPr lang="en-US"/>
             </a:p>
           </c:txPr>
         </c:title>
@@ -686,10 +686,10 @@
                 <a:cs typeface="+mn-cs"/>
               </a:defRPr>
             </a:pPr>
-            <a:endParaRPr lang="pt-PT"/>
+            <a:endParaRPr lang="en-US"/>
           </a:p>
         </c:txPr>
-        <c:crossAx val="-479920"/>
+        <c:crossAx val="1527120176"/>
         <c:crosses val="autoZero"/>
         <c:auto val="1"/>
         <c:lblAlgn val="ctr"/>
@@ -697,7 +697,7 @@
         <c:noMultiLvlLbl val="0"/>
       </c:catAx>
       <c:valAx>
-        <c:axId val="-479920"/>
+        <c:axId val="1527120176"/>
         <c:scaling>
           <c:orientation val="minMax"/>
         </c:scaling>
@@ -774,7 +774,7 @@
                   <a:cs typeface="+mn-cs"/>
                 </a:defRPr>
               </a:pPr>
-              <a:endParaRPr lang="pt-PT"/>
+              <a:endParaRPr lang="en-US"/>
             </a:p>
           </c:txPr>
         </c:title>
@@ -806,10 +806,10 @@
                 <a:cs typeface="+mn-cs"/>
               </a:defRPr>
             </a:pPr>
-            <a:endParaRPr lang="pt-PT"/>
+            <a:endParaRPr lang="en-US"/>
           </a:p>
         </c:txPr>
-        <c:crossAx val="-484816"/>
+        <c:crossAx val="1308435664"/>
         <c:crosses val="autoZero"/>
         <c:crossBetween val="between"/>
       </c:valAx>
@@ -858,7 +858,7 @@
               <a:cs typeface="+mn-cs"/>
             </a:defRPr>
           </a:pPr>
-          <a:endParaRPr lang="pt-PT"/>
+          <a:endParaRPr lang="en-US"/>
         </a:p>
       </c:txPr>
     </c:legend>
@@ -880,7 +880,7 @@
       <a:pPr>
         <a:defRPr/>
       </a:pPr>
-      <a:endParaRPr lang="pt-PT"/>
+      <a:endParaRPr lang="en-US"/>
     </a:p>
   </c:txPr>
   <c:externalData r:id="rId3">
@@ -890,1415 +890,6 @@
 </file>
 
 <file path=ppt/charts/chart2.xml><?xml version="1.0" encoding="utf-8"?>
-<c:chartSpace xmlns:c="http://schemas.openxmlformats.org/drawingml/2006/chart" xmlns:a="http://schemas.openxmlformats.org/drawingml/2006/main" xmlns:r="http://schemas.openxmlformats.org/officeDocument/2006/relationships">
-  <c:date1904 val="0"/>
-  <c:lang val="en-US"/>
-  <c:roundedCorners val="0"/>
-  <mc:AlternateContent xmlns:mc="http://schemas.openxmlformats.org/markup-compatibility/2006">
-    <mc:Choice xmlns:c14="http://schemas.microsoft.com/office/drawing/2007/8/2/chart" Requires="c14">
-      <c14:style val="102"/>
-    </mc:Choice>
-    <mc:Fallback>
-      <c:style val="2"/>
-    </mc:Fallback>
-  </mc:AlternateContent>
-  <c:chart>
-    <c:autoTitleDeleted val="1"/>
-    <c:plotArea>
-      <c:layout/>
-      <c:lineChart>
-        <c:grouping val="standard"/>
-        <c:varyColors val="0"/>
-        <c:ser>
-          <c:idx val="0"/>
-          <c:order val="0"/>
-          <c:tx>
-            <c:strRef>
-              <c:f>Sheet1!$D$4</c:f>
-              <c:strCache>
-                <c:ptCount val="1"/>
-                <c:pt idx="0">
-                  <c:v>OpenMP</c:v>
-                </c:pt>
-              </c:strCache>
-            </c:strRef>
-          </c:tx>
-          <c:spPr>
-            <a:ln w="28575" cap="rnd">
-              <a:solidFill>
-                <a:schemeClr val="accent1"/>
-              </a:solidFill>
-              <a:round/>
-            </a:ln>
-            <a:effectLst/>
-          </c:spPr>
-          <c:marker>
-            <c:symbol val="circle"/>
-            <c:size val="5"/>
-            <c:spPr>
-              <a:solidFill>
-                <a:schemeClr val="accent1"/>
-              </a:solidFill>
-              <a:ln w="9525">
-                <a:solidFill>
-                  <a:schemeClr val="accent1"/>
-                </a:solidFill>
-              </a:ln>
-              <a:effectLst/>
-            </c:spPr>
-          </c:marker>
-          <c:cat>
-            <c:numRef>
-              <c:f>Sheet1!$C$5:$C$12</c:f>
-              <c:numCache>
-                <c:formatCode>General</c:formatCode>
-                <c:ptCount val="8"/>
-                <c:pt idx="0">
-                  <c:v>1</c:v>
-                </c:pt>
-                <c:pt idx="1">
-                  <c:v>2</c:v>
-                </c:pt>
-                <c:pt idx="2">
-                  <c:v>4</c:v>
-                </c:pt>
-                <c:pt idx="3">
-                  <c:v>8</c:v>
-                </c:pt>
-                <c:pt idx="4">
-                  <c:v>16</c:v>
-                </c:pt>
-                <c:pt idx="5">
-                  <c:v>20</c:v>
-                </c:pt>
-                <c:pt idx="6">
-                  <c:v>28</c:v>
-                </c:pt>
-                <c:pt idx="7">
-                  <c:v>32</c:v>
-                </c:pt>
-              </c:numCache>
-            </c:numRef>
-          </c:cat>
-          <c:val>
-            <c:numRef>
-              <c:f>Sheet1!$D$5:$D$12</c:f>
-              <c:numCache>
-                <c:formatCode>General</c:formatCode>
-                <c:ptCount val="8"/>
-                <c:pt idx="0">
-                  <c:v>3.8403839999999998</c:v>
-                </c:pt>
-                <c:pt idx="1">
-                  <c:v>2.0195449999999999</c:v>
-                </c:pt>
-                <c:pt idx="2">
-                  <c:v>1.1726589999999999</c:v>
-                </c:pt>
-                <c:pt idx="3">
-                  <c:v>0.98020099999999999</c:v>
-                </c:pt>
-                <c:pt idx="4">
-                  <c:v>0.96654700000000005</c:v>
-                </c:pt>
-                <c:pt idx="5">
-                  <c:v>0.92763600000000002</c:v>
-                </c:pt>
-                <c:pt idx="6">
-                  <c:v>1.0604979999999999</c:v>
-                </c:pt>
-                <c:pt idx="7">
-                  <c:v>1.1492640000000001</c:v>
-                </c:pt>
-              </c:numCache>
-            </c:numRef>
-          </c:val>
-          <c:smooth val="0"/>
-        </c:ser>
-        <c:ser>
-          <c:idx val="1"/>
-          <c:order val="1"/>
-          <c:tx>
-            <c:strRef>
-              <c:f>Sheet1!$E$4</c:f>
-              <c:strCache>
-                <c:ptCount val="1"/>
-                <c:pt idx="0">
-                  <c:v>OpenMPI</c:v>
-                </c:pt>
-              </c:strCache>
-            </c:strRef>
-          </c:tx>
-          <c:spPr>
-            <a:ln w="28575" cap="rnd">
-              <a:solidFill>
-                <a:schemeClr val="accent3"/>
-              </a:solidFill>
-              <a:round/>
-            </a:ln>
-            <a:effectLst/>
-          </c:spPr>
-          <c:marker>
-            <c:symbol val="circle"/>
-            <c:size val="5"/>
-            <c:spPr>
-              <a:solidFill>
-                <a:schemeClr val="accent3"/>
-              </a:solidFill>
-              <a:ln w="9525">
-                <a:solidFill>
-                  <a:schemeClr val="accent3"/>
-                </a:solidFill>
-              </a:ln>
-              <a:effectLst/>
-            </c:spPr>
-          </c:marker>
-          <c:cat>
-            <c:numRef>
-              <c:f>Sheet1!$C$5:$C$12</c:f>
-              <c:numCache>
-                <c:formatCode>General</c:formatCode>
-                <c:ptCount val="8"/>
-                <c:pt idx="0">
-                  <c:v>1</c:v>
-                </c:pt>
-                <c:pt idx="1">
-                  <c:v>2</c:v>
-                </c:pt>
-                <c:pt idx="2">
-                  <c:v>4</c:v>
-                </c:pt>
-                <c:pt idx="3">
-                  <c:v>8</c:v>
-                </c:pt>
-                <c:pt idx="4">
-                  <c:v>16</c:v>
-                </c:pt>
-                <c:pt idx="5">
-                  <c:v>20</c:v>
-                </c:pt>
-                <c:pt idx="6">
-                  <c:v>28</c:v>
-                </c:pt>
-                <c:pt idx="7">
-                  <c:v>32</c:v>
-                </c:pt>
-              </c:numCache>
-            </c:numRef>
-          </c:cat>
-          <c:val>
-            <c:numRef>
-              <c:f>Sheet1!$E$5:$E$12</c:f>
-              <c:numCache>
-                <c:formatCode>General</c:formatCode>
-                <c:ptCount val="8"/>
-                <c:pt idx="0">
-                  <c:v>3.002888</c:v>
-                </c:pt>
-                <c:pt idx="1">
-                  <c:v>1.466702</c:v>
-                </c:pt>
-                <c:pt idx="2">
-                  <c:v>0.71601599999999999</c:v>
-                </c:pt>
-                <c:pt idx="3">
-                  <c:v>0.39228400000000002</c:v>
-                </c:pt>
-                <c:pt idx="4">
-                  <c:v>0.241592</c:v>
-                </c:pt>
-                <c:pt idx="5">
-                  <c:v>0.199936</c:v>
-                </c:pt>
-                <c:pt idx="6">
-                  <c:v>0.26292599999999999</c:v>
-                </c:pt>
-                <c:pt idx="7">
-                  <c:v>0.26620100000000002</c:v>
-                </c:pt>
-              </c:numCache>
-            </c:numRef>
-          </c:val>
-          <c:smooth val="0"/>
-        </c:ser>
-        <c:ser>
-          <c:idx val="2"/>
-          <c:order val="2"/>
-          <c:tx>
-            <c:strRef>
-              <c:f>Sheet1!$F$4</c:f>
-              <c:strCache>
-                <c:ptCount val="1"/>
-                <c:pt idx="0">
-                  <c:v>Híbrido</c:v>
-                </c:pt>
-              </c:strCache>
-            </c:strRef>
-          </c:tx>
-          <c:spPr>
-            <a:ln w="28575" cap="rnd">
-              <a:solidFill>
-                <a:schemeClr val="accent5"/>
-              </a:solidFill>
-              <a:round/>
-            </a:ln>
-            <a:effectLst/>
-          </c:spPr>
-          <c:marker>
-            <c:symbol val="circle"/>
-            <c:size val="5"/>
-            <c:spPr>
-              <a:solidFill>
-                <a:schemeClr val="accent5"/>
-              </a:solidFill>
-              <a:ln w="9525">
-                <a:solidFill>
-                  <a:schemeClr val="accent5"/>
-                </a:solidFill>
-              </a:ln>
-              <a:effectLst/>
-            </c:spPr>
-          </c:marker>
-          <c:cat>
-            <c:numRef>
-              <c:f>Sheet1!$C$5:$C$12</c:f>
-              <c:numCache>
-                <c:formatCode>General</c:formatCode>
-                <c:ptCount val="8"/>
-                <c:pt idx="0">
-                  <c:v>1</c:v>
-                </c:pt>
-                <c:pt idx="1">
-                  <c:v>2</c:v>
-                </c:pt>
-                <c:pt idx="2">
-                  <c:v>4</c:v>
-                </c:pt>
-                <c:pt idx="3">
-                  <c:v>8</c:v>
-                </c:pt>
-                <c:pt idx="4">
-                  <c:v>16</c:v>
-                </c:pt>
-                <c:pt idx="5">
-                  <c:v>20</c:v>
-                </c:pt>
-                <c:pt idx="6">
-                  <c:v>28</c:v>
-                </c:pt>
-                <c:pt idx="7">
-                  <c:v>32</c:v>
-                </c:pt>
-              </c:numCache>
-            </c:numRef>
-          </c:cat>
-          <c:val>
-            <c:numRef>
-              <c:f>Sheet1!$F$5:$F$12</c:f>
-              <c:numCache>
-                <c:formatCode>General</c:formatCode>
-                <c:ptCount val="8"/>
-                <c:pt idx="0">
-                  <c:v>2.1856270000000002</c:v>
-                </c:pt>
-                <c:pt idx="1">
-                  <c:v>1.3297140000000001</c:v>
-                </c:pt>
-                <c:pt idx="2">
-                  <c:v>1.0306420000000001</c:v>
-                </c:pt>
-                <c:pt idx="3">
-                  <c:v>1.133659</c:v>
-                </c:pt>
-                <c:pt idx="4">
-                  <c:v>1.7087159999999999</c:v>
-                </c:pt>
-                <c:pt idx="5">
-                  <c:v>2.0032179999999999</c:v>
-                </c:pt>
-                <c:pt idx="6">
-                  <c:v>2.081118</c:v>
-                </c:pt>
-                <c:pt idx="7">
-                  <c:v>1.975781</c:v>
-                </c:pt>
-              </c:numCache>
-            </c:numRef>
-          </c:val>
-          <c:smooth val="0"/>
-        </c:ser>
-        <c:ser>
-          <c:idx val="3"/>
-          <c:order val="3"/>
-          <c:tx>
-            <c:strRef>
-              <c:f>Sheet1!$G$4</c:f>
-              <c:strCache>
-                <c:ptCount val="1"/>
-                <c:pt idx="0">
-                  <c:v>Sequêncial</c:v>
-                </c:pt>
-              </c:strCache>
-            </c:strRef>
-          </c:tx>
-          <c:spPr>
-            <a:ln w="28575" cap="rnd">
-              <a:solidFill>
-                <a:schemeClr val="accent1">
-                  <a:lumMod val="60000"/>
-                </a:schemeClr>
-              </a:solidFill>
-              <a:round/>
-            </a:ln>
-            <a:effectLst/>
-          </c:spPr>
-          <c:marker>
-            <c:symbol val="none"/>
-          </c:marker>
-          <c:dPt>
-            <c:idx val="7"/>
-            <c:marker>
-              <c:symbol val="none"/>
-            </c:marker>
-            <c:bubble3D val="0"/>
-          </c:dPt>
-          <c:cat>
-            <c:numRef>
-              <c:f>Sheet1!$C$5:$C$12</c:f>
-              <c:numCache>
-                <c:formatCode>General</c:formatCode>
-                <c:ptCount val="8"/>
-                <c:pt idx="0">
-                  <c:v>1</c:v>
-                </c:pt>
-                <c:pt idx="1">
-                  <c:v>2</c:v>
-                </c:pt>
-                <c:pt idx="2">
-                  <c:v>4</c:v>
-                </c:pt>
-                <c:pt idx="3">
-                  <c:v>8</c:v>
-                </c:pt>
-                <c:pt idx="4">
-                  <c:v>16</c:v>
-                </c:pt>
-                <c:pt idx="5">
-                  <c:v>20</c:v>
-                </c:pt>
-                <c:pt idx="6">
-                  <c:v>28</c:v>
-                </c:pt>
-                <c:pt idx="7">
-                  <c:v>32</c:v>
-                </c:pt>
-              </c:numCache>
-            </c:numRef>
-          </c:cat>
-          <c:val>
-            <c:numRef>
-              <c:f>Sheet1!$G$5:$G$12</c:f>
-              <c:numCache>
-                <c:formatCode>General</c:formatCode>
-                <c:ptCount val="8"/>
-                <c:pt idx="0">
-                  <c:v>2.9894639999999999</c:v>
-                </c:pt>
-                <c:pt idx="1">
-                  <c:v>2.9894639999999999</c:v>
-                </c:pt>
-                <c:pt idx="2">
-                  <c:v>2.9894639999999999</c:v>
-                </c:pt>
-                <c:pt idx="3">
-                  <c:v>2.9894639999999999</c:v>
-                </c:pt>
-                <c:pt idx="4">
-                  <c:v>2.9894639999999999</c:v>
-                </c:pt>
-                <c:pt idx="5">
-                  <c:v>2.9894639999999999</c:v>
-                </c:pt>
-                <c:pt idx="6">
-                  <c:v>2.9894639999999999</c:v>
-                </c:pt>
-                <c:pt idx="7">
-                  <c:v>2.9894639999999999</c:v>
-                </c:pt>
-              </c:numCache>
-            </c:numRef>
-          </c:val>
-          <c:smooth val="0"/>
-        </c:ser>
-        <c:dLbls>
-          <c:showLegendKey val="0"/>
-          <c:showVal val="0"/>
-          <c:showCatName val="0"/>
-          <c:showSerName val="0"/>
-          <c:showPercent val="0"/>
-          <c:showBubbleSize val="0"/>
-        </c:dLbls>
-        <c:marker val="1"/>
-        <c:smooth val="0"/>
-        <c:axId val="-477744"/>
-        <c:axId val="-477200"/>
-      </c:lineChart>
-      <c:catAx>
-        <c:axId val="-477744"/>
-        <c:scaling>
-          <c:orientation val="minMax"/>
-        </c:scaling>
-        <c:delete val="0"/>
-        <c:axPos val="b"/>
-        <c:title>
-          <c:tx>
-            <c:rich>
-              <a:bodyPr rot="0" spcFirstLastPara="1" vertOverflow="ellipsis" vert="horz" wrap="square" anchor="ctr" anchorCtr="1"/>
-              <a:lstStyle/>
-              <a:p>
-                <a:pPr>
-                  <a:defRPr sz="1200" b="0" i="0" u="none" strike="noStrike" kern="1200" baseline="0">
-                    <a:solidFill>
-                      <a:schemeClr val="tx1">
-                        <a:lumMod val="65000"/>
-                        <a:lumOff val="35000"/>
-                      </a:schemeClr>
-                    </a:solidFill>
-                    <a:latin typeface="+mn-lt"/>
-                    <a:ea typeface="+mn-ea"/>
-                    <a:cs typeface="+mn-cs"/>
-                  </a:defRPr>
-                </a:pPr>
-                <a:r>
-                  <a:rPr lang="en-US" sz="1200"/>
-                  <a:t>Threads</a:t>
-                </a:r>
-                <a:r>
-                  <a:rPr lang="en-US" sz="1200" baseline="0"/>
-                  <a:t> / Processos</a:t>
-                </a:r>
-              </a:p>
-            </c:rich>
-          </c:tx>
-          <c:layout/>
-          <c:overlay val="0"/>
-          <c:spPr>
-            <a:noFill/>
-            <a:ln>
-              <a:noFill/>
-            </a:ln>
-            <a:effectLst/>
-          </c:spPr>
-          <c:txPr>
-            <a:bodyPr rot="0" spcFirstLastPara="1" vertOverflow="ellipsis" vert="horz" wrap="square" anchor="ctr" anchorCtr="1"/>
-            <a:lstStyle/>
-            <a:p>
-              <a:pPr>
-                <a:defRPr sz="1200" b="0" i="0" u="none" strike="noStrike" kern="1200" baseline="0">
-                  <a:solidFill>
-                    <a:schemeClr val="tx1">
-                      <a:lumMod val="65000"/>
-                      <a:lumOff val="35000"/>
-                    </a:schemeClr>
-                  </a:solidFill>
-                  <a:latin typeface="+mn-lt"/>
-                  <a:ea typeface="+mn-ea"/>
-                  <a:cs typeface="+mn-cs"/>
-                </a:defRPr>
-              </a:pPr>
-              <a:endParaRPr lang="pt-PT"/>
-            </a:p>
-          </c:txPr>
-        </c:title>
-        <c:numFmt formatCode="General" sourceLinked="1"/>
-        <c:majorTickMark val="none"/>
-        <c:minorTickMark val="none"/>
-        <c:tickLblPos val="nextTo"/>
-        <c:spPr>
-          <a:noFill/>
-          <a:ln w="9525" cap="flat" cmpd="sng" algn="ctr">
-            <a:solidFill>
-              <a:schemeClr val="tx1">
-                <a:lumMod val="15000"/>
-                <a:lumOff val="85000"/>
-              </a:schemeClr>
-            </a:solidFill>
-            <a:round/>
-          </a:ln>
-          <a:effectLst/>
-        </c:spPr>
-        <c:txPr>
-          <a:bodyPr rot="-60000000" spcFirstLastPara="1" vertOverflow="ellipsis" vert="horz" wrap="square" anchor="ctr" anchorCtr="1"/>
-          <a:lstStyle/>
-          <a:p>
-            <a:pPr>
-              <a:defRPr sz="900" b="0" i="0" u="none" strike="noStrike" kern="1200" baseline="0">
-                <a:solidFill>
-                  <a:schemeClr val="tx1">
-                    <a:lumMod val="65000"/>
-                    <a:lumOff val="35000"/>
-                  </a:schemeClr>
-                </a:solidFill>
-                <a:latin typeface="+mn-lt"/>
-                <a:ea typeface="+mn-ea"/>
-                <a:cs typeface="+mn-cs"/>
-              </a:defRPr>
-            </a:pPr>
-            <a:endParaRPr lang="pt-PT"/>
-          </a:p>
-        </c:txPr>
-        <c:crossAx val="-477200"/>
-        <c:crosses val="autoZero"/>
-        <c:auto val="1"/>
-        <c:lblAlgn val="ctr"/>
-        <c:lblOffset val="100"/>
-        <c:noMultiLvlLbl val="0"/>
-      </c:catAx>
-      <c:valAx>
-        <c:axId val="-477200"/>
-        <c:scaling>
-          <c:orientation val="minMax"/>
-        </c:scaling>
-        <c:delete val="0"/>
-        <c:axPos val="l"/>
-        <c:majorGridlines>
-          <c:spPr>
-            <a:ln w="9525" cap="flat" cmpd="sng" algn="ctr">
-              <a:solidFill>
-                <a:schemeClr val="tx1">
-                  <a:lumMod val="15000"/>
-                  <a:lumOff val="85000"/>
-                </a:schemeClr>
-              </a:solidFill>
-              <a:round/>
-            </a:ln>
-            <a:effectLst/>
-          </c:spPr>
-        </c:majorGridlines>
-        <c:title>
-          <c:tx>
-            <c:rich>
-              <a:bodyPr rot="-5400000" spcFirstLastPara="1" vertOverflow="ellipsis" vert="horz" wrap="square" anchor="ctr" anchorCtr="1"/>
-              <a:lstStyle/>
-              <a:p>
-                <a:pPr>
-                  <a:defRPr sz="1200" b="0" i="0" u="none" strike="noStrike" kern="1200" baseline="0">
-                    <a:solidFill>
-                      <a:schemeClr val="tx1">
-                        <a:lumMod val="65000"/>
-                        <a:lumOff val="35000"/>
-                      </a:schemeClr>
-                    </a:solidFill>
-                    <a:latin typeface="+mn-lt"/>
-                    <a:ea typeface="+mn-ea"/>
-                    <a:cs typeface="+mn-cs"/>
-                  </a:defRPr>
-                </a:pPr>
-                <a:r>
-                  <a:rPr lang="en-US" sz="1200"/>
-                  <a:t>Tempo</a:t>
-                </a:r>
-                <a:r>
-                  <a:rPr lang="en-US" sz="1200" baseline="0"/>
-                  <a:t> (s)</a:t>
-                </a:r>
-                <a:endParaRPr lang="en-US" sz="1200"/>
-              </a:p>
-            </c:rich>
-          </c:tx>
-          <c:layout/>
-          <c:overlay val="0"/>
-          <c:spPr>
-            <a:noFill/>
-            <a:ln>
-              <a:noFill/>
-            </a:ln>
-            <a:effectLst/>
-          </c:spPr>
-          <c:txPr>
-            <a:bodyPr rot="-5400000" spcFirstLastPara="1" vertOverflow="ellipsis" vert="horz" wrap="square" anchor="ctr" anchorCtr="1"/>
-            <a:lstStyle/>
-            <a:p>
-              <a:pPr>
-                <a:defRPr sz="1200" b="0" i="0" u="none" strike="noStrike" kern="1200" baseline="0">
-                  <a:solidFill>
-                    <a:schemeClr val="tx1">
-                      <a:lumMod val="65000"/>
-                      <a:lumOff val="35000"/>
-                    </a:schemeClr>
-                  </a:solidFill>
-                  <a:latin typeface="+mn-lt"/>
-                  <a:ea typeface="+mn-ea"/>
-                  <a:cs typeface="+mn-cs"/>
-                </a:defRPr>
-              </a:pPr>
-              <a:endParaRPr lang="pt-PT"/>
-            </a:p>
-          </c:txPr>
-        </c:title>
-        <c:numFmt formatCode="General" sourceLinked="1"/>
-        <c:majorTickMark val="none"/>
-        <c:minorTickMark val="none"/>
-        <c:tickLblPos val="nextTo"/>
-        <c:spPr>
-          <a:noFill/>
-          <a:ln>
-            <a:noFill/>
-          </a:ln>
-          <a:effectLst/>
-        </c:spPr>
-        <c:txPr>
-          <a:bodyPr rot="-60000000" spcFirstLastPara="1" vertOverflow="ellipsis" vert="horz" wrap="square" anchor="ctr" anchorCtr="1"/>
-          <a:lstStyle/>
-          <a:p>
-            <a:pPr>
-              <a:defRPr sz="900" b="0" i="0" u="none" strike="noStrike" kern="1200" baseline="0">
-                <a:solidFill>
-                  <a:schemeClr val="tx1">
-                    <a:lumMod val="65000"/>
-                    <a:lumOff val="35000"/>
-                  </a:schemeClr>
-                </a:solidFill>
-                <a:latin typeface="+mn-lt"/>
-                <a:ea typeface="+mn-ea"/>
-                <a:cs typeface="+mn-cs"/>
-              </a:defRPr>
-            </a:pPr>
-            <a:endParaRPr lang="pt-PT"/>
-          </a:p>
-        </c:txPr>
-        <c:crossAx val="-477744"/>
-        <c:crosses val="autoZero"/>
-        <c:crossBetween val="between"/>
-      </c:valAx>
-      <c:spPr>
-        <a:noFill/>
-        <a:ln>
-          <a:noFill/>
-        </a:ln>
-        <a:effectLst/>
-      </c:spPr>
-    </c:plotArea>
-    <c:legend>
-      <c:legendPos val="b"/>
-      <c:layout>
-        <c:manualLayout>
-          <c:xMode val="edge"/>
-          <c:yMode val="edge"/>
-          <c:x val="5.9651691859302927E-2"/>
-          <c:y val="0.90125879812099585"/>
-          <c:w val="0.86744664309390973"/>
-          <c:h val="6.585345010643201E-2"/>
-        </c:manualLayout>
-      </c:layout>
-      <c:overlay val="0"/>
-      <c:spPr>
-        <a:noFill/>
-        <a:ln>
-          <a:noFill/>
-        </a:ln>
-        <a:effectLst/>
-      </c:spPr>
-      <c:txPr>
-        <a:bodyPr rot="0" spcFirstLastPara="1" vertOverflow="ellipsis" vert="horz" wrap="square" anchor="ctr" anchorCtr="1"/>
-        <a:lstStyle/>
-        <a:p>
-          <a:pPr>
-            <a:defRPr sz="1200" b="0" i="0" u="none" strike="noStrike" kern="1200" baseline="0">
-              <a:solidFill>
-                <a:schemeClr val="tx1">
-                  <a:lumMod val="65000"/>
-                  <a:lumOff val="35000"/>
-                </a:schemeClr>
-              </a:solidFill>
-              <a:latin typeface="+mn-lt"/>
-              <a:ea typeface="+mn-ea"/>
-              <a:cs typeface="+mn-cs"/>
-            </a:defRPr>
-          </a:pPr>
-          <a:endParaRPr lang="pt-PT"/>
-        </a:p>
-      </c:txPr>
-    </c:legend>
-    <c:plotVisOnly val="1"/>
-    <c:dispBlanksAs val="gap"/>
-    <c:showDLblsOverMax val="0"/>
-  </c:chart>
-  <c:spPr>
-    <a:noFill/>
-    <a:ln>
-      <a:noFill/>
-    </a:ln>
-    <a:effectLst/>
-  </c:spPr>
-  <c:txPr>
-    <a:bodyPr/>
-    <a:lstStyle/>
-    <a:p>
-      <a:pPr>
-        <a:defRPr/>
-      </a:pPr>
-      <a:endParaRPr lang="pt-PT"/>
-    </a:p>
-  </c:txPr>
-  <c:externalData r:id="rId3">
-    <c:autoUpdate val="0"/>
-  </c:externalData>
-</c:chartSpace>
-</file>
-
-<file path=ppt/charts/chart3.xml><?xml version="1.0" encoding="utf-8"?>
-<c:chartSpace xmlns:c="http://schemas.openxmlformats.org/drawingml/2006/chart" xmlns:a="http://schemas.openxmlformats.org/drawingml/2006/main" xmlns:r="http://schemas.openxmlformats.org/officeDocument/2006/relationships">
-  <c:date1904 val="0"/>
-  <c:lang val="en-US"/>
-  <c:roundedCorners val="0"/>
-  <mc:AlternateContent xmlns:mc="http://schemas.openxmlformats.org/markup-compatibility/2006">
-    <mc:Choice xmlns:c14="http://schemas.microsoft.com/office/drawing/2007/8/2/chart" Requires="c14">
-      <c14:style val="102"/>
-    </mc:Choice>
-    <mc:Fallback>
-      <c:style val="2"/>
-    </mc:Fallback>
-  </mc:AlternateContent>
-  <c:chart>
-    <c:autoTitleDeleted val="1"/>
-    <c:plotArea>
-      <c:layout/>
-      <c:lineChart>
-        <c:grouping val="standard"/>
-        <c:varyColors val="0"/>
-        <c:ser>
-          <c:idx val="0"/>
-          <c:order val="0"/>
-          <c:tx>
-            <c:strRef>
-              <c:f>Sheet1!$D$16</c:f>
-              <c:strCache>
-                <c:ptCount val="1"/>
-                <c:pt idx="0">
-                  <c:v>OpenMP</c:v>
-                </c:pt>
-              </c:strCache>
-            </c:strRef>
-          </c:tx>
-          <c:spPr>
-            <a:ln w="28575" cap="rnd">
-              <a:solidFill>
-                <a:schemeClr val="accent1"/>
-              </a:solidFill>
-              <a:round/>
-            </a:ln>
-            <a:effectLst/>
-          </c:spPr>
-          <c:marker>
-            <c:symbol val="circle"/>
-            <c:size val="5"/>
-            <c:spPr>
-              <a:solidFill>
-                <a:schemeClr val="accent1"/>
-              </a:solidFill>
-              <a:ln w="9525">
-                <a:solidFill>
-                  <a:schemeClr val="accent1"/>
-                </a:solidFill>
-              </a:ln>
-              <a:effectLst/>
-            </c:spPr>
-          </c:marker>
-          <c:cat>
-            <c:numRef>
-              <c:f>Sheet1!$C$17:$C$24</c:f>
-              <c:numCache>
-                <c:formatCode>General</c:formatCode>
-                <c:ptCount val="8"/>
-                <c:pt idx="0">
-                  <c:v>1</c:v>
-                </c:pt>
-                <c:pt idx="1">
-                  <c:v>2</c:v>
-                </c:pt>
-                <c:pt idx="2">
-                  <c:v>4</c:v>
-                </c:pt>
-                <c:pt idx="3">
-                  <c:v>8</c:v>
-                </c:pt>
-                <c:pt idx="4">
-                  <c:v>16</c:v>
-                </c:pt>
-                <c:pt idx="5">
-                  <c:v>20</c:v>
-                </c:pt>
-                <c:pt idx="6">
-                  <c:v>28</c:v>
-                </c:pt>
-                <c:pt idx="7">
-                  <c:v>32</c:v>
-                </c:pt>
-              </c:numCache>
-            </c:numRef>
-          </c:cat>
-          <c:val>
-            <c:numRef>
-              <c:f>Sheet1!$D$17:$D$24</c:f>
-              <c:numCache>
-                <c:formatCode>General</c:formatCode>
-                <c:ptCount val="8"/>
-                <c:pt idx="0">
-                  <c:v>0.77842840715928407</c:v>
-                </c:pt>
-                <c:pt idx="1">
-                  <c:v>1.4802660995422237</c:v>
-                </c:pt>
-                <c:pt idx="2">
-                  <c:v>2.5493037617926442</c:v>
-                </c:pt>
-                <c:pt idx="3">
-                  <c:v>3.0498479393512148</c:v>
-                </c:pt>
-                <c:pt idx="4">
-                  <c:v>3.0929318491496014</c:v>
-                </c:pt>
-                <c:pt idx="5">
-                  <c:v>3.2226692366402339</c:v>
-                </c:pt>
-                <c:pt idx="6">
-                  <c:v>2.8189246938702386</c:v>
-                </c:pt>
-                <c:pt idx="7">
-                  <c:v>2.6011986801988054</c:v>
-                </c:pt>
-              </c:numCache>
-            </c:numRef>
-          </c:val>
-          <c:smooth val="0"/>
-        </c:ser>
-        <c:ser>
-          <c:idx val="1"/>
-          <c:order val="1"/>
-          <c:tx>
-            <c:strRef>
-              <c:f>Sheet1!$E$16</c:f>
-              <c:strCache>
-                <c:ptCount val="1"/>
-                <c:pt idx="0">
-                  <c:v>OpenMPI</c:v>
-                </c:pt>
-              </c:strCache>
-            </c:strRef>
-          </c:tx>
-          <c:spPr>
-            <a:ln w="28575" cap="rnd">
-              <a:solidFill>
-                <a:schemeClr val="accent3"/>
-              </a:solidFill>
-              <a:round/>
-            </a:ln>
-            <a:effectLst/>
-          </c:spPr>
-          <c:marker>
-            <c:symbol val="circle"/>
-            <c:size val="5"/>
-            <c:spPr>
-              <a:solidFill>
-                <a:schemeClr val="accent3"/>
-              </a:solidFill>
-              <a:ln w="9525">
-                <a:solidFill>
-                  <a:schemeClr val="accent3"/>
-                </a:solidFill>
-              </a:ln>
-              <a:effectLst/>
-            </c:spPr>
-          </c:marker>
-          <c:cat>
-            <c:numRef>
-              <c:f>Sheet1!$C$17:$C$24</c:f>
-              <c:numCache>
-                <c:formatCode>General</c:formatCode>
-                <c:ptCount val="8"/>
-                <c:pt idx="0">
-                  <c:v>1</c:v>
-                </c:pt>
-                <c:pt idx="1">
-                  <c:v>2</c:v>
-                </c:pt>
-                <c:pt idx="2">
-                  <c:v>4</c:v>
-                </c:pt>
-                <c:pt idx="3">
-                  <c:v>8</c:v>
-                </c:pt>
-                <c:pt idx="4">
-                  <c:v>16</c:v>
-                </c:pt>
-                <c:pt idx="5">
-                  <c:v>20</c:v>
-                </c:pt>
-                <c:pt idx="6">
-                  <c:v>28</c:v>
-                </c:pt>
-                <c:pt idx="7">
-                  <c:v>32</c:v>
-                </c:pt>
-              </c:numCache>
-            </c:numRef>
-          </c:cat>
-          <c:val>
-            <c:numRef>
-              <c:f>Sheet1!$E$17:$E$24</c:f>
-              <c:numCache>
-                <c:formatCode>General</c:formatCode>
-                <c:ptCount val="8"/>
-                <c:pt idx="0">
-                  <c:v>0.99552963680297102</c:v>
-                </c:pt>
-                <c:pt idx="1">
-                  <c:v>2.0382218064746622</c:v>
-                </c:pt>
-                <c:pt idx="2">
-                  <c:v>4.1751357511563985</c:v>
-                </c:pt>
-                <c:pt idx="3">
-                  <c:v>7.6206625811911772</c:v>
-                </c:pt>
-                <c:pt idx="4">
-                  <c:v>12.374019007251896</c:v>
-                </c:pt>
-                <c:pt idx="5">
-                  <c:v>14.952104673495517</c:v>
-                </c:pt>
-                <c:pt idx="6">
-                  <c:v>11.369982428516009</c:v>
-                </c:pt>
-                <c:pt idx="7">
-                  <c:v>11.230100563108326</c:v>
-                </c:pt>
-              </c:numCache>
-            </c:numRef>
-          </c:val>
-          <c:smooth val="0"/>
-        </c:ser>
-        <c:ser>
-          <c:idx val="2"/>
-          <c:order val="2"/>
-          <c:tx>
-            <c:strRef>
-              <c:f>Sheet1!$F$16</c:f>
-              <c:strCache>
-                <c:ptCount val="1"/>
-                <c:pt idx="0">
-                  <c:v>Híbrido</c:v>
-                </c:pt>
-              </c:strCache>
-            </c:strRef>
-          </c:tx>
-          <c:spPr>
-            <a:ln w="28575" cap="rnd">
-              <a:solidFill>
-                <a:schemeClr val="accent5"/>
-              </a:solidFill>
-              <a:round/>
-            </a:ln>
-            <a:effectLst/>
-          </c:spPr>
-          <c:marker>
-            <c:symbol val="circle"/>
-            <c:size val="5"/>
-            <c:spPr>
-              <a:solidFill>
-                <a:schemeClr val="accent5"/>
-              </a:solidFill>
-              <a:ln w="9525">
-                <a:solidFill>
-                  <a:schemeClr val="accent5"/>
-                </a:solidFill>
-              </a:ln>
-              <a:effectLst/>
-            </c:spPr>
-          </c:marker>
-          <c:cat>
-            <c:numRef>
-              <c:f>Sheet1!$C$17:$C$24</c:f>
-              <c:numCache>
-                <c:formatCode>General</c:formatCode>
-                <c:ptCount val="8"/>
-                <c:pt idx="0">
-                  <c:v>1</c:v>
-                </c:pt>
-                <c:pt idx="1">
-                  <c:v>2</c:v>
-                </c:pt>
-                <c:pt idx="2">
-                  <c:v>4</c:v>
-                </c:pt>
-                <c:pt idx="3">
-                  <c:v>8</c:v>
-                </c:pt>
-                <c:pt idx="4">
-                  <c:v>16</c:v>
-                </c:pt>
-                <c:pt idx="5">
-                  <c:v>20</c:v>
-                </c:pt>
-                <c:pt idx="6">
-                  <c:v>28</c:v>
-                </c:pt>
-                <c:pt idx="7">
-                  <c:v>32</c:v>
-                </c:pt>
-              </c:numCache>
-            </c:numRef>
-          </c:cat>
-          <c:val>
-            <c:numRef>
-              <c:f>Sheet1!$F$17:$F$24</c:f>
-              <c:numCache>
-                <c:formatCode>General</c:formatCode>
-                <c:ptCount val="8"/>
-                <c:pt idx="0">
-                  <c:v>1.3677832493833575</c:v>
-                </c:pt>
-                <c:pt idx="1">
-                  <c:v>2.2482007409112033</c:v>
-                </c:pt>
-                <c:pt idx="2">
-                  <c:v>2.900584296001909</c:v>
-                </c:pt>
-                <c:pt idx="3">
-                  <c:v>2.637004601912921</c:v>
-                </c:pt>
-                <c:pt idx="4">
-                  <c:v>1.7495382497735141</c:v>
-                </c:pt>
-                <c:pt idx="5">
-                  <c:v>1.4923308396789565</c:v>
-                </c:pt>
-                <c:pt idx="6">
-                  <c:v>1.4364702049571432</c:v>
-                </c:pt>
-                <c:pt idx="7">
-                  <c:v>1.513054331426408</c:v>
-                </c:pt>
-              </c:numCache>
-            </c:numRef>
-          </c:val>
-          <c:smooth val="0"/>
-        </c:ser>
-        <c:dLbls>
-          <c:showLegendKey val="0"/>
-          <c:showVal val="0"/>
-          <c:showCatName val="0"/>
-          <c:showSerName val="0"/>
-          <c:showPercent val="0"/>
-          <c:showBubbleSize val="0"/>
-        </c:dLbls>
-        <c:marker val="1"/>
-        <c:smooth val="0"/>
-        <c:axId val="-2077343584"/>
-        <c:axId val="-2077350656"/>
-      </c:lineChart>
-      <c:catAx>
-        <c:axId val="-2077343584"/>
-        <c:scaling>
-          <c:orientation val="minMax"/>
-        </c:scaling>
-        <c:delete val="0"/>
-        <c:axPos val="b"/>
-        <c:title>
-          <c:tx>
-            <c:rich>
-              <a:bodyPr rot="0" spcFirstLastPara="1" vertOverflow="ellipsis" vert="horz" wrap="square" anchor="ctr" anchorCtr="1"/>
-              <a:lstStyle/>
-              <a:p>
-                <a:pPr>
-                  <a:defRPr sz="1200" b="0" i="0" u="none" strike="noStrike" kern="1200" baseline="0">
-                    <a:solidFill>
-                      <a:schemeClr val="tx1">
-                        <a:lumMod val="65000"/>
-                        <a:lumOff val="35000"/>
-                      </a:schemeClr>
-                    </a:solidFill>
-                    <a:latin typeface="+mn-lt"/>
-                    <a:ea typeface="+mn-ea"/>
-                    <a:cs typeface="+mn-cs"/>
-                  </a:defRPr>
-                </a:pPr>
-                <a:r>
-                  <a:rPr lang="en-US" sz="1200"/>
-                  <a:t>Processos</a:t>
-                </a:r>
-              </a:p>
-            </c:rich>
-          </c:tx>
-          <c:layout/>
-          <c:overlay val="0"/>
-          <c:spPr>
-            <a:noFill/>
-            <a:ln>
-              <a:noFill/>
-            </a:ln>
-            <a:effectLst/>
-          </c:spPr>
-          <c:txPr>
-            <a:bodyPr rot="0" spcFirstLastPara="1" vertOverflow="ellipsis" vert="horz" wrap="square" anchor="ctr" anchorCtr="1"/>
-            <a:lstStyle/>
-            <a:p>
-              <a:pPr>
-                <a:defRPr sz="1200" b="0" i="0" u="none" strike="noStrike" kern="1200" baseline="0">
-                  <a:solidFill>
-                    <a:schemeClr val="tx1">
-                      <a:lumMod val="65000"/>
-                      <a:lumOff val="35000"/>
-                    </a:schemeClr>
-                  </a:solidFill>
-                  <a:latin typeface="+mn-lt"/>
-                  <a:ea typeface="+mn-ea"/>
-                  <a:cs typeface="+mn-cs"/>
-                </a:defRPr>
-              </a:pPr>
-              <a:endParaRPr lang="pt-PT"/>
-            </a:p>
-          </c:txPr>
-        </c:title>
-        <c:numFmt formatCode="General" sourceLinked="1"/>
-        <c:majorTickMark val="none"/>
-        <c:minorTickMark val="none"/>
-        <c:tickLblPos val="nextTo"/>
-        <c:spPr>
-          <a:noFill/>
-          <a:ln w="9525" cap="flat" cmpd="sng" algn="ctr">
-            <a:solidFill>
-              <a:schemeClr val="tx1">
-                <a:lumMod val="15000"/>
-                <a:lumOff val="85000"/>
-              </a:schemeClr>
-            </a:solidFill>
-            <a:round/>
-          </a:ln>
-          <a:effectLst/>
-        </c:spPr>
-        <c:txPr>
-          <a:bodyPr rot="-60000000" spcFirstLastPara="1" vertOverflow="ellipsis" vert="horz" wrap="square" anchor="ctr" anchorCtr="1"/>
-          <a:lstStyle/>
-          <a:p>
-            <a:pPr>
-              <a:defRPr sz="900" b="0" i="0" u="none" strike="noStrike" kern="1200" baseline="0">
-                <a:solidFill>
-                  <a:schemeClr val="tx1">
-                    <a:lumMod val="65000"/>
-                    <a:lumOff val="35000"/>
-                  </a:schemeClr>
-                </a:solidFill>
-                <a:latin typeface="+mn-lt"/>
-                <a:ea typeface="+mn-ea"/>
-                <a:cs typeface="+mn-cs"/>
-              </a:defRPr>
-            </a:pPr>
-            <a:endParaRPr lang="pt-PT"/>
-          </a:p>
-        </c:txPr>
-        <c:crossAx val="-2077350656"/>
-        <c:crosses val="autoZero"/>
-        <c:auto val="1"/>
-        <c:lblAlgn val="ctr"/>
-        <c:lblOffset val="100"/>
-        <c:noMultiLvlLbl val="0"/>
-      </c:catAx>
-      <c:valAx>
-        <c:axId val="-2077350656"/>
-        <c:scaling>
-          <c:orientation val="minMax"/>
-        </c:scaling>
-        <c:delete val="0"/>
-        <c:axPos val="l"/>
-        <c:majorGridlines>
-          <c:spPr>
-            <a:ln w="9525" cap="flat" cmpd="sng" algn="ctr">
-              <a:solidFill>
-                <a:schemeClr val="tx1">
-                  <a:lumMod val="15000"/>
-                  <a:lumOff val="85000"/>
-                </a:schemeClr>
-              </a:solidFill>
-              <a:round/>
-            </a:ln>
-            <a:effectLst/>
-          </c:spPr>
-        </c:majorGridlines>
-        <c:title>
-          <c:tx>
-            <c:rich>
-              <a:bodyPr rot="-5400000" spcFirstLastPara="1" vertOverflow="ellipsis" vert="horz" wrap="square" anchor="ctr" anchorCtr="1"/>
-              <a:lstStyle/>
-              <a:p>
-                <a:pPr>
-                  <a:defRPr sz="1200" b="0" i="0" u="none" strike="noStrike" kern="1200" baseline="0">
-                    <a:solidFill>
-                      <a:schemeClr val="tx1">
-                        <a:lumMod val="65000"/>
-                        <a:lumOff val="35000"/>
-                      </a:schemeClr>
-                    </a:solidFill>
-                    <a:latin typeface="+mn-lt"/>
-                    <a:ea typeface="+mn-ea"/>
-                    <a:cs typeface="+mn-cs"/>
-                  </a:defRPr>
-                </a:pPr>
-                <a:r>
-                  <a:rPr lang="en-US" sz="1200"/>
-                  <a:t>Speed</a:t>
-                </a:r>
-                <a:r>
-                  <a:rPr lang="en-US" sz="1200" baseline="0"/>
-                  <a:t> Up</a:t>
-                </a:r>
-                <a:endParaRPr lang="en-US" sz="1200"/>
-              </a:p>
-            </c:rich>
-          </c:tx>
-          <c:layout/>
-          <c:overlay val="0"/>
-          <c:spPr>
-            <a:noFill/>
-            <a:ln>
-              <a:noFill/>
-            </a:ln>
-            <a:effectLst/>
-          </c:spPr>
-          <c:txPr>
-            <a:bodyPr rot="-5400000" spcFirstLastPara="1" vertOverflow="ellipsis" vert="horz" wrap="square" anchor="ctr" anchorCtr="1"/>
-            <a:lstStyle/>
-            <a:p>
-              <a:pPr>
-                <a:defRPr sz="1200" b="0" i="0" u="none" strike="noStrike" kern="1200" baseline="0">
-                  <a:solidFill>
-                    <a:schemeClr val="tx1">
-                      <a:lumMod val="65000"/>
-                      <a:lumOff val="35000"/>
-                    </a:schemeClr>
-                  </a:solidFill>
-                  <a:latin typeface="+mn-lt"/>
-                  <a:ea typeface="+mn-ea"/>
-                  <a:cs typeface="+mn-cs"/>
-                </a:defRPr>
-              </a:pPr>
-              <a:endParaRPr lang="pt-PT"/>
-            </a:p>
-          </c:txPr>
-        </c:title>
-        <c:numFmt formatCode="General" sourceLinked="1"/>
-        <c:majorTickMark val="none"/>
-        <c:minorTickMark val="none"/>
-        <c:tickLblPos val="nextTo"/>
-        <c:spPr>
-          <a:noFill/>
-          <a:ln>
-            <a:noFill/>
-          </a:ln>
-          <a:effectLst/>
-        </c:spPr>
-        <c:txPr>
-          <a:bodyPr rot="-60000000" spcFirstLastPara="1" vertOverflow="ellipsis" vert="horz" wrap="square" anchor="ctr" anchorCtr="1"/>
-          <a:lstStyle/>
-          <a:p>
-            <a:pPr>
-              <a:defRPr sz="900" b="0" i="0" u="none" strike="noStrike" kern="1200" baseline="0">
-                <a:solidFill>
-                  <a:schemeClr val="tx1">
-                    <a:lumMod val="65000"/>
-                    <a:lumOff val="35000"/>
-                  </a:schemeClr>
-                </a:solidFill>
-                <a:latin typeface="+mn-lt"/>
-                <a:ea typeface="+mn-ea"/>
-                <a:cs typeface="+mn-cs"/>
-              </a:defRPr>
-            </a:pPr>
-            <a:endParaRPr lang="pt-PT"/>
-          </a:p>
-        </c:txPr>
-        <c:crossAx val="-2077343584"/>
-        <c:crosses val="autoZero"/>
-        <c:crossBetween val="between"/>
-      </c:valAx>
-      <c:spPr>
-        <a:noFill/>
-        <a:ln>
-          <a:noFill/>
-        </a:ln>
-        <a:effectLst/>
-      </c:spPr>
-    </c:plotArea>
-    <c:legend>
-      <c:legendPos val="b"/>
-      <c:layout>
-        <c:manualLayout>
-          <c:xMode val="edge"/>
-          <c:yMode val="edge"/>
-          <c:x val="9.8290815868445347E-2"/>
-          <c:y val="0.88533905386767586"/>
-          <c:w val="0.8704926223369589"/>
-          <c:h val="9.3177930119865082E-2"/>
-        </c:manualLayout>
-      </c:layout>
-      <c:overlay val="0"/>
-      <c:spPr>
-        <a:noFill/>
-        <a:ln>
-          <a:noFill/>
-        </a:ln>
-        <a:effectLst/>
-      </c:spPr>
-      <c:txPr>
-        <a:bodyPr rot="0" spcFirstLastPara="1" vertOverflow="ellipsis" vert="horz" wrap="square" anchor="ctr" anchorCtr="1"/>
-        <a:lstStyle/>
-        <a:p>
-          <a:pPr>
-            <a:defRPr sz="1200" b="0" i="0" u="none" strike="noStrike" kern="1200" baseline="0">
-              <a:solidFill>
-                <a:schemeClr val="tx1">
-                  <a:lumMod val="65000"/>
-                  <a:lumOff val="35000"/>
-                </a:schemeClr>
-              </a:solidFill>
-              <a:latin typeface="+mn-lt"/>
-              <a:ea typeface="+mn-ea"/>
-              <a:cs typeface="+mn-cs"/>
-            </a:defRPr>
-          </a:pPr>
-          <a:endParaRPr lang="pt-PT"/>
-        </a:p>
-      </c:txPr>
-    </c:legend>
-    <c:plotVisOnly val="1"/>
-    <c:dispBlanksAs val="gap"/>
-    <c:showDLblsOverMax val="0"/>
-  </c:chart>
-  <c:spPr>
-    <a:noFill/>
-    <a:ln>
-      <a:noFill/>
-    </a:ln>
-    <a:effectLst/>
-  </c:spPr>
-  <c:txPr>
-    <a:bodyPr/>
-    <a:lstStyle/>
-    <a:p>
-      <a:pPr>
-        <a:defRPr/>
-      </a:pPr>
-      <a:endParaRPr lang="pt-PT"/>
-    </a:p>
-  </c:txPr>
-  <c:externalData r:id="rId3">
-    <c:autoUpdate val="0"/>
-  </c:externalData>
-</c:chartSpace>
-</file>
-
-<file path=ppt/charts/chart4.xml><?xml version="1.0" encoding="utf-8"?>
 <c:chartSpace xmlns:c="http://schemas.openxmlformats.org/drawingml/2006/chart" xmlns:a="http://schemas.openxmlformats.org/drawingml/2006/main" xmlns:r="http://schemas.openxmlformats.org/officeDocument/2006/relationships">
   <c:date1904 val="0"/>
   <c:lang val="en-US"/>
@@ -2552,12 +1143,12 @@
         </c:dLbls>
         <c:gapWidth val="150"/>
         <c:shape val="box"/>
-        <c:axId val="-231800080"/>
-        <c:axId val="-2077342496"/>
+        <c:axId val="1682107616"/>
+        <c:axId val="1682108160"/>
         <c:axId val="0"/>
       </c:bar3DChart>
       <c:catAx>
-        <c:axId val="-231800080"/>
+        <c:axId val="1682107616"/>
         <c:scaling>
           <c:orientation val="minMax"/>
         </c:scaling>
@@ -2616,7 +1207,7 @@
                   <a:cs typeface="+mn-cs"/>
                 </a:defRPr>
               </a:pPr>
-              <a:endParaRPr lang="pt-PT"/>
+              <a:endParaRPr lang="en-US"/>
             </a:p>
           </c:txPr>
         </c:title>
@@ -2648,10 +1239,10 @@
                 <a:cs typeface="+mn-cs"/>
               </a:defRPr>
             </a:pPr>
-            <a:endParaRPr lang="pt-PT"/>
+            <a:endParaRPr lang="en-US"/>
           </a:p>
         </c:txPr>
-        <c:crossAx val="-2077342496"/>
+        <c:crossAx val="1682108160"/>
         <c:crosses val="autoZero"/>
         <c:auto val="1"/>
         <c:lblAlgn val="ctr"/>
@@ -2659,7 +1250,7 @@
         <c:noMultiLvlLbl val="0"/>
       </c:catAx>
       <c:valAx>
-        <c:axId val="-2077342496"/>
+        <c:axId val="1682108160"/>
         <c:scaling>
           <c:orientation val="minMax"/>
         </c:scaling>
@@ -2731,7 +1322,7 @@
                   <a:cs typeface="+mn-cs"/>
                 </a:defRPr>
               </a:pPr>
-              <a:endParaRPr lang="pt-PT"/>
+              <a:endParaRPr lang="en-US"/>
             </a:p>
           </c:txPr>
         </c:title>
@@ -2763,10 +1354,10 @@
                 <a:cs typeface="+mn-cs"/>
               </a:defRPr>
             </a:pPr>
-            <a:endParaRPr lang="pt-PT"/>
+            <a:endParaRPr lang="en-US"/>
           </a:p>
         </c:txPr>
-        <c:crossAx val="-231800080"/>
+        <c:crossAx val="1682107616"/>
         <c:crosses val="autoZero"/>
         <c:crossBetween val="between"/>
       </c:valAx>
@@ -2806,7 +1397,7 @@
               <a:cs typeface="+mn-cs"/>
             </a:defRPr>
           </a:pPr>
-          <a:endParaRPr lang="pt-PT"/>
+          <a:endParaRPr lang="en-US"/>
         </a:p>
       </c:txPr>
     </c:legend>
@@ -2828,7 +1419,1416 @@
       <a:pPr>
         <a:defRPr/>
       </a:pPr>
-      <a:endParaRPr lang="pt-PT"/>
+      <a:endParaRPr lang="en-US"/>
+    </a:p>
+  </c:txPr>
+  <c:externalData r:id="rId3">
+    <c:autoUpdate val="0"/>
+  </c:externalData>
+</c:chartSpace>
+</file>
+
+<file path=ppt/charts/chart3.xml><?xml version="1.0" encoding="utf-8"?>
+<c:chartSpace xmlns:c="http://schemas.openxmlformats.org/drawingml/2006/chart" xmlns:a="http://schemas.openxmlformats.org/drawingml/2006/main" xmlns:r="http://schemas.openxmlformats.org/officeDocument/2006/relationships">
+  <c:date1904 val="0"/>
+  <c:lang val="en-US"/>
+  <c:roundedCorners val="0"/>
+  <mc:AlternateContent xmlns:mc="http://schemas.openxmlformats.org/markup-compatibility/2006">
+    <mc:Choice xmlns:c14="http://schemas.microsoft.com/office/drawing/2007/8/2/chart" Requires="c14">
+      <c14:style val="102"/>
+    </mc:Choice>
+    <mc:Fallback>
+      <c:style val="2"/>
+    </mc:Fallback>
+  </mc:AlternateContent>
+  <c:chart>
+    <c:autoTitleDeleted val="1"/>
+    <c:plotArea>
+      <c:layout/>
+      <c:lineChart>
+        <c:grouping val="standard"/>
+        <c:varyColors val="0"/>
+        <c:ser>
+          <c:idx val="0"/>
+          <c:order val="0"/>
+          <c:tx>
+            <c:strRef>
+              <c:f>Sheet1!$D$4</c:f>
+              <c:strCache>
+                <c:ptCount val="1"/>
+                <c:pt idx="0">
+                  <c:v>OpenMP</c:v>
+                </c:pt>
+              </c:strCache>
+            </c:strRef>
+          </c:tx>
+          <c:spPr>
+            <a:ln w="28575" cap="rnd">
+              <a:solidFill>
+                <a:schemeClr val="accent1"/>
+              </a:solidFill>
+              <a:round/>
+            </a:ln>
+            <a:effectLst/>
+          </c:spPr>
+          <c:marker>
+            <c:symbol val="circle"/>
+            <c:size val="5"/>
+            <c:spPr>
+              <a:solidFill>
+                <a:schemeClr val="accent1"/>
+              </a:solidFill>
+              <a:ln w="9525">
+                <a:solidFill>
+                  <a:schemeClr val="accent1"/>
+                </a:solidFill>
+              </a:ln>
+              <a:effectLst/>
+            </c:spPr>
+          </c:marker>
+          <c:cat>
+            <c:numRef>
+              <c:f>Sheet1!$C$5:$C$12</c:f>
+              <c:numCache>
+                <c:formatCode>General</c:formatCode>
+                <c:ptCount val="8"/>
+                <c:pt idx="0">
+                  <c:v>1</c:v>
+                </c:pt>
+                <c:pt idx="1">
+                  <c:v>2</c:v>
+                </c:pt>
+                <c:pt idx="2">
+                  <c:v>4</c:v>
+                </c:pt>
+                <c:pt idx="3">
+                  <c:v>8</c:v>
+                </c:pt>
+                <c:pt idx="4">
+                  <c:v>16</c:v>
+                </c:pt>
+                <c:pt idx="5">
+                  <c:v>20</c:v>
+                </c:pt>
+                <c:pt idx="6">
+                  <c:v>28</c:v>
+                </c:pt>
+                <c:pt idx="7">
+                  <c:v>32</c:v>
+                </c:pt>
+              </c:numCache>
+            </c:numRef>
+          </c:cat>
+          <c:val>
+            <c:numRef>
+              <c:f>Sheet1!$D$5:$D$12</c:f>
+              <c:numCache>
+                <c:formatCode>General</c:formatCode>
+                <c:ptCount val="8"/>
+                <c:pt idx="0">
+                  <c:v>3.8403839999999998</c:v>
+                </c:pt>
+                <c:pt idx="1">
+                  <c:v>2.0195449999999999</c:v>
+                </c:pt>
+                <c:pt idx="2">
+                  <c:v>1.1726589999999999</c:v>
+                </c:pt>
+                <c:pt idx="3">
+                  <c:v>0.98020099999999999</c:v>
+                </c:pt>
+                <c:pt idx="4">
+                  <c:v>0.96654700000000005</c:v>
+                </c:pt>
+                <c:pt idx="5">
+                  <c:v>0.92763600000000002</c:v>
+                </c:pt>
+                <c:pt idx="6">
+                  <c:v>1.0604979999999999</c:v>
+                </c:pt>
+                <c:pt idx="7">
+                  <c:v>1.1492640000000001</c:v>
+                </c:pt>
+              </c:numCache>
+            </c:numRef>
+          </c:val>
+          <c:smooth val="0"/>
+        </c:ser>
+        <c:ser>
+          <c:idx val="1"/>
+          <c:order val="1"/>
+          <c:tx>
+            <c:strRef>
+              <c:f>Sheet1!$E$4</c:f>
+              <c:strCache>
+                <c:ptCount val="1"/>
+                <c:pt idx="0">
+                  <c:v>OpenMPI</c:v>
+                </c:pt>
+              </c:strCache>
+            </c:strRef>
+          </c:tx>
+          <c:spPr>
+            <a:ln w="28575" cap="rnd">
+              <a:solidFill>
+                <a:schemeClr val="accent3"/>
+              </a:solidFill>
+              <a:round/>
+            </a:ln>
+            <a:effectLst/>
+          </c:spPr>
+          <c:marker>
+            <c:symbol val="circle"/>
+            <c:size val="5"/>
+            <c:spPr>
+              <a:solidFill>
+                <a:schemeClr val="accent3"/>
+              </a:solidFill>
+              <a:ln w="9525">
+                <a:solidFill>
+                  <a:schemeClr val="accent3"/>
+                </a:solidFill>
+              </a:ln>
+              <a:effectLst/>
+            </c:spPr>
+          </c:marker>
+          <c:cat>
+            <c:numRef>
+              <c:f>Sheet1!$C$5:$C$12</c:f>
+              <c:numCache>
+                <c:formatCode>General</c:formatCode>
+                <c:ptCount val="8"/>
+                <c:pt idx="0">
+                  <c:v>1</c:v>
+                </c:pt>
+                <c:pt idx="1">
+                  <c:v>2</c:v>
+                </c:pt>
+                <c:pt idx="2">
+                  <c:v>4</c:v>
+                </c:pt>
+                <c:pt idx="3">
+                  <c:v>8</c:v>
+                </c:pt>
+                <c:pt idx="4">
+                  <c:v>16</c:v>
+                </c:pt>
+                <c:pt idx="5">
+                  <c:v>20</c:v>
+                </c:pt>
+                <c:pt idx="6">
+                  <c:v>28</c:v>
+                </c:pt>
+                <c:pt idx="7">
+                  <c:v>32</c:v>
+                </c:pt>
+              </c:numCache>
+            </c:numRef>
+          </c:cat>
+          <c:val>
+            <c:numRef>
+              <c:f>Sheet1!$E$5:$E$12</c:f>
+              <c:numCache>
+                <c:formatCode>General</c:formatCode>
+                <c:ptCount val="8"/>
+                <c:pt idx="0">
+                  <c:v>3.002888</c:v>
+                </c:pt>
+                <c:pt idx="1">
+                  <c:v>1.466702</c:v>
+                </c:pt>
+                <c:pt idx="2">
+                  <c:v>0.71601599999999999</c:v>
+                </c:pt>
+                <c:pt idx="3">
+                  <c:v>0.39228400000000002</c:v>
+                </c:pt>
+                <c:pt idx="4">
+                  <c:v>0.241592</c:v>
+                </c:pt>
+                <c:pt idx="5">
+                  <c:v>0.199936</c:v>
+                </c:pt>
+                <c:pt idx="6">
+                  <c:v>0.26292599999999999</c:v>
+                </c:pt>
+                <c:pt idx="7">
+                  <c:v>0.26620100000000002</c:v>
+                </c:pt>
+              </c:numCache>
+            </c:numRef>
+          </c:val>
+          <c:smooth val="0"/>
+        </c:ser>
+        <c:ser>
+          <c:idx val="2"/>
+          <c:order val="2"/>
+          <c:tx>
+            <c:strRef>
+              <c:f>Sheet1!$F$4</c:f>
+              <c:strCache>
+                <c:ptCount val="1"/>
+                <c:pt idx="0">
+                  <c:v>Híbrido</c:v>
+                </c:pt>
+              </c:strCache>
+            </c:strRef>
+          </c:tx>
+          <c:spPr>
+            <a:ln w="28575" cap="rnd">
+              <a:solidFill>
+                <a:schemeClr val="accent5"/>
+              </a:solidFill>
+              <a:round/>
+            </a:ln>
+            <a:effectLst/>
+          </c:spPr>
+          <c:marker>
+            <c:symbol val="circle"/>
+            <c:size val="5"/>
+            <c:spPr>
+              <a:solidFill>
+                <a:schemeClr val="accent5"/>
+              </a:solidFill>
+              <a:ln w="9525">
+                <a:solidFill>
+                  <a:schemeClr val="accent5"/>
+                </a:solidFill>
+              </a:ln>
+              <a:effectLst/>
+            </c:spPr>
+          </c:marker>
+          <c:cat>
+            <c:numRef>
+              <c:f>Sheet1!$C$5:$C$12</c:f>
+              <c:numCache>
+                <c:formatCode>General</c:formatCode>
+                <c:ptCount val="8"/>
+                <c:pt idx="0">
+                  <c:v>1</c:v>
+                </c:pt>
+                <c:pt idx="1">
+                  <c:v>2</c:v>
+                </c:pt>
+                <c:pt idx="2">
+                  <c:v>4</c:v>
+                </c:pt>
+                <c:pt idx="3">
+                  <c:v>8</c:v>
+                </c:pt>
+                <c:pt idx="4">
+                  <c:v>16</c:v>
+                </c:pt>
+                <c:pt idx="5">
+                  <c:v>20</c:v>
+                </c:pt>
+                <c:pt idx="6">
+                  <c:v>28</c:v>
+                </c:pt>
+                <c:pt idx="7">
+                  <c:v>32</c:v>
+                </c:pt>
+              </c:numCache>
+            </c:numRef>
+          </c:cat>
+          <c:val>
+            <c:numRef>
+              <c:f>Sheet1!$F$5:$F$12</c:f>
+              <c:numCache>
+                <c:formatCode>General</c:formatCode>
+                <c:ptCount val="8"/>
+                <c:pt idx="0">
+                  <c:v>2.1856270000000002</c:v>
+                </c:pt>
+                <c:pt idx="1">
+                  <c:v>1.3297140000000001</c:v>
+                </c:pt>
+                <c:pt idx="2">
+                  <c:v>1.0306420000000001</c:v>
+                </c:pt>
+                <c:pt idx="3">
+                  <c:v>1.133659</c:v>
+                </c:pt>
+                <c:pt idx="4">
+                  <c:v>1.7087159999999999</c:v>
+                </c:pt>
+                <c:pt idx="5">
+                  <c:v>2.0032179999999999</c:v>
+                </c:pt>
+                <c:pt idx="6">
+                  <c:v>2.081118</c:v>
+                </c:pt>
+                <c:pt idx="7">
+                  <c:v>1.975781</c:v>
+                </c:pt>
+              </c:numCache>
+            </c:numRef>
+          </c:val>
+          <c:smooth val="0"/>
+        </c:ser>
+        <c:ser>
+          <c:idx val="3"/>
+          <c:order val="3"/>
+          <c:tx>
+            <c:strRef>
+              <c:f>Sheet1!$G$4</c:f>
+              <c:strCache>
+                <c:ptCount val="1"/>
+                <c:pt idx="0">
+                  <c:v>Sequêncial</c:v>
+                </c:pt>
+              </c:strCache>
+            </c:strRef>
+          </c:tx>
+          <c:spPr>
+            <a:ln w="28575" cap="rnd">
+              <a:solidFill>
+                <a:schemeClr val="accent1">
+                  <a:lumMod val="60000"/>
+                </a:schemeClr>
+              </a:solidFill>
+              <a:round/>
+            </a:ln>
+            <a:effectLst/>
+          </c:spPr>
+          <c:marker>
+            <c:symbol val="none"/>
+          </c:marker>
+          <c:dPt>
+            <c:idx val="7"/>
+            <c:marker>
+              <c:symbol val="none"/>
+            </c:marker>
+            <c:bubble3D val="0"/>
+          </c:dPt>
+          <c:cat>
+            <c:numRef>
+              <c:f>Sheet1!$C$5:$C$12</c:f>
+              <c:numCache>
+                <c:formatCode>General</c:formatCode>
+                <c:ptCount val="8"/>
+                <c:pt idx="0">
+                  <c:v>1</c:v>
+                </c:pt>
+                <c:pt idx="1">
+                  <c:v>2</c:v>
+                </c:pt>
+                <c:pt idx="2">
+                  <c:v>4</c:v>
+                </c:pt>
+                <c:pt idx="3">
+                  <c:v>8</c:v>
+                </c:pt>
+                <c:pt idx="4">
+                  <c:v>16</c:v>
+                </c:pt>
+                <c:pt idx="5">
+                  <c:v>20</c:v>
+                </c:pt>
+                <c:pt idx="6">
+                  <c:v>28</c:v>
+                </c:pt>
+                <c:pt idx="7">
+                  <c:v>32</c:v>
+                </c:pt>
+              </c:numCache>
+            </c:numRef>
+          </c:cat>
+          <c:val>
+            <c:numRef>
+              <c:f>Sheet1!$G$5:$G$12</c:f>
+              <c:numCache>
+                <c:formatCode>General</c:formatCode>
+                <c:ptCount val="8"/>
+                <c:pt idx="0">
+                  <c:v>2.9894639999999999</c:v>
+                </c:pt>
+                <c:pt idx="1">
+                  <c:v>2.9894639999999999</c:v>
+                </c:pt>
+                <c:pt idx="2">
+                  <c:v>2.9894639999999999</c:v>
+                </c:pt>
+                <c:pt idx="3">
+                  <c:v>2.9894639999999999</c:v>
+                </c:pt>
+                <c:pt idx="4">
+                  <c:v>2.9894639999999999</c:v>
+                </c:pt>
+                <c:pt idx="5">
+                  <c:v>2.9894639999999999</c:v>
+                </c:pt>
+                <c:pt idx="6">
+                  <c:v>2.9894639999999999</c:v>
+                </c:pt>
+                <c:pt idx="7">
+                  <c:v>2.9894639999999999</c:v>
+                </c:pt>
+              </c:numCache>
+            </c:numRef>
+          </c:val>
+          <c:smooth val="0"/>
+        </c:ser>
+        <c:dLbls>
+          <c:showLegendKey val="0"/>
+          <c:showVal val="0"/>
+          <c:showCatName val="0"/>
+          <c:showSerName val="0"/>
+          <c:showPercent val="0"/>
+          <c:showBubbleSize val="0"/>
+        </c:dLbls>
+        <c:marker val="1"/>
+        <c:smooth val="0"/>
+        <c:axId val="1631422560"/>
+        <c:axId val="1631416032"/>
+      </c:lineChart>
+      <c:catAx>
+        <c:axId val="1631422560"/>
+        <c:scaling>
+          <c:orientation val="minMax"/>
+        </c:scaling>
+        <c:delete val="0"/>
+        <c:axPos val="b"/>
+        <c:title>
+          <c:tx>
+            <c:rich>
+              <a:bodyPr rot="0" spcFirstLastPara="1" vertOverflow="ellipsis" vert="horz" wrap="square" anchor="ctr" anchorCtr="1"/>
+              <a:lstStyle/>
+              <a:p>
+                <a:pPr>
+                  <a:defRPr sz="1200" b="0" i="0" u="none" strike="noStrike" kern="1200" baseline="0">
+                    <a:solidFill>
+                      <a:schemeClr val="tx1">
+                        <a:lumMod val="65000"/>
+                        <a:lumOff val="35000"/>
+                      </a:schemeClr>
+                    </a:solidFill>
+                    <a:latin typeface="+mn-lt"/>
+                    <a:ea typeface="+mn-ea"/>
+                    <a:cs typeface="+mn-cs"/>
+                  </a:defRPr>
+                </a:pPr>
+                <a:r>
+                  <a:rPr lang="en-US" sz="1200"/>
+                  <a:t>Threads</a:t>
+                </a:r>
+                <a:r>
+                  <a:rPr lang="en-US" sz="1200" baseline="0"/>
+                  <a:t> / Processos</a:t>
+                </a:r>
+              </a:p>
+            </c:rich>
+          </c:tx>
+          <c:layout/>
+          <c:overlay val="0"/>
+          <c:spPr>
+            <a:noFill/>
+            <a:ln>
+              <a:noFill/>
+            </a:ln>
+            <a:effectLst/>
+          </c:spPr>
+          <c:txPr>
+            <a:bodyPr rot="0" spcFirstLastPara="1" vertOverflow="ellipsis" vert="horz" wrap="square" anchor="ctr" anchorCtr="1"/>
+            <a:lstStyle/>
+            <a:p>
+              <a:pPr>
+                <a:defRPr sz="1200" b="0" i="0" u="none" strike="noStrike" kern="1200" baseline="0">
+                  <a:solidFill>
+                    <a:schemeClr val="tx1">
+                      <a:lumMod val="65000"/>
+                      <a:lumOff val="35000"/>
+                    </a:schemeClr>
+                  </a:solidFill>
+                  <a:latin typeface="+mn-lt"/>
+                  <a:ea typeface="+mn-ea"/>
+                  <a:cs typeface="+mn-cs"/>
+                </a:defRPr>
+              </a:pPr>
+              <a:endParaRPr lang="en-US"/>
+            </a:p>
+          </c:txPr>
+        </c:title>
+        <c:numFmt formatCode="General" sourceLinked="1"/>
+        <c:majorTickMark val="none"/>
+        <c:minorTickMark val="none"/>
+        <c:tickLblPos val="nextTo"/>
+        <c:spPr>
+          <a:noFill/>
+          <a:ln w="9525" cap="flat" cmpd="sng" algn="ctr">
+            <a:solidFill>
+              <a:schemeClr val="tx1">
+                <a:lumMod val="15000"/>
+                <a:lumOff val="85000"/>
+              </a:schemeClr>
+            </a:solidFill>
+            <a:round/>
+          </a:ln>
+          <a:effectLst/>
+        </c:spPr>
+        <c:txPr>
+          <a:bodyPr rot="-60000000" spcFirstLastPara="1" vertOverflow="ellipsis" vert="horz" wrap="square" anchor="ctr" anchorCtr="1"/>
+          <a:lstStyle/>
+          <a:p>
+            <a:pPr>
+              <a:defRPr sz="900" b="0" i="0" u="none" strike="noStrike" kern="1200" baseline="0">
+                <a:solidFill>
+                  <a:schemeClr val="tx1">
+                    <a:lumMod val="65000"/>
+                    <a:lumOff val="35000"/>
+                  </a:schemeClr>
+                </a:solidFill>
+                <a:latin typeface="+mn-lt"/>
+                <a:ea typeface="+mn-ea"/>
+                <a:cs typeface="+mn-cs"/>
+              </a:defRPr>
+            </a:pPr>
+            <a:endParaRPr lang="en-US"/>
+          </a:p>
+        </c:txPr>
+        <c:crossAx val="1631416032"/>
+        <c:crosses val="autoZero"/>
+        <c:auto val="1"/>
+        <c:lblAlgn val="ctr"/>
+        <c:lblOffset val="100"/>
+        <c:noMultiLvlLbl val="0"/>
+      </c:catAx>
+      <c:valAx>
+        <c:axId val="1631416032"/>
+        <c:scaling>
+          <c:orientation val="minMax"/>
+        </c:scaling>
+        <c:delete val="0"/>
+        <c:axPos val="l"/>
+        <c:majorGridlines>
+          <c:spPr>
+            <a:ln w="9525" cap="flat" cmpd="sng" algn="ctr">
+              <a:solidFill>
+                <a:schemeClr val="tx1">
+                  <a:lumMod val="15000"/>
+                  <a:lumOff val="85000"/>
+                </a:schemeClr>
+              </a:solidFill>
+              <a:round/>
+            </a:ln>
+            <a:effectLst/>
+          </c:spPr>
+        </c:majorGridlines>
+        <c:title>
+          <c:tx>
+            <c:rich>
+              <a:bodyPr rot="-5400000" spcFirstLastPara="1" vertOverflow="ellipsis" vert="horz" wrap="square" anchor="ctr" anchorCtr="1"/>
+              <a:lstStyle/>
+              <a:p>
+                <a:pPr>
+                  <a:defRPr sz="1200" b="0" i="0" u="none" strike="noStrike" kern="1200" baseline="0">
+                    <a:solidFill>
+                      <a:schemeClr val="tx1">
+                        <a:lumMod val="65000"/>
+                        <a:lumOff val="35000"/>
+                      </a:schemeClr>
+                    </a:solidFill>
+                    <a:latin typeface="+mn-lt"/>
+                    <a:ea typeface="+mn-ea"/>
+                    <a:cs typeface="+mn-cs"/>
+                  </a:defRPr>
+                </a:pPr>
+                <a:r>
+                  <a:rPr lang="en-US" sz="1200"/>
+                  <a:t>Tempo</a:t>
+                </a:r>
+                <a:r>
+                  <a:rPr lang="en-US" sz="1200" baseline="0"/>
+                  <a:t> (s)</a:t>
+                </a:r>
+                <a:endParaRPr lang="en-US" sz="1200"/>
+              </a:p>
+            </c:rich>
+          </c:tx>
+          <c:layout/>
+          <c:overlay val="0"/>
+          <c:spPr>
+            <a:noFill/>
+            <a:ln>
+              <a:noFill/>
+            </a:ln>
+            <a:effectLst/>
+          </c:spPr>
+          <c:txPr>
+            <a:bodyPr rot="-5400000" spcFirstLastPara="1" vertOverflow="ellipsis" vert="horz" wrap="square" anchor="ctr" anchorCtr="1"/>
+            <a:lstStyle/>
+            <a:p>
+              <a:pPr>
+                <a:defRPr sz="1200" b="0" i="0" u="none" strike="noStrike" kern="1200" baseline="0">
+                  <a:solidFill>
+                    <a:schemeClr val="tx1">
+                      <a:lumMod val="65000"/>
+                      <a:lumOff val="35000"/>
+                    </a:schemeClr>
+                  </a:solidFill>
+                  <a:latin typeface="+mn-lt"/>
+                  <a:ea typeface="+mn-ea"/>
+                  <a:cs typeface="+mn-cs"/>
+                </a:defRPr>
+              </a:pPr>
+              <a:endParaRPr lang="en-US"/>
+            </a:p>
+          </c:txPr>
+        </c:title>
+        <c:numFmt formatCode="General" sourceLinked="1"/>
+        <c:majorTickMark val="none"/>
+        <c:minorTickMark val="none"/>
+        <c:tickLblPos val="nextTo"/>
+        <c:spPr>
+          <a:noFill/>
+          <a:ln>
+            <a:noFill/>
+          </a:ln>
+          <a:effectLst/>
+        </c:spPr>
+        <c:txPr>
+          <a:bodyPr rot="-60000000" spcFirstLastPara="1" vertOverflow="ellipsis" vert="horz" wrap="square" anchor="ctr" anchorCtr="1"/>
+          <a:lstStyle/>
+          <a:p>
+            <a:pPr>
+              <a:defRPr sz="900" b="0" i="0" u="none" strike="noStrike" kern="1200" baseline="0">
+                <a:solidFill>
+                  <a:schemeClr val="tx1">
+                    <a:lumMod val="65000"/>
+                    <a:lumOff val="35000"/>
+                  </a:schemeClr>
+                </a:solidFill>
+                <a:latin typeface="+mn-lt"/>
+                <a:ea typeface="+mn-ea"/>
+                <a:cs typeface="+mn-cs"/>
+              </a:defRPr>
+            </a:pPr>
+            <a:endParaRPr lang="en-US"/>
+          </a:p>
+        </c:txPr>
+        <c:crossAx val="1631422560"/>
+        <c:crosses val="autoZero"/>
+        <c:crossBetween val="between"/>
+      </c:valAx>
+      <c:spPr>
+        <a:noFill/>
+        <a:ln>
+          <a:noFill/>
+        </a:ln>
+        <a:effectLst/>
+      </c:spPr>
+    </c:plotArea>
+    <c:legend>
+      <c:legendPos val="b"/>
+      <c:layout>
+        <c:manualLayout>
+          <c:xMode val="edge"/>
+          <c:yMode val="edge"/>
+          <c:x val="5.9651691859302927E-2"/>
+          <c:y val="0.90125879812099585"/>
+          <c:w val="0.86744664309390973"/>
+          <c:h val="6.585345010643201E-2"/>
+        </c:manualLayout>
+      </c:layout>
+      <c:overlay val="0"/>
+      <c:spPr>
+        <a:noFill/>
+        <a:ln>
+          <a:noFill/>
+        </a:ln>
+        <a:effectLst/>
+      </c:spPr>
+      <c:txPr>
+        <a:bodyPr rot="0" spcFirstLastPara="1" vertOverflow="ellipsis" vert="horz" wrap="square" anchor="ctr" anchorCtr="1"/>
+        <a:lstStyle/>
+        <a:p>
+          <a:pPr>
+            <a:defRPr sz="1200" b="0" i="0" u="none" strike="noStrike" kern="1200" baseline="0">
+              <a:solidFill>
+                <a:schemeClr val="tx1">
+                  <a:lumMod val="65000"/>
+                  <a:lumOff val="35000"/>
+                </a:schemeClr>
+              </a:solidFill>
+              <a:latin typeface="+mn-lt"/>
+              <a:ea typeface="+mn-ea"/>
+              <a:cs typeface="+mn-cs"/>
+            </a:defRPr>
+          </a:pPr>
+          <a:endParaRPr lang="en-US"/>
+        </a:p>
+      </c:txPr>
+    </c:legend>
+    <c:plotVisOnly val="1"/>
+    <c:dispBlanksAs val="gap"/>
+    <c:showDLblsOverMax val="0"/>
+  </c:chart>
+  <c:spPr>
+    <a:noFill/>
+    <a:ln>
+      <a:noFill/>
+    </a:ln>
+    <a:effectLst/>
+  </c:spPr>
+  <c:txPr>
+    <a:bodyPr/>
+    <a:lstStyle/>
+    <a:p>
+      <a:pPr>
+        <a:defRPr/>
+      </a:pPr>
+      <a:endParaRPr lang="en-US"/>
+    </a:p>
+  </c:txPr>
+  <c:externalData r:id="rId3">
+    <c:autoUpdate val="0"/>
+  </c:externalData>
+</c:chartSpace>
+</file>
+
+<file path=ppt/charts/chart4.xml><?xml version="1.0" encoding="utf-8"?>
+<c:chartSpace xmlns:c="http://schemas.openxmlformats.org/drawingml/2006/chart" xmlns:a="http://schemas.openxmlformats.org/drawingml/2006/main" xmlns:r="http://schemas.openxmlformats.org/officeDocument/2006/relationships">
+  <c:date1904 val="0"/>
+  <c:lang val="en-US"/>
+  <c:roundedCorners val="0"/>
+  <mc:AlternateContent xmlns:mc="http://schemas.openxmlformats.org/markup-compatibility/2006">
+    <mc:Choice xmlns:c14="http://schemas.microsoft.com/office/drawing/2007/8/2/chart" Requires="c14">
+      <c14:style val="102"/>
+    </mc:Choice>
+    <mc:Fallback>
+      <c:style val="2"/>
+    </mc:Fallback>
+  </mc:AlternateContent>
+  <c:chart>
+    <c:autoTitleDeleted val="1"/>
+    <c:plotArea>
+      <c:layout/>
+      <c:lineChart>
+        <c:grouping val="standard"/>
+        <c:varyColors val="0"/>
+        <c:ser>
+          <c:idx val="0"/>
+          <c:order val="0"/>
+          <c:tx>
+            <c:strRef>
+              <c:f>Sheet1!$D$16</c:f>
+              <c:strCache>
+                <c:ptCount val="1"/>
+                <c:pt idx="0">
+                  <c:v>OpenMP</c:v>
+                </c:pt>
+              </c:strCache>
+            </c:strRef>
+          </c:tx>
+          <c:spPr>
+            <a:ln w="28575" cap="rnd">
+              <a:solidFill>
+                <a:schemeClr val="accent1"/>
+              </a:solidFill>
+              <a:round/>
+            </a:ln>
+            <a:effectLst/>
+          </c:spPr>
+          <c:marker>
+            <c:symbol val="circle"/>
+            <c:size val="5"/>
+            <c:spPr>
+              <a:solidFill>
+                <a:schemeClr val="accent1"/>
+              </a:solidFill>
+              <a:ln w="9525">
+                <a:solidFill>
+                  <a:schemeClr val="accent1"/>
+                </a:solidFill>
+              </a:ln>
+              <a:effectLst/>
+            </c:spPr>
+          </c:marker>
+          <c:cat>
+            <c:numRef>
+              <c:f>Sheet1!$C$17:$C$24</c:f>
+              <c:numCache>
+                <c:formatCode>General</c:formatCode>
+                <c:ptCount val="8"/>
+                <c:pt idx="0">
+                  <c:v>1</c:v>
+                </c:pt>
+                <c:pt idx="1">
+                  <c:v>2</c:v>
+                </c:pt>
+                <c:pt idx="2">
+                  <c:v>4</c:v>
+                </c:pt>
+                <c:pt idx="3">
+                  <c:v>8</c:v>
+                </c:pt>
+                <c:pt idx="4">
+                  <c:v>16</c:v>
+                </c:pt>
+                <c:pt idx="5">
+                  <c:v>20</c:v>
+                </c:pt>
+                <c:pt idx="6">
+                  <c:v>28</c:v>
+                </c:pt>
+                <c:pt idx="7">
+                  <c:v>32</c:v>
+                </c:pt>
+              </c:numCache>
+            </c:numRef>
+          </c:cat>
+          <c:val>
+            <c:numRef>
+              <c:f>Sheet1!$D$17:$D$24</c:f>
+              <c:numCache>
+                <c:formatCode>General</c:formatCode>
+                <c:ptCount val="8"/>
+                <c:pt idx="0">
+                  <c:v>0.77842840715928407</c:v>
+                </c:pt>
+                <c:pt idx="1">
+                  <c:v>1.4802660995422237</c:v>
+                </c:pt>
+                <c:pt idx="2">
+                  <c:v>2.5493037617926442</c:v>
+                </c:pt>
+                <c:pt idx="3">
+                  <c:v>3.0498479393512148</c:v>
+                </c:pt>
+                <c:pt idx="4">
+                  <c:v>3.0929318491496014</c:v>
+                </c:pt>
+                <c:pt idx="5">
+                  <c:v>3.2226692366402339</c:v>
+                </c:pt>
+                <c:pt idx="6">
+                  <c:v>2.8189246938702386</c:v>
+                </c:pt>
+                <c:pt idx="7">
+                  <c:v>2.6011986801988054</c:v>
+                </c:pt>
+              </c:numCache>
+            </c:numRef>
+          </c:val>
+          <c:smooth val="0"/>
+        </c:ser>
+        <c:ser>
+          <c:idx val="1"/>
+          <c:order val="1"/>
+          <c:tx>
+            <c:strRef>
+              <c:f>Sheet1!$E$16</c:f>
+              <c:strCache>
+                <c:ptCount val="1"/>
+                <c:pt idx="0">
+                  <c:v>OpenMPI</c:v>
+                </c:pt>
+              </c:strCache>
+            </c:strRef>
+          </c:tx>
+          <c:spPr>
+            <a:ln w="28575" cap="rnd">
+              <a:solidFill>
+                <a:schemeClr val="accent3"/>
+              </a:solidFill>
+              <a:round/>
+            </a:ln>
+            <a:effectLst/>
+          </c:spPr>
+          <c:marker>
+            <c:symbol val="circle"/>
+            <c:size val="5"/>
+            <c:spPr>
+              <a:solidFill>
+                <a:schemeClr val="accent3"/>
+              </a:solidFill>
+              <a:ln w="9525">
+                <a:solidFill>
+                  <a:schemeClr val="accent3"/>
+                </a:solidFill>
+              </a:ln>
+              <a:effectLst/>
+            </c:spPr>
+          </c:marker>
+          <c:cat>
+            <c:numRef>
+              <c:f>Sheet1!$C$17:$C$24</c:f>
+              <c:numCache>
+                <c:formatCode>General</c:formatCode>
+                <c:ptCount val="8"/>
+                <c:pt idx="0">
+                  <c:v>1</c:v>
+                </c:pt>
+                <c:pt idx="1">
+                  <c:v>2</c:v>
+                </c:pt>
+                <c:pt idx="2">
+                  <c:v>4</c:v>
+                </c:pt>
+                <c:pt idx="3">
+                  <c:v>8</c:v>
+                </c:pt>
+                <c:pt idx="4">
+                  <c:v>16</c:v>
+                </c:pt>
+                <c:pt idx="5">
+                  <c:v>20</c:v>
+                </c:pt>
+                <c:pt idx="6">
+                  <c:v>28</c:v>
+                </c:pt>
+                <c:pt idx="7">
+                  <c:v>32</c:v>
+                </c:pt>
+              </c:numCache>
+            </c:numRef>
+          </c:cat>
+          <c:val>
+            <c:numRef>
+              <c:f>Sheet1!$E$17:$E$24</c:f>
+              <c:numCache>
+                <c:formatCode>General</c:formatCode>
+                <c:ptCount val="8"/>
+                <c:pt idx="0">
+                  <c:v>0.99552963680297102</c:v>
+                </c:pt>
+                <c:pt idx="1">
+                  <c:v>2.0382218064746622</c:v>
+                </c:pt>
+                <c:pt idx="2">
+                  <c:v>4.1751357511563985</c:v>
+                </c:pt>
+                <c:pt idx="3">
+                  <c:v>7.6206625811911772</c:v>
+                </c:pt>
+                <c:pt idx="4">
+                  <c:v>12.374019007251896</c:v>
+                </c:pt>
+                <c:pt idx="5">
+                  <c:v>14.952104673495517</c:v>
+                </c:pt>
+                <c:pt idx="6">
+                  <c:v>11.369982428516009</c:v>
+                </c:pt>
+                <c:pt idx="7">
+                  <c:v>11.230100563108326</c:v>
+                </c:pt>
+              </c:numCache>
+            </c:numRef>
+          </c:val>
+          <c:smooth val="0"/>
+        </c:ser>
+        <c:ser>
+          <c:idx val="2"/>
+          <c:order val="2"/>
+          <c:tx>
+            <c:strRef>
+              <c:f>Sheet1!$F$16</c:f>
+              <c:strCache>
+                <c:ptCount val="1"/>
+                <c:pt idx="0">
+                  <c:v>Híbrido</c:v>
+                </c:pt>
+              </c:strCache>
+            </c:strRef>
+          </c:tx>
+          <c:spPr>
+            <a:ln w="28575" cap="rnd">
+              <a:solidFill>
+                <a:schemeClr val="accent5"/>
+              </a:solidFill>
+              <a:round/>
+            </a:ln>
+            <a:effectLst/>
+          </c:spPr>
+          <c:marker>
+            <c:symbol val="circle"/>
+            <c:size val="5"/>
+            <c:spPr>
+              <a:solidFill>
+                <a:schemeClr val="accent5"/>
+              </a:solidFill>
+              <a:ln w="9525">
+                <a:solidFill>
+                  <a:schemeClr val="accent5"/>
+                </a:solidFill>
+              </a:ln>
+              <a:effectLst/>
+            </c:spPr>
+          </c:marker>
+          <c:cat>
+            <c:numRef>
+              <c:f>Sheet1!$C$17:$C$24</c:f>
+              <c:numCache>
+                <c:formatCode>General</c:formatCode>
+                <c:ptCount val="8"/>
+                <c:pt idx="0">
+                  <c:v>1</c:v>
+                </c:pt>
+                <c:pt idx="1">
+                  <c:v>2</c:v>
+                </c:pt>
+                <c:pt idx="2">
+                  <c:v>4</c:v>
+                </c:pt>
+                <c:pt idx="3">
+                  <c:v>8</c:v>
+                </c:pt>
+                <c:pt idx="4">
+                  <c:v>16</c:v>
+                </c:pt>
+                <c:pt idx="5">
+                  <c:v>20</c:v>
+                </c:pt>
+                <c:pt idx="6">
+                  <c:v>28</c:v>
+                </c:pt>
+                <c:pt idx="7">
+                  <c:v>32</c:v>
+                </c:pt>
+              </c:numCache>
+            </c:numRef>
+          </c:cat>
+          <c:val>
+            <c:numRef>
+              <c:f>Sheet1!$F$17:$F$24</c:f>
+              <c:numCache>
+                <c:formatCode>General</c:formatCode>
+                <c:ptCount val="8"/>
+                <c:pt idx="0">
+                  <c:v>1.3677832493833575</c:v>
+                </c:pt>
+                <c:pt idx="1">
+                  <c:v>2.2482007409112033</c:v>
+                </c:pt>
+                <c:pt idx="2">
+                  <c:v>2.900584296001909</c:v>
+                </c:pt>
+                <c:pt idx="3">
+                  <c:v>2.637004601912921</c:v>
+                </c:pt>
+                <c:pt idx="4">
+                  <c:v>1.7495382497735141</c:v>
+                </c:pt>
+                <c:pt idx="5">
+                  <c:v>1.4923308396789565</c:v>
+                </c:pt>
+                <c:pt idx="6">
+                  <c:v>1.4364702049571432</c:v>
+                </c:pt>
+                <c:pt idx="7">
+                  <c:v>1.513054331426408</c:v>
+                </c:pt>
+              </c:numCache>
+            </c:numRef>
+          </c:val>
+          <c:smooth val="0"/>
+        </c:ser>
+        <c:dLbls>
+          <c:showLegendKey val="0"/>
+          <c:showVal val="0"/>
+          <c:showCatName val="0"/>
+          <c:showSerName val="0"/>
+          <c:showPercent val="0"/>
+          <c:showBubbleSize val="0"/>
+        </c:dLbls>
+        <c:marker val="1"/>
+        <c:smooth val="0"/>
+        <c:axId val="1631411680"/>
+        <c:axId val="1631420928"/>
+      </c:lineChart>
+      <c:catAx>
+        <c:axId val="1631411680"/>
+        <c:scaling>
+          <c:orientation val="minMax"/>
+        </c:scaling>
+        <c:delete val="0"/>
+        <c:axPos val="b"/>
+        <c:title>
+          <c:tx>
+            <c:rich>
+              <a:bodyPr rot="0" spcFirstLastPara="1" vertOverflow="ellipsis" vert="horz" wrap="square" anchor="ctr" anchorCtr="1"/>
+              <a:lstStyle/>
+              <a:p>
+                <a:pPr>
+                  <a:defRPr sz="1200" b="0" i="0" u="none" strike="noStrike" kern="1200" baseline="0">
+                    <a:solidFill>
+                      <a:schemeClr val="tx1">
+                        <a:lumMod val="65000"/>
+                        <a:lumOff val="35000"/>
+                      </a:schemeClr>
+                    </a:solidFill>
+                    <a:latin typeface="+mn-lt"/>
+                    <a:ea typeface="+mn-ea"/>
+                    <a:cs typeface="+mn-cs"/>
+                  </a:defRPr>
+                </a:pPr>
+                <a:r>
+                  <a:rPr lang="en-US" sz="1200"/>
+                  <a:t>Processos</a:t>
+                </a:r>
+              </a:p>
+            </c:rich>
+          </c:tx>
+          <c:layout/>
+          <c:overlay val="0"/>
+          <c:spPr>
+            <a:noFill/>
+            <a:ln>
+              <a:noFill/>
+            </a:ln>
+            <a:effectLst/>
+          </c:spPr>
+          <c:txPr>
+            <a:bodyPr rot="0" spcFirstLastPara="1" vertOverflow="ellipsis" vert="horz" wrap="square" anchor="ctr" anchorCtr="1"/>
+            <a:lstStyle/>
+            <a:p>
+              <a:pPr>
+                <a:defRPr sz="1200" b="0" i="0" u="none" strike="noStrike" kern="1200" baseline="0">
+                  <a:solidFill>
+                    <a:schemeClr val="tx1">
+                      <a:lumMod val="65000"/>
+                      <a:lumOff val="35000"/>
+                    </a:schemeClr>
+                  </a:solidFill>
+                  <a:latin typeface="+mn-lt"/>
+                  <a:ea typeface="+mn-ea"/>
+                  <a:cs typeface="+mn-cs"/>
+                </a:defRPr>
+              </a:pPr>
+              <a:endParaRPr lang="en-US"/>
+            </a:p>
+          </c:txPr>
+        </c:title>
+        <c:numFmt formatCode="General" sourceLinked="1"/>
+        <c:majorTickMark val="none"/>
+        <c:minorTickMark val="none"/>
+        <c:tickLblPos val="nextTo"/>
+        <c:spPr>
+          <a:noFill/>
+          <a:ln w="9525" cap="flat" cmpd="sng" algn="ctr">
+            <a:solidFill>
+              <a:schemeClr val="tx1">
+                <a:lumMod val="15000"/>
+                <a:lumOff val="85000"/>
+              </a:schemeClr>
+            </a:solidFill>
+            <a:round/>
+          </a:ln>
+          <a:effectLst/>
+        </c:spPr>
+        <c:txPr>
+          <a:bodyPr rot="-60000000" spcFirstLastPara="1" vertOverflow="ellipsis" vert="horz" wrap="square" anchor="ctr" anchorCtr="1"/>
+          <a:lstStyle/>
+          <a:p>
+            <a:pPr>
+              <a:defRPr sz="900" b="0" i="0" u="none" strike="noStrike" kern="1200" baseline="0">
+                <a:solidFill>
+                  <a:schemeClr val="tx1">
+                    <a:lumMod val="65000"/>
+                    <a:lumOff val="35000"/>
+                  </a:schemeClr>
+                </a:solidFill>
+                <a:latin typeface="+mn-lt"/>
+                <a:ea typeface="+mn-ea"/>
+                <a:cs typeface="+mn-cs"/>
+              </a:defRPr>
+            </a:pPr>
+            <a:endParaRPr lang="en-US"/>
+          </a:p>
+        </c:txPr>
+        <c:crossAx val="1631420928"/>
+        <c:crosses val="autoZero"/>
+        <c:auto val="1"/>
+        <c:lblAlgn val="ctr"/>
+        <c:lblOffset val="100"/>
+        <c:noMultiLvlLbl val="0"/>
+      </c:catAx>
+      <c:valAx>
+        <c:axId val="1631420928"/>
+        <c:scaling>
+          <c:orientation val="minMax"/>
+        </c:scaling>
+        <c:delete val="0"/>
+        <c:axPos val="l"/>
+        <c:majorGridlines>
+          <c:spPr>
+            <a:ln w="9525" cap="flat" cmpd="sng" algn="ctr">
+              <a:solidFill>
+                <a:schemeClr val="tx1">
+                  <a:lumMod val="15000"/>
+                  <a:lumOff val="85000"/>
+                </a:schemeClr>
+              </a:solidFill>
+              <a:round/>
+            </a:ln>
+            <a:effectLst/>
+          </c:spPr>
+        </c:majorGridlines>
+        <c:title>
+          <c:tx>
+            <c:rich>
+              <a:bodyPr rot="-5400000" spcFirstLastPara="1" vertOverflow="ellipsis" vert="horz" wrap="square" anchor="ctr" anchorCtr="1"/>
+              <a:lstStyle/>
+              <a:p>
+                <a:pPr>
+                  <a:defRPr sz="1200" b="0" i="0" u="none" strike="noStrike" kern="1200" baseline="0">
+                    <a:solidFill>
+                      <a:schemeClr val="tx1">
+                        <a:lumMod val="65000"/>
+                        <a:lumOff val="35000"/>
+                      </a:schemeClr>
+                    </a:solidFill>
+                    <a:latin typeface="+mn-lt"/>
+                    <a:ea typeface="+mn-ea"/>
+                    <a:cs typeface="+mn-cs"/>
+                  </a:defRPr>
+                </a:pPr>
+                <a:r>
+                  <a:rPr lang="en-US" sz="1200"/>
+                  <a:t>Speed</a:t>
+                </a:r>
+                <a:r>
+                  <a:rPr lang="en-US" sz="1200" baseline="0"/>
+                  <a:t> Up</a:t>
+                </a:r>
+                <a:endParaRPr lang="en-US" sz="1200"/>
+              </a:p>
+            </c:rich>
+          </c:tx>
+          <c:layout/>
+          <c:overlay val="0"/>
+          <c:spPr>
+            <a:noFill/>
+            <a:ln>
+              <a:noFill/>
+            </a:ln>
+            <a:effectLst/>
+          </c:spPr>
+          <c:txPr>
+            <a:bodyPr rot="-5400000" spcFirstLastPara="1" vertOverflow="ellipsis" vert="horz" wrap="square" anchor="ctr" anchorCtr="1"/>
+            <a:lstStyle/>
+            <a:p>
+              <a:pPr>
+                <a:defRPr sz="1200" b="0" i="0" u="none" strike="noStrike" kern="1200" baseline="0">
+                  <a:solidFill>
+                    <a:schemeClr val="tx1">
+                      <a:lumMod val="65000"/>
+                      <a:lumOff val="35000"/>
+                    </a:schemeClr>
+                  </a:solidFill>
+                  <a:latin typeface="+mn-lt"/>
+                  <a:ea typeface="+mn-ea"/>
+                  <a:cs typeface="+mn-cs"/>
+                </a:defRPr>
+              </a:pPr>
+              <a:endParaRPr lang="en-US"/>
+            </a:p>
+          </c:txPr>
+        </c:title>
+        <c:numFmt formatCode="General" sourceLinked="1"/>
+        <c:majorTickMark val="none"/>
+        <c:minorTickMark val="none"/>
+        <c:tickLblPos val="nextTo"/>
+        <c:spPr>
+          <a:noFill/>
+          <a:ln>
+            <a:noFill/>
+          </a:ln>
+          <a:effectLst/>
+        </c:spPr>
+        <c:txPr>
+          <a:bodyPr rot="-60000000" spcFirstLastPara="1" vertOverflow="ellipsis" vert="horz" wrap="square" anchor="ctr" anchorCtr="1"/>
+          <a:lstStyle/>
+          <a:p>
+            <a:pPr>
+              <a:defRPr sz="900" b="0" i="0" u="none" strike="noStrike" kern="1200" baseline="0">
+                <a:solidFill>
+                  <a:schemeClr val="tx1">
+                    <a:lumMod val="65000"/>
+                    <a:lumOff val="35000"/>
+                  </a:schemeClr>
+                </a:solidFill>
+                <a:latin typeface="+mn-lt"/>
+                <a:ea typeface="+mn-ea"/>
+                <a:cs typeface="+mn-cs"/>
+              </a:defRPr>
+            </a:pPr>
+            <a:endParaRPr lang="en-US"/>
+          </a:p>
+        </c:txPr>
+        <c:crossAx val="1631411680"/>
+        <c:crosses val="autoZero"/>
+        <c:crossBetween val="between"/>
+      </c:valAx>
+      <c:spPr>
+        <a:noFill/>
+        <a:ln>
+          <a:noFill/>
+        </a:ln>
+        <a:effectLst/>
+      </c:spPr>
+    </c:plotArea>
+    <c:legend>
+      <c:legendPos val="b"/>
+      <c:layout>
+        <c:manualLayout>
+          <c:xMode val="edge"/>
+          <c:yMode val="edge"/>
+          <c:x val="9.8290815868445347E-2"/>
+          <c:y val="0.88533905386767586"/>
+          <c:w val="0.8704926223369589"/>
+          <c:h val="9.3177930119865082E-2"/>
+        </c:manualLayout>
+      </c:layout>
+      <c:overlay val="0"/>
+      <c:spPr>
+        <a:noFill/>
+        <a:ln>
+          <a:noFill/>
+        </a:ln>
+        <a:effectLst/>
+      </c:spPr>
+      <c:txPr>
+        <a:bodyPr rot="0" spcFirstLastPara="1" vertOverflow="ellipsis" vert="horz" wrap="square" anchor="ctr" anchorCtr="1"/>
+        <a:lstStyle/>
+        <a:p>
+          <a:pPr>
+            <a:defRPr sz="1200" b="0" i="0" u="none" strike="noStrike" kern="1200" baseline="0">
+              <a:solidFill>
+                <a:schemeClr val="tx1">
+                  <a:lumMod val="65000"/>
+                  <a:lumOff val="35000"/>
+                </a:schemeClr>
+              </a:solidFill>
+              <a:latin typeface="+mn-lt"/>
+              <a:ea typeface="+mn-ea"/>
+              <a:cs typeface="+mn-cs"/>
+            </a:defRPr>
+          </a:pPr>
+          <a:endParaRPr lang="en-US"/>
+        </a:p>
+      </c:txPr>
+    </c:legend>
+    <c:plotVisOnly val="1"/>
+    <c:dispBlanksAs val="gap"/>
+    <c:showDLblsOverMax val="0"/>
+  </c:chart>
+  <c:spPr>
+    <a:noFill/>
+    <a:ln>
+      <a:noFill/>
+    </a:ln>
+    <a:effectLst/>
+  </c:spPr>
+  <c:txPr>
+    <a:bodyPr/>
+    <a:lstStyle/>
+    <a:p>
+      <a:pPr>
+        <a:defRPr/>
+      </a:pPr>
+      <a:endParaRPr lang="en-US"/>
     </a:p>
   </c:txPr>
   <c:externalData r:id="rId3">
@@ -2875,10 +2875,10 @@
 </file>
 
 <file path=ppt/charts/colors2.xml><?xml version="1.0" encoding="utf-8"?>
-<cs:colorStyle xmlns:cs="http://schemas.microsoft.com/office/drawing/2012/chartStyle" xmlns:a="http://schemas.openxmlformats.org/drawingml/2006/main" meth="cycle" id="11">
-  <a:schemeClr val="accent1"/>
-  <a:schemeClr val="accent3"/>
+<cs:colorStyle xmlns:cs="http://schemas.microsoft.com/office/drawing/2012/chartStyle" xmlns:a="http://schemas.openxmlformats.org/drawingml/2006/main" meth="cycle" id="13">
+  <a:schemeClr val="accent6"/>
   <a:schemeClr val="accent5"/>
+  <a:schemeClr val="accent4"/>
   <cs:variation/>
   <cs:variation>
     <a:lumMod val="60000"/>
@@ -2949,10 +2949,10 @@
 </file>
 
 <file path=ppt/charts/colors4.xml><?xml version="1.0" encoding="utf-8"?>
-<cs:colorStyle xmlns:cs="http://schemas.microsoft.com/office/drawing/2012/chartStyle" xmlns:a="http://schemas.openxmlformats.org/drawingml/2006/main" meth="cycle" id="13">
-  <a:schemeClr val="accent6"/>
+<cs:colorStyle xmlns:cs="http://schemas.microsoft.com/office/drawing/2012/chartStyle" xmlns:a="http://schemas.openxmlformats.org/drawingml/2006/main" meth="cycle" id="11">
+  <a:schemeClr val="accent1"/>
+  <a:schemeClr val="accent3"/>
   <a:schemeClr val="accent5"/>
-  <a:schemeClr val="accent4"/>
   <cs:variation/>
   <cs:variation>
     <a:lumMod val="60000"/>
@@ -3489,7 +3489,7 @@
 </file>
 
 <file path=ppt/charts/style2.xml><?xml version="1.0" encoding="utf-8"?>
-<cs:chartStyle xmlns:cs="http://schemas.microsoft.com/office/drawing/2012/chartStyle" xmlns:a="http://schemas.openxmlformats.org/drawingml/2006/main" id="227">
+<cs:chartStyle xmlns:cs="http://schemas.microsoft.com/office/drawing/2012/chartStyle" xmlns:a="http://schemas.openxmlformats.org/drawingml/2006/main" id="286">
   <cs:axisTitle>
     <cs:lnRef idx="0"/>
     <cs:fillRef idx="0"/>
@@ -3512,17 +3512,6 @@
         <a:lumOff val="35000"/>
       </a:schemeClr>
     </cs:fontRef>
-    <cs:spPr>
-      <a:ln w="9525" cap="flat" cmpd="sng" algn="ctr">
-        <a:solidFill>
-          <a:schemeClr val="tx1">
-            <a:lumMod val="15000"/>
-            <a:lumOff val="85000"/>
-          </a:schemeClr>
-        </a:solidFill>
-        <a:round/>
-      </a:ln>
-    </cs:spPr>
     <cs:defRPr sz="900" kern="1200"/>
   </cs:categoryAxis>
   <cs:chartArea mods="allowNoFillOverride allowNoLineOverride">
@@ -3597,11 +3586,6 @@
     <cs:fontRef idx="minor">
       <a:schemeClr val="tx1"/>
     </cs:fontRef>
-    <cs:spPr>
-      <a:solidFill>
-        <a:schemeClr val="phClr"/>
-      </a:solidFill>
-    </cs:spPr>
   </cs:dataPoint>
   <cs:dataPoint3D>
     <cs:lnRef idx="0"/>
@@ -3612,11 +3596,6 @@
     <cs:fontRef idx="minor">
       <a:schemeClr val="tx1"/>
     </cs:fontRef>
-    <cs:spPr>
-      <a:solidFill>
-        <a:schemeClr val="phClr"/>
-      </a:solidFill>
-    </cs:spPr>
   </cs:dataPoint3D>
   <cs:dataPointLine>
     <cs:lnRef idx="0">
@@ -3648,9 +3627,6 @@
       <a:schemeClr val="tx1"/>
     </cs:fontRef>
     <cs:spPr>
-      <a:solidFill>
-        <a:schemeClr val="phClr"/>
-      </a:solidFill>
       <a:ln w="9525">
         <a:solidFill>
           <a:schemeClr val="phClr"/>
@@ -3706,22 +3682,23 @@
     <cs:fillRef idx="0"/>
     <cs:effectRef idx="0"/>
     <cs:fontRef idx="minor">
-      <a:schemeClr val="dk1"/>
+      <a:schemeClr val="tx1"/>
     </cs:fontRef>
     <cs:spPr>
       <a:solidFill>
         <a:schemeClr val="dk1">
-          <a:lumMod val="65000"/>
-          <a:lumOff val="35000"/>
+          <a:lumMod val="75000"/>
+          <a:lumOff val="25000"/>
         </a:schemeClr>
       </a:solidFill>
-      <a:ln w="9525">
+      <a:ln w="9525" cap="flat" cmpd="sng" algn="ctr">
         <a:solidFill>
           <a:schemeClr val="tx1">
             <a:lumMod val="65000"/>
             <a:lumOff val="35000"/>
           </a:schemeClr>
         </a:solidFill>
+        <a:round/>
       </a:ln>
     </cs:spPr>
   </cs:downBar>
@@ -3826,8 +3803,8 @@
       <a:ln w="9525" cap="flat" cmpd="sng" algn="ctr">
         <a:solidFill>
           <a:schemeClr val="tx1">
-            <a:lumMod val="75000"/>
-            <a:lumOff val="25000"/>
+            <a:lumMod val="50000"/>
+            <a:lumOff val="50000"/>
           </a:schemeClr>
         </a:solidFill>
         <a:round/>
@@ -3959,19 +3936,20 @@
     <cs:fillRef idx="0"/>
     <cs:effectRef idx="0"/>
     <cs:fontRef idx="minor">
-      <a:schemeClr val="dk1"/>
+      <a:schemeClr val="tx1"/>
     </cs:fontRef>
     <cs:spPr>
       <a:solidFill>
         <a:schemeClr val="lt1"/>
       </a:solidFill>
-      <a:ln w="9525">
+      <a:ln w="9525" cap="flat" cmpd="sng" algn="ctr">
         <a:solidFill>
           <a:schemeClr val="tx1">
-            <a:lumMod val="15000"/>
-            <a:lumOff val="85000"/>
+            <a:lumMod val="65000"/>
+            <a:lumOff val="35000"/>
           </a:schemeClr>
         </a:solidFill>
+        <a:round/>
       </a:ln>
     </cs:spPr>
   </cs:upBar>
@@ -4521,7 +4499,7 @@
 </file>
 
 <file path=ppt/charts/style4.xml><?xml version="1.0" encoding="utf-8"?>
-<cs:chartStyle xmlns:cs="http://schemas.microsoft.com/office/drawing/2012/chartStyle" xmlns:a="http://schemas.openxmlformats.org/drawingml/2006/main" id="286">
+<cs:chartStyle xmlns:cs="http://schemas.microsoft.com/office/drawing/2012/chartStyle" xmlns:a="http://schemas.openxmlformats.org/drawingml/2006/main" id="227">
   <cs:axisTitle>
     <cs:lnRef idx="0"/>
     <cs:fillRef idx="0"/>
@@ -4544,6 +4522,17 @@
         <a:lumOff val="35000"/>
       </a:schemeClr>
     </cs:fontRef>
+    <cs:spPr>
+      <a:ln w="9525" cap="flat" cmpd="sng" algn="ctr">
+        <a:solidFill>
+          <a:schemeClr val="tx1">
+            <a:lumMod val="15000"/>
+            <a:lumOff val="85000"/>
+          </a:schemeClr>
+        </a:solidFill>
+        <a:round/>
+      </a:ln>
+    </cs:spPr>
     <cs:defRPr sz="900" kern="1200"/>
   </cs:categoryAxis>
   <cs:chartArea mods="allowNoFillOverride allowNoLineOverride">
@@ -4618,6 +4607,11 @@
     <cs:fontRef idx="minor">
       <a:schemeClr val="tx1"/>
     </cs:fontRef>
+    <cs:spPr>
+      <a:solidFill>
+        <a:schemeClr val="phClr"/>
+      </a:solidFill>
+    </cs:spPr>
   </cs:dataPoint>
   <cs:dataPoint3D>
     <cs:lnRef idx="0"/>
@@ -4628,6 +4622,11 @@
     <cs:fontRef idx="minor">
       <a:schemeClr val="tx1"/>
     </cs:fontRef>
+    <cs:spPr>
+      <a:solidFill>
+        <a:schemeClr val="phClr"/>
+      </a:solidFill>
+    </cs:spPr>
   </cs:dataPoint3D>
   <cs:dataPointLine>
     <cs:lnRef idx="0">
@@ -4659,6 +4658,9 @@
       <a:schemeClr val="tx1"/>
     </cs:fontRef>
     <cs:spPr>
+      <a:solidFill>
+        <a:schemeClr val="phClr"/>
+      </a:solidFill>
       <a:ln w="9525">
         <a:solidFill>
           <a:schemeClr val="phClr"/>
@@ -4714,23 +4716,22 @@
     <cs:fillRef idx="0"/>
     <cs:effectRef idx="0"/>
     <cs:fontRef idx="minor">
-      <a:schemeClr val="tx1"/>
+      <a:schemeClr val="dk1"/>
     </cs:fontRef>
     <cs:spPr>
       <a:solidFill>
         <a:schemeClr val="dk1">
-          <a:lumMod val="75000"/>
-          <a:lumOff val="25000"/>
+          <a:lumMod val="65000"/>
+          <a:lumOff val="35000"/>
         </a:schemeClr>
       </a:solidFill>
-      <a:ln w="9525" cap="flat" cmpd="sng" algn="ctr">
+      <a:ln w="9525">
         <a:solidFill>
           <a:schemeClr val="tx1">
             <a:lumMod val="65000"/>
             <a:lumOff val="35000"/>
           </a:schemeClr>
         </a:solidFill>
-        <a:round/>
       </a:ln>
     </cs:spPr>
   </cs:downBar>
@@ -4835,8 +4836,8 @@
       <a:ln w="9525" cap="flat" cmpd="sng" algn="ctr">
         <a:solidFill>
           <a:schemeClr val="tx1">
-            <a:lumMod val="50000"/>
-            <a:lumOff val="50000"/>
+            <a:lumMod val="75000"/>
+            <a:lumOff val="25000"/>
           </a:schemeClr>
         </a:solidFill>
         <a:round/>
@@ -4968,20 +4969,19 @@
     <cs:fillRef idx="0"/>
     <cs:effectRef idx="0"/>
     <cs:fontRef idx="minor">
-      <a:schemeClr val="tx1"/>
+      <a:schemeClr val="dk1"/>
     </cs:fontRef>
     <cs:spPr>
       <a:solidFill>
         <a:schemeClr val="lt1"/>
       </a:solidFill>
-      <a:ln w="9525" cap="flat" cmpd="sng" algn="ctr">
+      <a:ln w="9525">
         <a:solidFill>
           <a:schemeClr val="tx1">
-            <a:lumMod val="65000"/>
-            <a:lumOff val="35000"/>
+            <a:lumMod val="15000"/>
+            <a:lumOff val="85000"/>
           </a:schemeClr>
         </a:solidFill>
-        <a:round/>
       </a:ln>
     </cs:spPr>
   </cs:upBar>
@@ -5502,23 +5502,7 @@
           <a:bodyPr/>
           <a:lstStyle/>
           <a:p>
-            <a:r>
-              <a:rPr lang="pt-PT" dirty="0" smtClean="0"/>
-              <a:t>Referir que o</a:t>
-            </a:r>
-            <a:r>
-              <a:rPr lang="pt-PT" baseline="0" dirty="0" smtClean="0"/>
-              <a:t> OpenMP tem mais overhead com uma thread (visto que nesta versão ele divide as threads na mesma, mas só a master é que as corre todas). Este overhead é inexistente na versão em MPI</a:t>
-            </a:r>
-          </a:p>
-          <a:p>
-            <a:endParaRPr lang="pt-PT" baseline="0" dirty="0" smtClean="0"/>
-          </a:p>
-          <a:p>
-            <a:r>
-              <a:rPr lang="pt-PT" baseline="0" dirty="0" smtClean="0"/>
-              <a:t>Referir também que fizemos vários testes para vários níveis de cache, não pusemos aqui porque não valia a pena.</a:t>
-            </a:r>
+            <a:endParaRPr lang="pt-PT" dirty="0"/>
           </a:p>
         </p:txBody>
       </p:sp>
@@ -5539,7 +5523,7 @@
           <a:p>
             <a:fld id="{7FD8F7CD-146B-4E0C-BFF5-21C4EECB8646}" type="slidenum">
               <a:rPr lang="en-US" smtClean="0"/>
-              <a:t>11</a:t>
+              <a:t>10</a:t>
             </a:fld>
             <a:endParaRPr lang="en-US"/>
           </a:p>
@@ -5548,7 +5532,7 @@
     </p:spTree>
     <p:extLst>
       <p:ext uri="{BB962C8B-B14F-4D97-AF65-F5344CB8AC3E}">
-        <p14:creationId xmlns:p14="http://schemas.microsoft.com/office/powerpoint/2010/main" val="938518366"/>
+        <p14:creationId xmlns:p14="http://schemas.microsoft.com/office/powerpoint/2010/main" val="112323497"/>
       </p:ext>
     </p:extLst>
   </p:cSld>
@@ -5608,8 +5592,21 @@
           <a:lstStyle/>
           <a:p>
             <a:r>
+              <a:rPr lang="pt-PT" dirty="0" smtClean="0"/>
+              <a:t>Referir que o</a:t>
+            </a:r>
+            <a:r>
               <a:rPr lang="pt-PT" baseline="0" dirty="0" smtClean="0"/>
-              <a:t>gráfico do speed up</a:t>
+              <a:t> OpenMP tem mais overhead com uma thread (visto que nesta versão ele divide as threads na mesma, mas só a master é que as corre todas). Este overhead é inexistente na versão em MPI</a:t>
+            </a:r>
+          </a:p>
+          <a:p>
+            <a:endParaRPr lang="pt-PT" baseline="0" dirty="0" smtClean="0"/>
+          </a:p>
+          <a:p>
+            <a:r>
+              <a:rPr lang="pt-PT" baseline="0" dirty="0" smtClean="0"/>
+              <a:t>Referir também que fizemos vários testes para vários níveis de cache, não pusemos aqui porque não valia a pena.</a:t>
             </a:r>
           </a:p>
         </p:txBody>
@@ -5640,7 +5637,7 @@
     </p:spTree>
     <p:extLst>
       <p:ext uri="{BB962C8B-B14F-4D97-AF65-F5344CB8AC3E}">
-        <p14:creationId xmlns:p14="http://schemas.microsoft.com/office/powerpoint/2010/main" val="2220647224"/>
+        <p14:creationId xmlns:p14="http://schemas.microsoft.com/office/powerpoint/2010/main" val="938518366"/>
       </p:ext>
     </p:extLst>
   </p:cSld>
@@ -5700,265 +5697,9 @@
           <a:lstStyle/>
           <a:p>
             <a:r>
-              <a:rPr lang="pt-PT" baseline="0" dirty="0" err="1" smtClean="0"/>
-              <a:t>Grafico</a:t>
-            </a:r>
-            <a:r>
               <a:rPr lang="pt-PT" baseline="0" dirty="0" smtClean="0"/>
-              <a:t> de comunicações.</a:t>
-            </a:r>
-          </a:p>
-          <a:p>
-            <a:r>
-              <a:rPr lang="en-US" baseline="0" dirty="0" smtClean="0"/>
-              <a:t>Valor </a:t>
-            </a:r>
-            <a:r>
-              <a:rPr lang="en-US" baseline="0" dirty="0" err="1" smtClean="0"/>
-              <a:t>estranho</a:t>
-            </a:r>
-            <a:r>
-              <a:rPr lang="en-US" baseline="0" dirty="0" smtClean="0"/>
-              <a:t> com 1 </a:t>
-            </a:r>
-            <a:r>
-              <a:rPr lang="en-US" baseline="0" dirty="0" err="1" smtClean="0"/>
-              <a:t>processo</a:t>
-            </a:r>
-            <a:r>
-              <a:rPr lang="en-US" baseline="0" dirty="0" smtClean="0"/>
-              <a:t> </a:t>
-            </a:r>
-            <a:r>
-              <a:rPr lang="en-US" baseline="0" dirty="0" err="1" smtClean="0"/>
-              <a:t>pois</a:t>
-            </a:r>
-            <a:r>
-              <a:rPr lang="en-US" baseline="0" dirty="0" smtClean="0"/>
-              <a:t> </a:t>
-            </a:r>
-            <a:r>
-              <a:rPr lang="en-US" baseline="0" dirty="0" err="1" smtClean="0"/>
-              <a:t>devia</a:t>
-            </a:r>
-            <a:r>
-              <a:rPr lang="en-US" baseline="0" dirty="0" smtClean="0"/>
-              <a:t> ignorer </a:t>
-            </a:r>
-            <a:r>
-              <a:rPr lang="en-US" baseline="0" dirty="0" err="1" smtClean="0"/>
-              <a:t>grande</a:t>
-            </a:r>
-            <a:r>
-              <a:rPr lang="en-US" baseline="0" dirty="0" smtClean="0"/>
-              <a:t> parte do </a:t>
-            </a:r>
-            <a:r>
-              <a:rPr lang="en-US" baseline="0" dirty="0" err="1" smtClean="0"/>
-              <a:t>processo</a:t>
-            </a:r>
-            <a:r>
-              <a:rPr lang="en-US" baseline="0" dirty="0" smtClean="0"/>
-              <a:t> de envoi mas </a:t>
-            </a:r>
-            <a:r>
-              <a:rPr lang="en-US" baseline="0" dirty="0" err="1" smtClean="0"/>
-              <a:t>demora</a:t>
-            </a:r>
-            <a:r>
-              <a:rPr lang="en-US" baseline="0" dirty="0" smtClean="0"/>
-              <a:t> </a:t>
-            </a:r>
-            <a:r>
-              <a:rPr lang="en-US" baseline="0" dirty="0" err="1" smtClean="0"/>
-              <a:t>mais</a:t>
-            </a:r>
-            <a:r>
-              <a:rPr lang="en-US" baseline="0" dirty="0" smtClean="0"/>
-              <a:t> do que </a:t>
-            </a:r>
-            <a:r>
-              <a:rPr lang="en-US" baseline="0" dirty="0" err="1" smtClean="0"/>
-              <a:t>os</a:t>
-            </a:r>
-            <a:r>
-              <a:rPr lang="en-US" baseline="0" dirty="0" smtClean="0"/>
-              <a:t> outros (</a:t>
-            </a:r>
-            <a:r>
-              <a:rPr lang="en-US" baseline="0" dirty="0" err="1" smtClean="0"/>
-              <a:t>Provavelmente</a:t>
-            </a:r>
-            <a:r>
-              <a:rPr lang="en-US" baseline="0" dirty="0" smtClean="0"/>
-              <a:t> </a:t>
-            </a:r>
-            <a:r>
-              <a:rPr lang="en-US" baseline="0" dirty="0" err="1" smtClean="0"/>
-              <a:t>porque</a:t>
-            </a:r>
-            <a:r>
-              <a:rPr lang="en-US" baseline="0" dirty="0" smtClean="0"/>
-              <a:t> </a:t>
-            </a:r>
-            <a:r>
-              <a:rPr lang="en-US" baseline="0" dirty="0" err="1" smtClean="0"/>
-              <a:t>clona</a:t>
-            </a:r>
-            <a:r>
-              <a:rPr lang="en-US" baseline="0" dirty="0" smtClean="0"/>
-              <a:t> </a:t>
-            </a:r>
-            <a:r>
-              <a:rPr lang="en-US" baseline="0" dirty="0" err="1" smtClean="0"/>
-              <a:t>todo</a:t>
-            </a:r>
-            <a:r>
-              <a:rPr lang="en-US" baseline="0" dirty="0" smtClean="0"/>
-              <a:t> o array original)</a:t>
-            </a:r>
-          </a:p>
-          <a:p>
-            <a:endParaRPr lang="en-US" baseline="0" dirty="0" smtClean="0"/>
-          </a:p>
-          <a:p>
-            <a:r>
-              <a:rPr lang="en-US" baseline="0" dirty="0" err="1" smtClean="0"/>
-              <a:t>Troca</a:t>
-            </a:r>
-            <a:r>
-              <a:rPr lang="en-US" baseline="0" dirty="0" smtClean="0"/>
-              <a:t> de </a:t>
-            </a:r>
-            <a:r>
-              <a:rPr lang="en-US" baseline="0" dirty="0" err="1" smtClean="0"/>
-              <a:t>Processos</a:t>
-            </a:r>
-            <a:r>
-              <a:rPr lang="en-US" baseline="0" dirty="0" smtClean="0"/>
-              <a:t> </a:t>
-            </a:r>
-            <a:r>
-              <a:rPr lang="en-US" baseline="0" dirty="0" err="1" smtClean="0"/>
-              <a:t>contem</a:t>
-            </a:r>
-            <a:r>
-              <a:rPr lang="en-US" baseline="0" dirty="0" smtClean="0"/>
-              <a:t> </a:t>
-            </a:r>
-            <a:r>
-              <a:rPr lang="en-US" baseline="0" dirty="0" err="1" smtClean="0"/>
-              <a:t>todo</a:t>
-            </a:r>
-            <a:r>
-              <a:rPr lang="en-US" baseline="0" dirty="0" smtClean="0"/>
-              <a:t> o tempo de </a:t>
-            </a:r>
-            <a:r>
-              <a:rPr lang="en-US" baseline="0" dirty="0" err="1" smtClean="0"/>
-              <a:t>comunicação</a:t>
-            </a:r>
-            <a:r>
-              <a:rPr lang="en-US" baseline="0" dirty="0" smtClean="0"/>
-              <a:t> + </a:t>
-            </a:r>
-            <a:r>
-              <a:rPr lang="en-US" baseline="0" dirty="0" err="1" smtClean="0"/>
-              <a:t>alocação</a:t>
-            </a:r>
-            <a:r>
-              <a:rPr lang="en-US" baseline="0" dirty="0" smtClean="0"/>
-              <a:t> e </a:t>
-            </a:r>
-            <a:r>
-              <a:rPr lang="en-US" baseline="0" dirty="0" err="1" smtClean="0"/>
-              <a:t>preenchimento</a:t>
-            </a:r>
-            <a:r>
-              <a:rPr lang="en-US" baseline="0" dirty="0" smtClean="0"/>
-              <a:t> dos arrays que </a:t>
-            </a:r>
-            <a:r>
-              <a:rPr lang="en-US" baseline="0" dirty="0" err="1" smtClean="0"/>
-              <a:t>vao</a:t>
-            </a:r>
-            <a:r>
-              <a:rPr lang="en-US" baseline="0" dirty="0" smtClean="0"/>
-              <a:t> </a:t>
-            </a:r>
-            <a:r>
-              <a:rPr lang="en-US" baseline="0" dirty="0" err="1" smtClean="0"/>
-              <a:t>ser</a:t>
-            </a:r>
-            <a:r>
-              <a:rPr lang="en-US" baseline="0" dirty="0" smtClean="0"/>
-              <a:t> </a:t>
-            </a:r>
-            <a:r>
-              <a:rPr lang="en-US" baseline="0" dirty="0" err="1" smtClean="0"/>
-              <a:t>enviados</a:t>
-            </a:r>
-            <a:endParaRPr lang="en-US" baseline="0" dirty="0" smtClean="0"/>
-          </a:p>
-          <a:p>
-            <a:endParaRPr lang="en-US" baseline="0" dirty="0" smtClean="0"/>
-          </a:p>
-          <a:p>
-            <a:r>
-              <a:rPr lang="en-US" baseline="0" dirty="0" smtClean="0"/>
-              <a:t>Parte </a:t>
-            </a:r>
-            <a:r>
-              <a:rPr lang="en-US" baseline="0" dirty="0" err="1" smtClean="0"/>
-              <a:t>quiqusort</a:t>
-            </a:r>
-            <a:r>
-              <a:rPr lang="en-US" baseline="0" dirty="0" smtClean="0"/>
-              <a:t> </a:t>
-            </a:r>
-            <a:r>
-              <a:rPr lang="en-US" baseline="0" dirty="0" err="1" smtClean="0"/>
-              <a:t>nao</a:t>
-            </a:r>
-            <a:r>
-              <a:rPr lang="en-US" baseline="0" dirty="0" smtClean="0"/>
-              <a:t> tem </a:t>
-            </a:r>
-            <a:r>
-              <a:rPr lang="en-US" baseline="0" dirty="0" err="1" smtClean="0"/>
-              <a:t>qualquer</a:t>
-            </a:r>
-            <a:r>
-              <a:rPr lang="en-US" baseline="0" dirty="0" smtClean="0"/>
-              <a:t> </a:t>
-            </a:r>
-            <a:r>
-              <a:rPr lang="en-US" baseline="0" dirty="0" err="1" smtClean="0"/>
-              <a:t>comunicação</a:t>
-            </a:r>
-            <a:r>
-              <a:rPr lang="en-US" baseline="0" dirty="0" smtClean="0"/>
-              <a:t> e </a:t>
-            </a:r>
-            <a:r>
-              <a:rPr lang="en-US" baseline="0" dirty="0" err="1" smtClean="0"/>
-              <a:t>corre</a:t>
-            </a:r>
-            <a:r>
-              <a:rPr lang="en-US" baseline="0" dirty="0" smtClean="0"/>
-              <a:t> </a:t>
-            </a:r>
-            <a:r>
-              <a:rPr lang="en-US" baseline="0" dirty="0" err="1" smtClean="0"/>
-              <a:t>sequencialmente</a:t>
-            </a:r>
-            <a:r>
-              <a:rPr lang="en-US" baseline="0" dirty="0" smtClean="0"/>
-              <a:t>.</a:t>
-            </a:r>
-          </a:p>
-          <a:p>
-            <a:endParaRPr lang="pt-PT" baseline="0" dirty="0" smtClean="0"/>
+              <a:t>gráfico do speed up</a:t>
+            </a:r>
           </a:p>
         </p:txBody>
       </p:sp>
@@ -5988,7 +5729,7 @@
     </p:spTree>
     <p:extLst>
       <p:ext uri="{BB962C8B-B14F-4D97-AF65-F5344CB8AC3E}">
-        <p14:creationId xmlns:p14="http://schemas.microsoft.com/office/powerpoint/2010/main" val="832103829"/>
+        <p14:creationId xmlns:p14="http://schemas.microsoft.com/office/powerpoint/2010/main" val="2220647224"/>
       </p:ext>
     </p:extLst>
   </p:cSld>
@@ -7000,7 +6741,266 @@
           <a:bodyPr/>
           <a:lstStyle/>
           <a:p>
-            <a:endParaRPr lang="pt-PT" dirty="0"/>
+            <a:r>
+              <a:rPr lang="pt-PT" baseline="0" dirty="0" err="1" smtClean="0"/>
+              <a:t>Grafico</a:t>
+            </a:r>
+            <a:r>
+              <a:rPr lang="pt-PT" baseline="0" dirty="0" smtClean="0"/>
+              <a:t> de comunicações.</a:t>
+            </a:r>
+          </a:p>
+          <a:p>
+            <a:r>
+              <a:rPr lang="en-US" baseline="0" dirty="0" smtClean="0"/>
+              <a:t>Valor </a:t>
+            </a:r>
+            <a:r>
+              <a:rPr lang="en-US" baseline="0" dirty="0" err="1" smtClean="0"/>
+              <a:t>estranho</a:t>
+            </a:r>
+            <a:r>
+              <a:rPr lang="en-US" baseline="0" dirty="0" smtClean="0"/>
+              <a:t> com 1 </a:t>
+            </a:r>
+            <a:r>
+              <a:rPr lang="en-US" baseline="0" dirty="0" err="1" smtClean="0"/>
+              <a:t>processo</a:t>
+            </a:r>
+            <a:r>
+              <a:rPr lang="en-US" baseline="0" dirty="0" smtClean="0"/>
+              <a:t> </a:t>
+            </a:r>
+            <a:r>
+              <a:rPr lang="en-US" baseline="0" dirty="0" err="1" smtClean="0"/>
+              <a:t>pois</a:t>
+            </a:r>
+            <a:r>
+              <a:rPr lang="en-US" baseline="0" dirty="0" smtClean="0"/>
+              <a:t> </a:t>
+            </a:r>
+            <a:r>
+              <a:rPr lang="en-US" baseline="0" dirty="0" err="1" smtClean="0"/>
+              <a:t>devia</a:t>
+            </a:r>
+            <a:r>
+              <a:rPr lang="en-US" baseline="0" dirty="0" smtClean="0"/>
+              <a:t> ignorer </a:t>
+            </a:r>
+            <a:r>
+              <a:rPr lang="en-US" baseline="0" dirty="0" err="1" smtClean="0"/>
+              <a:t>grande</a:t>
+            </a:r>
+            <a:r>
+              <a:rPr lang="en-US" baseline="0" dirty="0" smtClean="0"/>
+              <a:t> parte do </a:t>
+            </a:r>
+            <a:r>
+              <a:rPr lang="en-US" baseline="0" dirty="0" err="1" smtClean="0"/>
+              <a:t>processo</a:t>
+            </a:r>
+            <a:r>
+              <a:rPr lang="en-US" baseline="0" dirty="0" smtClean="0"/>
+              <a:t> de envoi mas </a:t>
+            </a:r>
+            <a:r>
+              <a:rPr lang="en-US" baseline="0" dirty="0" err="1" smtClean="0"/>
+              <a:t>demora</a:t>
+            </a:r>
+            <a:r>
+              <a:rPr lang="en-US" baseline="0" dirty="0" smtClean="0"/>
+              <a:t> </a:t>
+            </a:r>
+            <a:r>
+              <a:rPr lang="en-US" baseline="0" dirty="0" err="1" smtClean="0"/>
+              <a:t>mais</a:t>
+            </a:r>
+            <a:r>
+              <a:rPr lang="en-US" baseline="0" dirty="0" smtClean="0"/>
+              <a:t> do que </a:t>
+            </a:r>
+            <a:r>
+              <a:rPr lang="en-US" baseline="0" dirty="0" err="1" smtClean="0"/>
+              <a:t>os</a:t>
+            </a:r>
+            <a:r>
+              <a:rPr lang="en-US" baseline="0" dirty="0" smtClean="0"/>
+              <a:t> outros (</a:t>
+            </a:r>
+            <a:r>
+              <a:rPr lang="en-US" baseline="0" dirty="0" err="1" smtClean="0"/>
+              <a:t>Provavelmente</a:t>
+            </a:r>
+            <a:r>
+              <a:rPr lang="en-US" baseline="0" dirty="0" smtClean="0"/>
+              <a:t> </a:t>
+            </a:r>
+            <a:r>
+              <a:rPr lang="en-US" baseline="0" dirty="0" err="1" smtClean="0"/>
+              <a:t>porque</a:t>
+            </a:r>
+            <a:r>
+              <a:rPr lang="en-US" baseline="0" dirty="0" smtClean="0"/>
+              <a:t> </a:t>
+            </a:r>
+            <a:r>
+              <a:rPr lang="en-US" baseline="0" dirty="0" err="1" smtClean="0"/>
+              <a:t>clona</a:t>
+            </a:r>
+            <a:r>
+              <a:rPr lang="en-US" baseline="0" dirty="0" smtClean="0"/>
+              <a:t> </a:t>
+            </a:r>
+            <a:r>
+              <a:rPr lang="en-US" baseline="0" dirty="0" err="1" smtClean="0"/>
+              <a:t>todo</a:t>
+            </a:r>
+            <a:r>
+              <a:rPr lang="en-US" baseline="0" dirty="0" smtClean="0"/>
+              <a:t> o array original)</a:t>
+            </a:r>
+          </a:p>
+          <a:p>
+            <a:endParaRPr lang="en-US" baseline="0" dirty="0" smtClean="0"/>
+          </a:p>
+          <a:p>
+            <a:r>
+              <a:rPr lang="en-US" baseline="0" dirty="0" err="1" smtClean="0"/>
+              <a:t>Troca</a:t>
+            </a:r>
+            <a:r>
+              <a:rPr lang="en-US" baseline="0" dirty="0" smtClean="0"/>
+              <a:t> de </a:t>
+            </a:r>
+            <a:r>
+              <a:rPr lang="en-US" baseline="0" dirty="0" err="1" smtClean="0"/>
+              <a:t>Processos</a:t>
+            </a:r>
+            <a:r>
+              <a:rPr lang="en-US" baseline="0" dirty="0" smtClean="0"/>
+              <a:t> </a:t>
+            </a:r>
+            <a:r>
+              <a:rPr lang="en-US" baseline="0" dirty="0" err="1" smtClean="0"/>
+              <a:t>contem</a:t>
+            </a:r>
+            <a:r>
+              <a:rPr lang="en-US" baseline="0" dirty="0" smtClean="0"/>
+              <a:t> </a:t>
+            </a:r>
+            <a:r>
+              <a:rPr lang="en-US" baseline="0" dirty="0" err="1" smtClean="0"/>
+              <a:t>todo</a:t>
+            </a:r>
+            <a:r>
+              <a:rPr lang="en-US" baseline="0" dirty="0" smtClean="0"/>
+              <a:t> o tempo de </a:t>
+            </a:r>
+            <a:r>
+              <a:rPr lang="en-US" baseline="0" dirty="0" err="1" smtClean="0"/>
+              <a:t>comunicação</a:t>
+            </a:r>
+            <a:r>
+              <a:rPr lang="en-US" baseline="0" dirty="0" smtClean="0"/>
+              <a:t> + </a:t>
+            </a:r>
+            <a:r>
+              <a:rPr lang="en-US" baseline="0" dirty="0" err="1" smtClean="0"/>
+              <a:t>alocação</a:t>
+            </a:r>
+            <a:r>
+              <a:rPr lang="en-US" baseline="0" dirty="0" smtClean="0"/>
+              <a:t> e </a:t>
+            </a:r>
+            <a:r>
+              <a:rPr lang="en-US" baseline="0" dirty="0" err="1" smtClean="0"/>
+              <a:t>preenchimento</a:t>
+            </a:r>
+            <a:r>
+              <a:rPr lang="en-US" baseline="0" dirty="0" smtClean="0"/>
+              <a:t> dos arrays que </a:t>
+            </a:r>
+            <a:r>
+              <a:rPr lang="en-US" baseline="0" dirty="0" err="1" smtClean="0"/>
+              <a:t>vao</a:t>
+            </a:r>
+            <a:r>
+              <a:rPr lang="en-US" baseline="0" dirty="0" smtClean="0"/>
+              <a:t> </a:t>
+            </a:r>
+            <a:r>
+              <a:rPr lang="en-US" baseline="0" dirty="0" err="1" smtClean="0"/>
+              <a:t>ser</a:t>
+            </a:r>
+            <a:r>
+              <a:rPr lang="en-US" baseline="0" dirty="0" smtClean="0"/>
+              <a:t> </a:t>
+            </a:r>
+            <a:r>
+              <a:rPr lang="en-US" baseline="0" dirty="0" err="1" smtClean="0"/>
+              <a:t>enviados</a:t>
+            </a:r>
+            <a:endParaRPr lang="en-US" baseline="0" dirty="0" smtClean="0"/>
+          </a:p>
+          <a:p>
+            <a:endParaRPr lang="en-US" baseline="0" dirty="0" smtClean="0"/>
+          </a:p>
+          <a:p>
+            <a:r>
+              <a:rPr lang="en-US" baseline="0" dirty="0" smtClean="0"/>
+              <a:t>Parte </a:t>
+            </a:r>
+            <a:r>
+              <a:rPr lang="en-US" baseline="0" dirty="0" err="1" smtClean="0"/>
+              <a:t>quiqusort</a:t>
+            </a:r>
+            <a:r>
+              <a:rPr lang="en-US" baseline="0" dirty="0" smtClean="0"/>
+              <a:t> </a:t>
+            </a:r>
+            <a:r>
+              <a:rPr lang="en-US" baseline="0" dirty="0" err="1" smtClean="0"/>
+              <a:t>nao</a:t>
+            </a:r>
+            <a:r>
+              <a:rPr lang="en-US" baseline="0" dirty="0" smtClean="0"/>
+              <a:t> tem </a:t>
+            </a:r>
+            <a:r>
+              <a:rPr lang="en-US" baseline="0" dirty="0" err="1" smtClean="0"/>
+              <a:t>qualquer</a:t>
+            </a:r>
+            <a:r>
+              <a:rPr lang="en-US" baseline="0" dirty="0" smtClean="0"/>
+              <a:t> </a:t>
+            </a:r>
+            <a:r>
+              <a:rPr lang="en-US" baseline="0" dirty="0" err="1" smtClean="0"/>
+              <a:t>comunicação</a:t>
+            </a:r>
+            <a:r>
+              <a:rPr lang="en-US" baseline="0" dirty="0" smtClean="0"/>
+              <a:t> e </a:t>
+            </a:r>
+            <a:r>
+              <a:rPr lang="en-US" baseline="0" dirty="0" err="1" smtClean="0"/>
+              <a:t>corre</a:t>
+            </a:r>
+            <a:r>
+              <a:rPr lang="en-US" baseline="0" dirty="0" smtClean="0"/>
+              <a:t> </a:t>
+            </a:r>
+            <a:r>
+              <a:rPr lang="en-US" baseline="0" dirty="0" err="1" smtClean="0"/>
+              <a:t>sequencialmente</a:t>
+            </a:r>
+            <a:r>
+              <a:rPr lang="en-US" baseline="0" dirty="0" smtClean="0"/>
+              <a:t>.</a:t>
+            </a:r>
+          </a:p>
+          <a:p>
+            <a:endParaRPr lang="pt-PT" baseline="0" dirty="0" smtClean="0"/>
           </a:p>
         </p:txBody>
       </p:sp>
@@ -7030,7 +7030,7 @@
     </p:spTree>
     <p:extLst>
       <p:ext uri="{BB962C8B-B14F-4D97-AF65-F5344CB8AC3E}">
-        <p14:creationId xmlns:p14="http://schemas.microsoft.com/office/powerpoint/2010/main" val="112323497"/>
+        <p14:creationId xmlns:p14="http://schemas.microsoft.com/office/powerpoint/2010/main" val="3293188956"/>
       </p:ext>
     </p:extLst>
   </p:cSld>
@@ -13235,6 +13235,90 @@
           <a:chExt cx="0" cy="0"/>
         </a:xfrm>
       </p:grpSpPr>
+      <p:sp>
+        <p:nvSpPr>
+          <p:cNvPr id="2" name="Title 1"/>
+          <p:cNvSpPr>
+            <a:spLocks noGrp="1"/>
+          </p:cNvSpPr>
+          <p:nvPr>
+            <p:ph type="title"/>
+          </p:nvPr>
+        </p:nvSpPr>
+        <p:spPr/>
+        <p:txBody>
+          <a:bodyPr anchor="t"/>
+          <a:lstStyle/>
+          <a:p>
+            <a:r>
+              <a:rPr lang="pt-PT" dirty="0" smtClean="0"/>
+              <a:t>Híbrido</a:t>
+            </a:r>
+            <a:endParaRPr lang="pt-PT" dirty="0"/>
+          </a:p>
+        </p:txBody>
+      </p:sp>
+      <p:pic>
+        <p:nvPicPr>
+          <p:cNvPr id="4" name="Picture 3"/>
+          <p:cNvPicPr>
+            <a:picLocks noChangeAspect="1"/>
+          </p:cNvPicPr>
+          <p:nvPr/>
+        </p:nvPicPr>
+        <p:blipFill>
+          <a:blip r:embed="rId3"/>
+          <a:stretch>
+            <a:fillRect/>
+          </a:stretch>
+        </p:blipFill>
+        <p:spPr>
+          <a:xfrm>
+            <a:off x="589935" y="2045110"/>
+            <a:ext cx="7973961" cy="4295268"/>
+          </a:xfrm>
+          <a:prstGeom prst="rect">
+            <a:avLst/>
+          </a:prstGeom>
+        </p:spPr>
+      </p:pic>
+    </p:spTree>
+    <p:extLst>
+      <p:ext uri="{BB962C8B-B14F-4D97-AF65-F5344CB8AC3E}">
+        <p14:creationId xmlns:p14="http://schemas.microsoft.com/office/powerpoint/2010/main" val="738805864"/>
+      </p:ext>
+    </p:extLst>
+  </p:cSld>
+  <p:clrMapOvr>
+    <a:masterClrMapping/>
+  </p:clrMapOvr>
+  <p:timing>
+    <p:tnLst>
+      <p:par>
+        <p:cTn id="1" dur="indefinite" restart="never" nodeType="tmRoot"/>
+      </p:par>
+    </p:tnLst>
+  </p:timing>
+</p:sld>
+</file>
+
+<file path=ppt/slides/slide11.xml><?xml version="1.0" encoding="utf-8"?>
+<p:sld xmlns:a="http://schemas.openxmlformats.org/drawingml/2006/main" xmlns:r="http://schemas.openxmlformats.org/officeDocument/2006/relationships" xmlns:p="http://schemas.openxmlformats.org/presentationml/2006/main">
+  <p:cSld>
+    <p:spTree>
+      <p:nvGrpSpPr>
+        <p:cNvPr id="1" name=""/>
+        <p:cNvGrpSpPr/>
+        <p:nvPr/>
+      </p:nvGrpSpPr>
+      <p:grpSpPr>
+        <a:xfrm>
+          <a:off x="0" y="0"/>
+          <a:ext cx="0" cy="0"/>
+          <a:chOff x="0" y="0"/>
+          <a:chExt cx="0" cy="0"/>
+        </a:xfrm>
+      </p:grpSpPr>
       <p:grpSp>
         <p:nvGrpSpPr>
           <p:cNvPr id="10" name="Group 9"/>
@@ -14536,146 +14620,6 @@
 </p:sld>
 </file>
 
-<file path=ppt/slides/slide11.xml><?xml version="1.0" encoding="utf-8"?>
-<p:sld xmlns:a="http://schemas.openxmlformats.org/drawingml/2006/main" xmlns:r="http://schemas.openxmlformats.org/officeDocument/2006/relationships" xmlns:p="http://schemas.openxmlformats.org/presentationml/2006/main">
-  <p:cSld>
-    <p:spTree>
-      <p:nvGrpSpPr>
-        <p:cNvPr id="1" name=""/>
-        <p:cNvGrpSpPr/>
-        <p:nvPr/>
-      </p:nvGrpSpPr>
-      <p:grpSpPr>
-        <a:xfrm>
-          <a:off x="0" y="0"/>
-          <a:ext cx="0" cy="0"/>
-          <a:chOff x="0" y="0"/>
-          <a:chExt cx="0" cy="0"/>
-        </a:xfrm>
-      </p:grpSpPr>
-      <p:sp>
-        <p:nvSpPr>
-          <p:cNvPr id="2" name="Title 1"/>
-          <p:cNvSpPr>
-            <a:spLocks noGrp="1"/>
-          </p:cNvSpPr>
-          <p:nvPr>
-            <p:ph type="title"/>
-          </p:nvPr>
-        </p:nvSpPr>
-        <p:spPr/>
-        <p:txBody>
-          <a:bodyPr/>
-          <a:lstStyle/>
-          <a:p>
-            <a:r>
-              <a:rPr lang="pt-PT" dirty="0" smtClean="0"/>
-              <a:t>Resultados</a:t>
-            </a:r>
-            <a:endParaRPr lang="pt-PT" dirty="0"/>
-          </a:p>
-        </p:txBody>
-      </p:sp>
-      <p:sp>
-        <p:nvSpPr>
-          <p:cNvPr id="6" name="Content Placeholder 5"/>
-          <p:cNvSpPr>
-            <a:spLocks noGrp="1"/>
-          </p:cNvSpPr>
-          <p:nvPr>
-            <p:ph sz="half" idx="1"/>
-          </p:nvPr>
-        </p:nvSpPr>
-        <p:spPr>
-          <a:xfrm>
-            <a:off x="5436551" y="2568677"/>
-            <a:ext cx="2950366" cy="3468329"/>
-          </a:xfrm>
-        </p:spPr>
-        <p:txBody>
-          <a:bodyPr>
-            <a:normAutofit fontScale="92500"/>
-          </a:bodyPr>
-          <a:lstStyle/>
-          <a:p>
-            <a:r>
-              <a:rPr lang="pt-PT" dirty="0" smtClean="0"/>
-              <a:t>Compilado com –O3</a:t>
-            </a:r>
-          </a:p>
-          <a:p>
-            <a:r>
-              <a:rPr lang="pt-PT" dirty="0" smtClean="0"/>
-              <a:t>Nodo 662 do </a:t>
-            </a:r>
-            <a:r>
-              <a:rPr lang="pt-PT" i="1" dirty="0"/>
-              <a:t>S</a:t>
-            </a:r>
-            <a:r>
-              <a:rPr lang="pt-PT" i="1" dirty="0" smtClean="0"/>
-              <a:t>earch</a:t>
-            </a:r>
-          </a:p>
-          <a:p>
-            <a:r>
-              <a:rPr lang="pt-PT" dirty="0" smtClean="0"/>
-              <a:t>Array com 152 MBytes</a:t>
-            </a:r>
-          </a:p>
-          <a:p>
-            <a:r>
-              <a:rPr lang="pt-PT" dirty="0" smtClean="0"/>
-              <a:t>Versão híbrida tem 2 processos MPI e threads OpenMP variadas.</a:t>
-            </a:r>
-            <a:endParaRPr lang="pt-PT" dirty="0"/>
-          </a:p>
-        </p:txBody>
-      </p:sp>
-      <p:graphicFrame>
-        <p:nvGraphicFramePr>
-          <p:cNvPr id="7" name="Chart 6"/>
-          <p:cNvGraphicFramePr>
-            <a:graphicFrameLocks/>
-          </p:cNvGraphicFramePr>
-          <p:nvPr>
-            <p:extLst>
-              <p:ext uri="{D42A27DB-BD31-4B8C-83A1-F6EECF244321}">
-                <p14:modId xmlns:p14="http://schemas.microsoft.com/office/powerpoint/2010/main" val="1563849839"/>
-              </p:ext>
-            </p:extLst>
-          </p:nvPr>
-        </p:nvGraphicFramePr>
-        <p:xfrm>
-          <a:off x="644013" y="2431025"/>
-          <a:ext cx="4792538" cy="3861620"/>
-        </p:xfrm>
-        <a:graphic>
-          <a:graphicData uri="http://schemas.openxmlformats.org/drawingml/2006/chart">
-            <c:chart xmlns:c="http://schemas.openxmlformats.org/drawingml/2006/chart" xmlns:r="http://schemas.openxmlformats.org/officeDocument/2006/relationships" r:id="rId3"/>
-          </a:graphicData>
-        </a:graphic>
-      </p:graphicFrame>
-    </p:spTree>
-    <p:extLst>
-      <p:ext uri="{BB962C8B-B14F-4D97-AF65-F5344CB8AC3E}">
-        <p14:creationId xmlns:p14="http://schemas.microsoft.com/office/powerpoint/2010/main" val="1010013459"/>
-      </p:ext>
-    </p:extLst>
-  </p:cSld>
-  <p:clrMapOvr>
-    <a:masterClrMapping/>
-  </p:clrMapOvr>
-  <p:timing>
-    <p:tnLst>
-      <p:par>
-        <p:cTn id="1" dur="indefinite" restart="never" nodeType="tmRoot"/>
-      </p:par>
-    </p:tnLst>
-  </p:timing>
-</p:sld>
-</file>
-
 <file path=ppt/slides/slide12.xml><?xml version="1.0" encoding="utf-8"?>
 <p:sld xmlns:a="http://schemas.openxmlformats.org/drawingml/2006/main" xmlns:r="http://schemas.openxmlformats.org/officeDocument/2006/relationships" xmlns:p="http://schemas.openxmlformats.org/presentationml/2006/main">
   <p:cSld>
@@ -14766,7 +14710,7 @@
           <a:p>
             <a:r>
               <a:rPr lang="pt-PT" dirty="0" smtClean="0"/>
-              <a:t>Versão hibrida tem 2 processos MPI e threads OpenMP variadas.</a:t>
+              <a:t>Versão híbrida tem 2 processos MPI e threads OpenMP variadas.</a:t>
             </a:r>
             <a:endParaRPr lang="pt-PT" dirty="0"/>
           </a:p>
@@ -14774,21 +14718,21 @@
       </p:sp>
       <p:graphicFrame>
         <p:nvGraphicFramePr>
-          <p:cNvPr id="8" name="Chart 7"/>
+          <p:cNvPr id="7" name="Chart 6"/>
           <p:cNvGraphicFramePr>
             <a:graphicFrameLocks/>
           </p:cNvGraphicFramePr>
           <p:nvPr>
             <p:extLst>
               <p:ext uri="{D42A27DB-BD31-4B8C-83A1-F6EECF244321}">
-                <p14:modId xmlns:p14="http://schemas.microsoft.com/office/powerpoint/2010/main" val="2510295150"/>
+                <p14:modId xmlns:p14="http://schemas.microsoft.com/office/powerpoint/2010/main" val="1563849839"/>
               </p:ext>
             </p:extLst>
           </p:nvPr>
         </p:nvGraphicFramePr>
         <p:xfrm>
-          <a:off x="703005" y="2490018"/>
-          <a:ext cx="4733545" cy="3753466"/>
+          <a:off x="644013" y="2431025"/>
+          <a:ext cx="4792538" cy="3861620"/>
         </p:xfrm>
         <a:graphic>
           <a:graphicData uri="http://schemas.openxmlformats.org/drawingml/2006/chart">
@@ -14799,7 +14743,7 @@
     </p:spTree>
     <p:extLst>
       <p:ext uri="{BB962C8B-B14F-4D97-AF65-F5344CB8AC3E}">
-        <p14:creationId xmlns:p14="http://schemas.microsoft.com/office/powerpoint/2010/main" val="1232872809"/>
+        <p14:creationId xmlns:p14="http://schemas.microsoft.com/office/powerpoint/2010/main" val="1010013459"/>
       </p:ext>
     </p:extLst>
   </p:cSld>
@@ -14874,7 +14818,7 @@
         </p:spPr>
         <p:txBody>
           <a:bodyPr>
-            <a:normAutofit fontScale="85000" lnSpcReduction="20000"/>
+            <a:normAutofit fontScale="92500"/>
           </a:bodyPr>
           <a:lstStyle/>
           <a:p>
@@ -14900,74 +14844,35 @@
           <a:p>
             <a:r>
               <a:rPr lang="pt-PT" dirty="0" smtClean="0"/>
-              <a:t>Array com 152 </a:t>
-            </a:r>
-            <a:r>
-              <a:rPr lang="pt-PT" dirty="0" err="1" smtClean="0"/>
-              <a:t>Mbytes</a:t>
-            </a:r>
-            <a:endParaRPr lang="pt-PT" dirty="0" smtClean="0"/>
+              <a:t>Array com 152 MBytes</a:t>
+            </a:r>
           </a:p>
           <a:p>
             <a:r>
               <a:rPr lang="pt-PT" dirty="0" smtClean="0"/>
-              <a:t>Parte “</a:t>
-            </a:r>
-            <a:r>
-              <a:rPr lang="pt-PT" dirty="0" err="1" smtClean="0"/>
-              <a:t>Quicksort</a:t>
-            </a:r>
-            <a:r>
-              <a:rPr lang="pt-PT" dirty="0" smtClean="0"/>
-              <a:t>” contem a parte sequencial do algoritmo.</a:t>
-            </a:r>
-          </a:p>
-          <a:p>
-            <a:r>
-              <a:rPr lang="pt-PT" dirty="0" smtClean="0"/>
-              <a:t>Parte “Troca de </a:t>
-            </a:r>
-            <a:r>
-              <a:rPr lang="pt-PT" dirty="0" err="1" smtClean="0"/>
-              <a:t>Arrays</a:t>
-            </a:r>
-            <a:r>
-              <a:rPr lang="pt-PT" dirty="0" smtClean="0"/>
-              <a:t>” contem a parte de troca de </a:t>
-            </a:r>
-            <a:r>
-              <a:rPr lang="pt-PT" dirty="0" err="1" smtClean="0"/>
-              <a:t>arrays</a:t>
-            </a:r>
-            <a:r>
-              <a:rPr lang="pt-PT" dirty="0" smtClean="0"/>
-              <a:t> entre processos(e não apenas a comunicação)</a:t>
-            </a:r>
-            <a:r>
-              <a:rPr lang="pt-PT" dirty="0" smtClean="0"/>
-              <a:t>.</a:t>
-            </a:r>
-            <a:endParaRPr lang="pt-PT" dirty="0" smtClean="0"/>
+              <a:t>Versão hibrida tem 2 processos MPI e threads OpenMP variadas.</a:t>
+            </a:r>
+            <a:endParaRPr lang="pt-PT" dirty="0"/>
           </a:p>
         </p:txBody>
       </p:sp>
       <p:graphicFrame>
         <p:nvGraphicFramePr>
-          <p:cNvPr id="5" name="Chart 4"/>
+          <p:cNvPr id="8" name="Chart 7"/>
           <p:cNvGraphicFramePr>
             <a:graphicFrameLocks/>
           </p:cNvGraphicFramePr>
           <p:nvPr>
             <p:extLst>
               <p:ext uri="{D42A27DB-BD31-4B8C-83A1-F6EECF244321}">
-                <p14:modId xmlns:p14="http://schemas.microsoft.com/office/powerpoint/2010/main" val="2998064853"/>
+                <p14:modId xmlns:p14="http://schemas.microsoft.com/office/powerpoint/2010/main" val="2510295150"/>
               </p:ext>
             </p:extLst>
           </p:nvPr>
         </p:nvGraphicFramePr>
         <p:xfrm>
-          <a:off x="864551" y="2568676"/>
-          <a:ext cx="4572000" cy="3468329"/>
+          <a:off x="703005" y="2490018"/>
+          <a:ext cx="4733545" cy="3753466"/>
         </p:xfrm>
         <a:graphic>
           <a:graphicData uri="http://schemas.openxmlformats.org/drawingml/2006/chart">
@@ -14978,7 +14883,7 @@
     </p:spTree>
     <p:extLst>
       <p:ext uri="{BB962C8B-B14F-4D97-AF65-F5344CB8AC3E}">
-        <p14:creationId xmlns:p14="http://schemas.microsoft.com/office/powerpoint/2010/main" val="1110384804"/>
+        <p14:creationId xmlns:p14="http://schemas.microsoft.com/office/powerpoint/2010/main" val="1232872809"/>
       </p:ext>
     </p:extLst>
   </p:cSld>
@@ -21606,45 +21511,131 @@
         </p:nvSpPr>
         <p:spPr/>
         <p:txBody>
-          <a:bodyPr anchor="t"/>
+          <a:bodyPr/>
           <a:lstStyle/>
           <a:p>
             <a:r>
               <a:rPr lang="pt-PT" dirty="0" smtClean="0"/>
-              <a:t>Híbrido</a:t>
+              <a:t>Resultados</a:t>
             </a:r>
             <a:endParaRPr lang="pt-PT" dirty="0"/>
           </a:p>
         </p:txBody>
       </p:sp>
-      <p:pic>
-        <p:nvPicPr>
-          <p:cNvPr id="4" name="Picture 3"/>
-          <p:cNvPicPr>
-            <a:picLocks noChangeAspect="1"/>
-          </p:cNvPicPr>
-          <p:nvPr/>
-        </p:nvPicPr>
-        <p:blipFill>
-          <a:blip r:embed="rId3"/>
-          <a:stretch>
-            <a:fillRect/>
-          </a:stretch>
-        </p:blipFill>
+      <p:sp>
+        <p:nvSpPr>
+          <p:cNvPr id="6" name="Content Placeholder 5"/>
+          <p:cNvSpPr>
+            <a:spLocks noGrp="1"/>
+          </p:cNvSpPr>
+          <p:nvPr>
+            <p:ph sz="half" idx="1"/>
+          </p:nvPr>
+        </p:nvSpPr>
         <p:spPr>
           <a:xfrm>
-            <a:off x="589935" y="2045110"/>
-            <a:ext cx="7973961" cy="4295268"/>
+            <a:off x="5436551" y="2568677"/>
+            <a:ext cx="2950366" cy="3468329"/>
           </a:xfrm>
-          <a:prstGeom prst="rect">
-            <a:avLst/>
-          </a:prstGeom>
         </p:spPr>
-      </p:pic>
+        <p:txBody>
+          <a:bodyPr>
+            <a:normAutofit fontScale="85000" lnSpcReduction="20000"/>
+          </a:bodyPr>
+          <a:lstStyle/>
+          <a:p>
+            <a:r>
+              <a:rPr lang="pt-PT" dirty="0" smtClean="0"/>
+              <a:t>Compilado com –O3</a:t>
+            </a:r>
+          </a:p>
+          <a:p>
+            <a:r>
+              <a:rPr lang="pt-PT" dirty="0" smtClean="0"/>
+              <a:t>Nodo 662 do </a:t>
+            </a:r>
+            <a:r>
+              <a:rPr lang="pt-PT" i="1" dirty="0"/>
+              <a:t>S</a:t>
+            </a:r>
+            <a:r>
+              <a:rPr lang="pt-PT" i="1" dirty="0" smtClean="0"/>
+              <a:t>earch</a:t>
+            </a:r>
+          </a:p>
+          <a:p>
+            <a:r>
+              <a:rPr lang="pt-PT" dirty="0" smtClean="0"/>
+              <a:t>Array com 152 </a:t>
+            </a:r>
+            <a:r>
+              <a:rPr lang="pt-PT" dirty="0" err="1" smtClean="0"/>
+              <a:t>Mbytes</a:t>
+            </a:r>
+            <a:endParaRPr lang="pt-PT" dirty="0" smtClean="0"/>
+          </a:p>
+          <a:p>
+            <a:r>
+              <a:rPr lang="pt-PT" dirty="0" smtClean="0"/>
+              <a:t>Parte “Quicksort” </a:t>
+            </a:r>
+            <a:r>
+              <a:rPr lang="pt-PT" dirty="0" smtClean="0"/>
+              <a:t>contém </a:t>
+            </a:r>
+            <a:r>
+              <a:rPr lang="pt-PT" dirty="0" smtClean="0"/>
+              <a:t>a parte sequencial do algoritmo.</a:t>
+            </a:r>
+          </a:p>
+          <a:p>
+            <a:r>
+              <a:rPr lang="pt-PT" dirty="0" smtClean="0"/>
+              <a:t>Parte “Troca de Arrays” </a:t>
+            </a:r>
+            <a:r>
+              <a:rPr lang="pt-PT" dirty="0" smtClean="0"/>
+              <a:t>contém </a:t>
+            </a:r>
+            <a:r>
+              <a:rPr lang="pt-PT" dirty="0" smtClean="0"/>
+              <a:t>a parte de troca de arrays entre </a:t>
+            </a:r>
+            <a:r>
+              <a:rPr lang="pt-PT" dirty="0" smtClean="0"/>
+              <a:t>processos (</a:t>
+            </a:r>
+            <a:r>
+              <a:rPr lang="pt-PT" dirty="0" smtClean="0"/>
+              <a:t>e não apenas a comunicação).</a:t>
+            </a:r>
+          </a:p>
+        </p:txBody>
+      </p:sp>
+      <p:graphicFrame>
+        <p:nvGraphicFramePr>
+          <p:cNvPr id="5" name="Chart 4"/>
+          <p:cNvGraphicFramePr>
+            <a:graphicFrameLocks/>
+          </p:cNvGraphicFramePr>
+          <p:nvPr>
+            <p:extLst/>
+          </p:nvPr>
+        </p:nvGraphicFramePr>
+        <p:xfrm>
+          <a:off x="864551" y="2568676"/>
+          <a:ext cx="4572000" cy="3468329"/>
+        </p:xfrm>
+        <a:graphic>
+          <a:graphicData uri="http://schemas.openxmlformats.org/drawingml/2006/chart">
+            <c:chart xmlns:c="http://schemas.openxmlformats.org/drawingml/2006/chart" xmlns:r="http://schemas.openxmlformats.org/officeDocument/2006/relationships" r:id="rId3"/>
+          </a:graphicData>
+        </a:graphic>
+      </p:graphicFrame>
     </p:spTree>
     <p:extLst>
       <p:ext uri="{BB962C8B-B14F-4D97-AF65-F5344CB8AC3E}">
-        <p14:creationId xmlns:p14="http://schemas.microsoft.com/office/powerpoint/2010/main" val="738805864"/>
+        <p14:creationId xmlns:p14="http://schemas.microsoft.com/office/powerpoint/2010/main" val="775966660"/>
       </p:ext>
     </p:extLst>
   </p:cSld>
